--- a/mini project sem 1.pptx
+++ b/mini project sem 1.pptx
@@ -165,7 +165,7 @@
           <a:noFill/>
           <a:extLst>
             <a:ext uri="{909E8E84-426E-40dd-AFC4-6F175D3DCCD1}">
-              <a14:hiddenFill xmlns="" xmlns:a14="http://schemas.microsoft.com/office/drawing/2010/main">
+              <a14:hiddenFill xmlns:a14="http://schemas.microsoft.com/office/drawing/2010/main" xmlns="">
                 <a:solidFill>
                   <a:srgbClr val="FFFFFF"/>
                 </a:solidFill>
@@ -225,7 +225,7 @@
             </a:ln>
             <a:extLst>
               <a:ext uri="{91240B29-F687-4f45-9708-019B960494DF}">
-                <a14:hiddenLine xmlns="" xmlns:a14="http://schemas.microsoft.com/office/drawing/2010/main" w="9525">
+                <a14:hiddenLine xmlns:a14="http://schemas.microsoft.com/office/drawing/2010/main" xmlns="" w="9525">
                   <a:solidFill>
                     <a:srgbClr val="000000"/>
                   </a:solidFill>
@@ -315,7 +315,7 @@
             </a:ln>
             <a:extLst>
               <a:ext uri="{91240B29-F687-4f45-9708-019B960494DF}">
-                <a14:hiddenLine xmlns="" xmlns:a14="http://schemas.microsoft.com/office/drawing/2010/main" w="9525">
+                <a14:hiddenLine xmlns:a14="http://schemas.microsoft.com/office/drawing/2010/main" xmlns="" w="9525">
                   <a:solidFill>
                     <a:srgbClr val="000000"/>
                   </a:solidFill>
@@ -405,7 +405,7 @@
             </a:ln>
             <a:extLst>
               <a:ext uri="{91240B29-F687-4f45-9708-019B960494DF}">
-                <a14:hiddenLine xmlns="" xmlns:a14="http://schemas.microsoft.com/office/drawing/2010/main" w="9525">
+                <a14:hiddenLine xmlns:a14="http://schemas.microsoft.com/office/drawing/2010/main" xmlns="" w="9525">
                   <a:solidFill>
                     <a:srgbClr val="000000"/>
                   </a:solidFill>
@@ -439,7 +439,7 @@
             </a:ln>
             <a:extLst>
               <a:ext uri="{91240B29-F687-4f45-9708-019B960494DF}">
-                <a14:hiddenLine xmlns="" xmlns:a14="http://schemas.microsoft.com/office/drawing/2010/main" w="9525">
+                <a14:hiddenLine xmlns:a14="http://schemas.microsoft.com/office/drawing/2010/main" xmlns="" w="9525">
                   <a:solidFill>
                     <a:srgbClr val="000000"/>
                   </a:solidFill>
@@ -529,7 +529,7 @@
             </a:ln>
             <a:extLst>
               <a:ext uri="{91240B29-F687-4f45-9708-019B960494DF}">
-                <a14:hiddenLine xmlns="" xmlns:a14="http://schemas.microsoft.com/office/drawing/2010/main" w="9525">
+                <a14:hiddenLine xmlns:a14="http://schemas.microsoft.com/office/drawing/2010/main" xmlns="" w="9525">
                   <a:solidFill>
                     <a:srgbClr val="000000"/>
                   </a:solidFill>
@@ -591,7 +591,7 @@
             </a:ln>
             <a:extLst>
               <a:ext uri="{91240B29-F687-4f45-9708-019B960494DF}">
-                <a14:hiddenLine xmlns="" xmlns:a14="http://schemas.microsoft.com/office/drawing/2010/main" w="9525">
+                <a14:hiddenLine xmlns:a14="http://schemas.microsoft.com/office/drawing/2010/main" xmlns="" w="9525">
                   <a:solidFill>
                     <a:srgbClr val="000000"/>
                   </a:solidFill>
@@ -653,7 +653,7 @@
             </a:ln>
             <a:extLst>
               <a:ext uri="{91240B29-F687-4f45-9708-019B960494DF}">
-                <a14:hiddenLine xmlns="" xmlns:a14="http://schemas.microsoft.com/office/drawing/2010/main" w="9525">
+                <a14:hiddenLine xmlns:a14="http://schemas.microsoft.com/office/drawing/2010/main" xmlns="" w="9525">
                   <a:solidFill>
                     <a:srgbClr val="000000"/>
                   </a:solidFill>
@@ -743,7 +743,7 @@
             </a:ln>
             <a:extLst>
               <a:ext uri="{91240B29-F687-4f45-9708-019B960494DF}">
-                <a14:hiddenLine xmlns="" xmlns:a14="http://schemas.microsoft.com/office/drawing/2010/main" w="9525">
+                <a14:hiddenLine xmlns:a14="http://schemas.microsoft.com/office/drawing/2010/main" xmlns="" w="9525">
                   <a:solidFill>
                     <a:srgbClr val="000000"/>
                   </a:solidFill>
@@ -805,7 +805,7 @@
             </a:ln>
             <a:extLst>
               <a:ext uri="{91240B29-F687-4f45-9708-019B960494DF}">
-                <a14:hiddenLine xmlns="" xmlns:a14="http://schemas.microsoft.com/office/drawing/2010/main" w="9525">
+                <a14:hiddenLine xmlns:a14="http://schemas.microsoft.com/office/drawing/2010/main" xmlns="" w="9525">
                   <a:solidFill>
                     <a:srgbClr val="000000"/>
                   </a:solidFill>
@@ -867,7 +867,7 @@
             </a:ln>
             <a:extLst>
               <a:ext uri="{91240B29-F687-4f45-9708-019B960494DF}">
-                <a14:hiddenLine xmlns="" xmlns:a14="http://schemas.microsoft.com/office/drawing/2010/main" w="9525">
+                <a14:hiddenLine xmlns:a14="http://schemas.microsoft.com/office/drawing/2010/main" xmlns="" w="9525">
                   <a:solidFill>
                     <a:srgbClr val="000000"/>
                   </a:solidFill>
@@ -957,7 +957,7 @@
             </a:ln>
             <a:extLst>
               <a:ext uri="{91240B29-F687-4f45-9708-019B960494DF}">
-                <a14:hiddenLine xmlns="" xmlns:a14="http://schemas.microsoft.com/office/drawing/2010/main" w="9525">
+                <a14:hiddenLine xmlns:a14="http://schemas.microsoft.com/office/drawing/2010/main" xmlns="" w="9525">
                   <a:solidFill>
                     <a:srgbClr val="000000"/>
                   </a:solidFill>
@@ -1047,7 +1047,7 @@
             </a:ln>
             <a:extLst>
               <a:ext uri="{91240B29-F687-4f45-9708-019B960494DF}">
-                <a14:hiddenLine xmlns="" xmlns:a14="http://schemas.microsoft.com/office/drawing/2010/main" w="9525">
+                <a14:hiddenLine xmlns:a14="http://schemas.microsoft.com/office/drawing/2010/main" xmlns="" w="9525">
                   <a:solidFill>
                     <a:srgbClr val="000000"/>
                   </a:solidFill>
@@ -1109,7 +1109,7 @@
             </a:ln>
             <a:extLst>
               <a:ext uri="{91240B29-F687-4f45-9708-019B960494DF}">
-                <a14:hiddenLine xmlns="" xmlns:a14="http://schemas.microsoft.com/office/drawing/2010/main" w="9525">
+                <a14:hiddenLine xmlns:a14="http://schemas.microsoft.com/office/drawing/2010/main" xmlns="" w="9525">
                   <a:solidFill>
                     <a:srgbClr val="000000"/>
                   </a:solidFill>
@@ -1219,7 +1219,7 @@
             </a:ln>
             <a:extLst>
               <a:ext uri="{91240B29-F687-4f45-9708-019B960494DF}">
-                <a14:hiddenLine xmlns="" xmlns:a14="http://schemas.microsoft.com/office/drawing/2010/main" w="9525">
+                <a14:hiddenLine xmlns:a14="http://schemas.microsoft.com/office/drawing/2010/main" xmlns="" w="9525">
                   <a:solidFill>
                     <a:srgbClr val="000000"/>
                   </a:solidFill>
@@ -1281,7 +1281,7 @@
             </a:ln>
             <a:extLst>
               <a:ext uri="{91240B29-F687-4f45-9708-019B960494DF}">
-                <a14:hiddenLine xmlns="" xmlns:a14="http://schemas.microsoft.com/office/drawing/2010/main" w="9525">
+                <a14:hiddenLine xmlns:a14="http://schemas.microsoft.com/office/drawing/2010/main" xmlns="" w="9525">
                   <a:solidFill>
                     <a:srgbClr val="000000"/>
                   </a:solidFill>
@@ -1371,7 +1371,7 @@
             </a:ln>
             <a:extLst>
               <a:ext uri="{91240B29-F687-4f45-9708-019B960494DF}">
-                <a14:hiddenLine xmlns="" xmlns:a14="http://schemas.microsoft.com/office/drawing/2010/main" w="9525">
+                <a14:hiddenLine xmlns:a14="http://schemas.microsoft.com/office/drawing/2010/main" xmlns="" w="9525">
                   <a:solidFill>
                     <a:srgbClr val="000000"/>
                   </a:solidFill>
@@ -1461,7 +1461,7 @@
             </a:ln>
             <a:extLst>
               <a:ext uri="{91240B29-F687-4f45-9708-019B960494DF}">
-                <a14:hiddenLine xmlns="" xmlns:a14="http://schemas.microsoft.com/office/drawing/2010/main" w="9525">
+                <a14:hiddenLine xmlns:a14="http://schemas.microsoft.com/office/drawing/2010/main" xmlns="" w="9525">
                   <a:solidFill>
                     <a:srgbClr val="000000"/>
                   </a:solidFill>
@@ -1523,7 +1523,7 @@
             </a:ln>
             <a:extLst>
               <a:ext uri="{91240B29-F687-4f45-9708-019B960494DF}">
-                <a14:hiddenLine xmlns="" xmlns:a14="http://schemas.microsoft.com/office/drawing/2010/main" w="9525">
+                <a14:hiddenLine xmlns:a14="http://schemas.microsoft.com/office/drawing/2010/main" xmlns="" w="9525">
                   <a:solidFill>
                     <a:srgbClr val="000000"/>
                   </a:solidFill>
@@ -1613,7 +1613,7 @@
             </a:ln>
             <a:extLst>
               <a:ext uri="{91240B29-F687-4f45-9708-019B960494DF}">
-                <a14:hiddenLine xmlns="" xmlns:a14="http://schemas.microsoft.com/office/drawing/2010/main" w="9525">
+                <a14:hiddenLine xmlns:a14="http://schemas.microsoft.com/office/drawing/2010/main" xmlns="" w="9525">
                   <a:solidFill>
                     <a:srgbClr val="000000"/>
                   </a:solidFill>
@@ -1703,7 +1703,7 @@
             </a:ln>
             <a:extLst>
               <a:ext uri="{91240B29-F687-4f45-9708-019B960494DF}">
-                <a14:hiddenLine xmlns="" xmlns:a14="http://schemas.microsoft.com/office/drawing/2010/main" w="9525">
+                <a14:hiddenLine xmlns:a14="http://schemas.microsoft.com/office/drawing/2010/main" xmlns="" w="9525">
                   <a:solidFill>
                     <a:srgbClr val="000000"/>
                   </a:solidFill>
@@ -1759,7 +1759,7 @@
             </a:ln>
             <a:extLst>
               <a:ext uri="{91240B29-F687-4f45-9708-019B960494DF}">
-                <a14:hiddenLine xmlns="" xmlns:a14="http://schemas.microsoft.com/office/drawing/2010/main" w="9525">
+                <a14:hiddenLine xmlns:a14="http://schemas.microsoft.com/office/drawing/2010/main" xmlns="" w="9525">
                   <a:solidFill>
                     <a:srgbClr val="000000"/>
                   </a:solidFill>
@@ -1849,7 +1849,7 @@
             </a:ln>
             <a:extLst>
               <a:ext uri="{91240B29-F687-4f45-9708-019B960494DF}">
-                <a14:hiddenLine xmlns="" xmlns:a14="http://schemas.microsoft.com/office/drawing/2010/main" w="9525">
+                <a14:hiddenLine xmlns:a14="http://schemas.microsoft.com/office/drawing/2010/main" xmlns="" w="9525">
                   <a:solidFill>
                     <a:srgbClr val="000000"/>
                   </a:solidFill>
@@ -1905,7 +1905,7 @@
             </a:ln>
             <a:extLst>
               <a:ext uri="{91240B29-F687-4f45-9708-019B960494DF}">
-                <a14:hiddenLine xmlns="" xmlns:a14="http://schemas.microsoft.com/office/drawing/2010/main" w="9525">
+                <a14:hiddenLine xmlns:a14="http://schemas.microsoft.com/office/drawing/2010/main" xmlns="" w="9525">
                   <a:solidFill>
                     <a:srgbClr val="000000"/>
                   </a:solidFill>
@@ -1995,7 +1995,7 @@
             </a:ln>
             <a:extLst>
               <a:ext uri="{91240B29-F687-4f45-9708-019B960494DF}">
-                <a14:hiddenLine xmlns="" xmlns:a14="http://schemas.microsoft.com/office/drawing/2010/main" w="9525">
+                <a14:hiddenLine xmlns:a14="http://schemas.microsoft.com/office/drawing/2010/main" xmlns="" w="9525">
                   <a:solidFill>
                     <a:srgbClr val="000000"/>
                   </a:solidFill>
@@ -2063,7 +2063,7 @@
             </a:ln>
             <a:extLst>
               <a:ext uri="{91240B29-F687-4f45-9708-019B960494DF}">
-                <a14:hiddenLine xmlns="" xmlns:a14="http://schemas.microsoft.com/office/drawing/2010/main" w="9525">
+                <a14:hiddenLine xmlns:a14="http://schemas.microsoft.com/office/drawing/2010/main" xmlns="" w="9525">
                   <a:solidFill>
                     <a:srgbClr val="000000"/>
                   </a:solidFill>
@@ -2153,7 +2153,7 @@
             </a:ln>
             <a:extLst>
               <a:ext uri="{91240B29-F687-4f45-9708-019B960494DF}">
-                <a14:hiddenLine xmlns="" xmlns:a14="http://schemas.microsoft.com/office/drawing/2010/main" w="9525">
+                <a14:hiddenLine xmlns:a14="http://schemas.microsoft.com/office/drawing/2010/main" xmlns="" w="9525">
                   <a:solidFill>
                     <a:srgbClr val="000000"/>
                   </a:solidFill>
@@ -2221,7 +2221,7 @@
             </a:ln>
             <a:extLst>
               <a:ext uri="{91240B29-F687-4f45-9708-019B960494DF}">
-                <a14:hiddenLine xmlns="" xmlns:a14="http://schemas.microsoft.com/office/drawing/2010/main" w="9525">
+                <a14:hiddenLine xmlns:a14="http://schemas.microsoft.com/office/drawing/2010/main" xmlns="" w="9525">
                   <a:solidFill>
                     <a:srgbClr val="000000"/>
                   </a:solidFill>
@@ -2311,7 +2311,7 @@
             </a:ln>
             <a:extLst>
               <a:ext uri="{91240B29-F687-4f45-9708-019B960494DF}">
-                <a14:hiddenLine xmlns="" xmlns:a14="http://schemas.microsoft.com/office/drawing/2010/main" w="9525">
+                <a14:hiddenLine xmlns:a14="http://schemas.microsoft.com/office/drawing/2010/main" xmlns="" w="9525">
                   <a:solidFill>
                     <a:srgbClr val="000000"/>
                   </a:solidFill>
@@ -2345,7 +2345,7 @@
             </a:ln>
             <a:extLst>
               <a:ext uri="{91240B29-F687-4f45-9708-019B960494DF}">
-                <a14:hiddenLine xmlns="" xmlns:a14="http://schemas.microsoft.com/office/drawing/2010/main" w="9525">
+                <a14:hiddenLine xmlns:a14="http://schemas.microsoft.com/office/drawing/2010/main" xmlns="" w="9525">
                   <a:solidFill>
                     <a:srgbClr val="000000"/>
                   </a:solidFill>
@@ -2435,7 +2435,7 @@
             </a:ln>
             <a:extLst>
               <a:ext uri="{91240B29-F687-4f45-9708-019B960494DF}">
-                <a14:hiddenLine xmlns="" xmlns:a14="http://schemas.microsoft.com/office/drawing/2010/main" w="9525">
+                <a14:hiddenLine xmlns:a14="http://schemas.microsoft.com/office/drawing/2010/main" xmlns="" w="9525">
                   <a:solidFill>
                     <a:srgbClr val="000000"/>
                   </a:solidFill>
@@ -2497,7 +2497,7 @@
             </a:ln>
             <a:extLst>
               <a:ext uri="{91240B29-F687-4f45-9708-019B960494DF}">
-                <a14:hiddenLine xmlns="" xmlns:a14="http://schemas.microsoft.com/office/drawing/2010/main" w="9525">
+                <a14:hiddenLine xmlns:a14="http://schemas.microsoft.com/office/drawing/2010/main" xmlns="" w="9525">
                   <a:solidFill>
                     <a:srgbClr val="000000"/>
                   </a:solidFill>
@@ -2559,7 +2559,7 @@
             </a:ln>
             <a:extLst>
               <a:ext uri="{91240B29-F687-4f45-9708-019B960494DF}">
-                <a14:hiddenLine xmlns="" xmlns:a14="http://schemas.microsoft.com/office/drawing/2010/main" w="9525">
+                <a14:hiddenLine xmlns:a14="http://schemas.microsoft.com/office/drawing/2010/main" xmlns="" w="9525">
                   <a:solidFill>
                     <a:srgbClr val="000000"/>
                   </a:solidFill>
@@ -2649,7 +2649,7 @@
             </a:ln>
             <a:extLst>
               <a:ext uri="{91240B29-F687-4f45-9708-019B960494DF}">
-                <a14:hiddenLine xmlns="" xmlns:a14="http://schemas.microsoft.com/office/drawing/2010/main" w="9525">
+                <a14:hiddenLine xmlns:a14="http://schemas.microsoft.com/office/drawing/2010/main" xmlns="" w="9525">
                   <a:solidFill>
                     <a:srgbClr val="000000"/>
                   </a:solidFill>
@@ -2717,7 +2717,7 @@
             </a:ln>
             <a:extLst>
               <a:ext uri="{91240B29-F687-4f45-9708-019B960494DF}">
-                <a14:hiddenLine xmlns="" xmlns:a14="http://schemas.microsoft.com/office/drawing/2010/main" w="9525">
+                <a14:hiddenLine xmlns:a14="http://schemas.microsoft.com/office/drawing/2010/main" xmlns="" w="9525">
                   <a:solidFill>
                     <a:srgbClr val="000000"/>
                   </a:solidFill>
@@ -2779,7 +2779,7 @@
             </a:ln>
             <a:extLst>
               <a:ext uri="{91240B29-F687-4f45-9708-019B960494DF}">
-                <a14:hiddenLine xmlns="" xmlns:a14="http://schemas.microsoft.com/office/drawing/2010/main" w="9525">
+                <a14:hiddenLine xmlns:a14="http://schemas.microsoft.com/office/drawing/2010/main" xmlns="" w="9525">
                   <a:solidFill>
                     <a:srgbClr val="000000"/>
                   </a:solidFill>
@@ -2869,7 +2869,7 @@
             </a:ln>
             <a:extLst>
               <a:ext uri="{91240B29-F687-4f45-9708-019B960494DF}">
-                <a14:hiddenLine xmlns="" xmlns:a14="http://schemas.microsoft.com/office/drawing/2010/main" w="9525">
+                <a14:hiddenLine xmlns:a14="http://schemas.microsoft.com/office/drawing/2010/main" xmlns="" w="9525">
                   <a:solidFill>
                     <a:srgbClr val="000000"/>
                   </a:solidFill>
@@ -2931,7 +2931,7 @@
             </a:ln>
             <a:extLst>
               <a:ext uri="{91240B29-F687-4f45-9708-019B960494DF}">
-                <a14:hiddenLine xmlns="" xmlns:a14="http://schemas.microsoft.com/office/drawing/2010/main" w="9525">
+                <a14:hiddenLine xmlns:a14="http://schemas.microsoft.com/office/drawing/2010/main" xmlns="" w="9525">
                   <a:solidFill>
                     <a:srgbClr val="000000"/>
                   </a:solidFill>
@@ -3021,7 +3021,7 @@
             </a:ln>
             <a:extLst>
               <a:ext uri="{91240B29-F687-4f45-9708-019B960494DF}">
-                <a14:hiddenLine xmlns="" xmlns:a14="http://schemas.microsoft.com/office/drawing/2010/main" w="9525">
+                <a14:hiddenLine xmlns:a14="http://schemas.microsoft.com/office/drawing/2010/main" xmlns="" w="9525">
                   <a:solidFill>
                     <a:srgbClr val="000000"/>
                   </a:solidFill>
@@ -3083,7 +3083,7 @@
             </a:ln>
             <a:extLst>
               <a:ext uri="{91240B29-F687-4f45-9708-019B960494DF}">
-                <a14:hiddenLine xmlns="" xmlns:a14="http://schemas.microsoft.com/office/drawing/2010/main" w="9525">
+                <a14:hiddenLine xmlns:a14="http://schemas.microsoft.com/office/drawing/2010/main" xmlns="" w="9525">
                   <a:solidFill>
                     <a:srgbClr val="000000"/>
                   </a:solidFill>
@@ -3173,7 +3173,7 @@
             </a:ln>
             <a:extLst>
               <a:ext uri="{91240B29-F687-4f45-9708-019B960494DF}">
-                <a14:hiddenLine xmlns="" xmlns:a14="http://schemas.microsoft.com/office/drawing/2010/main" w="9525">
+                <a14:hiddenLine xmlns:a14="http://schemas.microsoft.com/office/drawing/2010/main" xmlns="" w="9525">
                   <a:solidFill>
                     <a:srgbClr val="000000"/>
                   </a:solidFill>
@@ -3207,7 +3207,7 @@
             </a:ln>
             <a:extLst>
               <a:ext uri="{91240B29-F687-4f45-9708-019B960494DF}">
-                <a14:hiddenLine xmlns="" xmlns:a14="http://schemas.microsoft.com/office/drawing/2010/main" w="9525">
+                <a14:hiddenLine xmlns:a14="http://schemas.microsoft.com/office/drawing/2010/main" xmlns="" w="9525">
                   <a:solidFill>
                     <a:srgbClr val="000000"/>
                   </a:solidFill>
@@ -3272,7 +3272,7 @@
             </a:ln>
             <a:extLst>
               <a:ext uri="{91240B29-F687-4f45-9708-019B960494DF}">
-                <a14:hiddenLine xmlns="" xmlns:a14="http://schemas.microsoft.com/office/drawing/2010/main" w="9525">
+                <a14:hiddenLine xmlns:a14="http://schemas.microsoft.com/office/drawing/2010/main" xmlns="" w="9525">
                   <a:solidFill>
                     <a:srgbClr val="000000"/>
                   </a:solidFill>
@@ -3362,7 +3362,7 @@
             </a:ln>
             <a:extLst>
               <a:ext uri="{91240B29-F687-4f45-9708-019B960494DF}">
-                <a14:hiddenLine xmlns="" xmlns:a14="http://schemas.microsoft.com/office/drawing/2010/main" w="9525">
+                <a14:hiddenLine xmlns:a14="http://schemas.microsoft.com/office/drawing/2010/main" xmlns="" w="9525">
                   <a:solidFill>
                     <a:srgbClr val="000000"/>
                   </a:solidFill>
@@ -3424,7 +3424,7 @@
             </a:ln>
             <a:extLst>
               <a:ext uri="{91240B29-F687-4f45-9708-019B960494DF}">
-                <a14:hiddenLine xmlns="" xmlns:a14="http://schemas.microsoft.com/office/drawing/2010/main" w="9525">
+                <a14:hiddenLine xmlns:a14="http://schemas.microsoft.com/office/drawing/2010/main" xmlns="" w="9525">
                   <a:solidFill>
                     <a:srgbClr val="000000"/>
                   </a:solidFill>
@@ -3514,7 +3514,7 @@
             </a:ln>
             <a:extLst>
               <a:ext uri="{91240B29-F687-4f45-9708-019B960494DF}">
-                <a14:hiddenLine xmlns="" xmlns:a14="http://schemas.microsoft.com/office/drawing/2010/main" w="9525">
+                <a14:hiddenLine xmlns:a14="http://schemas.microsoft.com/office/drawing/2010/main" xmlns="" w="9525">
                   <a:solidFill>
                     <a:srgbClr val="000000"/>
                   </a:solidFill>
@@ -3604,7 +3604,7 @@
             </a:ln>
             <a:extLst>
               <a:ext uri="{91240B29-F687-4f45-9708-019B960494DF}">
-                <a14:hiddenLine xmlns="" xmlns:a14="http://schemas.microsoft.com/office/drawing/2010/main" w="9525">
+                <a14:hiddenLine xmlns:a14="http://schemas.microsoft.com/office/drawing/2010/main" xmlns="" w="9525">
                   <a:solidFill>
                     <a:srgbClr val="000000"/>
                   </a:solidFill>
@@ -3669,7 +3669,7 @@
             </a:ln>
             <a:extLst>
               <a:ext uri="{91240B29-F687-4f45-9708-019B960494DF}">
-                <a14:hiddenLine xmlns="" xmlns:a14="http://schemas.microsoft.com/office/drawing/2010/main" w="9525">
+                <a14:hiddenLine xmlns:a14="http://schemas.microsoft.com/office/drawing/2010/main" xmlns="" w="9525">
                   <a:solidFill>
                     <a:srgbClr val="000000"/>
                   </a:solidFill>
@@ -3731,7 +3731,7 @@
             </a:ln>
             <a:extLst>
               <a:ext uri="{91240B29-F687-4f45-9708-019B960494DF}">
-                <a14:hiddenLine xmlns="" xmlns:a14="http://schemas.microsoft.com/office/drawing/2010/main" w="9525">
+                <a14:hiddenLine xmlns:a14="http://schemas.microsoft.com/office/drawing/2010/main" xmlns="" w="9525">
                   <a:solidFill>
                     <a:srgbClr val="000000"/>
                   </a:solidFill>
@@ -3821,7 +3821,7 @@
             </a:ln>
             <a:extLst>
               <a:ext uri="{91240B29-F687-4f45-9708-019B960494DF}">
-                <a14:hiddenLine xmlns="" xmlns:a14="http://schemas.microsoft.com/office/drawing/2010/main" w="9525">
+                <a14:hiddenLine xmlns:a14="http://schemas.microsoft.com/office/drawing/2010/main" xmlns="" w="9525">
                   <a:solidFill>
                     <a:srgbClr val="000000"/>
                   </a:solidFill>
@@ -3911,7 +3911,7 @@
             </a:ln>
             <a:extLst>
               <a:ext uri="{91240B29-F687-4f45-9708-019B960494DF}">
-                <a14:hiddenLine xmlns="" xmlns:a14="http://schemas.microsoft.com/office/drawing/2010/main" w="9525">
+                <a14:hiddenLine xmlns:a14="http://schemas.microsoft.com/office/drawing/2010/main" xmlns="" w="9525">
                   <a:solidFill>
                     <a:srgbClr val="000000"/>
                   </a:solidFill>
@@ -3973,7 +3973,7 @@
             </a:ln>
             <a:extLst>
               <a:ext uri="{91240B29-F687-4f45-9708-019B960494DF}">
-                <a14:hiddenLine xmlns="" xmlns:a14="http://schemas.microsoft.com/office/drawing/2010/main" w="9525">
+                <a14:hiddenLine xmlns:a14="http://schemas.microsoft.com/office/drawing/2010/main" xmlns="" w="9525">
                   <a:solidFill>
                     <a:srgbClr val="000000"/>
                   </a:solidFill>
@@ -4093,7 +4093,7 @@
             </a:ln>
             <a:extLst>
               <a:ext uri="{91240B29-F687-4f45-9708-019B960494DF}">
-                <a14:hiddenLine xmlns="" xmlns:a14="http://schemas.microsoft.com/office/drawing/2010/main" w="9525">
+                <a14:hiddenLine xmlns:a14="http://schemas.microsoft.com/office/drawing/2010/main" xmlns="" w="9525">
                   <a:solidFill>
                     <a:srgbClr val="000000"/>
                   </a:solidFill>
@@ -4161,7 +4161,7 @@
             </a:ln>
             <a:extLst>
               <a:ext uri="{91240B29-F687-4f45-9708-019B960494DF}">
-                <a14:hiddenLine xmlns="" xmlns:a14="http://schemas.microsoft.com/office/drawing/2010/main" w="9525">
+                <a14:hiddenLine xmlns:a14="http://schemas.microsoft.com/office/drawing/2010/main" xmlns="" w="9525">
                   <a:solidFill>
                     <a:srgbClr val="000000"/>
                   </a:solidFill>
@@ -4251,7 +4251,7 @@
             </a:ln>
             <a:extLst>
               <a:ext uri="{91240B29-F687-4f45-9708-019B960494DF}">
-                <a14:hiddenLine xmlns="" xmlns:a14="http://schemas.microsoft.com/office/drawing/2010/main" w="9525">
+                <a14:hiddenLine xmlns:a14="http://schemas.microsoft.com/office/drawing/2010/main" xmlns="" w="9525">
                   <a:solidFill>
                     <a:srgbClr val="000000"/>
                   </a:solidFill>
@@ -4391,7 +4391,7 @@
           <a:p>
             <a:fld id="{48A87A34-81AB-432B-8DAE-1953F412C126}" type="datetimeFigureOut">
               <a:rPr lang="en-US" dirty="0"/>
-              <a:t>2/10/2022</a:t>
+              <a:t>2/11/2022</a:t>
             </a:fld>
             <a:endParaRPr lang="en-US" dirty="0"/>
           </a:p>
@@ -4653,7 +4653,7 @@
           <a:p>
             <a:fld id="{48A87A34-81AB-432B-8DAE-1953F412C126}" type="datetimeFigureOut">
               <a:rPr lang="en-US" dirty="0"/>
-              <a:t>2/10/2022</a:t>
+              <a:t>2/11/2022</a:t>
             </a:fld>
             <a:endParaRPr lang="en-US" dirty="0"/>
           </a:p>
@@ -4844,7 +4844,7 @@
           <a:p>
             <a:fld id="{48A87A34-81AB-432B-8DAE-1953F412C126}" type="datetimeFigureOut">
               <a:rPr lang="en-US" dirty="0"/>
-              <a:t>2/10/2022</a:t>
+              <a:t>2/11/2022</a:t>
             </a:fld>
             <a:endParaRPr lang="en-US" dirty="0"/>
           </a:p>
@@ -5102,7 +5102,7 @@
           <a:p>
             <a:fld id="{48A87A34-81AB-432B-8DAE-1953F412C126}" type="datetimeFigureOut">
               <a:rPr lang="en-US" dirty="0"/>
-              <a:t>2/10/2022</a:t>
+              <a:t>2/11/2022</a:t>
             </a:fld>
             <a:endParaRPr lang="en-US" dirty="0"/>
           </a:p>
@@ -5531,7 +5531,7 @@
           <a:p>
             <a:fld id="{48A87A34-81AB-432B-8DAE-1953F412C126}" type="datetimeFigureOut">
               <a:rPr lang="en-US" dirty="0"/>
-              <a:t>2/10/2022</a:t>
+              <a:t>2/11/2022</a:t>
             </a:fld>
             <a:endParaRPr lang="en-US" dirty="0"/>
           </a:p>
@@ -6072,7 +6072,7 @@
           <a:p>
             <a:fld id="{48A87A34-81AB-432B-8DAE-1953F412C126}" type="datetimeFigureOut">
               <a:rPr lang="en-US" dirty="0"/>
-              <a:t>2/10/2022</a:t>
+              <a:t>2/11/2022</a:t>
             </a:fld>
             <a:endParaRPr lang="en-US" dirty="0"/>
           </a:p>
@@ -6787,7 +6787,7 @@
           <a:p>
             <a:fld id="{48A87A34-81AB-432B-8DAE-1953F412C126}" type="datetimeFigureOut">
               <a:rPr lang="en-US" dirty="0"/>
-              <a:t>2/10/2022</a:t>
+              <a:t>2/11/2022</a:t>
             </a:fld>
             <a:endParaRPr lang="en-US" dirty="0"/>
           </a:p>
@@ -6952,7 +6952,7 @@
           <a:p>
             <a:fld id="{48A87A34-81AB-432B-8DAE-1953F412C126}" type="datetimeFigureOut">
               <a:rPr lang="en-US" dirty="0"/>
-              <a:t>2/10/2022</a:t>
+              <a:t>2/11/2022</a:t>
             </a:fld>
             <a:endParaRPr lang="en-US" dirty="0"/>
           </a:p>
@@ -7127,7 +7127,7 @@
           <a:p>
             <a:fld id="{48A87A34-81AB-432B-8DAE-1953F412C126}" type="datetimeFigureOut">
               <a:rPr lang="en-US" dirty="0"/>
-              <a:t>2/10/2022</a:t>
+              <a:t>2/11/2022</a:t>
             </a:fld>
             <a:endParaRPr lang="en-US" dirty="0"/>
           </a:p>
@@ -7292,7 +7292,7 @@
           <a:p>
             <a:fld id="{48A87A34-81AB-432B-8DAE-1953F412C126}" type="datetimeFigureOut">
               <a:rPr lang="en-US" dirty="0"/>
-              <a:t>2/10/2022</a:t>
+              <a:t>2/11/2022</a:t>
             </a:fld>
             <a:endParaRPr lang="en-US" dirty="0"/>
           </a:p>
@@ -7537,7 +7537,7 @@
           <a:p>
             <a:fld id="{48A87A34-81AB-432B-8DAE-1953F412C126}" type="datetimeFigureOut">
               <a:rPr lang="en-US" dirty="0"/>
-              <a:t>2/10/2022</a:t>
+              <a:t>2/11/2022</a:t>
             </a:fld>
             <a:endParaRPr lang="en-US" dirty="0"/>
           </a:p>
@@ -7764,7 +7764,7 @@
           <a:p>
             <a:fld id="{48A87A34-81AB-432B-8DAE-1953F412C126}" type="datetimeFigureOut">
               <a:rPr lang="en-US" dirty="0"/>
-              <a:t>2/10/2022</a:t>
+              <a:t>2/11/2022</a:t>
             </a:fld>
             <a:endParaRPr lang="en-US" dirty="0"/>
           </a:p>
@@ -8140,7 +8140,7 @@
           <a:p>
             <a:fld id="{48A87A34-81AB-432B-8DAE-1953F412C126}" type="datetimeFigureOut">
               <a:rPr lang="en-US" dirty="0"/>
-              <a:t>2/10/2022</a:t>
+              <a:t>2/11/2022</a:t>
             </a:fld>
             <a:endParaRPr lang="en-US" dirty="0"/>
           </a:p>
@@ -8253,7 +8253,7 @@
           <a:p>
             <a:fld id="{48A87A34-81AB-432B-8DAE-1953F412C126}" type="datetimeFigureOut">
               <a:rPr lang="en-US" dirty="0"/>
-              <a:t>2/10/2022</a:t>
+              <a:t>2/11/2022</a:t>
             </a:fld>
             <a:endParaRPr lang="en-US" dirty="0"/>
           </a:p>
@@ -8343,7 +8343,7 @@
           <a:p>
             <a:fld id="{48A87A34-81AB-432B-8DAE-1953F412C126}" type="datetimeFigureOut">
               <a:rPr lang="en-US" dirty="0"/>
-              <a:t>2/10/2022</a:t>
+              <a:t>2/11/2022</a:t>
             </a:fld>
             <a:endParaRPr lang="en-US" dirty="0"/>
           </a:p>
@@ -8587,7 +8587,7 @@
           <a:p>
             <a:fld id="{48A87A34-81AB-432B-8DAE-1953F412C126}" type="datetimeFigureOut">
               <a:rPr lang="en-US" dirty="0"/>
-              <a:t>2/10/2022</a:t>
+              <a:t>2/11/2022</a:t>
             </a:fld>
             <a:endParaRPr lang="en-US" dirty="0"/>
           </a:p>
@@ -8862,7 +8862,7 @@
           <a:p>
             <a:fld id="{48A87A34-81AB-432B-8DAE-1953F412C126}" type="datetimeFigureOut">
               <a:rPr lang="en-US" dirty="0"/>
-              <a:t>2/10/2022</a:t>
+              <a:t>2/11/2022</a:t>
             </a:fld>
             <a:endParaRPr lang="en-US" dirty="0"/>
           </a:p>
@@ -8973,7 +8973,7 @@
           <a:noFill/>
           <a:extLst>
             <a:ext uri="{909E8E84-426E-40dd-AFC4-6F175D3DCCD1}">
-              <a14:hiddenFill xmlns="" xmlns:a14="http://schemas.microsoft.com/office/drawing/2010/main">
+              <a14:hiddenFill xmlns:a14="http://schemas.microsoft.com/office/drawing/2010/main" xmlns="">
                 <a:solidFill>
                   <a:srgbClr val="FFFFFF"/>
                 </a:solidFill>
@@ -9047,7 +9047,7 @@
               </a:ln>
               <a:extLst>
                 <a:ext uri="{91240B29-F687-4f45-9708-019B960494DF}">
-                  <a14:hiddenLine xmlns="" xmlns:a14="http://schemas.microsoft.com/office/drawing/2010/main" w="9525">
+                  <a14:hiddenLine xmlns:a14="http://schemas.microsoft.com/office/drawing/2010/main" xmlns="" w="9525">
                     <a:solidFill>
                       <a:srgbClr val="000000"/>
                     </a:solidFill>
@@ -9137,7 +9137,7 @@
               </a:ln>
               <a:extLst>
                 <a:ext uri="{91240B29-F687-4f45-9708-019B960494DF}">
-                  <a14:hiddenLine xmlns="" xmlns:a14="http://schemas.microsoft.com/office/drawing/2010/main" w="9525">
+                  <a14:hiddenLine xmlns:a14="http://schemas.microsoft.com/office/drawing/2010/main" xmlns="" w="9525">
                     <a:solidFill>
                       <a:srgbClr val="000000"/>
                     </a:solidFill>
@@ -9227,7 +9227,7 @@
               </a:ln>
               <a:extLst>
                 <a:ext uri="{91240B29-F687-4f45-9708-019B960494DF}">
-                  <a14:hiddenLine xmlns="" xmlns:a14="http://schemas.microsoft.com/office/drawing/2010/main" w="9525">
+                  <a14:hiddenLine xmlns:a14="http://schemas.microsoft.com/office/drawing/2010/main" xmlns="" w="9525">
                     <a:solidFill>
                       <a:srgbClr val="000000"/>
                     </a:solidFill>
@@ -9289,7 +9289,7 @@
               </a:ln>
               <a:extLst>
                 <a:ext uri="{91240B29-F687-4f45-9708-019B960494DF}">
-                  <a14:hiddenLine xmlns="" xmlns:a14="http://schemas.microsoft.com/office/drawing/2010/main" w="9525">
+                  <a14:hiddenLine xmlns:a14="http://schemas.microsoft.com/office/drawing/2010/main" xmlns="" w="9525">
                     <a:solidFill>
                       <a:srgbClr val="000000"/>
                     </a:solidFill>
@@ -9379,7 +9379,7 @@
               </a:ln>
               <a:extLst>
                 <a:ext uri="{91240B29-F687-4f45-9708-019B960494DF}">
-                  <a14:hiddenLine xmlns="" xmlns:a14="http://schemas.microsoft.com/office/drawing/2010/main" w="9525">
+                  <a14:hiddenLine xmlns:a14="http://schemas.microsoft.com/office/drawing/2010/main" xmlns="" w="9525">
                     <a:solidFill>
                       <a:srgbClr val="000000"/>
                     </a:solidFill>
@@ -9441,7 +9441,7 @@
               </a:ln>
               <a:extLst>
                 <a:ext uri="{91240B29-F687-4f45-9708-019B960494DF}">
-                  <a14:hiddenLine xmlns="" xmlns:a14="http://schemas.microsoft.com/office/drawing/2010/main" w="9525">
+                  <a14:hiddenLine xmlns:a14="http://schemas.microsoft.com/office/drawing/2010/main" xmlns="" w="9525">
                     <a:solidFill>
                       <a:srgbClr val="000000"/>
                     </a:solidFill>
@@ -9503,7 +9503,7 @@
               </a:ln>
               <a:extLst>
                 <a:ext uri="{91240B29-F687-4f45-9708-019B960494DF}">
-                  <a14:hiddenLine xmlns="" xmlns:a14="http://schemas.microsoft.com/office/drawing/2010/main" w="9525">
+                  <a14:hiddenLine xmlns:a14="http://schemas.microsoft.com/office/drawing/2010/main" xmlns="" w="9525">
                     <a:solidFill>
                       <a:srgbClr val="000000"/>
                     </a:solidFill>
@@ -9593,7 +9593,7 @@
               </a:ln>
               <a:extLst>
                 <a:ext uri="{91240B29-F687-4f45-9708-019B960494DF}">
-                  <a14:hiddenLine xmlns="" xmlns:a14="http://schemas.microsoft.com/office/drawing/2010/main" w="9525">
+                  <a14:hiddenLine xmlns:a14="http://schemas.microsoft.com/office/drawing/2010/main" xmlns="" w="9525">
                     <a:solidFill>
                       <a:srgbClr val="000000"/>
                     </a:solidFill>
@@ -9683,7 +9683,7 @@
               </a:ln>
               <a:extLst>
                 <a:ext uri="{91240B29-F687-4f45-9708-019B960494DF}">
-                  <a14:hiddenLine xmlns="" xmlns:a14="http://schemas.microsoft.com/office/drawing/2010/main" w="9525">
+                  <a14:hiddenLine xmlns:a14="http://schemas.microsoft.com/office/drawing/2010/main" xmlns="" w="9525">
                     <a:solidFill>
                       <a:srgbClr val="000000"/>
                     </a:solidFill>
@@ -9745,7 +9745,7 @@
               </a:ln>
               <a:extLst>
                 <a:ext uri="{91240B29-F687-4f45-9708-019B960494DF}">
-                  <a14:hiddenLine xmlns="" xmlns:a14="http://schemas.microsoft.com/office/drawing/2010/main" w="9525">
+                  <a14:hiddenLine xmlns:a14="http://schemas.microsoft.com/office/drawing/2010/main" xmlns="" w="9525">
                     <a:solidFill>
                       <a:srgbClr val="000000"/>
                     </a:solidFill>
@@ -9855,7 +9855,7 @@
               </a:ln>
               <a:extLst>
                 <a:ext uri="{91240B29-F687-4f45-9708-019B960494DF}">
-                  <a14:hiddenLine xmlns="" xmlns:a14="http://schemas.microsoft.com/office/drawing/2010/main" w="9525">
+                  <a14:hiddenLine xmlns:a14="http://schemas.microsoft.com/office/drawing/2010/main" xmlns="" w="9525">
                     <a:solidFill>
                       <a:srgbClr val="000000"/>
                     </a:solidFill>
@@ -9939,7 +9939,7 @@
               </a:ln>
               <a:extLst>
                 <a:ext uri="{91240B29-F687-4f45-9708-019B960494DF}">
-                  <a14:hiddenLine xmlns="" xmlns:a14="http://schemas.microsoft.com/office/drawing/2010/main" w="9525">
+                  <a14:hiddenLine xmlns:a14="http://schemas.microsoft.com/office/drawing/2010/main" xmlns="" w="9525">
                     <a:solidFill>
                       <a:srgbClr val="000000"/>
                     </a:solidFill>
@@ -10001,7 +10001,7 @@
               </a:ln>
               <a:extLst>
                 <a:ext uri="{91240B29-F687-4f45-9708-019B960494DF}">
-                  <a14:hiddenLine xmlns="" xmlns:a14="http://schemas.microsoft.com/office/drawing/2010/main" w="9525">
+                  <a14:hiddenLine xmlns:a14="http://schemas.microsoft.com/office/drawing/2010/main" xmlns="" w="9525">
                     <a:solidFill>
                       <a:srgbClr val="000000"/>
                     </a:solidFill>
@@ -10063,7 +10063,7 @@
               </a:ln>
               <a:extLst>
                 <a:ext uri="{91240B29-F687-4f45-9708-019B960494DF}">
-                  <a14:hiddenLine xmlns="" xmlns:a14="http://schemas.microsoft.com/office/drawing/2010/main" w="9525">
+                  <a14:hiddenLine xmlns:a14="http://schemas.microsoft.com/office/drawing/2010/main" xmlns="" w="9525">
                     <a:solidFill>
                       <a:srgbClr val="000000"/>
                     </a:solidFill>
@@ -10153,7 +10153,7 @@
               </a:ln>
               <a:extLst>
                 <a:ext uri="{91240B29-F687-4f45-9708-019B960494DF}">
-                  <a14:hiddenLine xmlns="" xmlns:a14="http://schemas.microsoft.com/office/drawing/2010/main" w="9525">
+                  <a14:hiddenLine xmlns:a14="http://schemas.microsoft.com/office/drawing/2010/main" xmlns="" w="9525">
                     <a:solidFill>
                       <a:srgbClr val="000000"/>
                     </a:solidFill>
@@ -10187,7 +10187,7 @@
               </a:ln>
               <a:extLst>
                 <a:ext uri="{91240B29-F687-4f45-9708-019B960494DF}">
-                  <a14:hiddenLine xmlns="" xmlns:a14="http://schemas.microsoft.com/office/drawing/2010/main" w="9525">
+                  <a14:hiddenLine xmlns:a14="http://schemas.microsoft.com/office/drawing/2010/main" xmlns="" w="9525">
                     <a:solidFill>
                       <a:srgbClr val="000000"/>
                     </a:solidFill>
@@ -10252,7 +10252,7 @@
               </a:ln>
               <a:extLst>
                 <a:ext uri="{91240B29-F687-4f45-9708-019B960494DF}">
-                  <a14:hiddenLine xmlns="" xmlns:a14="http://schemas.microsoft.com/office/drawing/2010/main" w="9525">
+                  <a14:hiddenLine xmlns:a14="http://schemas.microsoft.com/office/drawing/2010/main" xmlns="" w="9525">
                     <a:solidFill>
                       <a:srgbClr val="000000"/>
                     </a:solidFill>
@@ -10342,7 +10342,7 @@
               </a:ln>
               <a:extLst>
                 <a:ext uri="{91240B29-F687-4f45-9708-019B960494DF}">
-                  <a14:hiddenLine xmlns="" xmlns:a14="http://schemas.microsoft.com/office/drawing/2010/main" w="9525">
+                  <a14:hiddenLine xmlns:a14="http://schemas.microsoft.com/office/drawing/2010/main" xmlns="" w="9525">
                     <a:solidFill>
                       <a:srgbClr val="000000"/>
                     </a:solidFill>
@@ -10404,7 +10404,7 @@
               </a:ln>
               <a:extLst>
                 <a:ext uri="{91240B29-F687-4f45-9708-019B960494DF}">
-                  <a14:hiddenLine xmlns="" xmlns:a14="http://schemas.microsoft.com/office/drawing/2010/main" w="9525">
+                  <a14:hiddenLine xmlns:a14="http://schemas.microsoft.com/office/drawing/2010/main" xmlns="" w="9525">
                     <a:solidFill>
                       <a:srgbClr val="000000"/>
                     </a:solidFill>
@@ -10494,7 +10494,7 @@
               </a:ln>
               <a:extLst>
                 <a:ext uri="{91240B29-F687-4f45-9708-019B960494DF}">
-                  <a14:hiddenLine xmlns="" xmlns:a14="http://schemas.microsoft.com/office/drawing/2010/main" w="9525">
+                  <a14:hiddenLine xmlns:a14="http://schemas.microsoft.com/office/drawing/2010/main" xmlns="" w="9525">
                     <a:solidFill>
                       <a:srgbClr val="000000"/>
                     </a:solidFill>
@@ -10559,7 +10559,7 @@
               </a:ln>
               <a:extLst>
                 <a:ext uri="{91240B29-F687-4f45-9708-019B960494DF}">
-                  <a14:hiddenLine xmlns="" xmlns:a14="http://schemas.microsoft.com/office/drawing/2010/main" w="9525">
+                  <a14:hiddenLine xmlns:a14="http://schemas.microsoft.com/office/drawing/2010/main" xmlns="" w="9525">
                     <a:solidFill>
                       <a:srgbClr val="000000"/>
                     </a:solidFill>
@@ -10621,7 +10621,7 @@
               </a:ln>
               <a:extLst>
                 <a:ext uri="{91240B29-F687-4f45-9708-019B960494DF}">
-                  <a14:hiddenLine xmlns="" xmlns:a14="http://schemas.microsoft.com/office/drawing/2010/main" w="9525">
+                  <a14:hiddenLine xmlns:a14="http://schemas.microsoft.com/office/drawing/2010/main" xmlns="" w="9525">
                     <a:solidFill>
                       <a:srgbClr val="000000"/>
                     </a:solidFill>
@@ -10711,7 +10711,7 @@
               </a:ln>
               <a:extLst>
                 <a:ext uri="{91240B29-F687-4f45-9708-019B960494DF}">
-                  <a14:hiddenLine xmlns="" xmlns:a14="http://schemas.microsoft.com/office/drawing/2010/main" w="9525">
+                  <a14:hiddenLine xmlns:a14="http://schemas.microsoft.com/office/drawing/2010/main" xmlns="" w="9525">
                     <a:solidFill>
                       <a:srgbClr val="000000"/>
                     </a:solidFill>
@@ -10801,7 +10801,7 @@
               </a:ln>
               <a:extLst>
                 <a:ext uri="{91240B29-F687-4f45-9708-019B960494DF}">
-                  <a14:hiddenLine xmlns="" xmlns:a14="http://schemas.microsoft.com/office/drawing/2010/main" w="9525">
+                  <a14:hiddenLine xmlns:a14="http://schemas.microsoft.com/office/drawing/2010/main" xmlns="" w="9525">
                     <a:solidFill>
                       <a:srgbClr val="000000"/>
                     </a:solidFill>
@@ -10866,7 +10866,7 @@
               </a:ln>
               <a:extLst>
                 <a:ext uri="{91240B29-F687-4f45-9708-019B960494DF}">
-                  <a14:hiddenLine xmlns="" xmlns:a14="http://schemas.microsoft.com/office/drawing/2010/main" w="9525">
+                  <a14:hiddenLine xmlns:a14="http://schemas.microsoft.com/office/drawing/2010/main" xmlns="" w="9525">
                     <a:solidFill>
                       <a:srgbClr val="000000"/>
                     </a:solidFill>
@@ -10986,7 +10986,7 @@
               </a:ln>
               <a:extLst>
                 <a:ext uri="{91240B29-F687-4f45-9708-019B960494DF}">
-                  <a14:hiddenLine xmlns="" xmlns:a14="http://schemas.microsoft.com/office/drawing/2010/main" w="9525">
+                  <a14:hiddenLine xmlns:a14="http://schemas.microsoft.com/office/drawing/2010/main" xmlns="" w="9525">
                     <a:solidFill>
                       <a:srgbClr val="000000"/>
                     </a:solidFill>
@@ -11084,7 +11084,7 @@
               </a:ln>
               <a:extLst>
                 <a:ext uri="{91240B29-F687-4f45-9708-019B960494DF}">
-                  <a14:hiddenLine xmlns="" xmlns:a14="http://schemas.microsoft.com/office/drawing/2010/main" w="9525">
+                  <a14:hiddenLine xmlns:a14="http://schemas.microsoft.com/office/drawing/2010/main" xmlns="" w="9525">
                     <a:solidFill>
                       <a:srgbClr val="000000"/>
                     </a:solidFill>
@@ -11199,7 +11199,7 @@
               </a:ln>
               <a:extLst>
                 <a:ext uri="{91240B29-F687-4f45-9708-019B960494DF}">
-                  <a14:hiddenLine xmlns="" xmlns:a14="http://schemas.microsoft.com/office/drawing/2010/main" w="9525">
+                  <a14:hiddenLine xmlns:a14="http://schemas.microsoft.com/office/drawing/2010/main" xmlns="" w="9525">
                     <a:solidFill>
                       <a:srgbClr val="000000"/>
                     </a:solidFill>
@@ -11289,7 +11289,7 @@
               </a:ln>
               <a:extLst>
                 <a:ext uri="{91240B29-F687-4f45-9708-019B960494DF}">
-                  <a14:hiddenLine xmlns="" xmlns:a14="http://schemas.microsoft.com/office/drawing/2010/main" w="9525">
+                  <a14:hiddenLine xmlns:a14="http://schemas.microsoft.com/office/drawing/2010/main" xmlns="" w="9525">
                     <a:solidFill>
                       <a:srgbClr val="000000"/>
                     </a:solidFill>
@@ -11354,7 +11354,7 @@
               </a:ln>
               <a:extLst>
                 <a:ext uri="{91240B29-F687-4f45-9708-019B960494DF}">
-                  <a14:hiddenLine xmlns="" xmlns:a14="http://schemas.microsoft.com/office/drawing/2010/main" w="9525">
+                  <a14:hiddenLine xmlns:a14="http://schemas.microsoft.com/office/drawing/2010/main" xmlns="" w="9525">
                     <a:solidFill>
                       <a:srgbClr val="000000"/>
                     </a:solidFill>
@@ -11444,7 +11444,7 @@
               </a:ln>
               <a:extLst>
                 <a:ext uri="{91240B29-F687-4f45-9708-019B960494DF}">
-                  <a14:hiddenLine xmlns="" xmlns:a14="http://schemas.microsoft.com/office/drawing/2010/main" w="9525">
+                  <a14:hiddenLine xmlns:a14="http://schemas.microsoft.com/office/drawing/2010/main" xmlns="" w="9525">
                     <a:solidFill>
                       <a:srgbClr val="000000"/>
                     </a:solidFill>
@@ -11512,7 +11512,7 @@
               </a:ln>
               <a:extLst>
                 <a:ext uri="{91240B29-F687-4f45-9708-019B960494DF}">
-                  <a14:hiddenLine xmlns="" xmlns:a14="http://schemas.microsoft.com/office/drawing/2010/main" w="9525">
+                  <a14:hiddenLine xmlns:a14="http://schemas.microsoft.com/office/drawing/2010/main" xmlns="" w="9525">
                     <a:solidFill>
                       <a:srgbClr val="000000"/>
                     </a:solidFill>
@@ -11602,7 +11602,7 @@
               </a:ln>
               <a:extLst>
                 <a:ext uri="{91240B29-F687-4f45-9708-019B960494DF}">
-                  <a14:hiddenLine xmlns="" xmlns:a14="http://schemas.microsoft.com/office/drawing/2010/main" w="9525">
+                  <a14:hiddenLine xmlns:a14="http://schemas.microsoft.com/office/drawing/2010/main" xmlns="" w="9525">
                     <a:solidFill>
                       <a:srgbClr val="000000"/>
                     </a:solidFill>
@@ -11670,7 +11670,7 @@
               </a:ln>
               <a:extLst>
                 <a:ext uri="{91240B29-F687-4f45-9708-019B960494DF}">
-                  <a14:hiddenLine xmlns="" xmlns:a14="http://schemas.microsoft.com/office/drawing/2010/main" w="9525">
+                  <a14:hiddenLine xmlns:a14="http://schemas.microsoft.com/office/drawing/2010/main" xmlns="" w="9525">
                     <a:solidFill>
                       <a:srgbClr val="000000"/>
                     </a:solidFill>
@@ -11760,7 +11760,7 @@
               </a:ln>
               <a:extLst>
                 <a:ext uri="{91240B29-F687-4f45-9708-019B960494DF}">
-                  <a14:hiddenLine xmlns="" xmlns:a14="http://schemas.microsoft.com/office/drawing/2010/main" w="9525">
+                  <a14:hiddenLine xmlns:a14="http://schemas.microsoft.com/office/drawing/2010/main" xmlns="" w="9525">
                     <a:solidFill>
                       <a:srgbClr val="000000"/>
                     </a:solidFill>
@@ -11794,7 +11794,7 @@
               </a:ln>
               <a:extLst>
                 <a:ext uri="{91240B29-F687-4f45-9708-019B960494DF}">
-                  <a14:hiddenLine xmlns="" xmlns:a14="http://schemas.microsoft.com/office/drawing/2010/main" w="9525">
+                  <a14:hiddenLine xmlns:a14="http://schemas.microsoft.com/office/drawing/2010/main" xmlns="" w="9525">
                     <a:solidFill>
                       <a:srgbClr val="000000"/>
                     </a:solidFill>
@@ -11935,7 +11935,7 @@
             <a:fld id="{48A87A34-81AB-432B-8DAE-1953F412C126}" type="datetimeFigureOut">
               <a:rPr lang="en-US" dirty="0"/>
               <a:pPr/>
-              <a:t>2/10/2022</a:t>
+              <a:t>2/11/2022</a:t>
             </a:fld>
             <a:endParaRPr lang="en-US" dirty="0"/>
           </a:p>
@@ -12515,59 +12515,59 @@
           <a:lstStyle/>
           <a:p>
             <a:r>
-              <a:rPr lang="en-US" sz="2800" dirty="0"/>
+              <a:rPr lang="en-US" sz="2600" dirty="0"/>
               <a:t>Man has need and used energy at an increasing rate for his sustenance and well-being ever since he came on the earth a few million years ago. Due to this a lot of energy resources have been exhausted and wasted</a:t>
             </a:r>
             <a:r>
-              <a:rPr lang="en-US" sz="2800" dirty="0" smtClean="0"/>
+              <a:rPr lang="en-US" sz="2600" dirty="0" smtClean="0"/>
               <a:t>.</a:t>
             </a:r>
           </a:p>
           <a:p>
             <a:r>
-              <a:rPr lang="en-US" sz="2800" dirty="0" smtClean="0"/>
+              <a:rPr lang="en-US" sz="2600" dirty="0" smtClean="0"/>
               <a:t>In </a:t>
             </a:r>
             <a:r>
-              <a:rPr lang="en-US" sz="2800" dirty="0"/>
+              <a:rPr lang="en-US" sz="2600" dirty="0"/>
               <a:t>this project we are generating electrical power as non-conventional method by simply walking or </a:t>
             </a:r>
             <a:r>
-              <a:rPr lang="en-US" sz="2800" dirty="0" smtClean="0"/>
+              <a:rPr lang="en-US" sz="2600" dirty="0" smtClean="0"/>
               <a:t>running. </a:t>
             </a:r>
             <a:r>
-              <a:rPr lang="en-US" sz="2800" dirty="0"/>
+              <a:rPr lang="en-US" sz="2600" dirty="0"/>
               <a:t>Nonconventional energy system is </a:t>
             </a:r>
             <a:r>
-              <a:rPr lang="en-US" sz="2800" dirty="0" smtClean="0"/>
+              <a:rPr lang="en-US" sz="2600" dirty="0" smtClean="0"/>
               <a:t>very </a:t>
             </a:r>
             <a:r>
-              <a:rPr lang="en-US" sz="2800" dirty="0"/>
+              <a:rPr lang="en-US" sz="2600" dirty="0"/>
               <a:t>essential at this time to our nation</a:t>
             </a:r>
             <a:r>
-              <a:rPr lang="en-US" sz="2800" dirty="0" smtClean="0"/>
+              <a:rPr lang="en-US" sz="2600" dirty="0" smtClean="0"/>
               <a:t>.</a:t>
             </a:r>
           </a:p>
           <a:p>
             <a:r>
-              <a:rPr lang="en-US" sz="2800" dirty="0"/>
+              <a:rPr lang="en-US" sz="2600" dirty="0"/>
               <a:t>Nonconventional energy </a:t>
             </a:r>
             <a:r>
-              <a:rPr lang="en-US" sz="2800" dirty="0" smtClean="0"/>
+              <a:rPr lang="en-US" sz="2600" dirty="0" smtClean="0"/>
               <a:t>is </a:t>
             </a:r>
             <a:r>
-              <a:rPr lang="en-US" sz="2800" dirty="0"/>
+              <a:rPr lang="en-US" sz="2600" dirty="0"/>
               <a:t>converting mechanical energy into the electrical energy</a:t>
             </a:r>
             <a:r>
-              <a:rPr lang="en-US" sz="2800" dirty="0" smtClean="0"/>
+              <a:rPr lang="en-US" sz="2600" dirty="0" smtClean="0"/>
               <a:t>.</a:t>
             </a:r>
           </a:p>
@@ -12612,7 +12612,7 @@
         <p:spPr>
           <a:xfrm>
             <a:off x="1203767" y="497711"/>
-            <a:ext cx="9468091" cy="7417415"/>
+            <a:ext cx="9468091" cy="6617196"/>
           </a:xfrm>
           <a:prstGeom prst="rect">
             <a:avLst/>
@@ -12637,23 +12637,23 @@
               <a:buChar char="•"/>
             </a:pPr>
             <a:r>
-              <a:rPr lang="en-US" sz="3200" dirty="0" smtClean="0"/>
+              <a:rPr lang="en-US" sz="3000" dirty="0" smtClean="0"/>
               <a:t>Proposal </a:t>
             </a:r>
             <a:r>
-              <a:rPr lang="en-US" sz="3200" dirty="0"/>
+              <a:rPr lang="en-US" sz="3000" dirty="0"/>
               <a:t>for the utilization of waste energy </a:t>
             </a:r>
             <a:r>
-              <a:rPr lang="en-US" sz="3200" dirty="0" smtClean="0"/>
+              <a:rPr lang="en-US" sz="3000" dirty="0" smtClean="0"/>
               <a:t>from </a:t>
             </a:r>
             <a:r>
-              <a:rPr lang="en-US" sz="3200" dirty="0"/>
+              <a:rPr lang="en-US" sz="3000" dirty="0"/>
               <a:t>human locomotion is very much relevant and important for highly populated countries like India and China where the roads, railway stations, bus stands, temples, etc. are all over crowded and millions of people move around the clock</a:t>
             </a:r>
             <a:r>
-              <a:rPr lang="en-US" sz="3200" dirty="0" smtClean="0"/>
+              <a:rPr lang="en-US" sz="3000" dirty="0" smtClean="0"/>
               <a:t>.</a:t>
             </a:r>
           </a:p>
@@ -12662,7 +12662,7 @@
               <a:buFont typeface="Arial" panose="020B0604020202020204" pitchFamily="34" charset="0"/>
               <a:buChar char="•"/>
             </a:pPr>
-            <a:endParaRPr lang="en-US" sz="3200" dirty="0"/>
+            <a:endParaRPr lang="en-US" sz="3000" dirty="0"/>
           </a:p>
           <a:p>
             <a:pPr marL="285750" indent="-285750">
@@ -12670,11 +12670,11 @@
               <a:buChar char="•"/>
             </a:pPr>
             <a:r>
-              <a:rPr lang="en-US" sz="3200" dirty="0"/>
+              <a:rPr lang="en-US" sz="3000" dirty="0"/>
               <a:t>This whole human/ bio-energy being wasted if it can be made possible for utilization it will be great invention and crowd energy farms will be very useful energy sources in crowded </a:t>
             </a:r>
             <a:r>
-              <a:rPr lang="en-US" sz="3200" dirty="0" smtClean="0"/>
+              <a:rPr lang="en-US" sz="3000" dirty="0" smtClean="0"/>
               <a:t>countries</a:t>
             </a:r>
           </a:p>

--- a/mini project sem 1.pptx
+++ b/mini project sem 1.pptx
@@ -9,6 +9,10 @@
     <p:sldId id="257" r:id="rId3"/>
     <p:sldId id="258" r:id="rId4"/>
     <p:sldId id="259" r:id="rId5"/>
+    <p:sldId id="260" r:id="rId6"/>
+    <p:sldId id="261" r:id="rId7"/>
+    <p:sldId id="262" r:id="rId8"/>
+    <p:sldId id="263" r:id="rId9"/>
   </p:sldIdLst>
   <p:sldSz cx="12192000" cy="6858000"/>
   <p:notesSz cx="6858000" cy="9144000"/>
@@ -165,7 +169,7 @@
           <a:noFill/>
           <a:extLst>
             <a:ext uri="{909E8E84-426E-40dd-AFC4-6F175D3DCCD1}">
-              <a14:hiddenFill xmlns:a14="http://schemas.microsoft.com/office/drawing/2010/main" xmlns="">
+              <a14:hiddenFill xmlns="" xmlns:a14="http://schemas.microsoft.com/office/drawing/2010/main">
                 <a:solidFill>
                   <a:srgbClr val="FFFFFF"/>
                 </a:solidFill>
@@ -225,7 +229,7 @@
             </a:ln>
             <a:extLst>
               <a:ext uri="{91240B29-F687-4f45-9708-019B960494DF}">
-                <a14:hiddenLine xmlns:a14="http://schemas.microsoft.com/office/drawing/2010/main" xmlns="" w="9525">
+                <a14:hiddenLine xmlns="" xmlns:a14="http://schemas.microsoft.com/office/drawing/2010/main" w="9525">
                   <a:solidFill>
                     <a:srgbClr val="000000"/>
                   </a:solidFill>
@@ -315,7 +319,7 @@
             </a:ln>
             <a:extLst>
               <a:ext uri="{91240B29-F687-4f45-9708-019B960494DF}">
-                <a14:hiddenLine xmlns:a14="http://schemas.microsoft.com/office/drawing/2010/main" xmlns="" w="9525">
+                <a14:hiddenLine xmlns="" xmlns:a14="http://schemas.microsoft.com/office/drawing/2010/main" w="9525">
                   <a:solidFill>
                     <a:srgbClr val="000000"/>
                   </a:solidFill>
@@ -405,7 +409,7 @@
             </a:ln>
             <a:extLst>
               <a:ext uri="{91240B29-F687-4f45-9708-019B960494DF}">
-                <a14:hiddenLine xmlns:a14="http://schemas.microsoft.com/office/drawing/2010/main" xmlns="" w="9525">
+                <a14:hiddenLine xmlns="" xmlns:a14="http://schemas.microsoft.com/office/drawing/2010/main" w="9525">
                   <a:solidFill>
                     <a:srgbClr val="000000"/>
                   </a:solidFill>
@@ -439,7 +443,7 @@
             </a:ln>
             <a:extLst>
               <a:ext uri="{91240B29-F687-4f45-9708-019B960494DF}">
-                <a14:hiddenLine xmlns:a14="http://schemas.microsoft.com/office/drawing/2010/main" xmlns="" w="9525">
+                <a14:hiddenLine xmlns="" xmlns:a14="http://schemas.microsoft.com/office/drawing/2010/main" w="9525">
                   <a:solidFill>
                     <a:srgbClr val="000000"/>
                   </a:solidFill>
@@ -529,7 +533,7 @@
             </a:ln>
             <a:extLst>
               <a:ext uri="{91240B29-F687-4f45-9708-019B960494DF}">
-                <a14:hiddenLine xmlns:a14="http://schemas.microsoft.com/office/drawing/2010/main" xmlns="" w="9525">
+                <a14:hiddenLine xmlns="" xmlns:a14="http://schemas.microsoft.com/office/drawing/2010/main" w="9525">
                   <a:solidFill>
                     <a:srgbClr val="000000"/>
                   </a:solidFill>
@@ -591,7 +595,7 @@
             </a:ln>
             <a:extLst>
               <a:ext uri="{91240B29-F687-4f45-9708-019B960494DF}">
-                <a14:hiddenLine xmlns:a14="http://schemas.microsoft.com/office/drawing/2010/main" xmlns="" w="9525">
+                <a14:hiddenLine xmlns="" xmlns:a14="http://schemas.microsoft.com/office/drawing/2010/main" w="9525">
                   <a:solidFill>
                     <a:srgbClr val="000000"/>
                   </a:solidFill>
@@ -653,7 +657,7 @@
             </a:ln>
             <a:extLst>
               <a:ext uri="{91240B29-F687-4f45-9708-019B960494DF}">
-                <a14:hiddenLine xmlns:a14="http://schemas.microsoft.com/office/drawing/2010/main" xmlns="" w="9525">
+                <a14:hiddenLine xmlns="" xmlns:a14="http://schemas.microsoft.com/office/drawing/2010/main" w="9525">
                   <a:solidFill>
                     <a:srgbClr val="000000"/>
                   </a:solidFill>
@@ -743,7 +747,7 @@
             </a:ln>
             <a:extLst>
               <a:ext uri="{91240B29-F687-4f45-9708-019B960494DF}">
-                <a14:hiddenLine xmlns:a14="http://schemas.microsoft.com/office/drawing/2010/main" xmlns="" w="9525">
+                <a14:hiddenLine xmlns="" xmlns:a14="http://schemas.microsoft.com/office/drawing/2010/main" w="9525">
                   <a:solidFill>
                     <a:srgbClr val="000000"/>
                   </a:solidFill>
@@ -805,7 +809,7 @@
             </a:ln>
             <a:extLst>
               <a:ext uri="{91240B29-F687-4f45-9708-019B960494DF}">
-                <a14:hiddenLine xmlns:a14="http://schemas.microsoft.com/office/drawing/2010/main" xmlns="" w="9525">
+                <a14:hiddenLine xmlns="" xmlns:a14="http://schemas.microsoft.com/office/drawing/2010/main" w="9525">
                   <a:solidFill>
                     <a:srgbClr val="000000"/>
                   </a:solidFill>
@@ -867,7 +871,7 @@
             </a:ln>
             <a:extLst>
               <a:ext uri="{91240B29-F687-4f45-9708-019B960494DF}">
-                <a14:hiddenLine xmlns:a14="http://schemas.microsoft.com/office/drawing/2010/main" xmlns="" w="9525">
+                <a14:hiddenLine xmlns="" xmlns:a14="http://schemas.microsoft.com/office/drawing/2010/main" w="9525">
                   <a:solidFill>
                     <a:srgbClr val="000000"/>
                   </a:solidFill>
@@ -957,7 +961,7 @@
             </a:ln>
             <a:extLst>
               <a:ext uri="{91240B29-F687-4f45-9708-019B960494DF}">
-                <a14:hiddenLine xmlns:a14="http://schemas.microsoft.com/office/drawing/2010/main" xmlns="" w="9525">
+                <a14:hiddenLine xmlns="" xmlns:a14="http://schemas.microsoft.com/office/drawing/2010/main" w="9525">
                   <a:solidFill>
                     <a:srgbClr val="000000"/>
                   </a:solidFill>
@@ -1047,7 +1051,7 @@
             </a:ln>
             <a:extLst>
               <a:ext uri="{91240B29-F687-4f45-9708-019B960494DF}">
-                <a14:hiddenLine xmlns:a14="http://schemas.microsoft.com/office/drawing/2010/main" xmlns="" w="9525">
+                <a14:hiddenLine xmlns="" xmlns:a14="http://schemas.microsoft.com/office/drawing/2010/main" w="9525">
                   <a:solidFill>
                     <a:srgbClr val="000000"/>
                   </a:solidFill>
@@ -1109,7 +1113,7 @@
             </a:ln>
             <a:extLst>
               <a:ext uri="{91240B29-F687-4f45-9708-019B960494DF}">
-                <a14:hiddenLine xmlns:a14="http://schemas.microsoft.com/office/drawing/2010/main" xmlns="" w="9525">
+                <a14:hiddenLine xmlns="" xmlns:a14="http://schemas.microsoft.com/office/drawing/2010/main" w="9525">
                   <a:solidFill>
                     <a:srgbClr val="000000"/>
                   </a:solidFill>
@@ -1219,7 +1223,7 @@
             </a:ln>
             <a:extLst>
               <a:ext uri="{91240B29-F687-4f45-9708-019B960494DF}">
-                <a14:hiddenLine xmlns:a14="http://schemas.microsoft.com/office/drawing/2010/main" xmlns="" w="9525">
+                <a14:hiddenLine xmlns="" xmlns:a14="http://schemas.microsoft.com/office/drawing/2010/main" w="9525">
                   <a:solidFill>
                     <a:srgbClr val="000000"/>
                   </a:solidFill>
@@ -1281,7 +1285,7 @@
             </a:ln>
             <a:extLst>
               <a:ext uri="{91240B29-F687-4f45-9708-019B960494DF}">
-                <a14:hiddenLine xmlns:a14="http://schemas.microsoft.com/office/drawing/2010/main" xmlns="" w="9525">
+                <a14:hiddenLine xmlns="" xmlns:a14="http://schemas.microsoft.com/office/drawing/2010/main" w="9525">
                   <a:solidFill>
                     <a:srgbClr val="000000"/>
                   </a:solidFill>
@@ -1371,7 +1375,7 @@
             </a:ln>
             <a:extLst>
               <a:ext uri="{91240B29-F687-4f45-9708-019B960494DF}">
-                <a14:hiddenLine xmlns:a14="http://schemas.microsoft.com/office/drawing/2010/main" xmlns="" w="9525">
+                <a14:hiddenLine xmlns="" xmlns:a14="http://schemas.microsoft.com/office/drawing/2010/main" w="9525">
                   <a:solidFill>
                     <a:srgbClr val="000000"/>
                   </a:solidFill>
@@ -1461,7 +1465,7 @@
             </a:ln>
             <a:extLst>
               <a:ext uri="{91240B29-F687-4f45-9708-019B960494DF}">
-                <a14:hiddenLine xmlns:a14="http://schemas.microsoft.com/office/drawing/2010/main" xmlns="" w="9525">
+                <a14:hiddenLine xmlns="" xmlns:a14="http://schemas.microsoft.com/office/drawing/2010/main" w="9525">
                   <a:solidFill>
                     <a:srgbClr val="000000"/>
                   </a:solidFill>
@@ -1523,7 +1527,7 @@
             </a:ln>
             <a:extLst>
               <a:ext uri="{91240B29-F687-4f45-9708-019B960494DF}">
-                <a14:hiddenLine xmlns:a14="http://schemas.microsoft.com/office/drawing/2010/main" xmlns="" w="9525">
+                <a14:hiddenLine xmlns="" xmlns:a14="http://schemas.microsoft.com/office/drawing/2010/main" w="9525">
                   <a:solidFill>
                     <a:srgbClr val="000000"/>
                   </a:solidFill>
@@ -1613,7 +1617,7 @@
             </a:ln>
             <a:extLst>
               <a:ext uri="{91240B29-F687-4f45-9708-019B960494DF}">
-                <a14:hiddenLine xmlns:a14="http://schemas.microsoft.com/office/drawing/2010/main" xmlns="" w="9525">
+                <a14:hiddenLine xmlns="" xmlns:a14="http://schemas.microsoft.com/office/drawing/2010/main" w="9525">
                   <a:solidFill>
                     <a:srgbClr val="000000"/>
                   </a:solidFill>
@@ -1703,7 +1707,7 @@
             </a:ln>
             <a:extLst>
               <a:ext uri="{91240B29-F687-4f45-9708-019B960494DF}">
-                <a14:hiddenLine xmlns:a14="http://schemas.microsoft.com/office/drawing/2010/main" xmlns="" w="9525">
+                <a14:hiddenLine xmlns="" xmlns:a14="http://schemas.microsoft.com/office/drawing/2010/main" w="9525">
                   <a:solidFill>
                     <a:srgbClr val="000000"/>
                   </a:solidFill>
@@ -1759,7 +1763,7 @@
             </a:ln>
             <a:extLst>
               <a:ext uri="{91240B29-F687-4f45-9708-019B960494DF}">
-                <a14:hiddenLine xmlns:a14="http://schemas.microsoft.com/office/drawing/2010/main" xmlns="" w="9525">
+                <a14:hiddenLine xmlns="" xmlns:a14="http://schemas.microsoft.com/office/drawing/2010/main" w="9525">
                   <a:solidFill>
                     <a:srgbClr val="000000"/>
                   </a:solidFill>
@@ -1849,7 +1853,7 @@
             </a:ln>
             <a:extLst>
               <a:ext uri="{91240B29-F687-4f45-9708-019B960494DF}">
-                <a14:hiddenLine xmlns:a14="http://schemas.microsoft.com/office/drawing/2010/main" xmlns="" w="9525">
+                <a14:hiddenLine xmlns="" xmlns:a14="http://schemas.microsoft.com/office/drawing/2010/main" w="9525">
                   <a:solidFill>
                     <a:srgbClr val="000000"/>
                   </a:solidFill>
@@ -1905,7 +1909,7 @@
             </a:ln>
             <a:extLst>
               <a:ext uri="{91240B29-F687-4f45-9708-019B960494DF}">
-                <a14:hiddenLine xmlns:a14="http://schemas.microsoft.com/office/drawing/2010/main" xmlns="" w="9525">
+                <a14:hiddenLine xmlns="" xmlns:a14="http://schemas.microsoft.com/office/drawing/2010/main" w="9525">
                   <a:solidFill>
                     <a:srgbClr val="000000"/>
                   </a:solidFill>
@@ -1995,7 +1999,7 @@
             </a:ln>
             <a:extLst>
               <a:ext uri="{91240B29-F687-4f45-9708-019B960494DF}">
-                <a14:hiddenLine xmlns:a14="http://schemas.microsoft.com/office/drawing/2010/main" xmlns="" w="9525">
+                <a14:hiddenLine xmlns="" xmlns:a14="http://schemas.microsoft.com/office/drawing/2010/main" w="9525">
                   <a:solidFill>
                     <a:srgbClr val="000000"/>
                   </a:solidFill>
@@ -2063,7 +2067,7 @@
             </a:ln>
             <a:extLst>
               <a:ext uri="{91240B29-F687-4f45-9708-019B960494DF}">
-                <a14:hiddenLine xmlns:a14="http://schemas.microsoft.com/office/drawing/2010/main" xmlns="" w="9525">
+                <a14:hiddenLine xmlns="" xmlns:a14="http://schemas.microsoft.com/office/drawing/2010/main" w="9525">
                   <a:solidFill>
                     <a:srgbClr val="000000"/>
                   </a:solidFill>
@@ -2153,7 +2157,7 @@
             </a:ln>
             <a:extLst>
               <a:ext uri="{91240B29-F687-4f45-9708-019B960494DF}">
-                <a14:hiddenLine xmlns:a14="http://schemas.microsoft.com/office/drawing/2010/main" xmlns="" w="9525">
+                <a14:hiddenLine xmlns="" xmlns:a14="http://schemas.microsoft.com/office/drawing/2010/main" w="9525">
                   <a:solidFill>
                     <a:srgbClr val="000000"/>
                   </a:solidFill>
@@ -2221,7 +2225,7 @@
             </a:ln>
             <a:extLst>
               <a:ext uri="{91240B29-F687-4f45-9708-019B960494DF}">
-                <a14:hiddenLine xmlns:a14="http://schemas.microsoft.com/office/drawing/2010/main" xmlns="" w="9525">
+                <a14:hiddenLine xmlns="" xmlns:a14="http://schemas.microsoft.com/office/drawing/2010/main" w="9525">
                   <a:solidFill>
                     <a:srgbClr val="000000"/>
                   </a:solidFill>
@@ -2311,7 +2315,7 @@
             </a:ln>
             <a:extLst>
               <a:ext uri="{91240B29-F687-4f45-9708-019B960494DF}">
-                <a14:hiddenLine xmlns:a14="http://schemas.microsoft.com/office/drawing/2010/main" xmlns="" w="9525">
+                <a14:hiddenLine xmlns="" xmlns:a14="http://schemas.microsoft.com/office/drawing/2010/main" w="9525">
                   <a:solidFill>
                     <a:srgbClr val="000000"/>
                   </a:solidFill>
@@ -2345,7 +2349,7 @@
             </a:ln>
             <a:extLst>
               <a:ext uri="{91240B29-F687-4f45-9708-019B960494DF}">
-                <a14:hiddenLine xmlns:a14="http://schemas.microsoft.com/office/drawing/2010/main" xmlns="" w="9525">
+                <a14:hiddenLine xmlns="" xmlns:a14="http://schemas.microsoft.com/office/drawing/2010/main" w="9525">
                   <a:solidFill>
                     <a:srgbClr val="000000"/>
                   </a:solidFill>
@@ -2435,7 +2439,7 @@
             </a:ln>
             <a:extLst>
               <a:ext uri="{91240B29-F687-4f45-9708-019B960494DF}">
-                <a14:hiddenLine xmlns:a14="http://schemas.microsoft.com/office/drawing/2010/main" xmlns="" w="9525">
+                <a14:hiddenLine xmlns="" xmlns:a14="http://schemas.microsoft.com/office/drawing/2010/main" w="9525">
                   <a:solidFill>
                     <a:srgbClr val="000000"/>
                   </a:solidFill>
@@ -2497,7 +2501,7 @@
             </a:ln>
             <a:extLst>
               <a:ext uri="{91240B29-F687-4f45-9708-019B960494DF}">
-                <a14:hiddenLine xmlns:a14="http://schemas.microsoft.com/office/drawing/2010/main" xmlns="" w="9525">
+                <a14:hiddenLine xmlns="" xmlns:a14="http://schemas.microsoft.com/office/drawing/2010/main" w="9525">
                   <a:solidFill>
                     <a:srgbClr val="000000"/>
                   </a:solidFill>
@@ -2559,7 +2563,7 @@
             </a:ln>
             <a:extLst>
               <a:ext uri="{91240B29-F687-4f45-9708-019B960494DF}">
-                <a14:hiddenLine xmlns:a14="http://schemas.microsoft.com/office/drawing/2010/main" xmlns="" w="9525">
+                <a14:hiddenLine xmlns="" xmlns:a14="http://schemas.microsoft.com/office/drawing/2010/main" w="9525">
                   <a:solidFill>
                     <a:srgbClr val="000000"/>
                   </a:solidFill>
@@ -2649,7 +2653,7 @@
             </a:ln>
             <a:extLst>
               <a:ext uri="{91240B29-F687-4f45-9708-019B960494DF}">
-                <a14:hiddenLine xmlns:a14="http://schemas.microsoft.com/office/drawing/2010/main" xmlns="" w="9525">
+                <a14:hiddenLine xmlns="" xmlns:a14="http://schemas.microsoft.com/office/drawing/2010/main" w="9525">
                   <a:solidFill>
                     <a:srgbClr val="000000"/>
                   </a:solidFill>
@@ -2717,7 +2721,7 @@
             </a:ln>
             <a:extLst>
               <a:ext uri="{91240B29-F687-4f45-9708-019B960494DF}">
-                <a14:hiddenLine xmlns:a14="http://schemas.microsoft.com/office/drawing/2010/main" xmlns="" w="9525">
+                <a14:hiddenLine xmlns="" xmlns:a14="http://schemas.microsoft.com/office/drawing/2010/main" w="9525">
                   <a:solidFill>
                     <a:srgbClr val="000000"/>
                   </a:solidFill>
@@ -2779,7 +2783,7 @@
             </a:ln>
             <a:extLst>
               <a:ext uri="{91240B29-F687-4f45-9708-019B960494DF}">
-                <a14:hiddenLine xmlns:a14="http://schemas.microsoft.com/office/drawing/2010/main" xmlns="" w="9525">
+                <a14:hiddenLine xmlns="" xmlns:a14="http://schemas.microsoft.com/office/drawing/2010/main" w="9525">
                   <a:solidFill>
                     <a:srgbClr val="000000"/>
                   </a:solidFill>
@@ -2869,7 +2873,7 @@
             </a:ln>
             <a:extLst>
               <a:ext uri="{91240B29-F687-4f45-9708-019B960494DF}">
-                <a14:hiddenLine xmlns:a14="http://schemas.microsoft.com/office/drawing/2010/main" xmlns="" w="9525">
+                <a14:hiddenLine xmlns="" xmlns:a14="http://schemas.microsoft.com/office/drawing/2010/main" w="9525">
                   <a:solidFill>
                     <a:srgbClr val="000000"/>
                   </a:solidFill>
@@ -2931,7 +2935,7 @@
             </a:ln>
             <a:extLst>
               <a:ext uri="{91240B29-F687-4f45-9708-019B960494DF}">
-                <a14:hiddenLine xmlns:a14="http://schemas.microsoft.com/office/drawing/2010/main" xmlns="" w="9525">
+                <a14:hiddenLine xmlns="" xmlns:a14="http://schemas.microsoft.com/office/drawing/2010/main" w="9525">
                   <a:solidFill>
                     <a:srgbClr val="000000"/>
                   </a:solidFill>
@@ -3021,7 +3025,7 @@
             </a:ln>
             <a:extLst>
               <a:ext uri="{91240B29-F687-4f45-9708-019B960494DF}">
-                <a14:hiddenLine xmlns:a14="http://schemas.microsoft.com/office/drawing/2010/main" xmlns="" w="9525">
+                <a14:hiddenLine xmlns="" xmlns:a14="http://schemas.microsoft.com/office/drawing/2010/main" w="9525">
                   <a:solidFill>
                     <a:srgbClr val="000000"/>
                   </a:solidFill>
@@ -3083,7 +3087,7 @@
             </a:ln>
             <a:extLst>
               <a:ext uri="{91240B29-F687-4f45-9708-019B960494DF}">
-                <a14:hiddenLine xmlns:a14="http://schemas.microsoft.com/office/drawing/2010/main" xmlns="" w="9525">
+                <a14:hiddenLine xmlns="" xmlns:a14="http://schemas.microsoft.com/office/drawing/2010/main" w="9525">
                   <a:solidFill>
                     <a:srgbClr val="000000"/>
                   </a:solidFill>
@@ -3173,7 +3177,7 @@
             </a:ln>
             <a:extLst>
               <a:ext uri="{91240B29-F687-4f45-9708-019B960494DF}">
-                <a14:hiddenLine xmlns:a14="http://schemas.microsoft.com/office/drawing/2010/main" xmlns="" w="9525">
+                <a14:hiddenLine xmlns="" xmlns:a14="http://schemas.microsoft.com/office/drawing/2010/main" w="9525">
                   <a:solidFill>
                     <a:srgbClr val="000000"/>
                   </a:solidFill>
@@ -3207,7 +3211,7 @@
             </a:ln>
             <a:extLst>
               <a:ext uri="{91240B29-F687-4f45-9708-019B960494DF}">
-                <a14:hiddenLine xmlns:a14="http://schemas.microsoft.com/office/drawing/2010/main" xmlns="" w="9525">
+                <a14:hiddenLine xmlns="" xmlns:a14="http://schemas.microsoft.com/office/drawing/2010/main" w="9525">
                   <a:solidFill>
                     <a:srgbClr val="000000"/>
                   </a:solidFill>
@@ -3272,7 +3276,7 @@
             </a:ln>
             <a:extLst>
               <a:ext uri="{91240B29-F687-4f45-9708-019B960494DF}">
-                <a14:hiddenLine xmlns:a14="http://schemas.microsoft.com/office/drawing/2010/main" xmlns="" w="9525">
+                <a14:hiddenLine xmlns="" xmlns:a14="http://schemas.microsoft.com/office/drawing/2010/main" w="9525">
                   <a:solidFill>
                     <a:srgbClr val="000000"/>
                   </a:solidFill>
@@ -3362,7 +3366,7 @@
             </a:ln>
             <a:extLst>
               <a:ext uri="{91240B29-F687-4f45-9708-019B960494DF}">
-                <a14:hiddenLine xmlns:a14="http://schemas.microsoft.com/office/drawing/2010/main" xmlns="" w="9525">
+                <a14:hiddenLine xmlns="" xmlns:a14="http://schemas.microsoft.com/office/drawing/2010/main" w="9525">
                   <a:solidFill>
                     <a:srgbClr val="000000"/>
                   </a:solidFill>
@@ -3424,7 +3428,7 @@
             </a:ln>
             <a:extLst>
               <a:ext uri="{91240B29-F687-4f45-9708-019B960494DF}">
-                <a14:hiddenLine xmlns:a14="http://schemas.microsoft.com/office/drawing/2010/main" xmlns="" w="9525">
+                <a14:hiddenLine xmlns="" xmlns:a14="http://schemas.microsoft.com/office/drawing/2010/main" w="9525">
                   <a:solidFill>
                     <a:srgbClr val="000000"/>
                   </a:solidFill>
@@ -3514,7 +3518,7 @@
             </a:ln>
             <a:extLst>
               <a:ext uri="{91240B29-F687-4f45-9708-019B960494DF}">
-                <a14:hiddenLine xmlns:a14="http://schemas.microsoft.com/office/drawing/2010/main" xmlns="" w="9525">
+                <a14:hiddenLine xmlns="" xmlns:a14="http://schemas.microsoft.com/office/drawing/2010/main" w="9525">
                   <a:solidFill>
                     <a:srgbClr val="000000"/>
                   </a:solidFill>
@@ -3604,7 +3608,7 @@
             </a:ln>
             <a:extLst>
               <a:ext uri="{91240B29-F687-4f45-9708-019B960494DF}">
-                <a14:hiddenLine xmlns:a14="http://schemas.microsoft.com/office/drawing/2010/main" xmlns="" w="9525">
+                <a14:hiddenLine xmlns="" xmlns:a14="http://schemas.microsoft.com/office/drawing/2010/main" w="9525">
                   <a:solidFill>
                     <a:srgbClr val="000000"/>
                   </a:solidFill>
@@ -3669,7 +3673,7 @@
             </a:ln>
             <a:extLst>
               <a:ext uri="{91240B29-F687-4f45-9708-019B960494DF}">
-                <a14:hiddenLine xmlns:a14="http://schemas.microsoft.com/office/drawing/2010/main" xmlns="" w="9525">
+                <a14:hiddenLine xmlns="" xmlns:a14="http://schemas.microsoft.com/office/drawing/2010/main" w="9525">
                   <a:solidFill>
                     <a:srgbClr val="000000"/>
                   </a:solidFill>
@@ -3731,7 +3735,7 @@
             </a:ln>
             <a:extLst>
               <a:ext uri="{91240B29-F687-4f45-9708-019B960494DF}">
-                <a14:hiddenLine xmlns:a14="http://schemas.microsoft.com/office/drawing/2010/main" xmlns="" w="9525">
+                <a14:hiddenLine xmlns="" xmlns:a14="http://schemas.microsoft.com/office/drawing/2010/main" w="9525">
                   <a:solidFill>
                     <a:srgbClr val="000000"/>
                   </a:solidFill>
@@ -3821,7 +3825,7 @@
             </a:ln>
             <a:extLst>
               <a:ext uri="{91240B29-F687-4f45-9708-019B960494DF}">
-                <a14:hiddenLine xmlns:a14="http://schemas.microsoft.com/office/drawing/2010/main" xmlns="" w="9525">
+                <a14:hiddenLine xmlns="" xmlns:a14="http://schemas.microsoft.com/office/drawing/2010/main" w="9525">
                   <a:solidFill>
                     <a:srgbClr val="000000"/>
                   </a:solidFill>
@@ -3911,7 +3915,7 @@
             </a:ln>
             <a:extLst>
               <a:ext uri="{91240B29-F687-4f45-9708-019B960494DF}">
-                <a14:hiddenLine xmlns:a14="http://schemas.microsoft.com/office/drawing/2010/main" xmlns="" w="9525">
+                <a14:hiddenLine xmlns="" xmlns:a14="http://schemas.microsoft.com/office/drawing/2010/main" w="9525">
                   <a:solidFill>
                     <a:srgbClr val="000000"/>
                   </a:solidFill>
@@ -3973,7 +3977,7 @@
             </a:ln>
             <a:extLst>
               <a:ext uri="{91240B29-F687-4f45-9708-019B960494DF}">
-                <a14:hiddenLine xmlns:a14="http://schemas.microsoft.com/office/drawing/2010/main" xmlns="" w="9525">
+                <a14:hiddenLine xmlns="" xmlns:a14="http://schemas.microsoft.com/office/drawing/2010/main" w="9525">
                   <a:solidFill>
                     <a:srgbClr val="000000"/>
                   </a:solidFill>
@@ -4093,7 +4097,7 @@
             </a:ln>
             <a:extLst>
               <a:ext uri="{91240B29-F687-4f45-9708-019B960494DF}">
-                <a14:hiddenLine xmlns:a14="http://schemas.microsoft.com/office/drawing/2010/main" xmlns="" w="9525">
+                <a14:hiddenLine xmlns="" xmlns:a14="http://schemas.microsoft.com/office/drawing/2010/main" w="9525">
                   <a:solidFill>
                     <a:srgbClr val="000000"/>
                   </a:solidFill>
@@ -4161,7 +4165,7 @@
             </a:ln>
             <a:extLst>
               <a:ext uri="{91240B29-F687-4f45-9708-019B960494DF}">
-                <a14:hiddenLine xmlns:a14="http://schemas.microsoft.com/office/drawing/2010/main" xmlns="" w="9525">
+                <a14:hiddenLine xmlns="" xmlns:a14="http://schemas.microsoft.com/office/drawing/2010/main" w="9525">
                   <a:solidFill>
                     <a:srgbClr val="000000"/>
                   </a:solidFill>
@@ -4251,7 +4255,7 @@
             </a:ln>
             <a:extLst>
               <a:ext uri="{91240B29-F687-4f45-9708-019B960494DF}">
-                <a14:hiddenLine xmlns:a14="http://schemas.microsoft.com/office/drawing/2010/main" xmlns="" w="9525">
+                <a14:hiddenLine xmlns="" xmlns:a14="http://schemas.microsoft.com/office/drawing/2010/main" w="9525">
                   <a:solidFill>
                     <a:srgbClr val="000000"/>
                   </a:solidFill>
@@ -8973,7 +8977,7 @@
           <a:noFill/>
           <a:extLst>
             <a:ext uri="{909E8E84-426E-40dd-AFC4-6F175D3DCCD1}">
-              <a14:hiddenFill xmlns:a14="http://schemas.microsoft.com/office/drawing/2010/main" xmlns="">
+              <a14:hiddenFill xmlns="" xmlns:a14="http://schemas.microsoft.com/office/drawing/2010/main">
                 <a:solidFill>
                   <a:srgbClr val="FFFFFF"/>
                 </a:solidFill>
@@ -9047,7 +9051,7 @@
               </a:ln>
               <a:extLst>
                 <a:ext uri="{91240B29-F687-4f45-9708-019B960494DF}">
-                  <a14:hiddenLine xmlns:a14="http://schemas.microsoft.com/office/drawing/2010/main" xmlns="" w="9525">
+                  <a14:hiddenLine xmlns="" xmlns:a14="http://schemas.microsoft.com/office/drawing/2010/main" w="9525">
                     <a:solidFill>
                       <a:srgbClr val="000000"/>
                     </a:solidFill>
@@ -9137,7 +9141,7 @@
               </a:ln>
               <a:extLst>
                 <a:ext uri="{91240B29-F687-4f45-9708-019B960494DF}">
-                  <a14:hiddenLine xmlns:a14="http://schemas.microsoft.com/office/drawing/2010/main" xmlns="" w="9525">
+                  <a14:hiddenLine xmlns="" xmlns:a14="http://schemas.microsoft.com/office/drawing/2010/main" w="9525">
                     <a:solidFill>
                       <a:srgbClr val="000000"/>
                     </a:solidFill>
@@ -9227,7 +9231,7 @@
               </a:ln>
               <a:extLst>
                 <a:ext uri="{91240B29-F687-4f45-9708-019B960494DF}">
-                  <a14:hiddenLine xmlns:a14="http://schemas.microsoft.com/office/drawing/2010/main" xmlns="" w="9525">
+                  <a14:hiddenLine xmlns="" xmlns:a14="http://schemas.microsoft.com/office/drawing/2010/main" w="9525">
                     <a:solidFill>
                       <a:srgbClr val="000000"/>
                     </a:solidFill>
@@ -9289,7 +9293,7 @@
               </a:ln>
               <a:extLst>
                 <a:ext uri="{91240B29-F687-4f45-9708-019B960494DF}">
-                  <a14:hiddenLine xmlns:a14="http://schemas.microsoft.com/office/drawing/2010/main" xmlns="" w="9525">
+                  <a14:hiddenLine xmlns="" xmlns:a14="http://schemas.microsoft.com/office/drawing/2010/main" w="9525">
                     <a:solidFill>
                       <a:srgbClr val="000000"/>
                     </a:solidFill>
@@ -9379,7 +9383,7 @@
               </a:ln>
               <a:extLst>
                 <a:ext uri="{91240B29-F687-4f45-9708-019B960494DF}">
-                  <a14:hiddenLine xmlns:a14="http://schemas.microsoft.com/office/drawing/2010/main" xmlns="" w="9525">
+                  <a14:hiddenLine xmlns="" xmlns:a14="http://schemas.microsoft.com/office/drawing/2010/main" w="9525">
                     <a:solidFill>
                       <a:srgbClr val="000000"/>
                     </a:solidFill>
@@ -9441,7 +9445,7 @@
               </a:ln>
               <a:extLst>
                 <a:ext uri="{91240B29-F687-4f45-9708-019B960494DF}">
-                  <a14:hiddenLine xmlns:a14="http://schemas.microsoft.com/office/drawing/2010/main" xmlns="" w="9525">
+                  <a14:hiddenLine xmlns="" xmlns:a14="http://schemas.microsoft.com/office/drawing/2010/main" w="9525">
                     <a:solidFill>
                       <a:srgbClr val="000000"/>
                     </a:solidFill>
@@ -9503,7 +9507,7 @@
               </a:ln>
               <a:extLst>
                 <a:ext uri="{91240B29-F687-4f45-9708-019B960494DF}">
-                  <a14:hiddenLine xmlns:a14="http://schemas.microsoft.com/office/drawing/2010/main" xmlns="" w="9525">
+                  <a14:hiddenLine xmlns="" xmlns:a14="http://schemas.microsoft.com/office/drawing/2010/main" w="9525">
                     <a:solidFill>
                       <a:srgbClr val="000000"/>
                     </a:solidFill>
@@ -9593,7 +9597,7 @@
               </a:ln>
               <a:extLst>
                 <a:ext uri="{91240B29-F687-4f45-9708-019B960494DF}">
-                  <a14:hiddenLine xmlns:a14="http://schemas.microsoft.com/office/drawing/2010/main" xmlns="" w="9525">
+                  <a14:hiddenLine xmlns="" xmlns:a14="http://schemas.microsoft.com/office/drawing/2010/main" w="9525">
                     <a:solidFill>
                       <a:srgbClr val="000000"/>
                     </a:solidFill>
@@ -9683,7 +9687,7 @@
               </a:ln>
               <a:extLst>
                 <a:ext uri="{91240B29-F687-4f45-9708-019B960494DF}">
-                  <a14:hiddenLine xmlns:a14="http://schemas.microsoft.com/office/drawing/2010/main" xmlns="" w="9525">
+                  <a14:hiddenLine xmlns="" xmlns:a14="http://schemas.microsoft.com/office/drawing/2010/main" w="9525">
                     <a:solidFill>
                       <a:srgbClr val="000000"/>
                     </a:solidFill>
@@ -9745,7 +9749,7 @@
               </a:ln>
               <a:extLst>
                 <a:ext uri="{91240B29-F687-4f45-9708-019B960494DF}">
-                  <a14:hiddenLine xmlns:a14="http://schemas.microsoft.com/office/drawing/2010/main" xmlns="" w="9525">
+                  <a14:hiddenLine xmlns="" xmlns:a14="http://schemas.microsoft.com/office/drawing/2010/main" w="9525">
                     <a:solidFill>
                       <a:srgbClr val="000000"/>
                     </a:solidFill>
@@ -9855,7 +9859,7 @@
               </a:ln>
               <a:extLst>
                 <a:ext uri="{91240B29-F687-4f45-9708-019B960494DF}">
-                  <a14:hiddenLine xmlns:a14="http://schemas.microsoft.com/office/drawing/2010/main" xmlns="" w="9525">
+                  <a14:hiddenLine xmlns="" xmlns:a14="http://schemas.microsoft.com/office/drawing/2010/main" w="9525">
                     <a:solidFill>
                       <a:srgbClr val="000000"/>
                     </a:solidFill>
@@ -9939,7 +9943,7 @@
               </a:ln>
               <a:extLst>
                 <a:ext uri="{91240B29-F687-4f45-9708-019B960494DF}">
-                  <a14:hiddenLine xmlns:a14="http://schemas.microsoft.com/office/drawing/2010/main" xmlns="" w="9525">
+                  <a14:hiddenLine xmlns="" xmlns:a14="http://schemas.microsoft.com/office/drawing/2010/main" w="9525">
                     <a:solidFill>
                       <a:srgbClr val="000000"/>
                     </a:solidFill>
@@ -10001,7 +10005,7 @@
               </a:ln>
               <a:extLst>
                 <a:ext uri="{91240B29-F687-4f45-9708-019B960494DF}">
-                  <a14:hiddenLine xmlns:a14="http://schemas.microsoft.com/office/drawing/2010/main" xmlns="" w="9525">
+                  <a14:hiddenLine xmlns="" xmlns:a14="http://schemas.microsoft.com/office/drawing/2010/main" w="9525">
                     <a:solidFill>
                       <a:srgbClr val="000000"/>
                     </a:solidFill>
@@ -10063,7 +10067,7 @@
               </a:ln>
               <a:extLst>
                 <a:ext uri="{91240B29-F687-4f45-9708-019B960494DF}">
-                  <a14:hiddenLine xmlns:a14="http://schemas.microsoft.com/office/drawing/2010/main" xmlns="" w="9525">
+                  <a14:hiddenLine xmlns="" xmlns:a14="http://schemas.microsoft.com/office/drawing/2010/main" w="9525">
                     <a:solidFill>
                       <a:srgbClr val="000000"/>
                     </a:solidFill>
@@ -10153,7 +10157,7 @@
               </a:ln>
               <a:extLst>
                 <a:ext uri="{91240B29-F687-4f45-9708-019B960494DF}">
-                  <a14:hiddenLine xmlns:a14="http://schemas.microsoft.com/office/drawing/2010/main" xmlns="" w="9525">
+                  <a14:hiddenLine xmlns="" xmlns:a14="http://schemas.microsoft.com/office/drawing/2010/main" w="9525">
                     <a:solidFill>
                       <a:srgbClr val="000000"/>
                     </a:solidFill>
@@ -10187,7 +10191,7 @@
               </a:ln>
               <a:extLst>
                 <a:ext uri="{91240B29-F687-4f45-9708-019B960494DF}">
-                  <a14:hiddenLine xmlns:a14="http://schemas.microsoft.com/office/drawing/2010/main" xmlns="" w="9525">
+                  <a14:hiddenLine xmlns="" xmlns:a14="http://schemas.microsoft.com/office/drawing/2010/main" w="9525">
                     <a:solidFill>
                       <a:srgbClr val="000000"/>
                     </a:solidFill>
@@ -10252,7 +10256,7 @@
               </a:ln>
               <a:extLst>
                 <a:ext uri="{91240B29-F687-4f45-9708-019B960494DF}">
-                  <a14:hiddenLine xmlns:a14="http://schemas.microsoft.com/office/drawing/2010/main" xmlns="" w="9525">
+                  <a14:hiddenLine xmlns="" xmlns:a14="http://schemas.microsoft.com/office/drawing/2010/main" w="9525">
                     <a:solidFill>
                       <a:srgbClr val="000000"/>
                     </a:solidFill>
@@ -10342,7 +10346,7 @@
               </a:ln>
               <a:extLst>
                 <a:ext uri="{91240B29-F687-4f45-9708-019B960494DF}">
-                  <a14:hiddenLine xmlns:a14="http://schemas.microsoft.com/office/drawing/2010/main" xmlns="" w="9525">
+                  <a14:hiddenLine xmlns="" xmlns:a14="http://schemas.microsoft.com/office/drawing/2010/main" w="9525">
                     <a:solidFill>
                       <a:srgbClr val="000000"/>
                     </a:solidFill>
@@ -10404,7 +10408,7 @@
               </a:ln>
               <a:extLst>
                 <a:ext uri="{91240B29-F687-4f45-9708-019B960494DF}">
-                  <a14:hiddenLine xmlns:a14="http://schemas.microsoft.com/office/drawing/2010/main" xmlns="" w="9525">
+                  <a14:hiddenLine xmlns="" xmlns:a14="http://schemas.microsoft.com/office/drawing/2010/main" w="9525">
                     <a:solidFill>
                       <a:srgbClr val="000000"/>
                     </a:solidFill>
@@ -10494,7 +10498,7 @@
               </a:ln>
               <a:extLst>
                 <a:ext uri="{91240B29-F687-4f45-9708-019B960494DF}">
-                  <a14:hiddenLine xmlns:a14="http://schemas.microsoft.com/office/drawing/2010/main" xmlns="" w="9525">
+                  <a14:hiddenLine xmlns="" xmlns:a14="http://schemas.microsoft.com/office/drawing/2010/main" w="9525">
                     <a:solidFill>
                       <a:srgbClr val="000000"/>
                     </a:solidFill>
@@ -10559,7 +10563,7 @@
               </a:ln>
               <a:extLst>
                 <a:ext uri="{91240B29-F687-4f45-9708-019B960494DF}">
-                  <a14:hiddenLine xmlns:a14="http://schemas.microsoft.com/office/drawing/2010/main" xmlns="" w="9525">
+                  <a14:hiddenLine xmlns="" xmlns:a14="http://schemas.microsoft.com/office/drawing/2010/main" w="9525">
                     <a:solidFill>
                       <a:srgbClr val="000000"/>
                     </a:solidFill>
@@ -10621,7 +10625,7 @@
               </a:ln>
               <a:extLst>
                 <a:ext uri="{91240B29-F687-4f45-9708-019B960494DF}">
-                  <a14:hiddenLine xmlns:a14="http://schemas.microsoft.com/office/drawing/2010/main" xmlns="" w="9525">
+                  <a14:hiddenLine xmlns="" xmlns:a14="http://schemas.microsoft.com/office/drawing/2010/main" w="9525">
                     <a:solidFill>
                       <a:srgbClr val="000000"/>
                     </a:solidFill>
@@ -10711,7 +10715,7 @@
               </a:ln>
               <a:extLst>
                 <a:ext uri="{91240B29-F687-4f45-9708-019B960494DF}">
-                  <a14:hiddenLine xmlns:a14="http://schemas.microsoft.com/office/drawing/2010/main" xmlns="" w="9525">
+                  <a14:hiddenLine xmlns="" xmlns:a14="http://schemas.microsoft.com/office/drawing/2010/main" w="9525">
                     <a:solidFill>
                       <a:srgbClr val="000000"/>
                     </a:solidFill>
@@ -10801,7 +10805,7 @@
               </a:ln>
               <a:extLst>
                 <a:ext uri="{91240B29-F687-4f45-9708-019B960494DF}">
-                  <a14:hiddenLine xmlns:a14="http://schemas.microsoft.com/office/drawing/2010/main" xmlns="" w="9525">
+                  <a14:hiddenLine xmlns="" xmlns:a14="http://schemas.microsoft.com/office/drawing/2010/main" w="9525">
                     <a:solidFill>
                       <a:srgbClr val="000000"/>
                     </a:solidFill>
@@ -10866,7 +10870,7 @@
               </a:ln>
               <a:extLst>
                 <a:ext uri="{91240B29-F687-4f45-9708-019B960494DF}">
-                  <a14:hiddenLine xmlns:a14="http://schemas.microsoft.com/office/drawing/2010/main" xmlns="" w="9525">
+                  <a14:hiddenLine xmlns="" xmlns:a14="http://schemas.microsoft.com/office/drawing/2010/main" w="9525">
                     <a:solidFill>
                       <a:srgbClr val="000000"/>
                     </a:solidFill>
@@ -10986,7 +10990,7 @@
               </a:ln>
               <a:extLst>
                 <a:ext uri="{91240B29-F687-4f45-9708-019B960494DF}">
-                  <a14:hiddenLine xmlns:a14="http://schemas.microsoft.com/office/drawing/2010/main" xmlns="" w="9525">
+                  <a14:hiddenLine xmlns="" xmlns:a14="http://schemas.microsoft.com/office/drawing/2010/main" w="9525">
                     <a:solidFill>
                       <a:srgbClr val="000000"/>
                     </a:solidFill>
@@ -11084,7 +11088,7 @@
               </a:ln>
               <a:extLst>
                 <a:ext uri="{91240B29-F687-4f45-9708-019B960494DF}">
-                  <a14:hiddenLine xmlns:a14="http://schemas.microsoft.com/office/drawing/2010/main" xmlns="" w="9525">
+                  <a14:hiddenLine xmlns="" xmlns:a14="http://schemas.microsoft.com/office/drawing/2010/main" w="9525">
                     <a:solidFill>
                       <a:srgbClr val="000000"/>
                     </a:solidFill>
@@ -11199,7 +11203,7 @@
               </a:ln>
               <a:extLst>
                 <a:ext uri="{91240B29-F687-4f45-9708-019B960494DF}">
-                  <a14:hiddenLine xmlns:a14="http://schemas.microsoft.com/office/drawing/2010/main" xmlns="" w="9525">
+                  <a14:hiddenLine xmlns="" xmlns:a14="http://schemas.microsoft.com/office/drawing/2010/main" w="9525">
                     <a:solidFill>
                       <a:srgbClr val="000000"/>
                     </a:solidFill>
@@ -11289,7 +11293,7 @@
               </a:ln>
               <a:extLst>
                 <a:ext uri="{91240B29-F687-4f45-9708-019B960494DF}">
-                  <a14:hiddenLine xmlns:a14="http://schemas.microsoft.com/office/drawing/2010/main" xmlns="" w="9525">
+                  <a14:hiddenLine xmlns="" xmlns:a14="http://schemas.microsoft.com/office/drawing/2010/main" w="9525">
                     <a:solidFill>
                       <a:srgbClr val="000000"/>
                     </a:solidFill>
@@ -11354,7 +11358,7 @@
               </a:ln>
               <a:extLst>
                 <a:ext uri="{91240B29-F687-4f45-9708-019B960494DF}">
-                  <a14:hiddenLine xmlns:a14="http://schemas.microsoft.com/office/drawing/2010/main" xmlns="" w="9525">
+                  <a14:hiddenLine xmlns="" xmlns:a14="http://schemas.microsoft.com/office/drawing/2010/main" w="9525">
                     <a:solidFill>
                       <a:srgbClr val="000000"/>
                     </a:solidFill>
@@ -11444,7 +11448,7 @@
               </a:ln>
               <a:extLst>
                 <a:ext uri="{91240B29-F687-4f45-9708-019B960494DF}">
-                  <a14:hiddenLine xmlns:a14="http://schemas.microsoft.com/office/drawing/2010/main" xmlns="" w="9525">
+                  <a14:hiddenLine xmlns="" xmlns:a14="http://schemas.microsoft.com/office/drawing/2010/main" w="9525">
                     <a:solidFill>
                       <a:srgbClr val="000000"/>
                     </a:solidFill>
@@ -11512,7 +11516,7 @@
               </a:ln>
               <a:extLst>
                 <a:ext uri="{91240B29-F687-4f45-9708-019B960494DF}">
-                  <a14:hiddenLine xmlns:a14="http://schemas.microsoft.com/office/drawing/2010/main" xmlns="" w="9525">
+                  <a14:hiddenLine xmlns="" xmlns:a14="http://schemas.microsoft.com/office/drawing/2010/main" w="9525">
                     <a:solidFill>
                       <a:srgbClr val="000000"/>
                     </a:solidFill>
@@ -11602,7 +11606,7 @@
               </a:ln>
               <a:extLst>
                 <a:ext uri="{91240B29-F687-4f45-9708-019B960494DF}">
-                  <a14:hiddenLine xmlns:a14="http://schemas.microsoft.com/office/drawing/2010/main" xmlns="" w="9525">
+                  <a14:hiddenLine xmlns="" xmlns:a14="http://schemas.microsoft.com/office/drawing/2010/main" w="9525">
                     <a:solidFill>
                       <a:srgbClr val="000000"/>
                     </a:solidFill>
@@ -11670,7 +11674,7 @@
               </a:ln>
               <a:extLst>
                 <a:ext uri="{91240B29-F687-4f45-9708-019B960494DF}">
-                  <a14:hiddenLine xmlns:a14="http://schemas.microsoft.com/office/drawing/2010/main" xmlns="" w="9525">
+                  <a14:hiddenLine xmlns="" xmlns:a14="http://schemas.microsoft.com/office/drawing/2010/main" w="9525">
                     <a:solidFill>
                       <a:srgbClr val="000000"/>
                     </a:solidFill>
@@ -11760,7 +11764,7 @@
               </a:ln>
               <a:extLst>
                 <a:ext uri="{91240B29-F687-4f45-9708-019B960494DF}">
-                  <a14:hiddenLine xmlns:a14="http://schemas.microsoft.com/office/drawing/2010/main" xmlns="" w="9525">
+                  <a14:hiddenLine xmlns="" xmlns:a14="http://schemas.microsoft.com/office/drawing/2010/main" w="9525">
                     <a:solidFill>
                       <a:srgbClr val="000000"/>
                     </a:solidFill>
@@ -11794,7 +11798,7 @@
               </a:ln>
               <a:extLst>
                 <a:ext uri="{91240B29-F687-4f45-9708-019B960494DF}">
-                  <a14:hiddenLine xmlns:a14="http://schemas.microsoft.com/office/drawing/2010/main" xmlns="" w="9525">
+                  <a14:hiddenLine xmlns="" xmlns:a14="http://schemas.microsoft.com/office/drawing/2010/main" w="9525">
                     <a:solidFill>
                       <a:srgbClr val="000000"/>
                     </a:solidFill>
@@ -12753,7 +12757,29 @@
           <a:bodyPr/>
           <a:lstStyle/>
           <a:p>
-            <a:endParaRPr lang="en-US"/>
+            <a:r>
+              <a:rPr lang="en-US" dirty="0" smtClean="0"/>
+              <a:t>                           </a:t>
+            </a:r>
+            <a:r>
+              <a:rPr lang="en-US" sz="4400" dirty="0" smtClean="0">
+                <a:solidFill>
+                  <a:schemeClr val="bg1">
+                    <a:lumMod val="95000"/>
+                    <a:lumOff val="5000"/>
+                  </a:schemeClr>
+                </a:solidFill>
+              </a:rPr>
+              <a:t>principle</a:t>
+            </a:r>
+            <a:endParaRPr lang="en-US" sz="4400" dirty="0">
+              <a:solidFill>
+                <a:schemeClr val="bg1">
+                  <a:lumMod val="95000"/>
+                  <a:lumOff val="5000"/>
+                </a:schemeClr>
+              </a:solidFill>
+            </a:endParaRPr>
           </a:p>
         </p:txBody>
       </p:sp>
@@ -12772,7 +12798,7 @@
           <a:bodyPr/>
           <a:lstStyle/>
           <a:p>
-            <a:endParaRPr lang="en-US"/>
+            <a:endParaRPr lang="en-US" dirty="0"/>
           </a:p>
         </p:txBody>
       </p:sp>
@@ -12780,6 +12806,298 @@
     <p:extLst>
       <p:ext uri="{BB962C8B-B14F-4D97-AF65-F5344CB8AC3E}">
         <p14:creationId xmlns:p14="http://schemas.microsoft.com/office/powerpoint/2010/main" val="2797877331"/>
+      </p:ext>
+    </p:extLst>
+  </p:cSld>
+  <p:clrMapOvr>
+    <a:masterClrMapping/>
+  </p:clrMapOvr>
+</p:sld>
+</file>
+
+<file path=ppt/slides/slide5.xml><?xml version="1.0" encoding="utf-8"?>
+<p:sld xmlns:a="http://schemas.openxmlformats.org/drawingml/2006/main" xmlns:r="http://schemas.openxmlformats.org/officeDocument/2006/relationships" xmlns:p="http://schemas.openxmlformats.org/presentationml/2006/main">
+  <p:cSld>
+    <p:spTree>
+      <p:nvGrpSpPr>
+        <p:cNvPr id="1" name=""/>
+        <p:cNvGrpSpPr/>
+        <p:nvPr/>
+      </p:nvGrpSpPr>
+      <p:grpSpPr>
+        <a:xfrm>
+          <a:off x="0" y="0"/>
+          <a:ext cx="0" cy="0"/>
+          <a:chOff x="0" y="0"/>
+          <a:chExt cx="0" cy="0"/>
+        </a:xfrm>
+      </p:grpSpPr>
+      <p:sp>
+        <p:nvSpPr>
+          <p:cNvPr id="2" name="Title 1"/>
+          <p:cNvSpPr>
+            <a:spLocks noGrp="1"/>
+          </p:cNvSpPr>
+          <p:nvPr>
+            <p:ph type="title"/>
+          </p:nvPr>
+        </p:nvSpPr>
+        <p:spPr/>
+        <p:txBody>
+          <a:bodyPr/>
+          <a:lstStyle/>
+          <a:p>
+            <a:r>
+              <a:rPr lang="en-US" dirty="0"/>
+              <a:t> </a:t>
+            </a:r>
+            <a:r>
+              <a:rPr lang="en-US" dirty="0" smtClean="0"/>
+              <a:t>                        construction</a:t>
+            </a:r>
+            <a:endParaRPr lang="en-US" dirty="0"/>
+          </a:p>
+        </p:txBody>
+      </p:sp>
+      <p:sp>
+        <p:nvSpPr>
+          <p:cNvPr id="3" name="Content Placeholder 2"/>
+          <p:cNvSpPr>
+            <a:spLocks noGrp="1"/>
+          </p:cNvSpPr>
+          <p:nvPr>
+            <p:ph idx="1"/>
+          </p:nvPr>
+        </p:nvSpPr>
+        <p:spPr/>
+        <p:txBody>
+          <a:bodyPr/>
+          <a:lstStyle/>
+          <a:p>
+            <a:endParaRPr lang="en-US"/>
+          </a:p>
+        </p:txBody>
+      </p:sp>
+    </p:spTree>
+    <p:extLst>
+      <p:ext uri="{BB962C8B-B14F-4D97-AF65-F5344CB8AC3E}">
+        <p14:creationId xmlns:p14="http://schemas.microsoft.com/office/powerpoint/2010/main" val="500532689"/>
+      </p:ext>
+    </p:extLst>
+  </p:cSld>
+  <p:clrMapOvr>
+    <a:masterClrMapping/>
+  </p:clrMapOvr>
+</p:sld>
+</file>
+
+<file path=ppt/slides/slide6.xml><?xml version="1.0" encoding="utf-8"?>
+<p:sld xmlns:a="http://schemas.openxmlformats.org/drawingml/2006/main" xmlns:r="http://schemas.openxmlformats.org/officeDocument/2006/relationships" xmlns:p="http://schemas.openxmlformats.org/presentationml/2006/main">
+  <p:cSld>
+    <p:spTree>
+      <p:nvGrpSpPr>
+        <p:cNvPr id="1" name=""/>
+        <p:cNvGrpSpPr/>
+        <p:nvPr/>
+      </p:nvGrpSpPr>
+      <p:grpSpPr>
+        <a:xfrm>
+          <a:off x="0" y="0"/>
+          <a:ext cx="0" cy="0"/>
+          <a:chOff x="0" y="0"/>
+          <a:chExt cx="0" cy="0"/>
+        </a:xfrm>
+      </p:grpSpPr>
+      <p:sp>
+        <p:nvSpPr>
+          <p:cNvPr id="2" name="Title 1"/>
+          <p:cNvSpPr>
+            <a:spLocks noGrp="1"/>
+          </p:cNvSpPr>
+          <p:nvPr>
+            <p:ph type="title"/>
+          </p:nvPr>
+        </p:nvSpPr>
+        <p:spPr/>
+        <p:txBody>
+          <a:bodyPr/>
+          <a:lstStyle/>
+          <a:p>
+            <a:r>
+              <a:rPr lang="en-US" dirty="0" smtClean="0"/>
+              <a:t>                           working</a:t>
+            </a:r>
+            <a:endParaRPr lang="en-US" dirty="0"/>
+          </a:p>
+        </p:txBody>
+      </p:sp>
+      <p:sp>
+        <p:nvSpPr>
+          <p:cNvPr id="3" name="Content Placeholder 2"/>
+          <p:cNvSpPr>
+            <a:spLocks noGrp="1"/>
+          </p:cNvSpPr>
+          <p:nvPr>
+            <p:ph idx="1"/>
+          </p:nvPr>
+        </p:nvSpPr>
+        <p:spPr/>
+        <p:txBody>
+          <a:bodyPr/>
+          <a:lstStyle/>
+          <a:p>
+            <a:endParaRPr lang="en-US"/>
+          </a:p>
+        </p:txBody>
+      </p:sp>
+    </p:spTree>
+    <p:extLst>
+      <p:ext uri="{BB962C8B-B14F-4D97-AF65-F5344CB8AC3E}">
+        <p14:creationId xmlns:p14="http://schemas.microsoft.com/office/powerpoint/2010/main" val="2173462759"/>
+      </p:ext>
+    </p:extLst>
+  </p:cSld>
+  <p:clrMapOvr>
+    <a:masterClrMapping/>
+  </p:clrMapOvr>
+</p:sld>
+</file>
+
+<file path=ppt/slides/slide7.xml><?xml version="1.0" encoding="utf-8"?>
+<p:sld xmlns:a="http://schemas.openxmlformats.org/drawingml/2006/main" xmlns:r="http://schemas.openxmlformats.org/officeDocument/2006/relationships" xmlns:p="http://schemas.openxmlformats.org/presentationml/2006/main">
+  <p:cSld>
+    <p:spTree>
+      <p:nvGrpSpPr>
+        <p:cNvPr id="1" name=""/>
+        <p:cNvGrpSpPr/>
+        <p:nvPr/>
+      </p:nvGrpSpPr>
+      <p:grpSpPr>
+        <a:xfrm>
+          <a:off x="0" y="0"/>
+          <a:ext cx="0" cy="0"/>
+          <a:chOff x="0" y="0"/>
+          <a:chExt cx="0" cy="0"/>
+        </a:xfrm>
+      </p:grpSpPr>
+      <p:sp>
+        <p:nvSpPr>
+          <p:cNvPr id="2" name="Title 1"/>
+          <p:cNvSpPr>
+            <a:spLocks noGrp="1"/>
+          </p:cNvSpPr>
+          <p:nvPr>
+            <p:ph type="title"/>
+          </p:nvPr>
+        </p:nvSpPr>
+        <p:spPr/>
+        <p:txBody>
+          <a:bodyPr/>
+          <a:lstStyle/>
+          <a:p>
+            <a:r>
+              <a:rPr lang="en-US" dirty="0" smtClean="0"/>
+              <a:t>                          applications</a:t>
+            </a:r>
+            <a:endParaRPr lang="en-US" dirty="0"/>
+          </a:p>
+        </p:txBody>
+      </p:sp>
+      <p:sp>
+        <p:nvSpPr>
+          <p:cNvPr id="3" name="Content Placeholder 2"/>
+          <p:cNvSpPr>
+            <a:spLocks noGrp="1"/>
+          </p:cNvSpPr>
+          <p:nvPr>
+            <p:ph idx="1"/>
+          </p:nvPr>
+        </p:nvSpPr>
+        <p:spPr/>
+        <p:txBody>
+          <a:bodyPr/>
+          <a:lstStyle/>
+          <a:p>
+            <a:endParaRPr lang="en-US"/>
+          </a:p>
+        </p:txBody>
+      </p:sp>
+    </p:spTree>
+    <p:extLst>
+      <p:ext uri="{BB962C8B-B14F-4D97-AF65-F5344CB8AC3E}">
+        <p14:creationId xmlns:p14="http://schemas.microsoft.com/office/powerpoint/2010/main" val="3126923719"/>
+      </p:ext>
+    </p:extLst>
+  </p:cSld>
+  <p:clrMapOvr>
+    <a:masterClrMapping/>
+  </p:clrMapOvr>
+</p:sld>
+</file>
+
+<file path=ppt/slides/slide8.xml><?xml version="1.0" encoding="utf-8"?>
+<p:sld xmlns:a="http://schemas.openxmlformats.org/drawingml/2006/main" xmlns:r="http://schemas.openxmlformats.org/officeDocument/2006/relationships" xmlns:p="http://schemas.openxmlformats.org/presentationml/2006/main">
+  <p:cSld>
+    <p:spTree>
+      <p:nvGrpSpPr>
+        <p:cNvPr id="1" name=""/>
+        <p:cNvGrpSpPr/>
+        <p:nvPr/>
+      </p:nvGrpSpPr>
+      <p:grpSpPr>
+        <a:xfrm>
+          <a:off x="0" y="0"/>
+          <a:ext cx="0" cy="0"/>
+          <a:chOff x="0" y="0"/>
+          <a:chExt cx="0" cy="0"/>
+        </a:xfrm>
+      </p:grpSpPr>
+      <p:sp>
+        <p:nvSpPr>
+          <p:cNvPr id="2" name="Title 1"/>
+          <p:cNvSpPr>
+            <a:spLocks noGrp="1"/>
+          </p:cNvSpPr>
+          <p:nvPr>
+            <p:ph type="title"/>
+          </p:nvPr>
+        </p:nvSpPr>
+        <p:spPr/>
+        <p:txBody>
+          <a:bodyPr/>
+          <a:lstStyle/>
+          <a:p>
+            <a:r>
+              <a:rPr lang="en-US" smtClean="0"/>
+              <a:t>                           advantages</a:t>
+            </a:r>
+            <a:endParaRPr lang="en-US" dirty="0"/>
+          </a:p>
+        </p:txBody>
+      </p:sp>
+      <p:sp>
+        <p:nvSpPr>
+          <p:cNvPr id="3" name="Content Placeholder 2"/>
+          <p:cNvSpPr>
+            <a:spLocks noGrp="1"/>
+          </p:cNvSpPr>
+          <p:nvPr>
+            <p:ph idx="1"/>
+          </p:nvPr>
+        </p:nvSpPr>
+        <p:spPr/>
+        <p:txBody>
+          <a:bodyPr/>
+          <a:lstStyle/>
+          <a:p>
+            <a:endParaRPr lang="en-US"/>
+          </a:p>
+        </p:txBody>
+      </p:sp>
+    </p:spTree>
+    <p:extLst>
+      <p:ext uri="{BB962C8B-B14F-4D97-AF65-F5344CB8AC3E}">
+        <p14:creationId xmlns:p14="http://schemas.microsoft.com/office/powerpoint/2010/main" val="2510216173"/>
       </p:ext>
     </p:extLst>
   </p:cSld>

--- a/mini project sem 1.pptx
+++ b/mini project sem 1.pptx
@@ -12990,7 +12990,12 @@
             <p:ph type="title"/>
           </p:nvPr>
         </p:nvSpPr>
-        <p:spPr/>
+        <p:spPr>
+          <a:xfrm>
+            <a:off x="1349757" y="76436"/>
+            <a:ext cx="9905998" cy="1478570"/>
+          </a:xfrm>
+        </p:spPr>
         <p:txBody>
           <a:bodyPr/>
           <a:lstStyle/>
@@ -13013,12 +13018,111 @@
             <p:ph idx="1"/>
           </p:nvPr>
         </p:nvSpPr>
-        <p:spPr/>
+        <p:spPr>
+          <a:xfrm>
+            <a:off x="933068" y="1555006"/>
+            <a:ext cx="9905999" cy="4452255"/>
+          </a:xfrm>
+        </p:spPr>
         <p:txBody>
-          <a:bodyPr/>
+          <a:bodyPr>
+            <a:normAutofit fontScale="85000" lnSpcReduction="20000"/>
+          </a:bodyPr>
           <a:lstStyle/>
           <a:p>
-            <a:endParaRPr lang="en-US"/>
+            <a:r>
+              <a:rPr lang="en-US" dirty="0"/>
+              <a:t>Footstep power generation system have many applications, but some of them are given below</a:t>
+            </a:r>
+            <a:r>
+              <a:rPr lang="en-US" dirty="0" smtClean="0"/>
+              <a:t>:</a:t>
+            </a:r>
+          </a:p>
+          <a:p>
+            <a:r>
+              <a:rPr lang="en-US" dirty="0" smtClean="0"/>
+              <a:t> Mobile </a:t>
+            </a:r>
+            <a:r>
+              <a:rPr lang="en-US" dirty="0"/>
+              <a:t>Charging </a:t>
+            </a:r>
+            <a:endParaRPr lang="en-US" dirty="0" smtClean="0"/>
+          </a:p>
+          <a:p>
+            <a:r>
+              <a:rPr lang="en-US" dirty="0" smtClean="0"/>
+              <a:t> </a:t>
+            </a:r>
+            <a:r>
+              <a:rPr lang="en-US" dirty="0"/>
+              <a:t>Street </a:t>
+            </a:r>
+            <a:r>
+              <a:rPr lang="en-US" dirty="0" smtClean="0"/>
+              <a:t>Lighting</a:t>
+            </a:r>
+          </a:p>
+          <a:p>
+            <a:r>
+              <a:rPr lang="en-US" dirty="0" smtClean="0"/>
+              <a:t> Bus station lighting </a:t>
+            </a:r>
+          </a:p>
+          <a:p>
+            <a:r>
+              <a:rPr lang="en-US" dirty="0" smtClean="0"/>
+              <a:t> </a:t>
+            </a:r>
+            <a:r>
+              <a:rPr lang="en-US" dirty="0"/>
+              <a:t>Emergency power failure stations </a:t>
+            </a:r>
+            <a:endParaRPr lang="en-US" dirty="0" smtClean="0"/>
+          </a:p>
+          <a:p>
+            <a:r>
+              <a:rPr lang="en-US" dirty="0" smtClean="0"/>
+              <a:t> </a:t>
+            </a:r>
+            <a:r>
+              <a:rPr lang="en-US" dirty="0"/>
+              <a:t>Colleges. </a:t>
+            </a:r>
+            <a:endParaRPr lang="en-US" dirty="0" smtClean="0"/>
+          </a:p>
+          <a:p>
+            <a:r>
+              <a:rPr lang="en-US" dirty="0" smtClean="0"/>
+              <a:t> </a:t>
+            </a:r>
+            <a:r>
+              <a:rPr lang="en-US" dirty="0"/>
+              <a:t>Schools. </a:t>
+            </a:r>
+            <a:endParaRPr lang="en-US" dirty="0" smtClean="0"/>
+          </a:p>
+          <a:p>
+            <a:r>
+              <a:rPr lang="en-US" dirty="0" smtClean="0"/>
+              <a:t> </a:t>
+            </a:r>
+            <a:r>
+              <a:rPr lang="en-US" dirty="0"/>
+              <a:t>Cinema theaters. </a:t>
+            </a:r>
+            <a:endParaRPr lang="en-US" dirty="0" smtClean="0"/>
+          </a:p>
+          <a:p>
+            <a:r>
+              <a:rPr lang="en-US" smtClean="0"/>
+              <a:t> </a:t>
+            </a:r>
+            <a:r>
+              <a:rPr lang="en-US" dirty="0"/>
+              <a:t>Shopping complex</a:t>
+            </a:r>
           </a:p>
         </p:txBody>
       </p:sp>
@@ -13068,7 +13172,7 @@
           <a:lstStyle/>
           <a:p>
             <a:r>
-              <a:rPr lang="en-US" smtClean="0"/>
+              <a:rPr lang="en-US" dirty="0" smtClean="0"/>
               <a:t>                           advantages</a:t>
             </a:r>
             <a:endParaRPr lang="en-US" dirty="0"/>
@@ -13090,7 +13194,39 @@
           <a:bodyPr/>
           <a:lstStyle/>
           <a:p>
-            <a:endParaRPr lang="en-US"/>
+            <a:r>
+              <a:rPr lang="en-US" b="1" dirty="0"/>
+              <a:t>Simply walking on the step it generates power.</a:t>
+            </a:r>
+            <a:r>
+              <a:rPr lang="en-US" dirty="0"/>
+              <a:t> </a:t>
+            </a:r>
+            <a:endParaRPr lang="en-US" dirty="0" smtClean="0"/>
+          </a:p>
+          <a:p>
+            <a:r>
+              <a:rPr lang="en-US" dirty="0"/>
+              <a:t> No need fuel input</a:t>
+            </a:r>
+            <a:r>
+              <a:rPr lang="en-US" dirty="0" smtClean="0"/>
+              <a:t>.</a:t>
+            </a:r>
+          </a:p>
+          <a:p>
+            <a:r>
+              <a:rPr lang="en-US" dirty="0"/>
+              <a:t>This is a Non-conventional system. </a:t>
+            </a:r>
+            <a:endParaRPr lang="en-US" dirty="0" smtClean="0"/>
+          </a:p>
+          <a:p>
+            <a:r>
+              <a:rPr lang="en-US" dirty="0" smtClean="0"/>
+              <a:t>Eco-friendly since there is no pollution</a:t>
+            </a:r>
+            <a:endParaRPr lang="en-US" dirty="0"/>
           </a:p>
         </p:txBody>
       </p:sp>

--- a/mini project sem 1.pptx
+++ b/mini project sem 1.pptx
@@ -169,7 +169,7 @@
           <a:noFill/>
           <a:extLst>
             <a:ext uri="{909E8E84-426E-40dd-AFC4-6F175D3DCCD1}">
-              <a14:hiddenFill xmlns="" xmlns:a14="http://schemas.microsoft.com/office/drawing/2010/main">
+              <a14:hiddenFill xmlns:a14="http://schemas.microsoft.com/office/drawing/2010/main" xmlns="">
                 <a:solidFill>
                   <a:srgbClr val="FFFFFF"/>
                 </a:solidFill>
@@ -229,7 +229,7 @@
             </a:ln>
             <a:extLst>
               <a:ext uri="{91240B29-F687-4f45-9708-019B960494DF}">
-                <a14:hiddenLine xmlns="" xmlns:a14="http://schemas.microsoft.com/office/drawing/2010/main" w="9525">
+                <a14:hiddenLine xmlns:a14="http://schemas.microsoft.com/office/drawing/2010/main" xmlns="" w="9525">
                   <a:solidFill>
                     <a:srgbClr val="000000"/>
                   </a:solidFill>
@@ -319,7 +319,7 @@
             </a:ln>
             <a:extLst>
               <a:ext uri="{91240B29-F687-4f45-9708-019B960494DF}">
-                <a14:hiddenLine xmlns="" xmlns:a14="http://schemas.microsoft.com/office/drawing/2010/main" w="9525">
+                <a14:hiddenLine xmlns:a14="http://schemas.microsoft.com/office/drawing/2010/main" xmlns="" w="9525">
                   <a:solidFill>
                     <a:srgbClr val="000000"/>
                   </a:solidFill>
@@ -409,7 +409,7 @@
             </a:ln>
             <a:extLst>
               <a:ext uri="{91240B29-F687-4f45-9708-019B960494DF}">
-                <a14:hiddenLine xmlns="" xmlns:a14="http://schemas.microsoft.com/office/drawing/2010/main" w="9525">
+                <a14:hiddenLine xmlns:a14="http://schemas.microsoft.com/office/drawing/2010/main" xmlns="" w="9525">
                   <a:solidFill>
                     <a:srgbClr val="000000"/>
                   </a:solidFill>
@@ -443,7 +443,7 @@
             </a:ln>
             <a:extLst>
               <a:ext uri="{91240B29-F687-4f45-9708-019B960494DF}">
-                <a14:hiddenLine xmlns="" xmlns:a14="http://schemas.microsoft.com/office/drawing/2010/main" w="9525">
+                <a14:hiddenLine xmlns:a14="http://schemas.microsoft.com/office/drawing/2010/main" xmlns="" w="9525">
                   <a:solidFill>
                     <a:srgbClr val="000000"/>
                   </a:solidFill>
@@ -533,7 +533,7 @@
             </a:ln>
             <a:extLst>
               <a:ext uri="{91240B29-F687-4f45-9708-019B960494DF}">
-                <a14:hiddenLine xmlns="" xmlns:a14="http://schemas.microsoft.com/office/drawing/2010/main" w="9525">
+                <a14:hiddenLine xmlns:a14="http://schemas.microsoft.com/office/drawing/2010/main" xmlns="" w="9525">
                   <a:solidFill>
                     <a:srgbClr val="000000"/>
                   </a:solidFill>
@@ -595,7 +595,7 @@
             </a:ln>
             <a:extLst>
               <a:ext uri="{91240B29-F687-4f45-9708-019B960494DF}">
-                <a14:hiddenLine xmlns="" xmlns:a14="http://schemas.microsoft.com/office/drawing/2010/main" w="9525">
+                <a14:hiddenLine xmlns:a14="http://schemas.microsoft.com/office/drawing/2010/main" xmlns="" w="9525">
                   <a:solidFill>
                     <a:srgbClr val="000000"/>
                   </a:solidFill>
@@ -657,7 +657,7 @@
             </a:ln>
             <a:extLst>
               <a:ext uri="{91240B29-F687-4f45-9708-019B960494DF}">
-                <a14:hiddenLine xmlns="" xmlns:a14="http://schemas.microsoft.com/office/drawing/2010/main" w="9525">
+                <a14:hiddenLine xmlns:a14="http://schemas.microsoft.com/office/drawing/2010/main" xmlns="" w="9525">
                   <a:solidFill>
                     <a:srgbClr val="000000"/>
                   </a:solidFill>
@@ -747,7 +747,7 @@
             </a:ln>
             <a:extLst>
               <a:ext uri="{91240B29-F687-4f45-9708-019B960494DF}">
-                <a14:hiddenLine xmlns="" xmlns:a14="http://schemas.microsoft.com/office/drawing/2010/main" w="9525">
+                <a14:hiddenLine xmlns:a14="http://schemas.microsoft.com/office/drawing/2010/main" xmlns="" w="9525">
                   <a:solidFill>
                     <a:srgbClr val="000000"/>
                   </a:solidFill>
@@ -809,7 +809,7 @@
             </a:ln>
             <a:extLst>
               <a:ext uri="{91240B29-F687-4f45-9708-019B960494DF}">
-                <a14:hiddenLine xmlns="" xmlns:a14="http://schemas.microsoft.com/office/drawing/2010/main" w="9525">
+                <a14:hiddenLine xmlns:a14="http://schemas.microsoft.com/office/drawing/2010/main" xmlns="" w="9525">
                   <a:solidFill>
                     <a:srgbClr val="000000"/>
                   </a:solidFill>
@@ -871,7 +871,7 @@
             </a:ln>
             <a:extLst>
               <a:ext uri="{91240B29-F687-4f45-9708-019B960494DF}">
-                <a14:hiddenLine xmlns="" xmlns:a14="http://schemas.microsoft.com/office/drawing/2010/main" w="9525">
+                <a14:hiddenLine xmlns:a14="http://schemas.microsoft.com/office/drawing/2010/main" xmlns="" w="9525">
                   <a:solidFill>
                     <a:srgbClr val="000000"/>
                   </a:solidFill>
@@ -961,7 +961,7 @@
             </a:ln>
             <a:extLst>
               <a:ext uri="{91240B29-F687-4f45-9708-019B960494DF}">
-                <a14:hiddenLine xmlns="" xmlns:a14="http://schemas.microsoft.com/office/drawing/2010/main" w="9525">
+                <a14:hiddenLine xmlns:a14="http://schemas.microsoft.com/office/drawing/2010/main" xmlns="" w="9525">
                   <a:solidFill>
                     <a:srgbClr val="000000"/>
                   </a:solidFill>
@@ -1051,7 +1051,7 @@
             </a:ln>
             <a:extLst>
               <a:ext uri="{91240B29-F687-4f45-9708-019B960494DF}">
-                <a14:hiddenLine xmlns="" xmlns:a14="http://schemas.microsoft.com/office/drawing/2010/main" w="9525">
+                <a14:hiddenLine xmlns:a14="http://schemas.microsoft.com/office/drawing/2010/main" xmlns="" w="9525">
                   <a:solidFill>
                     <a:srgbClr val="000000"/>
                   </a:solidFill>
@@ -1113,7 +1113,7 @@
             </a:ln>
             <a:extLst>
               <a:ext uri="{91240B29-F687-4f45-9708-019B960494DF}">
-                <a14:hiddenLine xmlns="" xmlns:a14="http://schemas.microsoft.com/office/drawing/2010/main" w="9525">
+                <a14:hiddenLine xmlns:a14="http://schemas.microsoft.com/office/drawing/2010/main" xmlns="" w="9525">
                   <a:solidFill>
                     <a:srgbClr val="000000"/>
                   </a:solidFill>
@@ -1223,7 +1223,7 @@
             </a:ln>
             <a:extLst>
               <a:ext uri="{91240B29-F687-4f45-9708-019B960494DF}">
-                <a14:hiddenLine xmlns="" xmlns:a14="http://schemas.microsoft.com/office/drawing/2010/main" w="9525">
+                <a14:hiddenLine xmlns:a14="http://schemas.microsoft.com/office/drawing/2010/main" xmlns="" w="9525">
                   <a:solidFill>
                     <a:srgbClr val="000000"/>
                   </a:solidFill>
@@ -1285,7 +1285,7 @@
             </a:ln>
             <a:extLst>
               <a:ext uri="{91240B29-F687-4f45-9708-019B960494DF}">
-                <a14:hiddenLine xmlns="" xmlns:a14="http://schemas.microsoft.com/office/drawing/2010/main" w="9525">
+                <a14:hiddenLine xmlns:a14="http://schemas.microsoft.com/office/drawing/2010/main" xmlns="" w="9525">
                   <a:solidFill>
                     <a:srgbClr val="000000"/>
                   </a:solidFill>
@@ -1375,7 +1375,7 @@
             </a:ln>
             <a:extLst>
               <a:ext uri="{91240B29-F687-4f45-9708-019B960494DF}">
-                <a14:hiddenLine xmlns="" xmlns:a14="http://schemas.microsoft.com/office/drawing/2010/main" w="9525">
+                <a14:hiddenLine xmlns:a14="http://schemas.microsoft.com/office/drawing/2010/main" xmlns="" w="9525">
                   <a:solidFill>
                     <a:srgbClr val="000000"/>
                   </a:solidFill>
@@ -1465,7 +1465,7 @@
             </a:ln>
             <a:extLst>
               <a:ext uri="{91240B29-F687-4f45-9708-019B960494DF}">
-                <a14:hiddenLine xmlns="" xmlns:a14="http://schemas.microsoft.com/office/drawing/2010/main" w="9525">
+                <a14:hiddenLine xmlns:a14="http://schemas.microsoft.com/office/drawing/2010/main" xmlns="" w="9525">
                   <a:solidFill>
                     <a:srgbClr val="000000"/>
                   </a:solidFill>
@@ -1527,7 +1527,7 @@
             </a:ln>
             <a:extLst>
               <a:ext uri="{91240B29-F687-4f45-9708-019B960494DF}">
-                <a14:hiddenLine xmlns="" xmlns:a14="http://schemas.microsoft.com/office/drawing/2010/main" w="9525">
+                <a14:hiddenLine xmlns:a14="http://schemas.microsoft.com/office/drawing/2010/main" xmlns="" w="9525">
                   <a:solidFill>
                     <a:srgbClr val="000000"/>
                   </a:solidFill>
@@ -1617,7 +1617,7 @@
             </a:ln>
             <a:extLst>
               <a:ext uri="{91240B29-F687-4f45-9708-019B960494DF}">
-                <a14:hiddenLine xmlns="" xmlns:a14="http://schemas.microsoft.com/office/drawing/2010/main" w="9525">
+                <a14:hiddenLine xmlns:a14="http://schemas.microsoft.com/office/drawing/2010/main" xmlns="" w="9525">
                   <a:solidFill>
                     <a:srgbClr val="000000"/>
                   </a:solidFill>
@@ -1707,7 +1707,7 @@
             </a:ln>
             <a:extLst>
               <a:ext uri="{91240B29-F687-4f45-9708-019B960494DF}">
-                <a14:hiddenLine xmlns="" xmlns:a14="http://schemas.microsoft.com/office/drawing/2010/main" w="9525">
+                <a14:hiddenLine xmlns:a14="http://schemas.microsoft.com/office/drawing/2010/main" xmlns="" w="9525">
                   <a:solidFill>
                     <a:srgbClr val="000000"/>
                   </a:solidFill>
@@ -1763,7 +1763,7 @@
             </a:ln>
             <a:extLst>
               <a:ext uri="{91240B29-F687-4f45-9708-019B960494DF}">
-                <a14:hiddenLine xmlns="" xmlns:a14="http://schemas.microsoft.com/office/drawing/2010/main" w="9525">
+                <a14:hiddenLine xmlns:a14="http://schemas.microsoft.com/office/drawing/2010/main" xmlns="" w="9525">
                   <a:solidFill>
                     <a:srgbClr val="000000"/>
                   </a:solidFill>
@@ -1853,7 +1853,7 @@
             </a:ln>
             <a:extLst>
               <a:ext uri="{91240B29-F687-4f45-9708-019B960494DF}">
-                <a14:hiddenLine xmlns="" xmlns:a14="http://schemas.microsoft.com/office/drawing/2010/main" w="9525">
+                <a14:hiddenLine xmlns:a14="http://schemas.microsoft.com/office/drawing/2010/main" xmlns="" w="9525">
                   <a:solidFill>
                     <a:srgbClr val="000000"/>
                   </a:solidFill>
@@ -1909,7 +1909,7 @@
             </a:ln>
             <a:extLst>
               <a:ext uri="{91240B29-F687-4f45-9708-019B960494DF}">
-                <a14:hiddenLine xmlns="" xmlns:a14="http://schemas.microsoft.com/office/drawing/2010/main" w="9525">
+                <a14:hiddenLine xmlns:a14="http://schemas.microsoft.com/office/drawing/2010/main" xmlns="" w="9525">
                   <a:solidFill>
                     <a:srgbClr val="000000"/>
                   </a:solidFill>
@@ -1999,7 +1999,7 @@
             </a:ln>
             <a:extLst>
               <a:ext uri="{91240B29-F687-4f45-9708-019B960494DF}">
-                <a14:hiddenLine xmlns="" xmlns:a14="http://schemas.microsoft.com/office/drawing/2010/main" w="9525">
+                <a14:hiddenLine xmlns:a14="http://schemas.microsoft.com/office/drawing/2010/main" xmlns="" w="9525">
                   <a:solidFill>
                     <a:srgbClr val="000000"/>
                   </a:solidFill>
@@ -2067,7 +2067,7 @@
             </a:ln>
             <a:extLst>
               <a:ext uri="{91240B29-F687-4f45-9708-019B960494DF}">
-                <a14:hiddenLine xmlns="" xmlns:a14="http://schemas.microsoft.com/office/drawing/2010/main" w="9525">
+                <a14:hiddenLine xmlns:a14="http://schemas.microsoft.com/office/drawing/2010/main" xmlns="" w="9525">
                   <a:solidFill>
                     <a:srgbClr val="000000"/>
                   </a:solidFill>
@@ -2157,7 +2157,7 @@
             </a:ln>
             <a:extLst>
               <a:ext uri="{91240B29-F687-4f45-9708-019B960494DF}">
-                <a14:hiddenLine xmlns="" xmlns:a14="http://schemas.microsoft.com/office/drawing/2010/main" w="9525">
+                <a14:hiddenLine xmlns:a14="http://schemas.microsoft.com/office/drawing/2010/main" xmlns="" w="9525">
                   <a:solidFill>
                     <a:srgbClr val="000000"/>
                   </a:solidFill>
@@ -2225,7 +2225,7 @@
             </a:ln>
             <a:extLst>
               <a:ext uri="{91240B29-F687-4f45-9708-019B960494DF}">
-                <a14:hiddenLine xmlns="" xmlns:a14="http://schemas.microsoft.com/office/drawing/2010/main" w="9525">
+                <a14:hiddenLine xmlns:a14="http://schemas.microsoft.com/office/drawing/2010/main" xmlns="" w="9525">
                   <a:solidFill>
                     <a:srgbClr val="000000"/>
                   </a:solidFill>
@@ -2315,7 +2315,7 @@
             </a:ln>
             <a:extLst>
               <a:ext uri="{91240B29-F687-4f45-9708-019B960494DF}">
-                <a14:hiddenLine xmlns="" xmlns:a14="http://schemas.microsoft.com/office/drawing/2010/main" w="9525">
+                <a14:hiddenLine xmlns:a14="http://schemas.microsoft.com/office/drawing/2010/main" xmlns="" w="9525">
                   <a:solidFill>
                     <a:srgbClr val="000000"/>
                   </a:solidFill>
@@ -2349,7 +2349,7 @@
             </a:ln>
             <a:extLst>
               <a:ext uri="{91240B29-F687-4f45-9708-019B960494DF}">
-                <a14:hiddenLine xmlns="" xmlns:a14="http://schemas.microsoft.com/office/drawing/2010/main" w="9525">
+                <a14:hiddenLine xmlns:a14="http://schemas.microsoft.com/office/drawing/2010/main" xmlns="" w="9525">
                   <a:solidFill>
                     <a:srgbClr val="000000"/>
                   </a:solidFill>
@@ -2439,7 +2439,7 @@
             </a:ln>
             <a:extLst>
               <a:ext uri="{91240B29-F687-4f45-9708-019B960494DF}">
-                <a14:hiddenLine xmlns="" xmlns:a14="http://schemas.microsoft.com/office/drawing/2010/main" w="9525">
+                <a14:hiddenLine xmlns:a14="http://schemas.microsoft.com/office/drawing/2010/main" xmlns="" w="9525">
                   <a:solidFill>
                     <a:srgbClr val="000000"/>
                   </a:solidFill>
@@ -2501,7 +2501,7 @@
             </a:ln>
             <a:extLst>
               <a:ext uri="{91240B29-F687-4f45-9708-019B960494DF}">
-                <a14:hiddenLine xmlns="" xmlns:a14="http://schemas.microsoft.com/office/drawing/2010/main" w="9525">
+                <a14:hiddenLine xmlns:a14="http://schemas.microsoft.com/office/drawing/2010/main" xmlns="" w="9525">
                   <a:solidFill>
                     <a:srgbClr val="000000"/>
                   </a:solidFill>
@@ -2563,7 +2563,7 @@
             </a:ln>
             <a:extLst>
               <a:ext uri="{91240B29-F687-4f45-9708-019B960494DF}">
-                <a14:hiddenLine xmlns="" xmlns:a14="http://schemas.microsoft.com/office/drawing/2010/main" w="9525">
+                <a14:hiddenLine xmlns:a14="http://schemas.microsoft.com/office/drawing/2010/main" xmlns="" w="9525">
                   <a:solidFill>
                     <a:srgbClr val="000000"/>
                   </a:solidFill>
@@ -2653,7 +2653,7 @@
             </a:ln>
             <a:extLst>
               <a:ext uri="{91240B29-F687-4f45-9708-019B960494DF}">
-                <a14:hiddenLine xmlns="" xmlns:a14="http://schemas.microsoft.com/office/drawing/2010/main" w="9525">
+                <a14:hiddenLine xmlns:a14="http://schemas.microsoft.com/office/drawing/2010/main" xmlns="" w="9525">
                   <a:solidFill>
                     <a:srgbClr val="000000"/>
                   </a:solidFill>
@@ -2721,7 +2721,7 @@
             </a:ln>
             <a:extLst>
               <a:ext uri="{91240B29-F687-4f45-9708-019B960494DF}">
-                <a14:hiddenLine xmlns="" xmlns:a14="http://schemas.microsoft.com/office/drawing/2010/main" w="9525">
+                <a14:hiddenLine xmlns:a14="http://schemas.microsoft.com/office/drawing/2010/main" xmlns="" w="9525">
                   <a:solidFill>
                     <a:srgbClr val="000000"/>
                   </a:solidFill>
@@ -2783,7 +2783,7 @@
             </a:ln>
             <a:extLst>
               <a:ext uri="{91240B29-F687-4f45-9708-019B960494DF}">
-                <a14:hiddenLine xmlns="" xmlns:a14="http://schemas.microsoft.com/office/drawing/2010/main" w="9525">
+                <a14:hiddenLine xmlns:a14="http://schemas.microsoft.com/office/drawing/2010/main" xmlns="" w="9525">
                   <a:solidFill>
                     <a:srgbClr val="000000"/>
                   </a:solidFill>
@@ -2873,7 +2873,7 @@
             </a:ln>
             <a:extLst>
               <a:ext uri="{91240B29-F687-4f45-9708-019B960494DF}">
-                <a14:hiddenLine xmlns="" xmlns:a14="http://schemas.microsoft.com/office/drawing/2010/main" w="9525">
+                <a14:hiddenLine xmlns:a14="http://schemas.microsoft.com/office/drawing/2010/main" xmlns="" w="9525">
                   <a:solidFill>
                     <a:srgbClr val="000000"/>
                   </a:solidFill>
@@ -2935,7 +2935,7 @@
             </a:ln>
             <a:extLst>
               <a:ext uri="{91240B29-F687-4f45-9708-019B960494DF}">
-                <a14:hiddenLine xmlns="" xmlns:a14="http://schemas.microsoft.com/office/drawing/2010/main" w="9525">
+                <a14:hiddenLine xmlns:a14="http://schemas.microsoft.com/office/drawing/2010/main" xmlns="" w="9525">
                   <a:solidFill>
                     <a:srgbClr val="000000"/>
                   </a:solidFill>
@@ -3025,7 +3025,7 @@
             </a:ln>
             <a:extLst>
               <a:ext uri="{91240B29-F687-4f45-9708-019B960494DF}">
-                <a14:hiddenLine xmlns="" xmlns:a14="http://schemas.microsoft.com/office/drawing/2010/main" w="9525">
+                <a14:hiddenLine xmlns:a14="http://schemas.microsoft.com/office/drawing/2010/main" xmlns="" w="9525">
                   <a:solidFill>
                     <a:srgbClr val="000000"/>
                   </a:solidFill>
@@ -3087,7 +3087,7 @@
             </a:ln>
             <a:extLst>
               <a:ext uri="{91240B29-F687-4f45-9708-019B960494DF}">
-                <a14:hiddenLine xmlns="" xmlns:a14="http://schemas.microsoft.com/office/drawing/2010/main" w="9525">
+                <a14:hiddenLine xmlns:a14="http://schemas.microsoft.com/office/drawing/2010/main" xmlns="" w="9525">
                   <a:solidFill>
                     <a:srgbClr val="000000"/>
                   </a:solidFill>
@@ -3177,7 +3177,7 @@
             </a:ln>
             <a:extLst>
               <a:ext uri="{91240B29-F687-4f45-9708-019B960494DF}">
-                <a14:hiddenLine xmlns="" xmlns:a14="http://schemas.microsoft.com/office/drawing/2010/main" w="9525">
+                <a14:hiddenLine xmlns:a14="http://schemas.microsoft.com/office/drawing/2010/main" xmlns="" w="9525">
                   <a:solidFill>
                     <a:srgbClr val="000000"/>
                   </a:solidFill>
@@ -3211,7 +3211,7 @@
             </a:ln>
             <a:extLst>
               <a:ext uri="{91240B29-F687-4f45-9708-019B960494DF}">
-                <a14:hiddenLine xmlns="" xmlns:a14="http://schemas.microsoft.com/office/drawing/2010/main" w="9525">
+                <a14:hiddenLine xmlns:a14="http://schemas.microsoft.com/office/drawing/2010/main" xmlns="" w="9525">
                   <a:solidFill>
                     <a:srgbClr val="000000"/>
                   </a:solidFill>
@@ -3276,7 +3276,7 @@
             </a:ln>
             <a:extLst>
               <a:ext uri="{91240B29-F687-4f45-9708-019B960494DF}">
-                <a14:hiddenLine xmlns="" xmlns:a14="http://schemas.microsoft.com/office/drawing/2010/main" w="9525">
+                <a14:hiddenLine xmlns:a14="http://schemas.microsoft.com/office/drawing/2010/main" xmlns="" w="9525">
                   <a:solidFill>
                     <a:srgbClr val="000000"/>
                   </a:solidFill>
@@ -3366,7 +3366,7 @@
             </a:ln>
             <a:extLst>
               <a:ext uri="{91240B29-F687-4f45-9708-019B960494DF}">
-                <a14:hiddenLine xmlns="" xmlns:a14="http://schemas.microsoft.com/office/drawing/2010/main" w="9525">
+                <a14:hiddenLine xmlns:a14="http://schemas.microsoft.com/office/drawing/2010/main" xmlns="" w="9525">
                   <a:solidFill>
                     <a:srgbClr val="000000"/>
                   </a:solidFill>
@@ -3428,7 +3428,7 @@
             </a:ln>
             <a:extLst>
               <a:ext uri="{91240B29-F687-4f45-9708-019B960494DF}">
-                <a14:hiddenLine xmlns="" xmlns:a14="http://schemas.microsoft.com/office/drawing/2010/main" w="9525">
+                <a14:hiddenLine xmlns:a14="http://schemas.microsoft.com/office/drawing/2010/main" xmlns="" w="9525">
                   <a:solidFill>
                     <a:srgbClr val="000000"/>
                   </a:solidFill>
@@ -3518,7 +3518,7 @@
             </a:ln>
             <a:extLst>
               <a:ext uri="{91240B29-F687-4f45-9708-019B960494DF}">
-                <a14:hiddenLine xmlns="" xmlns:a14="http://schemas.microsoft.com/office/drawing/2010/main" w="9525">
+                <a14:hiddenLine xmlns:a14="http://schemas.microsoft.com/office/drawing/2010/main" xmlns="" w="9525">
                   <a:solidFill>
                     <a:srgbClr val="000000"/>
                   </a:solidFill>
@@ -3608,7 +3608,7 @@
             </a:ln>
             <a:extLst>
               <a:ext uri="{91240B29-F687-4f45-9708-019B960494DF}">
-                <a14:hiddenLine xmlns="" xmlns:a14="http://schemas.microsoft.com/office/drawing/2010/main" w="9525">
+                <a14:hiddenLine xmlns:a14="http://schemas.microsoft.com/office/drawing/2010/main" xmlns="" w="9525">
                   <a:solidFill>
                     <a:srgbClr val="000000"/>
                   </a:solidFill>
@@ -3673,7 +3673,7 @@
             </a:ln>
             <a:extLst>
               <a:ext uri="{91240B29-F687-4f45-9708-019B960494DF}">
-                <a14:hiddenLine xmlns="" xmlns:a14="http://schemas.microsoft.com/office/drawing/2010/main" w="9525">
+                <a14:hiddenLine xmlns:a14="http://schemas.microsoft.com/office/drawing/2010/main" xmlns="" w="9525">
                   <a:solidFill>
                     <a:srgbClr val="000000"/>
                   </a:solidFill>
@@ -3735,7 +3735,7 @@
             </a:ln>
             <a:extLst>
               <a:ext uri="{91240B29-F687-4f45-9708-019B960494DF}">
-                <a14:hiddenLine xmlns="" xmlns:a14="http://schemas.microsoft.com/office/drawing/2010/main" w="9525">
+                <a14:hiddenLine xmlns:a14="http://schemas.microsoft.com/office/drawing/2010/main" xmlns="" w="9525">
                   <a:solidFill>
                     <a:srgbClr val="000000"/>
                   </a:solidFill>
@@ -3825,7 +3825,7 @@
             </a:ln>
             <a:extLst>
               <a:ext uri="{91240B29-F687-4f45-9708-019B960494DF}">
-                <a14:hiddenLine xmlns="" xmlns:a14="http://schemas.microsoft.com/office/drawing/2010/main" w="9525">
+                <a14:hiddenLine xmlns:a14="http://schemas.microsoft.com/office/drawing/2010/main" xmlns="" w="9525">
                   <a:solidFill>
                     <a:srgbClr val="000000"/>
                   </a:solidFill>
@@ -3915,7 +3915,7 @@
             </a:ln>
             <a:extLst>
               <a:ext uri="{91240B29-F687-4f45-9708-019B960494DF}">
-                <a14:hiddenLine xmlns="" xmlns:a14="http://schemas.microsoft.com/office/drawing/2010/main" w="9525">
+                <a14:hiddenLine xmlns:a14="http://schemas.microsoft.com/office/drawing/2010/main" xmlns="" w="9525">
                   <a:solidFill>
                     <a:srgbClr val="000000"/>
                   </a:solidFill>
@@ -3977,7 +3977,7 @@
             </a:ln>
             <a:extLst>
               <a:ext uri="{91240B29-F687-4f45-9708-019B960494DF}">
-                <a14:hiddenLine xmlns="" xmlns:a14="http://schemas.microsoft.com/office/drawing/2010/main" w="9525">
+                <a14:hiddenLine xmlns:a14="http://schemas.microsoft.com/office/drawing/2010/main" xmlns="" w="9525">
                   <a:solidFill>
                     <a:srgbClr val="000000"/>
                   </a:solidFill>
@@ -4097,7 +4097,7 @@
             </a:ln>
             <a:extLst>
               <a:ext uri="{91240B29-F687-4f45-9708-019B960494DF}">
-                <a14:hiddenLine xmlns="" xmlns:a14="http://schemas.microsoft.com/office/drawing/2010/main" w="9525">
+                <a14:hiddenLine xmlns:a14="http://schemas.microsoft.com/office/drawing/2010/main" xmlns="" w="9525">
                   <a:solidFill>
                     <a:srgbClr val="000000"/>
                   </a:solidFill>
@@ -4165,7 +4165,7 @@
             </a:ln>
             <a:extLst>
               <a:ext uri="{91240B29-F687-4f45-9708-019B960494DF}">
-                <a14:hiddenLine xmlns="" xmlns:a14="http://schemas.microsoft.com/office/drawing/2010/main" w="9525">
+                <a14:hiddenLine xmlns:a14="http://schemas.microsoft.com/office/drawing/2010/main" xmlns="" w="9525">
                   <a:solidFill>
                     <a:srgbClr val="000000"/>
                   </a:solidFill>
@@ -4255,7 +4255,7 @@
             </a:ln>
             <a:extLst>
               <a:ext uri="{91240B29-F687-4f45-9708-019B960494DF}">
-                <a14:hiddenLine xmlns="" xmlns:a14="http://schemas.microsoft.com/office/drawing/2010/main" w="9525">
+                <a14:hiddenLine xmlns:a14="http://schemas.microsoft.com/office/drawing/2010/main" xmlns="" w="9525">
                   <a:solidFill>
                     <a:srgbClr val="000000"/>
                   </a:solidFill>
@@ -8977,7 +8977,7 @@
           <a:noFill/>
           <a:extLst>
             <a:ext uri="{909E8E84-426E-40dd-AFC4-6F175D3DCCD1}">
-              <a14:hiddenFill xmlns="" xmlns:a14="http://schemas.microsoft.com/office/drawing/2010/main">
+              <a14:hiddenFill xmlns:a14="http://schemas.microsoft.com/office/drawing/2010/main" xmlns="">
                 <a:solidFill>
                   <a:srgbClr val="FFFFFF"/>
                 </a:solidFill>
@@ -9051,7 +9051,7 @@
               </a:ln>
               <a:extLst>
                 <a:ext uri="{91240B29-F687-4f45-9708-019B960494DF}">
-                  <a14:hiddenLine xmlns="" xmlns:a14="http://schemas.microsoft.com/office/drawing/2010/main" w="9525">
+                  <a14:hiddenLine xmlns:a14="http://schemas.microsoft.com/office/drawing/2010/main" xmlns="" w="9525">
                     <a:solidFill>
                       <a:srgbClr val="000000"/>
                     </a:solidFill>
@@ -9141,7 +9141,7 @@
               </a:ln>
               <a:extLst>
                 <a:ext uri="{91240B29-F687-4f45-9708-019B960494DF}">
-                  <a14:hiddenLine xmlns="" xmlns:a14="http://schemas.microsoft.com/office/drawing/2010/main" w="9525">
+                  <a14:hiddenLine xmlns:a14="http://schemas.microsoft.com/office/drawing/2010/main" xmlns="" w="9525">
                     <a:solidFill>
                       <a:srgbClr val="000000"/>
                     </a:solidFill>
@@ -9231,7 +9231,7 @@
               </a:ln>
               <a:extLst>
                 <a:ext uri="{91240B29-F687-4f45-9708-019B960494DF}">
-                  <a14:hiddenLine xmlns="" xmlns:a14="http://schemas.microsoft.com/office/drawing/2010/main" w="9525">
+                  <a14:hiddenLine xmlns:a14="http://schemas.microsoft.com/office/drawing/2010/main" xmlns="" w="9525">
                     <a:solidFill>
                       <a:srgbClr val="000000"/>
                     </a:solidFill>
@@ -9293,7 +9293,7 @@
               </a:ln>
               <a:extLst>
                 <a:ext uri="{91240B29-F687-4f45-9708-019B960494DF}">
-                  <a14:hiddenLine xmlns="" xmlns:a14="http://schemas.microsoft.com/office/drawing/2010/main" w="9525">
+                  <a14:hiddenLine xmlns:a14="http://schemas.microsoft.com/office/drawing/2010/main" xmlns="" w="9525">
                     <a:solidFill>
                       <a:srgbClr val="000000"/>
                     </a:solidFill>
@@ -9383,7 +9383,7 @@
               </a:ln>
               <a:extLst>
                 <a:ext uri="{91240B29-F687-4f45-9708-019B960494DF}">
-                  <a14:hiddenLine xmlns="" xmlns:a14="http://schemas.microsoft.com/office/drawing/2010/main" w="9525">
+                  <a14:hiddenLine xmlns:a14="http://schemas.microsoft.com/office/drawing/2010/main" xmlns="" w="9525">
                     <a:solidFill>
                       <a:srgbClr val="000000"/>
                     </a:solidFill>
@@ -9445,7 +9445,7 @@
               </a:ln>
               <a:extLst>
                 <a:ext uri="{91240B29-F687-4f45-9708-019B960494DF}">
-                  <a14:hiddenLine xmlns="" xmlns:a14="http://schemas.microsoft.com/office/drawing/2010/main" w="9525">
+                  <a14:hiddenLine xmlns:a14="http://schemas.microsoft.com/office/drawing/2010/main" xmlns="" w="9525">
                     <a:solidFill>
                       <a:srgbClr val="000000"/>
                     </a:solidFill>
@@ -9507,7 +9507,7 @@
               </a:ln>
               <a:extLst>
                 <a:ext uri="{91240B29-F687-4f45-9708-019B960494DF}">
-                  <a14:hiddenLine xmlns="" xmlns:a14="http://schemas.microsoft.com/office/drawing/2010/main" w="9525">
+                  <a14:hiddenLine xmlns:a14="http://schemas.microsoft.com/office/drawing/2010/main" xmlns="" w="9525">
                     <a:solidFill>
                       <a:srgbClr val="000000"/>
                     </a:solidFill>
@@ -9597,7 +9597,7 @@
               </a:ln>
               <a:extLst>
                 <a:ext uri="{91240B29-F687-4f45-9708-019B960494DF}">
-                  <a14:hiddenLine xmlns="" xmlns:a14="http://schemas.microsoft.com/office/drawing/2010/main" w="9525">
+                  <a14:hiddenLine xmlns:a14="http://schemas.microsoft.com/office/drawing/2010/main" xmlns="" w="9525">
                     <a:solidFill>
                       <a:srgbClr val="000000"/>
                     </a:solidFill>
@@ -9687,7 +9687,7 @@
               </a:ln>
               <a:extLst>
                 <a:ext uri="{91240B29-F687-4f45-9708-019B960494DF}">
-                  <a14:hiddenLine xmlns="" xmlns:a14="http://schemas.microsoft.com/office/drawing/2010/main" w="9525">
+                  <a14:hiddenLine xmlns:a14="http://schemas.microsoft.com/office/drawing/2010/main" xmlns="" w="9525">
                     <a:solidFill>
                       <a:srgbClr val="000000"/>
                     </a:solidFill>
@@ -9749,7 +9749,7 @@
               </a:ln>
               <a:extLst>
                 <a:ext uri="{91240B29-F687-4f45-9708-019B960494DF}">
-                  <a14:hiddenLine xmlns="" xmlns:a14="http://schemas.microsoft.com/office/drawing/2010/main" w="9525">
+                  <a14:hiddenLine xmlns:a14="http://schemas.microsoft.com/office/drawing/2010/main" xmlns="" w="9525">
                     <a:solidFill>
                       <a:srgbClr val="000000"/>
                     </a:solidFill>
@@ -9859,7 +9859,7 @@
               </a:ln>
               <a:extLst>
                 <a:ext uri="{91240B29-F687-4f45-9708-019B960494DF}">
-                  <a14:hiddenLine xmlns="" xmlns:a14="http://schemas.microsoft.com/office/drawing/2010/main" w="9525">
+                  <a14:hiddenLine xmlns:a14="http://schemas.microsoft.com/office/drawing/2010/main" xmlns="" w="9525">
                     <a:solidFill>
                       <a:srgbClr val="000000"/>
                     </a:solidFill>
@@ -9943,7 +9943,7 @@
               </a:ln>
               <a:extLst>
                 <a:ext uri="{91240B29-F687-4f45-9708-019B960494DF}">
-                  <a14:hiddenLine xmlns="" xmlns:a14="http://schemas.microsoft.com/office/drawing/2010/main" w="9525">
+                  <a14:hiddenLine xmlns:a14="http://schemas.microsoft.com/office/drawing/2010/main" xmlns="" w="9525">
                     <a:solidFill>
                       <a:srgbClr val="000000"/>
                     </a:solidFill>
@@ -10005,7 +10005,7 @@
               </a:ln>
               <a:extLst>
                 <a:ext uri="{91240B29-F687-4f45-9708-019B960494DF}">
-                  <a14:hiddenLine xmlns="" xmlns:a14="http://schemas.microsoft.com/office/drawing/2010/main" w="9525">
+                  <a14:hiddenLine xmlns:a14="http://schemas.microsoft.com/office/drawing/2010/main" xmlns="" w="9525">
                     <a:solidFill>
                       <a:srgbClr val="000000"/>
                     </a:solidFill>
@@ -10067,7 +10067,7 @@
               </a:ln>
               <a:extLst>
                 <a:ext uri="{91240B29-F687-4f45-9708-019B960494DF}">
-                  <a14:hiddenLine xmlns="" xmlns:a14="http://schemas.microsoft.com/office/drawing/2010/main" w="9525">
+                  <a14:hiddenLine xmlns:a14="http://schemas.microsoft.com/office/drawing/2010/main" xmlns="" w="9525">
                     <a:solidFill>
                       <a:srgbClr val="000000"/>
                     </a:solidFill>
@@ -10157,7 +10157,7 @@
               </a:ln>
               <a:extLst>
                 <a:ext uri="{91240B29-F687-4f45-9708-019B960494DF}">
-                  <a14:hiddenLine xmlns="" xmlns:a14="http://schemas.microsoft.com/office/drawing/2010/main" w="9525">
+                  <a14:hiddenLine xmlns:a14="http://schemas.microsoft.com/office/drawing/2010/main" xmlns="" w="9525">
                     <a:solidFill>
                       <a:srgbClr val="000000"/>
                     </a:solidFill>
@@ -10191,7 +10191,7 @@
               </a:ln>
               <a:extLst>
                 <a:ext uri="{91240B29-F687-4f45-9708-019B960494DF}">
-                  <a14:hiddenLine xmlns="" xmlns:a14="http://schemas.microsoft.com/office/drawing/2010/main" w="9525">
+                  <a14:hiddenLine xmlns:a14="http://schemas.microsoft.com/office/drawing/2010/main" xmlns="" w="9525">
                     <a:solidFill>
                       <a:srgbClr val="000000"/>
                     </a:solidFill>
@@ -10256,7 +10256,7 @@
               </a:ln>
               <a:extLst>
                 <a:ext uri="{91240B29-F687-4f45-9708-019B960494DF}">
-                  <a14:hiddenLine xmlns="" xmlns:a14="http://schemas.microsoft.com/office/drawing/2010/main" w="9525">
+                  <a14:hiddenLine xmlns:a14="http://schemas.microsoft.com/office/drawing/2010/main" xmlns="" w="9525">
                     <a:solidFill>
                       <a:srgbClr val="000000"/>
                     </a:solidFill>
@@ -10346,7 +10346,7 @@
               </a:ln>
               <a:extLst>
                 <a:ext uri="{91240B29-F687-4f45-9708-019B960494DF}">
-                  <a14:hiddenLine xmlns="" xmlns:a14="http://schemas.microsoft.com/office/drawing/2010/main" w="9525">
+                  <a14:hiddenLine xmlns:a14="http://schemas.microsoft.com/office/drawing/2010/main" xmlns="" w="9525">
                     <a:solidFill>
                       <a:srgbClr val="000000"/>
                     </a:solidFill>
@@ -10408,7 +10408,7 @@
               </a:ln>
               <a:extLst>
                 <a:ext uri="{91240B29-F687-4f45-9708-019B960494DF}">
-                  <a14:hiddenLine xmlns="" xmlns:a14="http://schemas.microsoft.com/office/drawing/2010/main" w="9525">
+                  <a14:hiddenLine xmlns:a14="http://schemas.microsoft.com/office/drawing/2010/main" xmlns="" w="9525">
                     <a:solidFill>
                       <a:srgbClr val="000000"/>
                     </a:solidFill>
@@ -10498,7 +10498,7 @@
               </a:ln>
               <a:extLst>
                 <a:ext uri="{91240B29-F687-4f45-9708-019B960494DF}">
-                  <a14:hiddenLine xmlns="" xmlns:a14="http://schemas.microsoft.com/office/drawing/2010/main" w="9525">
+                  <a14:hiddenLine xmlns:a14="http://schemas.microsoft.com/office/drawing/2010/main" xmlns="" w="9525">
                     <a:solidFill>
                       <a:srgbClr val="000000"/>
                     </a:solidFill>
@@ -10563,7 +10563,7 @@
               </a:ln>
               <a:extLst>
                 <a:ext uri="{91240B29-F687-4f45-9708-019B960494DF}">
-                  <a14:hiddenLine xmlns="" xmlns:a14="http://schemas.microsoft.com/office/drawing/2010/main" w="9525">
+                  <a14:hiddenLine xmlns:a14="http://schemas.microsoft.com/office/drawing/2010/main" xmlns="" w="9525">
                     <a:solidFill>
                       <a:srgbClr val="000000"/>
                     </a:solidFill>
@@ -10625,7 +10625,7 @@
               </a:ln>
               <a:extLst>
                 <a:ext uri="{91240B29-F687-4f45-9708-019B960494DF}">
-                  <a14:hiddenLine xmlns="" xmlns:a14="http://schemas.microsoft.com/office/drawing/2010/main" w="9525">
+                  <a14:hiddenLine xmlns:a14="http://schemas.microsoft.com/office/drawing/2010/main" xmlns="" w="9525">
                     <a:solidFill>
                       <a:srgbClr val="000000"/>
                     </a:solidFill>
@@ -10715,7 +10715,7 @@
               </a:ln>
               <a:extLst>
                 <a:ext uri="{91240B29-F687-4f45-9708-019B960494DF}">
-                  <a14:hiddenLine xmlns="" xmlns:a14="http://schemas.microsoft.com/office/drawing/2010/main" w="9525">
+                  <a14:hiddenLine xmlns:a14="http://schemas.microsoft.com/office/drawing/2010/main" xmlns="" w="9525">
                     <a:solidFill>
                       <a:srgbClr val="000000"/>
                     </a:solidFill>
@@ -10805,7 +10805,7 @@
               </a:ln>
               <a:extLst>
                 <a:ext uri="{91240B29-F687-4f45-9708-019B960494DF}">
-                  <a14:hiddenLine xmlns="" xmlns:a14="http://schemas.microsoft.com/office/drawing/2010/main" w="9525">
+                  <a14:hiddenLine xmlns:a14="http://schemas.microsoft.com/office/drawing/2010/main" xmlns="" w="9525">
                     <a:solidFill>
                       <a:srgbClr val="000000"/>
                     </a:solidFill>
@@ -10870,7 +10870,7 @@
               </a:ln>
               <a:extLst>
                 <a:ext uri="{91240B29-F687-4f45-9708-019B960494DF}">
-                  <a14:hiddenLine xmlns="" xmlns:a14="http://schemas.microsoft.com/office/drawing/2010/main" w="9525">
+                  <a14:hiddenLine xmlns:a14="http://schemas.microsoft.com/office/drawing/2010/main" xmlns="" w="9525">
                     <a:solidFill>
                       <a:srgbClr val="000000"/>
                     </a:solidFill>
@@ -10990,7 +10990,7 @@
               </a:ln>
               <a:extLst>
                 <a:ext uri="{91240B29-F687-4f45-9708-019B960494DF}">
-                  <a14:hiddenLine xmlns="" xmlns:a14="http://schemas.microsoft.com/office/drawing/2010/main" w="9525">
+                  <a14:hiddenLine xmlns:a14="http://schemas.microsoft.com/office/drawing/2010/main" xmlns="" w="9525">
                     <a:solidFill>
                       <a:srgbClr val="000000"/>
                     </a:solidFill>
@@ -11088,7 +11088,7 @@
               </a:ln>
               <a:extLst>
                 <a:ext uri="{91240B29-F687-4f45-9708-019B960494DF}">
-                  <a14:hiddenLine xmlns="" xmlns:a14="http://schemas.microsoft.com/office/drawing/2010/main" w="9525">
+                  <a14:hiddenLine xmlns:a14="http://schemas.microsoft.com/office/drawing/2010/main" xmlns="" w="9525">
                     <a:solidFill>
                       <a:srgbClr val="000000"/>
                     </a:solidFill>
@@ -11203,7 +11203,7 @@
               </a:ln>
               <a:extLst>
                 <a:ext uri="{91240B29-F687-4f45-9708-019B960494DF}">
-                  <a14:hiddenLine xmlns="" xmlns:a14="http://schemas.microsoft.com/office/drawing/2010/main" w="9525">
+                  <a14:hiddenLine xmlns:a14="http://schemas.microsoft.com/office/drawing/2010/main" xmlns="" w="9525">
                     <a:solidFill>
                       <a:srgbClr val="000000"/>
                     </a:solidFill>
@@ -11293,7 +11293,7 @@
               </a:ln>
               <a:extLst>
                 <a:ext uri="{91240B29-F687-4f45-9708-019B960494DF}">
-                  <a14:hiddenLine xmlns="" xmlns:a14="http://schemas.microsoft.com/office/drawing/2010/main" w="9525">
+                  <a14:hiddenLine xmlns:a14="http://schemas.microsoft.com/office/drawing/2010/main" xmlns="" w="9525">
                     <a:solidFill>
                       <a:srgbClr val="000000"/>
                     </a:solidFill>
@@ -11358,7 +11358,7 @@
               </a:ln>
               <a:extLst>
                 <a:ext uri="{91240B29-F687-4f45-9708-019B960494DF}">
-                  <a14:hiddenLine xmlns="" xmlns:a14="http://schemas.microsoft.com/office/drawing/2010/main" w="9525">
+                  <a14:hiddenLine xmlns:a14="http://schemas.microsoft.com/office/drawing/2010/main" xmlns="" w="9525">
                     <a:solidFill>
                       <a:srgbClr val="000000"/>
                     </a:solidFill>
@@ -11448,7 +11448,7 @@
               </a:ln>
               <a:extLst>
                 <a:ext uri="{91240B29-F687-4f45-9708-019B960494DF}">
-                  <a14:hiddenLine xmlns="" xmlns:a14="http://schemas.microsoft.com/office/drawing/2010/main" w="9525">
+                  <a14:hiddenLine xmlns:a14="http://schemas.microsoft.com/office/drawing/2010/main" xmlns="" w="9525">
                     <a:solidFill>
                       <a:srgbClr val="000000"/>
                     </a:solidFill>
@@ -11516,7 +11516,7 @@
               </a:ln>
               <a:extLst>
                 <a:ext uri="{91240B29-F687-4f45-9708-019B960494DF}">
-                  <a14:hiddenLine xmlns="" xmlns:a14="http://schemas.microsoft.com/office/drawing/2010/main" w="9525">
+                  <a14:hiddenLine xmlns:a14="http://schemas.microsoft.com/office/drawing/2010/main" xmlns="" w="9525">
                     <a:solidFill>
                       <a:srgbClr val="000000"/>
                     </a:solidFill>
@@ -11606,7 +11606,7 @@
               </a:ln>
               <a:extLst>
                 <a:ext uri="{91240B29-F687-4f45-9708-019B960494DF}">
-                  <a14:hiddenLine xmlns="" xmlns:a14="http://schemas.microsoft.com/office/drawing/2010/main" w="9525">
+                  <a14:hiddenLine xmlns:a14="http://schemas.microsoft.com/office/drawing/2010/main" xmlns="" w="9525">
                     <a:solidFill>
                       <a:srgbClr val="000000"/>
                     </a:solidFill>
@@ -11674,7 +11674,7 @@
               </a:ln>
               <a:extLst>
                 <a:ext uri="{91240B29-F687-4f45-9708-019B960494DF}">
-                  <a14:hiddenLine xmlns="" xmlns:a14="http://schemas.microsoft.com/office/drawing/2010/main" w="9525">
+                  <a14:hiddenLine xmlns:a14="http://schemas.microsoft.com/office/drawing/2010/main" xmlns="" w="9525">
                     <a:solidFill>
                       <a:srgbClr val="000000"/>
                     </a:solidFill>
@@ -11764,7 +11764,7 @@
               </a:ln>
               <a:extLst>
                 <a:ext uri="{91240B29-F687-4f45-9708-019B960494DF}">
-                  <a14:hiddenLine xmlns="" xmlns:a14="http://schemas.microsoft.com/office/drawing/2010/main" w="9525">
+                  <a14:hiddenLine xmlns:a14="http://schemas.microsoft.com/office/drawing/2010/main" xmlns="" w="9525">
                     <a:solidFill>
                       <a:srgbClr val="000000"/>
                     </a:solidFill>
@@ -11798,7 +11798,7 @@
               </a:ln>
               <a:extLst>
                 <a:ext uri="{91240B29-F687-4f45-9708-019B960494DF}">
-                  <a14:hiddenLine xmlns="" xmlns:a14="http://schemas.microsoft.com/office/drawing/2010/main" w="9525">
+                  <a14:hiddenLine xmlns:a14="http://schemas.microsoft.com/office/drawing/2010/main" xmlns="" w="9525">
                     <a:solidFill>
                       <a:srgbClr val="000000"/>
                     </a:solidFill>
@@ -12859,25 +12859,49 @@
           </a:p>
         </p:txBody>
       </p:sp>
-      <p:sp>
-        <p:nvSpPr>
-          <p:cNvPr id="3" name="Content Placeholder 2"/>
-          <p:cNvSpPr>
-            <a:spLocks noGrp="1"/>
-          </p:cNvSpPr>
+      <p:pic>
+        <p:nvPicPr>
+          <p:cNvPr id="1026" name="Picture 2" descr="Foot step power generator"/>
+          <p:cNvPicPr>
+            <a:picLocks noGrp="1" noChangeAspect="1" noChangeArrowheads="1"/>
+          </p:cNvPicPr>
           <p:nvPr>
             <p:ph idx="1"/>
           </p:nvPr>
-        </p:nvSpPr>
-        <p:spPr/>
-        <p:txBody>
-          <a:bodyPr/>
-          <a:lstStyle/>
-          <a:p>
-            <a:endParaRPr lang="en-US"/>
-          </a:p>
-        </p:txBody>
-      </p:sp>
+        </p:nvPicPr>
+        <p:blipFill>
+          <a:blip r:embed="rId2">
+            <a:extLst>
+              <a:ext uri="{28A0092B-C50C-407E-A947-70E740481C1C}">
+                <a14:useLocalDpi xmlns:a14="http://schemas.microsoft.com/office/drawing/2010/main" val="0"/>
+              </a:ext>
+            </a:extLst>
+          </a:blip>
+          <a:srcRect/>
+          <a:stretch>
+            <a:fillRect/>
+          </a:stretch>
+        </p:blipFill>
+        <p:spPr bwMode="auto">
+          <a:xfrm>
+            <a:off x="3735736" y="2249488"/>
+            <a:ext cx="4717353" cy="3541712"/>
+          </a:xfrm>
+          <a:prstGeom prst="rect">
+            <a:avLst/>
+          </a:prstGeom>
+          <a:noFill/>
+          <a:extLst>
+            <a:ext uri="{909E8E84-426E-40DD-AFC4-6F175D3DCCD1}">
+              <a14:hiddenFill xmlns:a14="http://schemas.microsoft.com/office/drawing/2010/main">
+                <a:solidFill>
+                  <a:srgbClr val="FFFFFF"/>
+                </a:solidFill>
+              </a14:hiddenFill>
+            </a:ext>
+          </a:extLst>
+        </p:spPr>
+      </p:pic>
     </p:spTree>
     <p:extLst>
       <p:ext uri="{BB962C8B-B14F-4D97-AF65-F5344CB8AC3E}">
@@ -13196,7 +13220,15 @@
           <a:p>
             <a:r>
               <a:rPr lang="en-US" b="1" dirty="0"/>
-              <a:t>Simply walking on the step it generates power.</a:t>
+              <a:t>Simply walking on the step </a:t>
+            </a:r>
+            <a:r>
+              <a:rPr lang="en-US" b="1" dirty="0" smtClean="0"/>
+              <a:t> </a:t>
+            </a:r>
+            <a:r>
+              <a:rPr lang="en-US" b="1" dirty="0"/>
+              <a:t>generates power.</a:t>
             </a:r>
             <a:r>
               <a:rPr lang="en-US" dirty="0"/>

--- a/mini project sem 1.pptx
+++ b/mini project sem 1.pptx
@@ -169,7 +169,7 @@
           <a:noFill/>
           <a:extLst>
             <a:ext uri="{909E8E84-426E-40dd-AFC4-6F175D3DCCD1}">
-              <a14:hiddenFill xmlns:a14="http://schemas.microsoft.com/office/drawing/2010/main" xmlns="">
+              <a14:hiddenFill xmlns="" xmlns:a14="http://schemas.microsoft.com/office/drawing/2010/main">
                 <a:solidFill>
                   <a:srgbClr val="FFFFFF"/>
                 </a:solidFill>
@@ -229,7 +229,7 @@
             </a:ln>
             <a:extLst>
               <a:ext uri="{91240B29-F687-4f45-9708-019B960494DF}">
-                <a14:hiddenLine xmlns:a14="http://schemas.microsoft.com/office/drawing/2010/main" xmlns="" w="9525">
+                <a14:hiddenLine xmlns="" xmlns:a14="http://schemas.microsoft.com/office/drawing/2010/main" w="9525">
                   <a:solidFill>
                     <a:srgbClr val="000000"/>
                   </a:solidFill>
@@ -319,7 +319,7 @@
             </a:ln>
             <a:extLst>
               <a:ext uri="{91240B29-F687-4f45-9708-019B960494DF}">
-                <a14:hiddenLine xmlns:a14="http://schemas.microsoft.com/office/drawing/2010/main" xmlns="" w="9525">
+                <a14:hiddenLine xmlns="" xmlns:a14="http://schemas.microsoft.com/office/drawing/2010/main" w="9525">
                   <a:solidFill>
                     <a:srgbClr val="000000"/>
                   </a:solidFill>
@@ -409,7 +409,7 @@
             </a:ln>
             <a:extLst>
               <a:ext uri="{91240B29-F687-4f45-9708-019B960494DF}">
-                <a14:hiddenLine xmlns:a14="http://schemas.microsoft.com/office/drawing/2010/main" xmlns="" w="9525">
+                <a14:hiddenLine xmlns="" xmlns:a14="http://schemas.microsoft.com/office/drawing/2010/main" w="9525">
                   <a:solidFill>
                     <a:srgbClr val="000000"/>
                   </a:solidFill>
@@ -443,7 +443,7 @@
             </a:ln>
             <a:extLst>
               <a:ext uri="{91240B29-F687-4f45-9708-019B960494DF}">
-                <a14:hiddenLine xmlns:a14="http://schemas.microsoft.com/office/drawing/2010/main" xmlns="" w="9525">
+                <a14:hiddenLine xmlns="" xmlns:a14="http://schemas.microsoft.com/office/drawing/2010/main" w="9525">
                   <a:solidFill>
                     <a:srgbClr val="000000"/>
                   </a:solidFill>
@@ -533,7 +533,7 @@
             </a:ln>
             <a:extLst>
               <a:ext uri="{91240B29-F687-4f45-9708-019B960494DF}">
-                <a14:hiddenLine xmlns:a14="http://schemas.microsoft.com/office/drawing/2010/main" xmlns="" w="9525">
+                <a14:hiddenLine xmlns="" xmlns:a14="http://schemas.microsoft.com/office/drawing/2010/main" w="9525">
                   <a:solidFill>
                     <a:srgbClr val="000000"/>
                   </a:solidFill>
@@ -595,7 +595,7 @@
             </a:ln>
             <a:extLst>
               <a:ext uri="{91240B29-F687-4f45-9708-019B960494DF}">
-                <a14:hiddenLine xmlns:a14="http://schemas.microsoft.com/office/drawing/2010/main" xmlns="" w="9525">
+                <a14:hiddenLine xmlns="" xmlns:a14="http://schemas.microsoft.com/office/drawing/2010/main" w="9525">
                   <a:solidFill>
                     <a:srgbClr val="000000"/>
                   </a:solidFill>
@@ -657,7 +657,7 @@
             </a:ln>
             <a:extLst>
               <a:ext uri="{91240B29-F687-4f45-9708-019B960494DF}">
-                <a14:hiddenLine xmlns:a14="http://schemas.microsoft.com/office/drawing/2010/main" xmlns="" w="9525">
+                <a14:hiddenLine xmlns="" xmlns:a14="http://schemas.microsoft.com/office/drawing/2010/main" w="9525">
                   <a:solidFill>
                     <a:srgbClr val="000000"/>
                   </a:solidFill>
@@ -747,7 +747,7 @@
             </a:ln>
             <a:extLst>
               <a:ext uri="{91240B29-F687-4f45-9708-019B960494DF}">
-                <a14:hiddenLine xmlns:a14="http://schemas.microsoft.com/office/drawing/2010/main" xmlns="" w="9525">
+                <a14:hiddenLine xmlns="" xmlns:a14="http://schemas.microsoft.com/office/drawing/2010/main" w="9525">
                   <a:solidFill>
                     <a:srgbClr val="000000"/>
                   </a:solidFill>
@@ -809,7 +809,7 @@
             </a:ln>
             <a:extLst>
               <a:ext uri="{91240B29-F687-4f45-9708-019B960494DF}">
-                <a14:hiddenLine xmlns:a14="http://schemas.microsoft.com/office/drawing/2010/main" xmlns="" w="9525">
+                <a14:hiddenLine xmlns="" xmlns:a14="http://schemas.microsoft.com/office/drawing/2010/main" w="9525">
                   <a:solidFill>
                     <a:srgbClr val="000000"/>
                   </a:solidFill>
@@ -871,7 +871,7 @@
             </a:ln>
             <a:extLst>
               <a:ext uri="{91240B29-F687-4f45-9708-019B960494DF}">
-                <a14:hiddenLine xmlns:a14="http://schemas.microsoft.com/office/drawing/2010/main" xmlns="" w="9525">
+                <a14:hiddenLine xmlns="" xmlns:a14="http://schemas.microsoft.com/office/drawing/2010/main" w="9525">
                   <a:solidFill>
                     <a:srgbClr val="000000"/>
                   </a:solidFill>
@@ -961,7 +961,7 @@
             </a:ln>
             <a:extLst>
               <a:ext uri="{91240B29-F687-4f45-9708-019B960494DF}">
-                <a14:hiddenLine xmlns:a14="http://schemas.microsoft.com/office/drawing/2010/main" xmlns="" w="9525">
+                <a14:hiddenLine xmlns="" xmlns:a14="http://schemas.microsoft.com/office/drawing/2010/main" w="9525">
                   <a:solidFill>
                     <a:srgbClr val="000000"/>
                   </a:solidFill>
@@ -1051,7 +1051,7 @@
             </a:ln>
             <a:extLst>
               <a:ext uri="{91240B29-F687-4f45-9708-019B960494DF}">
-                <a14:hiddenLine xmlns:a14="http://schemas.microsoft.com/office/drawing/2010/main" xmlns="" w="9525">
+                <a14:hiddenLine xmlns="" xmlns:a14="http://schemas.microsoft.com/office/drawing/2010/main" w="9525">
                   <a:solidFill>
                     <a:srgbClr val="000000"/>
                   </a:solidFill>
@@ -1113,7 +1113,7 @@
             </a:ln>
             <a:extLst>
               <a:ext uri="{91240B29-F687-4f45-9708-019B960494DF}">
-                <a14:hiddenLine xmlns:a14="http://schemas.microsoft.com/office/drawing/2010/main" xmlns="" w="9525">
+                <a14:hiddenLine xmlns="" xmlns:a14="http://schemas.microsoft.com/office/drawing/2010/main" w="9525">
                   <a:solidFill>
                     <a:srgbClr val="000000"/>
                   </a:solidFill>
@@ -1223,7 +1223,7 @@
             </a:ln>
             <a:extLst>
               <a:ext uri="{91240B29-F687-4f45-9708-019B960494DF}">
-                <a14:hiddenLine xmlns:a14="http://schemas.microsoft.com/office/drawing/2010/main" xmlns="" w="9525">
+                <a14:hiddenLine xmlns="" xmlns:a14="http://schemas.microsoft.com/office/drawing/2010/main" w="9525">
                   <a:solidFill>
                     <a:srgbClr val="000000"/>
                   </a:solidFill>
@@ -1285,7 +1285,7 @@
             </a:ln>
             <a:extLst>
               <a:ext uri="{91240B29-F687-4f45-9708-019B960494DF}">
-                <a14:hiddenLine xmlns:a14="http://schemas.microsoft.com/office/drawing/2010/main" xmlns="" w="9525">
+                <a14:hiddenLine xmlns="" xmlns:a14="http://schemas.microsoft.com/office/drawing/2010/main" w="9525">
                   <a:solidFill>
                     <a:srgbClr val="000000"/>
                   </a:solidFill>
@@ -1375,7 +1375,7 @@
             </a:ln>
             <a:extLst>
               <a:ext uri="{91240B29-F687-4f45-9708-019B960494DF}">
-                <a14:hiddenLine xmlns:a14="http://schemas.microsoft.com/office/drawing/2010/main" xmlns="" w="9525">
+                <a14:hiddenLine xmlns="" xmlns:a14="http://schemas.microsoft.com/office/drawing/2010/main" w="9525">
                   <a:solidFill>
                     <a:srgbClr val="000000"/>
                   </a:solidFill>
@@ -1465,7 +1465,7 @@
             </a:ln>
             <a:extLst>
               <a:ext uri="{91240B29-F687-4f45-9708-019B960494DF}">
-                <a14:hiddenLine xmlns:a14="http://schemas.microsoft.com/office/drawing/2010/main" xmlns="" w="9525">
+                <a14:hiddenLine xmlns="" xmlns:a14="http://schemas.microsoft.com/office/drawing/2010/main" w="9525">
                   <a:solidFill>
                     <a:srgbClr val="000000"/>
                   </a:solidFill>
@@ -1527,7 +1527,7 @@
             </a:ln>
             <a:extLst>
               <a:ext uri="{91240B29-F687-4f45-9708-019B960494DF}">
-                <a14:hiddenLine xmlns:a14="http://schemas.microsoft.com/office/drawing/2010/main" xmlns="" w="9525">
+                <a14:hiddenLine xmlns="" xmlns:a14="http://schemas.microsoft.com/office/drawing/2010/main" w="9525">
                   <a:solidFill>
                     <a:srgbClr val="000000"/>
                   </a:solidFill>
@@ -1617,7 +1617,7 @@
             </a:ln>
             <a:extLst>
               <a:ext uri="{91240B29-F687-4f45-9708-019B960494DF}">
-                <a14:hiddenLine xmlns:a14="http://schemas.microsoft.com/office/drawing/2010/main" xmlns="" w="9525">
+                <a14:hiddenLine xmlns="" xmlns:a14="http://schemas.microsoft.com/office/drawing/2010/main" w="9525">
                   <a:solidFill>
                     <a:srgbClr val="000000"/>
                   </a:solidFill>
@@ -1707,7 +1707,7 @@
             </a:ln>
             <a:extLst>
               <a:ext uri="{91240B29-F687-4f45-9708-019B960494DF}">
-                <a14:hiddenLine xmlns:a14="http://schemas.microsoft.com/office/drawing/2010/main" xmlns="" w="9525">
+                <a14:hiddenLine xmlns="" xmlns:a14="http://schemas.microsoft.com/office/drawing/2010/main" w="9525">
                   <a:solidFill>
                     <a:srgbClr val="000000"/>
                   </a:solidFill>
@@ -1763,7 +1763,7 @@
             </a:ln>
             <a:extLst>
               <a:ext uri="{91240B29-F687-4f45-9708-019B960494DF}">
-                <a14:hiddenLine xmlns:a14="http://schemas.microsoft.com/office/drawing/2010/main" xmlns="" w="9525">
+                <a14:hiddenLine xmlns="" xmlns:a14="http://schemas.microsoft.com/office/drawing/2010/main" w="9525">
                   <a:solidFill>
                     <a:srgbClr val="000000"/>
                   </a:solidFill>
@@ -1853,7 +1853,7 @@
             </a:ln>
             <a:extLst>
               <a:ext uri="{91240B29-F687-4f45-9708-019B960494DF}">
-                <a14:hiddenLine xmlns:a14="http://schemas.microsoft.com/office/drawing/2010/main" xmlns="" w="9525">
+                <a14:hiddenLine xmlns="" xmlns:a14="http://schemas.microsoft.com/office/drawing/2010/main" w="9525">
                   <a:solidFill>
                     <a:srgbClr val="000000"/>
                   </a:solidFill>
@@ -1909,7 +1909,7 @@
             </a:ln>
             <a:extLst>
               <a:ext uri="{91240B29-F687-4f45-9708-019B960494DF}">
-                <a14:hiddenLine xmlns:a14="http://schemas.microsoft.com/office/drawing/2010/main" xmlns="" w="9525">
+                <a14:hiddenLine xmlns="" xmlns:a14="http://schemas.microsoft.com/office/drawing/2010/main" w="9525">
                   <a:solidFill>
                     <a:srgbClr val="000000"/>
                   </a:solidFill>
@@ -1999,7 +1999,7 @@
             </a:ln>
             <a:extLst>
               <a:ext uri="{91240B29-F687-4f45-9708-019B960494DF}">
-                <a14:hiddenLine xmlns:a14="http://schemas.microsoft.com/office/drawing/2010/main" xmlns="" w="9525">
+                <a14:hiddenLine xmlns="" xmlns:a14="http://schemas.microsoft.com/office/drawing/2010/main" w="9525">
                   <a:solidFill>
                     <a:srgbClr val="000000"/>
                   </a:solidFill>
@@ -2067,7 +2067,7 @@
             </a:ln>
             <a:extLst>
               <a:ext uri="{91240B29-F687-4f45-9708-019B960494DF}">
-                <a14:hiddenLine xmlns:a14="http://schemas.microsoft.com/office/drawing/2010/main" xmlns="" w="9525">
+                <a14:hiddenLine xmlns="" xmlns:a14="http://schemas.microsoft.com/office/drawing/2010/main" w="9525">
                   <a:solidFill>
                     <a:srgbClr val="000000"/>
                   </a:solidFill>
@@ -2157,7 +2157,7 @@
             </a:ln>
             <a:extLst>
               <a:ext uri="{91240B29-F687-4f45-9708-019B960494DF}">
-                <a14:hiddenLine xmlns:a14="http://schemas.microsoft.com/office/drawing/2010/main" xmlns="" w="9525">
+                <a14:hiddenLine xmlns="" xmlns:a14="http://schemas.microsoft.com/office/drawing/2010/main" w="9525">
                   <a:solidFill>
                     <a:srgbClr val="000000"/>
                   </a:solidFill>
@@ -2225,7 +2225,7 @@
             </a:ln>
             <a:extLst>
               <a:ext uri="{91240B29-F687-4f45-9708-019B960494DF}">
-                <a14:hiddenLine xmlns:a14="http://schemas.microsoft.com/office/drawing/2010/main" xmlns="" w="9525">
+                <a14:hiddenLine xmlns="" xmlns:a14="http://schemas.microsoft.com/office/drawing/2010/main" w="9525">
                   <a:solidFill>
                     <a:srgbClr val="000000"/>
                   </a:solidFill>
@@ -2315,7 +2315,7 @@
             </a:ln>
             <a:extLst>
               <a:ext uri="{91240B29-F687-4f45-9708-019B960494DF}">
-                <a14:hiddenLine xmlns:a14="http://schemas.microsoft.com/office/drawing/2010/main" xmlns="" w="9525">
+                <a14:hiddenLine xmlns="" xmlns:a14="http://schemas.microsoft.com/office/drawing/2010/main" w="9525">
                   <a:solidFill>
                     <a:srgbClr val="000000"/>
                   </a:solidFill>
@@ -2349,7 +2349,7 @@
             </a:ln>
             <a:extLst>
               <a:ext uri="{91240B29-F687-4f45-9708-019B960494DF}">
-                <a14:hiddenLine xmlns:a14="http://schemas.microsoft.com/office/drawing/2010/main" xmlns="" w="9525">
+                <a14:hiddenLine xmlns="" xmlns:a14="http://schemas.microsoft.com/office/drawing/2010/main" w="9525">
                   <a:solidFill>
                     <a:srgbClr val="000000"/>
                   </a:solidFill>
@@ -2439,7 +2439,7 @@
             </a:ln>
             <a:extLst>
               <a:ext uri="{91240B29-F687-4f45-9708-019B960494DF}">
-                <a14:hiddenLine xmlns:a14="http://schemas.microsoft.com/office/drawing/2010/main" xmlns="" w="9525">
+                <a14:hiddenLine xmlns="" xmlns:a14="http://schemas.microsoft.com/office/drawing/2010/main" w="9525">
                   <a:solidFill>
                     <a:srgbClr val="000000"/>
                   </a:solidFill>
@@ -2501,7 +2501,7 @@
             </a:ln>
             <a:extLst>
               <a:ext uri="{91240B29-F687-4f45-9708-019B960494DF}">
-                <a14:hiddenLine xmlns:a14="http://schemas.microsoft.com/office/drawing/2010/main" xmlns="" w="9525">
+                <a14:hiddenLine xmlns="" xmlns:a14="http://schemas.microsoft.com/office/drawing/2010/main" w="9525">
                   <a:solidFill>
                     <a:srgbClr val="000000"/>
                   </a:solidFill>
@@ -2563,7 +2563,7 @@
             </a:ln>
             <a:extLst>
               <a:ext uri="{91240B29-F687-4f45-9708-019B960494DF}">
-                <a14:hiddenLine xmlns:a14="http://schemas.microsoft.com/office/drawing/2010/main" xmlns="" w="9525">
+                <a14:hiddenLine xmlns="" xmlns:a14="http://schemas.microsoft.com/office/drawing/2010/main" w="9525">
                   <a:solidFill>
                     <a:srgbClr val="000000"/>
                   </a:solidFill>
@@ -2653,7 +2653,7 @@
             </a:ln>
             <a:extLst>
               <a:ext uri="{91240B29-F687-4f45-9708-019B960494DF}">
-                <a14:hiddenLine xmlns:a14="http://schemas.microsoft.com/office/drawing/2010/main" xmlns="" w="9525">
+                <a14:hiddenLine xmlns="" xmlns:a14="http://schemas.microsoft.com/office/drawing/2010/main" w="9525">
                   <a:solidFill>
                     <a:srgbClr val="000000"/>
                   </a:solidFill>
@@ -2721,7 +2721,7 @@
             </a:ln>
             <a:extLst>
               <a:ext uri="{91240B29-F687-4f45-9708-019B960494DF}">
-                <a14:hiddenLine xmlns:a14="http://schemas.microsoft.com/office/drawing/2010/main" xmlns="" w="9525">
+                <a14:hiddenLine xmlns="" xmlns:a14="http://schemas.microsoft.com/office/drawing/2010/main" w="9525">
                   <a:solidFill>
                     <a:srgbClr val="000000"/>
                   </a:solidFill>
@@ -2783,7 +2783,7 @@
             </a:ln>
             <a:extLst>
               <a:ext uri="{91240B29-F687-4f45-9708-019B960494DF}">
-                <a14:hiddenLine xmlns:a14="http://schemas.microsoft.com/office/drawing/2010/main" xmlns="" w="9525">
+                <a14:hiddenLine xmlns="" xmlns:a14="http://schemas.microsoft.com/office/drawing/2010/main" w="9525">
                   <a:solidFill>
                     <a:srgbClr val="000000"/>
                   </a:solidFill>
@@ -2873,7 +2873,7 @@
             </a:ln>
             <a:extLst>
               <a:ext uri="{91240B29-F687-4f45-9708-019B960494DF}">
-                <a14:hiddenLine xmlns:a14="http://schemas.microsoft.com/office/drawing/2010/main" xmlns="" w="9525">
+                <a14:hiddenLine xmlns="" xmlns:a14="http://schemas.microsoft.com/office/drawing/2010/main" w="9525">
                   <a:solidFill>
                     <a:srgbClr val="000000"/>
                   </a:solidFill>
@@ -2935,7 +2935,7 @@
             </a:ln>
             <a:extLst>
               <a:ext uri="{91240B29-F687-4f45-9708-019B960494DF}">
-                <a14:hiddenLine xmlns:a14="http://schemas.microsoft.com/office/drawing/2010/main" xmlns="" w="9525">
+                <a14:hiddenLine xmlns="" xmlns:a14="http://schemas.microsoft.com/office/drawing/2010/main" w="9525">
                   <a:solidFill>
                     <a:srgbClr val="000000"/>
                   </a:solidFill>
@@ -3025,7 +3025,7 @@
             </a:ln>
             <a:extLst>
               <a:ext uri="{91240B29-F687-4f45-9708-019B960494DF}">
-                <a14:hiddenLine xmlns:a14="http://schemas.microsoft.com/office/drawing/2010/main" xmlns="" w="9525">
+                <a14:hiddenLine xmlns="" xmlns:a14="http://schemas.microsoft.com/office/drawing/2010/main" w="9525">
                   <a:solidFill>
                     <a:srgbClr val="000000"/>
                   </a:solidFill>
@@ -3087,7 +3087,7 @@
             </a:ln>
             <a:extLst>
               <a:ext uri="{91240B29-F687-4f45-9708-019B960494DF}">
-                <a14:hiddenLine xmlns:a14="http://schemas.microsoft.com/office/drawing/2010/main" xmlns="" w="9525">
+                <a14:hiddenLine xmlns="" xmlns:a14="http://schemas.microsoft.com/office/drawing/2010/main" w="9525">
                   <a:solidFill>
                     <a:srgbClr val="000000"/>
                   </a:solidFill>
@@ -3177,7 +3177,7 @@
             </a:ln>
             <a:extLst>
               <a:ext uri="{91240B29-F687-4f45-9708-019B960494DF}">
-                <a14:hiddenLine xmlns:a14="http://schemas.microsoft.com/office/drawing/2010/main" xmlns="" w="9525">
+                <a14:hiddenLine xmlns="" xmlns:a14="http://schemas.microsoft.com/office/drawing/2010/main" w="9525">
                   <a:solidFill>
                     <a:srgbClr val="000000"/>
                   </a:solidFill>
@@ -3211,7 +3211,7 @@
             </a:ln>
             <a:extLst>
               <a:ext uri="{91240B29-F687-4f45-9708-019B960494DF}">
-                <a14:hiddenLine xmlns:a14="http://schemas.microsoft.com/office/drawing/2010/main" xmlns="" w="9525">
+                <a14:hiddenLine xmlns="" xmlns:a14="http://schemas.microsoft.com/office/drawing/2010/main" w="9525">
                   <a:solidFill>
                     <a:srgbClr val="000000"/>
                   </a:solidFill>
@@ -3276,7 +3276,7 @@
             </a:ln>
             <a:extLst>
               <a:ext uri="{91240B29-F687-4f45-9708-019B960494DF}">
-                <a14:hiddenLine xmlns:a14="http://schemas.microsoft.com/office/drawing/2010/main" xmlns="" w="9525">
+                <a14:hiddenLine xmlns="" xmlns:a14="http://schemas.microsoft.com/office/drawing/2010/main" w="9525">
                   <a:solidFill>
                     <a:srgbClr val="000000"/>
                   </a:solidFill>
@@ -3366,7 +3366,7 @@
             </a:ln>
             <a:extLst>
               <a:ext uri="{91240B29-F687-4f45-9708-019B960494DF}">
-                <a14:hiddenLine xmlns:a14="http://schemas.microsoft.com/office/drawing/2010/main" xmlns="" w="9525">
+                <a14:hiddenLine xmlns="" xmlns:a14="http://schemas.microsoft.com/office/drawing/2010/main" w="9525">
                   <a:solidFill>
                     <a:srgbClr val="000000"/>
                   </a:solidFill>
@@ -3428,7 +3428,7 @@
             </a:ln>
             <a:extLst>
               <a:ext uri="{91240B29-F687-4f45-9708-019B960494DF}">
-                <a14:hiddenLine xmlns:a14="http://schemas.microsoft.com/office/drawing/2010/main" xmlns="" w="9525">
+                <a14:hiddenLine xmlns="" xmlns:a14="http://schemas.microsoft.com/office/drawing/2010/main" w="9525">
                   <a:solidFill>
                     <a:srgbClr val="000000"/>
                   </a:solidFill>
@@ -3518,7 +3518,7 @@
             </a:ln>
             <a:extLst>
               <a:ext uri="{91240B29-F687-4f45-9708-019B960494DF}">
-                <a14:hiddenLine xmlns:a14="http://schemas.microsoft.com/office/drawing/2010/main" xmlns="" w="9525">
+                <a14:hiddenLine xmlns="" xmlns:a14="http://schemas.microsoft.com/office/drawing/2010/main" w="9525">
                   <a:solidFill>
                     <a:srgbClr val="000000"/>
                   </a:solidFill>
@@ -3608,7 +3608,7 @@
             </a:ln>
             <a:extLst>
               <a:ext uri="{91240B29-F687-4f45-9708-019B960494DF}">
-                <a14:hiddenLine xmlns:a14="http://schemas.microsoft.com/office/drawing/2010/main" xmlns="" w="9525">
+                <a14:hiddenLine xmlns="" xmlns:a14="http://schemas.microsoft.com/office/drawing/2010/main" w="9525">
                   <a:solidFill>
                     <a:srgbClr val="000000"/>
                   </a:solidFill>
@@ -3673,7 +3673,7 @@
             </a:ln>
             <a:extLst>
               <a:ext uri="{91240B29-F687-4f45-9708-019B960494DF}">
-                <a14:hiddenLine xmlns:a14="http://schemas.microsoft.com/office/drawing/2010/main" xmlns="" w="9525">
+                <a14:hiddenLine xmlns="" xmlns:a14="http://schemas.microsoft.com/office/drawing/2010/main" w="9525">
                   <a:solidFill>
                     <a:srgbClr val="000000"/>
                   </a:solidFill>
@@ -3735,7 +3735,7 @@
             </a:ln>
             <a:extLst>
               <a:ext uri="{91240B29-F687-4f45-9708-019B960494DF}">
-                <a14:hiddenLine xmlns:a14="http://schemas.microsoft.com/office/drawing/2010/main" xmlns="" w="9525">
+                <a14:hiddenLine xmlns="" xmlns:a14="http://schemas.microsoft.com/office/drawing/2010/main" w="9525">
                   <a:solidFill>
                     <a:srgbClr val="000000"/>
                   </a:solidFill>
@@ -3825,7 +3825,7 @@
             </a:ln>
             <a:extLst>
               <a:ext uri="{91240B29-F687-4f45-9708-019B960494DF}">
-                <a14:hiddenLine xmlns:a14="http://schemas.microsoft.com/office/drawing/2010/main" xmlns="" w="9525">
+                <a14:hiddenLine xmlns="" xmlns:a14="http://schemas.microsoft.com/office/drawing/2010/main" w="9525">
                   <a:solidFill>
                     <a:srgbClr val="000000"/>
                   </a:solidFill>
@@ -3915,7 +3915,7 @@
             </a:ln>
             <a:extLst>
               <a:ext uri="{91240B29-F687-4f45-9708-019B960494DF}">
-                <a14:hiddenLine xmlns:a14="http://schemas.microsoft.com/office/drawing/2010/main" xmlns="" w="9525">
+                <a14:hiddenLine xmlns="" xmlns:a14="http://schemas.microsoft.com/office/drawing/2010/main" w="9525">
                   <a:solidFill>
                     <a:srgbClr val="000000"/>
                   </a:solidFill>
@@ -3977,7 +3977,7 @@
             </a:ln>
             <a:extLst>
               <a:ext uri="{91240B29-F687-4f45-9708-019B960494DF}">
-                <a14:hiddenLine xmlns:a14="http://schemas.microsoft.com/office/drawing/2010/main" xmlns="" w="9525">
+                <a14:hiddenLine xmlns="" xmlns:a14="http://schemas.microsoft.com/office/drawing/2010/main" w="9525">
                   <a:solidFill>
                     <a:srgbClr val="000000"/>
                   </a:solidFill>
@@ -4097,7 +4097,7 @@
             </a:ln>
             <a:extLst>
               <a:ext uri="{91240B29-F687-4f45-9708-019B960494DF}">
-                <a14:hiddenLine xmlns:a14="http://schemas.microsoft.com/office/drawing/2010/main" xmlns="" w="9525">
+                <a14:hiddenLine xmlns="" xmlns:a14="http://schemas.microsoft.com/office/drawing/2010/main" w="9525">
                   <a:solidFill>
                     <a:srgbClr val="000000"/>
                   </a:solidFill>
@@ -4165,7 +4165,7 @@
             </a:ln>
             <a:extLst>
               <a:ext uri="{91240B29-F687-4f45-9708-019B960494DF}">
-                <a14:hiddenLine xmlns:a14="http://schemas.microsoft.com/office/drawing/2010/main" xmlns="" w="9525">
+                <a14:hiddenLine xmlns="" xmlns:a14="http://schemas.microsoft.com/office/drawing/2010/main" w="9525">
                   <a:solidFill>
                     <a:srgbClr val="000000"/>
                   </a:solidFill>
@@ -4255,7 +4255,7 @@
             </a:ln>
             <a:extLst>
               <a:ext uri="{91240B29-F687-4f45-9708-019B960494DF}">
-                <a14:hiddenLine xmlns:a14="http://schemas.microsoft.com/office/drawing/2010/main" xmlns="" w="9525">
+                <a14:hiddenLine xmlns="" xmlns:a14="http://schemas.microsoft.com/office/drawing/2010/main" w="9525">
                   <a:solidFill>
                     <a:srgbClr val="000000"/>
                   </a:solidFill>
@@ -4395,7 +4395,7 @@
           <a:p>
             <a:fld id="{48A87A34-81AB-432B-8DAE-1953F412C126}" type="datetimeFigureOut">
               <a:rPr lang="en-US" dirty="0"/>
-              <a:t>2/11/2022</a:t>
+              <a:t>2/25/2022</a:t>
             </a:fld>
             <a:endParaRPr lang="en-US" dirty="0"/>
           </a:p>
@@ -4657,7 +4657,7 @@
           <a:p>
             <a:fld id="{48A87A34-81AB-432B-8DAE-1953F412C126}" type="datetimeFigureOut">
               <a:rPr lang="en-US" dirty="0"/>
-              <a:t>2/11/2022</a:t>
+              <a:t>2/25/2022</a:t>
             </a:fld>
             <a:endParaRPr lang="en-US" dirty="0"/>
           </a:p>
@@ -4848,7 +4848,7 @@
           <a:p>
             <a:fld id="{48A87A34-81AB-432B-8DAE-1953F412C126}" type="datetimeFigureOut">
               <a:rPr lang="en-US" dirty="0"/>
-              <a:t>2/11/2022</a:t>
+              <a:t>2/25/2022</a:t>
             </a:fld>
             <a:endParaRPr lang="en-US" dirty="0"/>
           </a:p>
@@ -5106,7 +5106,7 @@
           <a:p>
             <a:fld id="{48A87A34-81AB-432B-8DAE-1953F412C126}" type="datetimeFigureOut">
               <a:rPr lang="en-US" dirty="0"/>
-              <a:t>2/11/2022</a:t>
+              <a:t>2/25/2022</a:t>
             </a:fld>
             <a:endParaRPr lang="en-US" dirty="0"/>
           </a:p>
@@ -5535,7 +5535,7 @@
           <a:p>
             <a:fld id="{48A87A34-81AB-432B-8DAE-1953F412C126}" type="datetimeFigureOut">
               <a:rPr lang="en-US" dirty="0"/>
-              <a:t>2/11/2022</a:t>
+              <a:t>2/25/2022</a:t>
             </a:fld>
             <a:endParaRPr lang="en-US" dirty="0"/>
           </a:p>
@@ -6076,7 +6076,7 @@
           <a:p>
             <a:fld id="{48A87A34-81AB-432B-8DAE-1953F412C126}" type="datetimeFigureOut">
               <a:rPr lang="en-US" dirty="0"/>
-              <a:t>2/11/2022</a:t>
+              <a:t>2/25/2022</a:t>
             </a:fld>
             <a:endParaRPr lang="en-US" dirty="0"/>
           </a:p>
@@ -6791,7 +6791,7 @@
           <a:p>
             <a:fld id="{48A87A34-81AB-432B-8DAE-1953F412C126}" type="datetimeFigureOut">
               <a:rPr lang="en-US" dirty="0"/>
-              <a:t>2/11/2022</a:t>
+              <a:t>2/25/2022</a:t>
             </a:fld>
             <a:endParaRPr lang="en-US" dirty="0"/>
           </a:p>
@@ -6956,7 +6956,7 @@
           <a:p>
             <a:fld id="{48A87A34-81AB-432B-8DAE-1953F412C126}" type="datetimeFigureOut">
               <a:rPr lang="en-US" dirty="0"/>
-              <a:t>2/11/2022</a:t>
+              <a:t>2/25/2022</a:t>
             </a:fld>
             <a:endParaRPr lang="en-US" dirty="0"/>
           </a:p>
@@ -7131,7 +7131,7 @@
           <a:p>
             <a:fld id="{48A87A34-81AB-432B-8DAE-1953F412C126}" type="datetimeFigureOut">
               <a:rPr lang="en-US" dirty="0"/>
-              <a:t>2/11/2022</a:t>
+              <a:t>2/25/2022</a:t>
             </a:fld>
             <a:endParaRPr lang="en-US" dirty="0"/>
           </a:p>
@@ -7296,7 +7296,7 @@
           <a:p>
             <a:fld id="{48A87A34-81AB-432B-8DAE-1953F412C126}" type="datetimeFigureOut">
               <a:rPr lang="en-US" dirty="0"/>
-              <a:t>2/11/2022</a:t>
+              <a:t>2/25/2022</a:t>
             </a:fld>
             <a:endParaRPr lang="en-US" dirty="0"/>
           </a:p>
@@ -7541,7 +7541,7 @@
           <a:p>
             <a:fld id="{48A87A34-81AB-432B-8DAE-1953F412C126}" type="datetimeFigureOut">
               <a:rPr lang="en-US" dirty="0"/>
-              <a:t>2/11/2022</a:t>
+              <a:t>2/25/2022</a:t>
             </a:fld>
             <a:endParaRPr lang="en-US" dirty="0"/>
           </a:p>
@@ -7768,7 +7768,7 @@
           <a:p>
             <a:fld id="{48A87A34-81AB-432B-8DAE-1953F412C126}" type="datetimeFigureOut">
               <a:rPr lang="en-US" dirty="0"/>
-              <a:t>2/11/2022</a:t>
+              <a:t>2/25/2022</a:t>
             </a:fld>
             <a:endParaRPr lang="en-US" dirty="0"/>
           </a:p>
@@ -8144,7 +8144,7 @@
           <a:p>
             <a:fld id="{48A87A34-81AB-432B-8DAE-1953F412C126}" type="datetimeFigureOut">
               <a:rPr lang="en-US" dirty="0"/>
-              <a:t>2/11/2022</a:t>
+              <a:t>2/25/2022</a:t>
             </a:fld>
             <a:endParaRPr lang="en-US" dirty="0"/>
           </a:p>
@@ -8257,7 +8257,7 @@
           <a:p>
             <a:fld id="{48A87A34-81AB-432B-8DAE-1953F412C126}" type="datetimeFigureOut">
               <a:rPr lang="en-US" dirty="0"/>
-              <a:t>2/11/2022</a:t>
+              <a:t>2/25/2022</a:t>
             </a:fld>
             <a:endParaRPr lang="en-US" dirty="0"/>
           </a:p>
@@ -8347,7 +8347,7 @@
           <a:p>
             <a:fld id="{48A87A34-81AB-432B-8DAE-1953F412C126}" type="datetimeFigureOut">
               <a:rPr lang="en-US" dirty="0"/>
-              <a:t>2/11/2022</a:t>
+              <a:t>2/25/2022</a:t>
             </a:fld>
             <a:endParaRPr lang="en-US" dirty="0"/>
           </a:p>
@@ -8591,7 +8591,7 @@
           <a:p>
             <a:fld id="{48A87A34-81AB-432B-8DAE-1953F412C126}" type="datetimeFigureOut">
               <a:rPr lang="en-US" dirty="0"/>
-              <a:t>2/11/2022</a:t>
+              <a:t>2/25/2022</a:t>
             </a:fld>
             <a:endParaRPr lang="en-US" dirty="0"/>
           </a:p>
@@ -8866,7 +8866,7 @@
           <a:p>
             <a:fld id="{48A87A34-81AB-432B-8DAE-1953F412C126}" type="datetimeFigureOut">
               <a:rPr lang="en-US" dirty="0"/>
-              <a:t>2/11/2022</a:t>
+              <a:t>2/25/2022</a:t>
             </a:fld>
             <a:endParaRPr lang="en-US" dirty="0"/>
           </a:p>
@@ -8977,7 +8977,7 @@
           <a:noFill/>
           <a:extLst>
             <a:ext uri="{909E8E84-426E-40dd-AFC4-6F175D3DCCD1}">
-              <a14:hiddenFill xmlns:a14="http://schemas.microsoft.com/office/drawing/2010/main" xmlns="">
+              <a14:hiddenFill xmlns="" xmlns:a14="http://schemas.microsoft.com/office/drawing/2010/main">
                 <a:solidFill>
                   <a:srgbClr val="FFFFFF"/>
                 </a:solidFill>
@@ -9051,7 +9051,7 @@
               </a:ln>
               <a:extLst>
                 <a:ext uri="{91240B29-F687-4f45-9708-019B960494DF}">
-                  <a14:hiddenLine xmlns:a14="http://schemas.microsoft.com/office/drawing/2010/main" xmlns="" w="9525">
+                  <a14:hiddenLine xmlns="" xmlns:a14="http://schemas.microsoft.com/office/drawing/2010/main" w="9525">
                     <a:solidFill>
                       <a:srgbClr val="000000"/>
                     </a:solidFill>
@@ -9141,7 +9141,7 @@
               </a:ln>
               <a:extLst>
                 <a:ext uri="{91240B29-F687-4f45-9708-019B960494DF}">
-                  <a14:hiddenLine xmlns:a14="http://schemas.microsoft.com/office/drawing/2010/main" xmlns="" w="9525">
+                  <a14:hiddenLine xmlns="" xmlns:a14="http://schemas.microsoft.com/office/drawing/2010/main" w="9525">
                     <a:solidFill>
                       <a:srgbClr val="000000"/>
                     </a:solidFill>
@@ -9231,7 +9231,7 @@
               </a:ln>
               <a:extLst>
                 <a:ext uri="{91240B29-F687-4f45-9708-019B960494DF}">
-                  <a14:hiddenLine xmlns:a14="http://schemas.microsoft.com/office/drawing/2010/main" xmlns="" w="9525">
+                  <a14:hiddenLine xmlns="" xmlns:a14="http://schemas.microsoft.com/office/drawing/2010/main" w="9525">
                     <a:solidFill>
                       <a:srgbClr val="000000"/>
                     </a:solidFill>
@@ -9293,7 +9293,7 @@
               </a:ln>
               <a:extLst>
                 <a:ext uri="{91240B29-F687-4f45-9708-019B960494DF}">
-                  <a14:hiddenLine xmlns:a14="http://schemas.microsoft.com/office/drawing/2010/main" xmlns="" w="9525">
+                  <a14:hiddenLine xmlns="" xmlns:a14="http://schemas.microsoft.com/office/drawing/2010/main" w="9525">
                     <a:solidFill>
                       <a:srgbClr val="000000"/>
                     </a:solidFill>
@@ -9383,7 +9383,7 @@
               </a:ln>
               <a:extLst>
                 <a:ext uri="{91240B29-F687-4f45-9708-019B960494DF}">
-                  <a14:hiddenLine xmlns:a14="http://schemas.microsoft.com/office/drawing/2010/main" xmlns="" w="9525">
+                  <a14:hiddenLine xmlns="" xmlns:a14="http://schemas.microsoft.com/office/drawing/2010/main" w="9525">
                     <a:solidFill>
                       <a:srgbClr val="000000"/>
                     </a:solidFill>
@@ -9445,7 +9445,7 @@
               </a:ln>
               <a:extLst>
                 <a:ext uri="{91240B29-F687-4f45-9708-019B960494DF}">
-                  <a14:hiddenLine xmlns:a14="http://schemas.microsoft.com/office/drawing/2010/main" xmlns="" w="9525">
+                  <a14:hiddenLine xmlns="" xmlns:a14="http://schemas.microsoft.com/office/drawing/2010/main" w="9525">
                     <a:solidFill>
                       <a:srgbClr val="000000"/>
                     </a:solidFill>
@@ -9507,7 +9507,7 @@
               </a:ln>
               <a:extLst>
                 <a:ext uri="{91240B29-F687-4f45-9708-019B960494DF}">
-                  <a14:hiddenLine xmlns:a14="http://schemas.microsoft.com/office/drawing/2010/main" xmlns="" w="9525">
+                  <a14:hiddenLine xmlns="" xmlns:a14="http://schemas.microsoft.com/office/drawing/2010/main" w="9525">
                     <a:solidFill>
                       <a:srgbClr val="000000"/>
                     </a:solidFill>
@@ -9597,7 +9597,7 @@
               </a:ln>
               <a:extLst>
                 <a:ext uri="{91240B29-F687-4f45-9708-019B960494DF}">
-                  <a14:hiddenLine xmlns:a14="http://schemas.microsoft.com/office/drawing/2010/main" xmlns="" w="9525">
+                  <a14:hiddenLine xmlns="" xmlns:a14="http://schemas.microsoft.com/office/drawing/2010/main" w="9525">
                     <a:solidFill>
                       <a:srgbClr val="000000"/>
                     </a:solidFill>
@@ -9687,7 +9687,7 @@
               </a:ln>
               <a:extLst>
                 <a:ext uri="{91240B29-F687-4f45-9708-019B960494DF}">
-                  <a14:hiddenLine xmlns:a14="http://schemas.microsoft.com/office/drawing/2010/main" xmlns="" w="9525">
+                  <a14:hiddenLine xmlns="" xmlns:a14="http://schemas.microsoft.com/office/drawing/2010/main" w="9525">
                     <a:solidFill>
                       <a:srgbClr val="000000"/>
                     </a:solidFill>
@@ -9749,7 +9749,7 @@
               </a:ln>
               <a:extLst>
                 <a:ext uri="{91240B29-F687-4f45-9708-019B960494DF}">
-                  <a14:hiddenLine xmlns:a14="http://schemas.microsoft.com/office/drawing/2010/main" xmlns="" w="9525">
+                  <a14:hiddenLine xmlns="" xmlns:a14="http://schemas.microsoft.com/office/drawing/2010/main" w="9525">
                     <a:solidFill>
                       <a:srgbClr val="000000"/>
                     </a:solidFill>
@@ -9859,7 +9859,7 @@
               </a:ln>
               <a:extLst>
                 <a:ext uri="{91240B29-F687-4f45-9708-019B960494DF}">
-                  <a14:hiddenLine xmlns:a14="http://schemas.microsoft.com/office/drawing/2010/main" xmlns="" w="9525">
+                  <a14:hiddenLine xmlns="" xmlns:a14="http://schemas.microsoft.com/office/drawing/2010/main" w="9525">
                     <a:solidFill>
                       <a:srgbClr val="000000"/>
                     </a:solidFill>
@@ -9943,7 +9943,7 @@
               </a:ln>
               <a:extLst>
                 <a:ext uri="{91240B29-F687-4f45-9708-019B960494DF}">
-                  <a14:hiddenLine xmlns:a14="http://schemas.microsoft.com/office/drawing/2010/main" xmlns="" w="9525">
+                  <a14:hiddenLine xmlns="" xmlns:a14="http://schemas.microsoft.com/office/drawing/2010/main" w="9525">
                     <a:solidFill>
                       <a:srgbClr val="000000"/>
                     </a:solidFill>
@@ -10005,7 +10005,7 @@
               </a:ln>
               <a:extLst>
                 <a:ext uri="{91240B29-F687-4f45-9708-019B960494DF}">
-                  <a14:hiddenLine xmlns:a14="http://schemas.microsoft.com/office/drawing/2010/main" xmlns="" w="9525">
+                  <a14:hiddenLine xmlns="" xmlns:a14="http://schemas.microsoft.com/office/drawing/2010/main" w="9525">
                     <a:solidFill>
                       <a:srgbClr val="000000"/>
                     </a:solidFill>
@@ -10067,7 +10067,7 @@
               </a:ln>
               <a:extLst>
                 <a:ext uri="{91240B29-F687-4f45-9708-019B960494DF}">
-                  <a14:hiddenLine xmlns:a14="http://schemas.microsoft.com/office/drawing/2010/main" xmlns="" w="9525">
+                  <a14:hiddenLine xmlns="" xmlns:a14="http://schemas.microsoft.com/office/drawing/2010/main" w="9525">
                     <a:solidFill>
                       <a:srgbClr val="000000"/>
                     </a:solidFill>
@@ -10157,7 +10157,7 @@
               </a:ln>
               <a:extLst>
                 <a:ext uri="{91240B29-F687-4f45-9708-019B960494DF}">
-                  <a14:hiddenLine xmlns:a14="http://schemas.microsoft.com/office/drawing/2010/main" xmlns="" w="9525">
+                  <a14:hiddenLine xmlns="" xmlns:a14="http://schemas.microsoft.com/office/drawing/2010/main" w="9525">
                     <a:solidFill>
                       <a:srgbClr val="000000"/>
                     </a:solidFill>
@@ -10191,7 +10191,7 @@
               </a:ln>
               <a:extLst>
                 <a:ext uri="{91240B29-F687-4f45-9708-019B960494DF}">
-                  <a14:hiddenLine xmlns:a14="http://schemas.microsoft.com/office/drawing/2010/main" xmlns="" w="9525">
+                  <a14:hiddenLine xmlns="" xmlns:a14="http://schemas.microsoft.com/office/drawing/2010/main" w="9525">
                     <a:solidFill>
                       <a:srgbClr val="000000"/>
                     </a:solidFill>
@@ -10256,7 +10256,7 @@
               </a:ln>
               <a:extLst>
                 <a:ext uri="{91240B29-F687-4f45-9708-019B960494DF}">
-                  <a14:hiddenLine xmlns:a14="http://schemas.microsoft.com/office/drawing/2010/main" xmlns="" w="9525">
+                  <a14:hiddenLine xmlns="" xmlns:a14="http://schemas.microsoft.com/office/drawing/2010/main" w="9525">
                     <a:solidFill>
                       <a:srgbClr val="000000"/>
                     </a:solidFill>
@@ -10346,7 +10346,7 @@
               </a:ln>
               <a:extLst>
                 <a:ext uri="{91240B29-F687-4f45-9708-019B960494DF}">
-                  <a14:hiddenLine xmlns:a14="http://schemas.microsoft.com/office/drawing/2010/main" xmlns="" w="9525">
+                  <a14:hiddenLine xmlns="" xmlns:a14="http://schemas.microsoft.com/office/drawing/2010/main" w="9525">
                     <a:solidFill>
                       <a:srgbClr val="000000"/>
                     </a:solidFill>
@@ -10408,7 +10408,7 @@
               </a:ln>
               <a:extLst>
                 <a:ext uri="{91240B29-F687-4f45-9708-019B960494DF}">
-                  <a14:hiddenLine xmlns:a14="http://schemas.microsoft.com/office/drawing/2010/main" xmlns="" w="9525">
+                  <a14:hiddenLine xmlns="" xmlns:a14="http://schemas.microsoft.com/office/drawing/2010/main" w="9525">
                     <a:solidFill>
                       <a:srgbClr val="000000"/>
                     </a:solidFill>
@@ -10498,7 +10498,7 @@
               </a:ln>
               <a:extLst>
                 <a:ext uri="{91240B29-F687-4f45-9708-019B960494DF}">
-                  <a14:hiddenLine xmlns:a14="http://schemas.microsoft.com/office/drawing/2010/main" xmlns="" w="9525">
+                  <a14:hiddenLine xmlns="" xmlns:a14="http://schemas.microsoft.com/office/drawing/2010/main" w="9525">
                     <a:solidFill>
                       <a:srgbClr val="000000"/>
                     </a:solidFill>
@@ -10563,7 +10563,7 @@
               </a:ln>
               <a:extLst>
                 <a:ext uri="{91240B29-F687-4f45-9708-019B960494DF}">
-                  <a14:hiddenLine xmlns:a14="http://schemas.microsoft.com/office/drawing/2010/main" xmlns="" w="9525">
+                  <a14:hiddenLine xmlns="" xmlns:a14="http://schemas.microsoft.com/office/drawing/2010/main" w="9525">
                     <a:solidFill>
                       <a:srgbClr val="000000"/>
                     </a:solidFill>
@@ -10625,7 +10625,7 @@
               </a:ln>
               <a:extLst>
                 <a:ext uri="{91240B29-F687-4f45-9708-019B960494DF}">
-                  <a14:hiddenLine xmlns:a14="http://schemas.microsoft.com/office/drawing/2010/main" xmlns="" w="9525">
+                  <a14:hiddenLine xmlns="" xmlns:a14="http://schemas.microsoft.com/office/drawing/2010/main" w="9525">
                     <a:solidFill>
                       <a:srgbClr val="000000"/>
                     </a:solidFill>
@@ -10715,7 +10715,7 @@
               </a:ln>
               <a:extLst>
                 <a:ext uri="{91240B29-F687-4f45-9708-019B960494DF}">
-                  <a14:hiddenLine xmlns:a14="http://schemas.microsoft.com/office/drawing/2010/main" xmlns="" w="9525">
+                  <a14:hiddenLine xmlns="" xmlns:a14="http://schemas.microsoft.com/office/drawing/2010/main" w="9525">
                     <a:solidFill>
                       <a:srgbClr val="000000"/>
                     </a:solidFill>
@@ -10805,7 +10805,7 @@
               </a:ln>
               <a:extLst>
                 <a:ext uri="{91240B29-F687-4f45-9708-019B960494DF}">
-                  <a14:hiddenLine xmlns:a14="http://schemas.microsoft.com/office/drawing/2010/main" xmlns="" w="9525">
+                  <a14:hiddenLine xmlns="" xmlns:a14="http://schemas.microsoft.com/office/drawing/2010/main" w="9525">
                     <a:solidFill>
                       <a:srgbClr val="000000"/>
                     </a:solidFill>
@@ -10870,7 +10870,7 @@
               </a:ln>
               <a:extLst>
                 <a:ext uri="{91240B29-F687-4f45-9708-019B960494DF}">
-                  <a14:hiddenLine xmlns:a14="http://schemas.microsoft.com/office/drawing/2010/main" xmlns="" w="9525">
+                  <a14:hiddenLine xmlns="" xmlns:a14="http://schemas.microsoft.com/office/drawing/2010/main" w="9525">
                     <a:solidFill>
                       <a:srgbClr val="000000"/>
                     </a:solidFill>
@@ -10990,7 +10990,7 @@
               </a:ln>
               <a:extLst>
                 <a:ext uri="{91240B29-F687-4f45-9708-019B960494DF}">
-                  <a14:hiddenLine xmlns:a14="http://schemas.microsoft.com/office/drawing/2010/main" xmlns="" w="9525">
+                  <a14:hiddenLine xmlns="" xmlns:a14="http://schemas.microsoft.com/office/drawing/2010/main" w="9525">
                     <a:solidFill>
                       <a:srgbClr val="000000"/>
                     </a:solidFill>
@@ -11088,7 +11088,7 @@
               </a:ln>
               <a:extLst>
                 <a:ext uri="{91240B29-F687-4f45-9708-019B960494DF}">
-                  <a14:hiddenLine xmlns:a14="http://schemas.microsoft.com/office/drawing/2010/main" xmlns="" w="9525">
+                  <a14:hiddenLine xmlns="" xmlns:a14="http://schemas.microsoft.com/office/drawing/2010/main" w="9525">
                     <a:solidFill>
                       <a:srgbClr val="000000"/>
                     </a:solidFill>
@@ -11203,7 +11203,7 @@
               </a:ln>
               <a:extLst>
                 <a:ext uri="{91240B29-F687-4f45-9708-019B960494DF}">
-                  <a14:hiddenLine xmlns:a14="http://schemas.microsoft.com/office/drawing/2010/main" xmlns="" w="9525">
+                  <a14:hiddenLine xmlns="" xmlns:a14="http://schemas.microsoft.com/office/drawing/2010/main" w="9525">
                     <a:solidFill>
                       <a:srgbClr val="000000"/>
                     </a:solidFill>
@@ -11293,7 +11293,7 @@
               </a:ln>
               <a:extLst>
                 <a:ext uri="{91240B29-F687-4f45-9708-019B960494DF}">
-                  <a14:hiddenLine xmlns:a14="http://schemas.microsoft.com/office/drawing/2010/main" xmlns="" w="9525">
+                  <a14:hiddenLine xmlns="" xmlns:a14="http://schemas.microsoft.com/office/drawing/2010/main" w="9525">
                     <a:solidFill>
                       <a:srgbClr val="000000"/>
                     </a:solidFill>
@@ -11358,7 +11358,7 @@
               </a:ln>
               <a:extLst>
                 <a:ext uri="{91240B29-F687-4f45-9708-019B960494DF}">
-                  <a14:hiddenLine xmlns:a14="http://schemas.microsoft.com/office/drawing/2010/main" xmlns="" w="9525">
+                  <a14:hiddenLine xmlns="" xmlns:a14="http://schemas.microsoft.com/office/drawing/2010/main" w="9525">
                     <a:solidFill>
                       <a:srgbClr val="000000"/>
                     </a:solidFill>
@@ -11448,7 +11448,7 @@
               </a:ln>
               <a:extLst>
                 <a:ext uri="{91240B29-F687-4f45-9708-019B960494DF}">
-                  <a14:hiddenLine xmlns:a14="http://schemas.microsoft.com/office/drawing/2010/main" xmlns="" w="9525">
+                  <a14:hiddenLine xmlns="" xmlns:a14="http://schemas.microsoft.com/office/drawing/2010/main" w="9525">
                     <a:solidFill>
                       <a:srgbClr val="000000"/>
                     </a:solidFill>
@@ -11516,7 +11516,7 @@
               </a:ln>
               <a:extLst>
                 <a:ext uri="{91240B29-F687-4f45-9708-019B960494DF}">
-                  <a14:hiddenLine xmlns:a14="http://schemas.microsoft.com/office/drawing/2010/main" xmlns="" w="9525">
+                  <a14:hiddenLine xmlns="" xmlns:a14="http://schemas.microsoft.com/office/drawing/2010/main" w="9525">
                     <a:solidFill>
                       <a:srgbClr val="000000"/>
                     </a:solidFill>
@@ -11606,7 +11606,7 @@
               </a:ln>
               <a:extLst>
                 <a:ext uri="{91240B29-F687-4f45-9708-019B960494DF}">
-                  <a14:hiddenLine xmlns:a14="http://schemas.microsoft.com/office/drawing/2010/main" xmlns="" w="9525">
+                  <a14:hiddenLine xmlns="" xmlns:a14="http://schemas.microsoft.com/office/drawing/2010/main" w="9525">
                     <a:solidFill>
                       <a:srgbClr val="000000"/>
                     </a:solidFill>
@@ -11674,7 +11674,7 @@
               </a:ln>
               <a:extLst>
                 <a:ext uri="{91240B29-F687-4f45-9708-019B960494DF}">
-                  <a14:hiddenLine xmlns:a14="http://schemas.microsoft.com/office/drawing/2010/main" xmlns="" w="9525">
+                  <a14:hiddenLine xmlns="" xmlns:a14="http://schemas.microsoft.com/office/drawing/2010/main" w="9525">
                     <a:solidFill>
                       <a:srgbClr val="000000"/>
                     </a:solidFill>
@@ -11764,7 +11764,7 @@
               </a:ln>
               <a:extLst>
                 <a:ext uri="{91240B29-F687-4f45-9708-019B960494DF}">
-                  <a14:hiddenLine xmlns:a14="http://schemas.microsoft.com/office/drawing/2010/main" xmlns="" w="9525">
+                  <a14:hiddenLine xmlns="" xmlns:a14="http://schemas.microsoft.com/office/drawing/2010/main" w="9525">
                     <a:solidFill>
                       <a:srgbClr val="000000"/>
                     </a:solidFill>
@@ -11798,7 +11798,7 @@
               </a:ln>
               <a:extLst>
                 <a:ext uri="{91240B29-F687-4f45-9708-019B960494DF}">
-                  <a14:hiddenLine xmlns:a14="http://schemas.microsoft.com/office/drawing/2010/main" xmlns="" w="9525">
+                  <a14:hiddenLine xmlns="" xmlns:a14="http://schemas.microsoft.com/office/drawing/2010/main" w="9525">
                     <a:solidFill>
                       <a:srgbClr val="000000"/>
                     </a:solidFill>
@@ -11939,7 +11939,7 @@
             <a:fld id="{48A87A34-81AB-432B-8DAE-1953F412C126}" type="datetimeFigureOut">
               <a:rPr lang="en-US" dirty="0"/>
               <a:pPr/>
-              <a:t>2/11/2022</a:t>
+              <a:t>2/25/2022</a:t>
             </a:fld>
             <a:endParaRPr lang="en-US" dirty="0"/>
           </a:p>
@@ -12528,55 +12528,40 @@
             </a:r>
           </a:p>
           <a:p>
-            <a:r>
-              <a:rPr lang="en-US" sz="2600" dirty="0" smtClean="0"/>
-              <a:t>In </a:t>
-            </a:r>
-            <a:r>
-              <a:rPr lang="en-US" sz="2600" dirty="0"/>
-              <a:t>this project we are generating electrical power as non-conventional method by simply walking or </a:t>
-            </a:r>
-            <a:r>
-              <a:rPr lang="en-US" sz="2600" dirty="0" smtClean="0"/>
-              <a:t>running. </a:t>
-            </a:r>
-            <a:r>
-              <a:rPr lang="en-US" sz="2600" dirty="0"/>
-              <a:t>Nonconventional energy system is </a:t>
-            </a:r>
-            <a:r>
-              <a:rPr lang="en-US" sz="2600" dirty="0" smtClean="0"/>
-              <a:t>very </a:t>
-            </a:r>
-            <a:r>
-              <a:rPr lang="en-US" sz="2600" dirty="0"/>
-              <a:t>essential at this time to our nation</a:t>
-            </a:r>
-            <a:r>
-              <a:rPr lang="en-US" sz="2600" dirty="0" smtClean="0"/>
-              <a:t>.</a:t>
-            </a:r>
-          </a:p>
-          <a:p>
-            <a:r>
-              <a:rPr lang="en-US" sz="2600" dirty="0"/>
-              <a:t>Nonconventional energy </a:t>
-            </a:r>
-            <a:r>
-              <a:rPr lang="en-US" sz="2600" dirty="0" smtClean="0"/>
-              <a:t>is </a:t>
-            </a:r>
-            <a:r>
-              <a:rPr lang="en-US" sz="2600" dirty="0"/>
-              <a:t>converting mechanical energy into the electrical energy</a:t>
-            </a:r>
-            <a:r>
-              <a:rPr lang="en-US" sz="2600" dirty="0" smtClean="0"/>
-              <a:t>.</a:t>
-            </a:r>
+            <a:pPr marL="0" indent="0">
+              <a:buNone/>
+            </a:pPr>
+            <a:endParaRPr lang="en-US" sz="2600" dirty="0" smtClean="0"/>
+          </a:p>
+          <a:p>
+            <a:endParaRPr lang="en-US" sz="2600" dirty="0" smtClean="0"/>
           </a:p>
         </p:txBody>
       </p:sp>
+      <p:pic>
+        <p:nvPicPr>
+          <p:cNvPr id="4" name="Picture 3"/>
+          <p:cNvPicPr>
+            <a:picLocks noChangeAspect="1"/>
+          </p:cNvPicPr>
+          <p:nvPr/>
+        </p:nvPicPr>
+        <p:blipFill>
+          <a:blip r:embed="rId2"/>
+          <a:stretch>
+            <a:fillRect/>
+          </a:stretch>
+        </p:blipFill>
+        <p:spPr>
+          <a:xfrm>
+            <a:off x="3699350" y="3746339"/>
+            <a:ext cx="3450635" cy="2371550"/>
+          </a:xfrm>
+          <a:prstGeom prst="rect">
+            <a:avLst/>
+          </a:prstGeom>
+        </p:spPr>
+      </p:pic>
     </p:spTree>
     <p:extLst>
       <p:ext uri="{BB962C8B-B14F-4D97-AF65-F5344CB8AC3E}">
@@ -12793,15 +12778,170 @@
             <p:ph idx="1"/>
           </p:nvPr>
         </p:nvSpPr>
-        <p:spPr/>
+        <p:spPr>
+          <a:xfrm>
+            <a:off x="1354137" y="1664302"/>
+            <a:ext cx="9905999" cy="8216003"/>
+          </a:xfrm>
+        </p:spPr>
         <p:txBody>
           <a:bodyPr/>
           <a:lstStyle/>
           <a:p>
+            <a:r>
+              <a:rPr lang="en-US" sz="1800" dirty="0"/>
+              <a:t>In this project we are generating electrical power as non-conventional method by simply walking or running</a:t>
+            </a:r>
+            <a:r>
+              <a:rPr lang="en-US" sz="1800" dirty="0" smtClean="0"/>
+              <a:t>.</a:t>
+            </a:r>
+          </a:p>
+          <a:p>
+            <a:r>
+              <a:rPr lang="en-US" sz="1800" dirty="0" smtClean="0"/>
+              <a:t>Converting </a:t>
+            </a:r>
+            <a:r>
+              <a:rPr lang="en-US" sz="1800" dirty="0"/>
+              <a:t>mechanical energy into the electrical energy</a:t>
+            </a:r>
+            <a:r>
+              <a:rPr lang="en-US" sz="1800" dirty="0" smtClean="0"/>
+              <a:t>.</a:t>
+            </a:r>
+          </a:p>
+          <a:p>
+            <a:r>
+              <a:rPr lang="en-US" sz="1800" dirty="0" smtClean="0"/>
+              <a:t>Here the mechanical energy is Stress or Pressure energy.</a:t>
+            </a:r>
+          </a:p>
+          <a:p>
+            <a:endParaRPr lang="en-US" sz="1800" dirty="0" smtClean="0"/>
+          </a:p>
+          <a:p>
+            <a:endParaRPr lang="en-US" sz="1800" dirty="0" smtClean="0"/>
+          </a:p>
+          <a:p>
+            <a:endParaRPr lang="en-US" dirty="0" smtClean="0"/>
+          </a:p>
+          <a:p>
             <a:endParaRPr lang="en-US" dirty="0"/>
           </a:p>
         </p:txBody>
       </p:sp>
+      <p:sp>
+        <p:nvSpPr>
+          <p:cNvPr id="4" name="AutoShape 4" descr="Foot Step Power Generation System Using Electronic Device"/>
+          <p:cNvSpPr>
+            <a:spLocks noChangeAspect="1" noChangeArrowheads="1"/>
+          </p:cNvSpPr>
+          <p:nvPr/>
+        </p:nvSpPr>
+        <p:spPr bwMode="auto">
+          <a:xfrm>
+            <a:off x="63500" y="-136525"/>
+            <a:ext cx="304800" cy="304800"/>
+          </a:xfrm>
+          <a:prstGeom prst="rect">
+            <a:avLst/>
+          </a:prstGeom>
+          <a:noFill/>
+          <a:extLst>
+            <a:ext uri="{909E8E84-426E-40DD-AFC4-6F175D3DCCD1}">
+              <a14:hiddenFill xmlns:a14="http://schemas.microsoft.com/office/drawing/2010/main">
+                <a:solidFill>
+                  <a:srgbClr val="FFFFFF"/>
+                </a:solidFill>
+              </a14:hiddenFill>
+            </a:ext>
+          </a:extLst>
+        </p:spPr>
+        <p:txBody>
+          <a:bodyPr vert="horz" wrap="square" lIns="91440" tIns="45720" rIns="91440" bIns="45720" numCol="1" anchor="t" anchorCtr="0" compatLnSpc="1">
+            <a:prstTxWarp prst="textNoShape">
+              <a:avLst/>
+            </a:prstTxWarp>
+          </a:bodyPr>
+          <a:lstStyle/>
+          <a:p>
+            <a:endParaRPr lang="en-US"/>
+          </a:p>
+        </p:txBody>
+      </p:sp>
+      <p:pic>
+        <p:nvPicPr>
+          <p:cNvPr id="5" name="Picture 4"/>
+          <p:cNvPicPr>
+            <a:picLocks noChangeAspect="1"/>
+          </p:cNvPicPr>
+          <p:nvPr/>
+        </p:nvPicPr>
+        <p:blipFill>
+          <a:blip r:embed="rId2"/>
+          <a:stretch>
+            <a:fillRect/>
+          </a:stretch>
+        </p:blipFill>
+        <p:spPr>
+          <a:xfrm>
+            <a:off x="7405686" y="4478887"/>
+            <a:ext cx="3138307" cy="2166058"/>
+          </a:xfrm>
+          <a:prstGeom prst="rect">
+            <a:avLst/>
+          </a:prstGeom>
+        </p:spPr>
+      </p:pic>
+      <p:pic>
+        <p:nvPicPr>
+          <p:cNvPr id="6" name="Picture 5"/>
+          <p:cNvPicPr>
+            <a:picLocks noChangeAspect="1"/>
+          </p:cNvPicPr>
+          <p:nvPr/>
+        </p:nvPicPr>
+        <p:blipFill>
+          <a:blip r:embed="rId3"/>
+          <a:stretch>
+            <a:fillRect/>
+          </a:stretch>
+        </p:blipFill>
+        <p:spPr>
+          <a:xfrm>
+            <a:off x="881324" y="3414532"/>
+            <a:ext cx="5213088" cy="3443468"/>
+          </a:xfrm>
+          <a:prstGeom prst="rect">
+            <a:avLst/>
+          </a:prstGeom>
+        </p:spPr>
+      </p:pic>
+      <p:pic>
+        <p:nvPicPr>
+          <p:cNvPr id="7" name="Picture 6"/>
+          <p:cNvPicPr>
+            <a:picLocks noChangeAspect="1"/>
+          </p:cNvPicPr>
+          <p:nvPr/>
+        </p:nvPicPr>
+        <p:blipFill>
+          <a:blip r:embed="rId4"/>
+          <a:stretch>
+            <a:fillRect/>
+          </a:stretch>
+        </p:blipFill>
+        <p:spPr>
+          <a:xfrm>
+            <a:off x="7405686" y="2406925"/>
+            <a:ext cx="2543175" cy="1762125"/>
+          </a:xfrm>
+          <a:prstGeom prst="rect">
+            <a:avLst/>
+          </a:prstGeom>
+        </p:spPr>
+      </p:pic>
     </p:spTree>
     <p:extLst>
       <p:ext uri="{BB962C8B-B14F-4D97-AF65-F5344CB8AC3E}">
@@ -12861,45 +13001,28 @@
       </p:sp>
       <p:pic>
         <p:nvPicPr>
-          <p:cNvPr id="1026" name="Picture 2" descr="Foot step power generator"/>
+          <p:cNvPr id="6" name="Content Placeholder 5"/>
           <p:cNvPicPr>
-            <a:picLocks noGrp="1" noChangeAspect="1" noChangeArrowheads="1"/>
+            <a:picLocks noGrp="1" noChangeAspect="1"/>
           </p:cNvPicPr>
           <p:nvPr>
             <p:ph idx="1"/>
           </p:nvPr>
         </p:nvPicPr>
         <p:blipFill>
-          <a:blip r:embed="rId2">
-            <a:extLst>
-              <a:ext uri="{28A0092B-C50C-407E-A947-70E740481C1C}">
-                <a14:useLocalDpi xmlns:a14="http://schemas.microsoft.com/office/drawing/2010/main" val="0"/>
-              </a:ext>
-            </a:extLst>
-          </a:blip>
-          <a:srcRect/>
+          <a:blip r:embed="rId2"/>
           <a:stretch>
             <a:fillRect/>
           </a:stretch>
         </p:blipFill>
-        <p:spPr bwMode="auto">
+        <p:spPr>
           <a:xfrm>
-            <a:off x="3735736" y="2249488"/>
-            <a:ext cx="4717353" cy="3541712"/>
+            <a:off x="1296365" y="1632030"/>
+            <a:ext cx="9896354" cy="5225970"/>
           </a:xfrm>
           <a:prstGeom prst="rect">
             <a:avLst/>
           </a:prstGeom>
-          <a:noFill/>
-          <a:extLst>
-            <a:ext uri="{909E8E84-426E-40DD-AFC4-6F175D3DCCD1}">
-              <a14:hiddenFill xmlns:a14="http://schemas.microsoft.com/office/drawing/2010/main">
-                <a:solidFill>
-                  <a:srgbClr val="FFFFFF"/>
-                </a:solidFill>
-              </a14:hiddenFill>
-            </a:ext>
-          </a:extLst>
         </p:spPr>
       </p:pic>
     </p:spTree>
@@ -12942,7 +13065,12 @@
             <p:ph type="title"/>
           </p:nvPr>
         </p:nvSpPr>
-        <p:spPr/>
+        <p:spPr>
+          <a:xfrm>
+            <a:off x="1141413" y="150472"/>
+            <a:ext cx="9905998" cy="775503"/>
+          </a:xfrm>
+        </p:spPr>
         <p:txBody>
           <a:bodyPr/>
           <a:lstStyle/>
@@ -12955,25 +13083,59 @@
           </a:p>
         </p:txBody>
       </p:sp>
-      <p:sp>
-        <p:nvSpPr>
-          <p:cNvPr id="3" name="Content Placeholder 2"/>
-          <p:cNvSpPr>
-            <a:spLocks noGrp="1"/>
-          </p:cNvSpPr>
+      <p:pic>
+        <p:nvPicPr>
+          <p:cNvPr id="4" name="Content Placeholder 3"/>
+          <p:cNvPicPr>
+            <a:picLocks noGrp="1" noChangeAspect="1"/>
+          </p:cNvPicPr>
           <p:nvPr>
             <p:ph idx="1"/>
           </p:nvPr>
-        </p:nvSpPr>
-        <p:spPr/>
-        <p:txBody>
-          <a:bodyPr/>
-          <a:lstStyle/>
-          <a:p>
-            <a:endParaRPr lang="en-US"/>
-          </a:p>
-        </p:txBody>
-      </p:sp>
+        </p:nvPicPr>
+        <p:blipFill>
+          <a:blip r:embed="rId2">
+            <a:extLst>
+              <a:ext uri="{28A0092B-C50C-407E-A947-70E740481C1C}">
+                <a14:useLocalDpi xmlns:a14="http://schemas.microsoft.com/office/drawing/2010/main" val="0"/>
+              </a:ext>
+            </a:extLst>
+          </a:blip>
+          <a:stretch>
+            <a:fillRect/>
+          </a:stretch>
+        </p:blipFill>
+        <p:spPr>
+          <a:xfrm>
+            <a:off x="666852" y="752355"/>
+            <a:ext cx="10236500" cy="5984112"/>
+          </a:xfrm>
+        </p:spPr>
+      </p:pic>
+      <p:pic>
+        <p:nvPicPr>
+          <p:cNvPr id="5" name="Picture 4"/>
+          <p:cNvPicPr>
+            <a:picLocks noChangeAspect="1"/>
+          </p:cNvPicPr>
+          <p:nvPr/>
+        </p:nvPicPr>
+        <p:blipFill>
+          <a:blip r:embed="rId3"/>
+          <a:stretch>
+            <a:fillRect/>
+          </a:stretch>
+        </p:blipFill>
+        <p:spPr>
+          <a:xfrm>
+            <a:off x="9783190" y="2837245"/>
+            <a:ext cx="1120162" cy="993976"/>
+          </a:xfrm>
+          <a:prstGeom prst="rect">
+            <a:avLst/>
+          </a:prstGeom>
+        </p:spPr>
+      </p:pic>
     </p:spTree>
     <p:extLst>
       <p:ext uri="{BB962C8B-B14F-4D97-AF65-F5344CB8AC3E}">
@@ -13064,9 +13226,19 @@
             </a:r>
           </a:p>
           <a:p>
+            <a:pPr marL="0" indent="0">
+              <a:buNone/>
+            </a:pPr>
             <a:r>
               <a:rPr lang="en-US" dirty="0" smtClean="0"/>
-              <a:t> Mobile </a:t>
+              <a:t>The Slab flooring can be done on flat floors, staircase etc.</a:t>
+            </a:r>
+            <a:endParaRPr lang="en-US" dirty="0" smtClean="0"/>
+          </a:p>
+          <a:p>
+            <a:r>
+              <a:rPr lang="en-US" dirty="0" smtClean="0"/>
+              <a:t>Mobile </a:t>
             </a:r>
             <a:r>
               <a:rPr lang="en-US" dirty="0"/>
@@ -13130,22 +13302,11 @@
           <a:p>
             <a:r>
               <a:rPr lang="en-US" dirty="0" smtClean="0"/>
-              <a:t> </a:t>
+              <a:t>Shopping </a:t>
             </a:r>
             <a:r>
               <a:rPr lang="en-US" dirty="0"/>
-              <a:t>Cinema theaters. </a:t>
-            </a:r>
-            <a:endParaRPr lang="en-US" dirty="0" smtClean="0"/>
-          </a:p>
-          <a:p>
-            <a:r>
-              <a:rPr lang="en-US" smtClean="0"/>
-              <a:t> </a:t>
-            </a:r>
-            <a:r>
-              <a:rPr lang="en-US" dirty="0"/>
-              <a:t>Shopping complex</a:t>
+              <a:t>complex</a:t>
             </a:r>
           </a:p>
         </p:txBody>

--- a/mini project sem 1.pptx
+++ b/mini project sem 1.pptx
@@ -11,8 +11,15 @@
     <p:sldId id="259" r:id="rId5"/>
     <p:sldId id="260" r:id="rId6"/>
     <p:sldId id="261" r:id="rId7"/>
-    <p:sldId id="262" r:id="rId8"/>
-    <p:sldId id="263" r:id="rId9"/>
+    <p:sldId id="266" r:id="rId8"/>
+    <p:sldId id="267" r:id="rId9"/>
+    <p:sldId id="268" r:id="rId10"/>
+    <p:sldId id="269" r:id="rId11"/>
+    <p:sldId id="270" r:id="rId12"/>
+    <p:sldId id="272" r:id="rId13"/>
+    <p:sldId id="273" r:id="rId14"/>
+    <p:sldId id="262" r:id="rId15"/>
+    <p:sldId id="263" r:id="rId16"/>
   </p:sldIdLst>
   <p:sldSz cx="12192000" cy="6858000"/>
   <p:notesSz cx="6858000" cy="9144000"/>
@@ -169,7 +176,7 @@
           <a:noFill/>
           <a:extLst>
             <a:ext uri="{909E8E84-426E-40dd-AFC4-6F175D3DCCD1}">
-              <a14:hiddenFill xmlns="" xmlns:a14="http://schemas.microsoft.com/office/drawing/2010/main">
+              <a14:hiddenFill xmlns:a14="http://schemas.microsoft.com/office/drawing/2010/main" xmlns="">
                 <a:solidFill>
                   <a:srgbClr val="FFFFFF"/>
                 </a:solidFill>
@@ -229,7 +236,7 @@
             </a:ln>
             <a:extLst>
               <a:ext uri="{91240B29-F687-4f45-9708-019B960494DF}">
-                <a14:hiddenLine xmlns="" xmlns:a14="http://schemas.microsoft.com/office/drawing/2010/main" w="9525">
+                <a14:hiddenLine xmlns:a14="http://schemas.microsoft.com/office/drawing/2010/main" xmlns="" w="9525">
                   <a:solidFill>
                     <a:srgbClr val="000000"/>
                   </a:solidFill>
@@ -319,7 +326,7 @@
             </a:ln>
             <a:extLst>
               <a:ext uri="{91240B29-F687-4f45-9708-019B960494DF}">
-                <a14:hiddenLine xmlns="" xmlns:a14="http://schemas.microsoft.com/office/drawing/2010/main" w="9525">
+                <a14:hiddenLine xmlns:a14="http://schemas.microsoft.com/office/drawing/2010/main" xmlns="" w="9525">
                   <a:solidFill>
                     <a:srgbClr val="000000"/>
                   </a:solidFill>
@@ -409,7 +416,7 @@
             </a:ln>
             <a:extLst>
               <a:ext uri="{91240B29-F687-4f45-9708-019B960494DF}">
-                <a14:hiddenLine xmlns="" xmlns:a14="http://schemas.microsoft.com/office/drawing/2010/main" w="9525">
+                <a14:hiddenLine xmlns:a14="http://schemas.microsoft.com/office/drawing/2010/main" xmlns="" w="9525">
                   <a:solidFill>
                     <a:srgbClr val="000000"/>
                   </a:solidFill>
@@ -443,7 +450,7 @@
             </a:ln>
             <a:extLst>
               <a:ext uri="{91240B29-F687-4f45-9708-019B960494DF}">
-                <a14:hiddenLine xmlns="" xmlns:a14="http://schemas.microsoft.com/office/drawing/2010/main" w="9525">
+                <a14:hiddenLine xmlns:a14="http://schemas.microsoft.com/office/drawing/2010/main" xmlns="" w="9525">
                   <a:solidFill>
                     <a:srgbClr val="000000"/>
                   </a:solidFill>
@@ -533,7 +540,7 @@
             </a:ln>
             <a:extLst>
               <a:ext uri="{91240B29-F687-4f45-9708-019B960494DF}">
-                <a14:hiddenLine xmlns="" xmlns:a14="http://schemas.microsoft.com/office/drawing/2010/main" w="9525">
+                <a14:hiddenLine xmlns:a14="http://schemas.microsoft.com/office/drawing/2010/main" xmlns="" w="9525">
                   <a:solidFill>
                     <a:srgbClr val="000000"/>
                   </a:solidFill>
@@ -595,7 +602,7 @@
             </a:ln>
             <a:extLst>
               <a:ext uri="{91240B29-F687-4f45-9708-019B960494DF}">
-                <a14:hiddenLine xmlns="" xmlns:a14="http://schemas.microsoft.com/office/drawing/2010/main" w="9525">
+                <a14:hiddenLine xmlns:a14="http://schemas.microsoft.com/office/drawing/2010/main" xmlns="" w="9525">
                   <a:solidFill>
                     <a:srgbClr val="000000"/>
                   </a:solidFill>
@@ -657,7 +664,7 @@
             </a:ln>
             <a:extLst>
               <a:ext uri="{91240B29-F687-4f45-9708-019B960494DF}">
-                <a14:hiddenLine xmlns="" xmlns:a14="http://schemas.microsoft.com/office/drawing/2010/main" w="9525">
+                <a14:hiddenLine xmlns:a14="http://schemas.microsoft.com/office/drawing/2010/main" xmlns="" w="9525">
                   <a:solidFill>
                     <a:srgbClr val="000000"/>
                   </a:solidFill>
@@ -747,7 +754,7 @@
             </a:ln>
             <a:extLst>
               <a:ext uri="{91240B29-F687-4f45-9708-019B960494DF}">
-                <a14:hiddenLine xmlns="" xmlns:a14="http://schemas.microsoft.com/office/drawing/2010/main" w="9525">
+                <a14:hiddenLine xmlns:a14="http://schemas.microsoft.com/office/drawing/2010/main" xmlns="" w="9525">
                   <a:solidFill>
                     <a:srgbClr val="000000"/>
                   </a:solidFill>
@@ -809,7 +816,7 @@
             </a:ln>
             <a:extLst>
               <a:ext uri="{91240B29-F687-4f45-9708-019B960494DF}">
-                <a14:hiddenLine xmlns="" xmlns:a14="http://schemas.microsoft.com/office/drawing/2010/main" w="9525">
+                <a14:hiddenLine xmlns:a14="http://schemas.microsoft.com/office/drawing/2010/main" xmlns="" w="9525">
                   <a:solidFill>
                     <a:srgbClr val="000000"/>
                   </a:solidFill>
@@ -871,7 +878,7 @@
             </a:ln>
             <a:extLst>
               <a:ext uri="{91240B29-F687-4f45-9708-019B960494DF}">
-                <a14:hiddenLine xmlns="" xmlns:a14="http://schemas.microsoft.com/office/drawing/2010/main" w="9525">
+                <a14:hiddenLine xmlns:a14="http://schemas.microsoft.com/office/drawing/2010/main" xmlns="" w="9525">
                   <a:solidFill>
                     <a:srgbClr val="000000"/>
                   </a:solidFill>
@@ -961,7 +968,7 @@
             </a:ln>
             <a:extLst>
               <a:ext uri="{91240B29-F687-4f45-9708-019B960494DF}">
-                <a14:hiddenLine xmlns="" xmlns:a14="http://schemas.microsoft.com/office/drawing/2010/main" w="9525">
+                <a14:hiddenLine xmlns:a14="http://schemas.microsoft.com/office/drawing/2010/main" xmlns="" w="9525">
                   <a:solidFill>
                     <a:srgbClr val="000000"/>
                   </a:solidFill>
@@ -1051,7 +1058,7 @@
             </a:ln>
             <a:extLst>
               <a:ext uri="{91240B29-F687-4f45-9708-019B960494DF}">
-                <a14:hiddenLine xmlns="" xmlns:a14="http://schemas.microsoft.com/office/drawing/2010/main" w="9525">
+                <a14:hiddenLine xmlns:a14="http://schemas.microsoft.com/office/drawing/2010/main" xmlns="" w="9525">
                   <a:solidFill>
                     <a:srgbClr val="000000"/>
                   </a:solidFill>
@@ -1113,7 +1120,7 @@
             </a:ln>
             <a:extLst>
               <a:ext uri="{91240B29-F687-4f45-9708-019B960494DF}">
-                <a14:hiddenLine xmlns="" xmlns:a14="http://schemas.microsoft.com/office/drawing/2010/main" w="9525">
+                <a14:hiddenLine xmlns:a14="http://schemas.microsoft.com/office/drawing/2010/main" xmlns="" w="9525">
                   <a:solidFill>
                     <a:srgbClr val="000000"/>
                   </a:solidFill>
@@ -1223,7 +1230,7 @@
             </a:ln>
             <a:extLst>
               <a:ext uri="{91240B29-F687-4f45-9708-019B960494DF}">
-                <a14:hiddenLine xmlns="" xmlns:a14="http://schemas.microsoft.com/office/drawing/2010/main" w="9525">
+                <a14:hiddenLine xmlns:a14="http://schemas.microsoft.com/office/drawing/2010/main" xmlns="" w="9525">
                   <a:solidFill>
                     <a:srgbClr val="000000"/>
                   </a:solidFill>
@@ -1285,7 +1292,7 @@
             </a:ln>
             <a:extLst>
               <a:ext uri="{91240B29-F687-4f45-9708-019B960494DF}">
-                <a14:hiddenLine xmlns="" xmlns:a14="http://schemas.microsoft.com/office/drawing/2010/main" w="9525">
+                <a14:hiddenLine xmlns:a14="http://schemas.microsoft.com/office/drawing/2010/main" xmlns="" w="9525">
                   <a:solidFill>
                     <a:srgbClr val="000000"/>
                   </a:solidFill>
@@ -1375,7 +1382,7 @@
             </a:ln>
             <a:extLst>
               <a:ext uri="{91240B29-F687-4f45-9708-019B960494DF}">
-                <a14:hiddenLine xmlns="" xmlns:a14="http://schemas.microsoft.com/office/drawing/2010/main" w="9525">
+                <a14:hiddenLine xmlns:a14="http://schemas.microsoft.com/office/drawing/2010/main" xmlns="" w="9525">
                   <a:solidFill>
                     <a:srgbClr val="000000"/>
                   </a:solidFill>
@@ -1465,7 +1472,7 @@
             </a:ln>
             <a:extLst>
               <a:ext uri="{91240B29-F687-4f45-9708-019B960494DF}">
-                <a14:hiddenLine xmlns="" xmlns:a14="http://schemas.microsoft.com/office/drawing/2010/main" w="9525">
+                <a14:hiddenLine xmlns:a14="http://schemas.microsoft.com/office/drawing/2010/main" xmlns="" w="9525">
                   <a:solidFill>
                     <a:srgbClr val="000000"/>
                   </a:solidFill>
@@ -1527,7 +1534,7 @@
             </a:ln>
             <a:extLst>
               <a:ext uri="{91240B29-F687-4f45-9708-019B960494DF}">
-                <a14:hiddenLine xmlns="" xmlns:a14="http://schemas.microsoft.com/office/drawing/2010/main" w="9525">
+                <a14:hiddenLine xmlns:a14="http://schemas.microsoft.com/office/drawing/2010/main" xmlns="" w="9525">
                   <a:solidFill>
                     <a:srgbClr val="000000"/>
                   </a:solidFill>
@@ -1617,7 +1624,7 @@
             </a:ln>
             <a:extLst>
               <a:ext uri="{91240B29-F687-4f45-9708-019B960494DF}">
-                <a14:hiddenLine xmlns="" xmlns:a14="http://schemas.microsoft.com/office/drawing/2010/main" w="9525">
+                <a14:hiddenLine xmlns:a14="http://schemas.microsoft.com/office/drawing/2010/main" xmlns="" w="9525">
                   <a:solidFill>
                     <a:srgbClr val="000000"/>
                   </a:solidFill>
@@ -1707,7 +1714,7 @@
             </a:ln>
             <a:extLst>
               <a:ext uri="{91240B29-F687-4f45-9708-019B960494DF}">
-                <a14:hiddenLine xmlns="" xmlns:a14="http://schemas.microsoft.com/office/drawing/2010/main" w="9525">
+                <a14:hiddenLine xmlns:a14="http://schemas.microsoft.com/office/drawing/2010/main" xmlns="" w="9525">
                   <a:solidFill>
                     <a:srgbClr val="000000"/>
                   </a:solidFill>
@@ -1763,7 +1770,7 @@
             </a:ln>
             <a:extLst>
               <a:ext uri="{91240B29-F687-4f45-9708-019B960494DF}">
-                <a14:hiddenLine xmlns="" xmlns:a14="http://schemas.microsoft.com/office/drawing/2010/main" w="9525">
+                <a14:hiddenLine xmlns:a14="http://schemas.microsoft.com/office/drawing/2010/main" xmlns="" w="9525">
                   <a:solidFill>
                     <a:srgbClr val="000000"/>
                   </a:solidFill>
@@ -1853,7 +1860,7 @@
             </a:ln>
             <a:extLst>
               <a:ext uri="{91240B29-F687-4f45-9708-019B960494DF}">
-                <a14:hiddenLine xmlns="" xmlns:a14="http://schemas.microsoft.com/office/drawing/2010/main" w="9525">
+                <a14:hiddenLine xmlns:a14="http://schemas.microsoft.com/office/drawing/2010/main" xmlns="" w="9525">
                   <a:solidFill>
                     <a:srgbClr val="000000"/>
                   </a:solidFill>
@@ -1909,7 +1916,7 @@
             </a:ln>
             <a:extLst>
               <a:ext uri="{91240B29-F687-4f45-9708-019B960494DF}">
-                <a14:hiddenLine xmlns="" xmlns:a14="http://schemas.microsoft.com/office/drawing/2010/main" w="9525">
+                <a14:hiddenLine xmlns:a14="http://schemas.microsoft.com/office/drawing/2010/main" xmlns="" w="9525">
                   <a:solidFill>
                     <a:srgbClr val="000000"/>
                   </a:solidFill>
@@ -1999,7 +2006,7 @@
             </a:ln>
             <a:extLst>
               <a:ext uri="{91240B29-F687-4f45-9708-019B960494DF}">
-                <a14:hiddenLine xmlns="" xmlns:a14="http://schemas.microsoft.com/office/drawing/2010/main" w="9525">
+                <a14:hiddenLine xmlns:a14="http://schemas.microsoft.com/office/drawing/2010/main" xmlns="" w="9525">
                   <a:solidFill>
                     <a:srgbClr val="000000"/>
                   </a:solidFill>
@@ -2067,7 +2074,7 @@
             </a:ln>
             <a:extLst>
               <a:ext uri="{91240B29-F687-4f45-9708-019B960494DF}">
-                <a14:hiddenLine xmlns="" xmlns:a14="http://schemas.microsoft.com/office/drawing/2010/main" w="9525">
+                <a14:hiddenLine xmlns:a14="http://schemas.microsoft.com/office/drawing/2010/main" xmlns="" w="9525">
                   <a:solidFill>
                     <a:srgbClr val="000000"/>
                   </a:solidFill>
@@ -2157,7 +2164,7 @@
             </a:ln>
             <a:extLst>
               <a:ext uri="{91240B29-F687-4f45-9708-019B960494DF}">
-                <a14:hiddenLine xmlns="" xmlns:a14="http://schemas.microsoft.com/office/drawing/2010/main" w="9525">
+                <a14:hiddenLine xmlns:a14="http://schemas.microsoft.com/office/drawing/2010/main" xmlns="" w="9525">
                   <a:solidFill>
                     <a:srgbClr val="000000"/>
                   </a:solidFill>
@@ -2225,7 +2232,7 @@
             </a:ln>
             <a:extLst>
               <a:ext uri="{91240B29-F687-4f45-9708-019B960494DF}">
-                <a14:hiddenLine xmlns="" xmlns:a14="http://schemas.microsoft.com/office/drawing/2010/main" w="9525">
+                <a14:hiddenLine xmlns:a14="http://schemas.microsoft.com/office/drawing/2010/main" xmlns="" w="9525">
                   <a:solidFill>
                     <a:srgbClr val="000000"/>
                   </a:solidFill>
@@ -2315,7 +2322,7 @@
             </a:ln>
             <a:extLst>
               <a:ext uri="{91240B29-F687-4f45-9708-019B960494DF}">
-                <a14:hiddenLine xmlns="" xmlns:a14="http://schemas.microsoft.com/office/drawing/2010/main" w="9525">
+                <a14:hiddenLine xmlns:a14="http://schemas.microsoft.com/office/drawing/2010/main" xmlns="" w="9525">
                   <a:solidFill>
                     <a:srgbClr val="000000"/>
                   </a:solidFill>
@@ -2349,7 +2356,7 @@
             </a:ln>
             <a:extLst>
               <a:ext uri="{91240B29-F687-4f45-9708-019B960494DF}">
-                <a14:hiddenLine xmlns="" xmlns:a14="http://schemas.microsoft.com/office/drawing/2010/main" w="9525">
+                <a14:hiddenLine xmlns:a14="http://schemas.microsoft.com/office/drawing/2010/main" xmlns="" w="9525">
                   <a:solidFill>
                     <a:srgbClr val="000000"/>
                   </a:solidFill>
@@ -2439,7 +2446,7 @@
             </a:ln>
             <a:extLst>
               <a:ext uri="{91240B29-F687-4f45-9708-019B960494DF}">
-                <a14:hiddenLine xmlns="" xmlns:a14="http://schemas.microsoft.com/office/drawing/2010/main" w="9525">
+                <a14:hiddenLine xmlns:a14="http://schemas.microsoft.com/office/drawing/2010/main" xmlns="" w="9525">
                   <a:solidFill>
                     <a:srgbClr val="000000"/>
                   </a:solidFill>
@@ -2501,7 +2508,7 @@
             </a:ln>
             <a:extLst>
               <a:ext uri="{91240B29-F687-4f45-9708-019B960494DF}">
-                <a14:hiddenLine xmlns="" xmlns:a14="http://schemas.microsoft.com/office/drawing/2010/main" w="9525">
+                <a14:hiddenLine xmlns:a14="http://schemas.microsoft.com/office/drawing/2010/main" xmlns="" w="9525">
                   <a:solidFill>
                     <a:srgbClr val="000000"/>
                   </a:solidFill>
@@ -2563,7 +2570,7 @@
             </a:ln>
             <a:extLst>
               <a:ext uri="{91240B29-F687-4f45-9708-019B960494DF}">
-                <a14:hiddenLine xmlns="" xmlns:a14="http://schemas.microsoft.com/office/drawing/2010/main" w="9525">
+                <a14:hiddenLine xmlns:a14="http://schemas.microsoft.com/office/drawing/2010/main" xmlns="" w="9525">
                   <a:solidFill>
                     <a:srgbClr val="000000"/>
                   </a:solidFill>
@@ -2653,7 +2660,7 @@
             </a:ln>
             <a:extLst>
               <a:ext uri="{91240B29-F687-4f45-9708-019B960494DF}">
-                <a14:hiddenLine xmlns="" xmlns:a14="http://schemas.microsoft.com/office/drawing/2010/main" w="9525">
+                <a14:hiddenLine xmlns:a14="http://schemas.microsoft.com/office/drawing/2010/main" xmlns="" w="9525">
                   <a:solidFill>
                     <a:srgbClr val="000000"/>
                   </a:solidFill>
@@ -2721,7 +2728,7 @@
             </a:ln>
             <a:extLst>
               <a:ext uri="{91240B29-F687-4f45-9708-019B960494DF}">
-                <a14:hiddenLine xmlns="" xmlns:a14="http://schemas.microsoft.com/office/drawing/2010/main" w="9525">
+                <a14:hiddenLine xmlns:a14="http://schemas.microsoft.com/office/drawing/2010/main" xmlns="" w="9525">
                   <a:solidFill>
                     <a:srgbClr val="000000"/>
                   </a:solidFill>
@@ -2783,7 +2790,7 @@
             </a:ln>
             <a:extLst>
               <a:ext uri="{91240B29-F687-4f45-9708-019B960494DF}">
-                <a14:hiddenLine xmlns="" xmlns:a14="http://schemas.microsoft.com/office/drawing/2010/main" w="9525">
+                <a14:hiddenLine xmlns:a14="http://schemas.microsoft.com/office/drawing/2010/main" xmlns="" w="9525">
                   <a:solidFill>
                     <a:srgbClr val="000000"/>
                   </a:solidFill>
@@ -2873,7 +2880,7 @@
             </a:ln>
             <a:extLst>
               <a:ext uri="{91240B29-F687-4f45-9708-019B960494DF}">
-                <a14:hiddenLine xmlns="" xmlns:a14="http://schemas.microsoft.com/office/drawing/2010/main" w="9525">
+                <a14:hiddenLine xmlns:a14="http://schemas.microsoft.com/office/drawing/2010/main" xmlns="" w="9525">
                   <a:solidFill>
                     <a:srgbClr val="000000"/>
                   </a:solidFill>
@@ -2935,7 +2942,7 @@
             </a:ln>
             <a:extLst>
               <a:ext uri="{91240B29-F687-4f45-9708-019B960494DF}">
-                <a14:hiddenLine xmlns="" xmlns:a14="http://schemas.microsoft.com/office/drawing/2010/main" w="9525">
+                <a14:hiddenLine xmlns:a14="http://schemas.microsoft.com/office/drawing/2010/main" xmlns="" w="9525">
                   <a:solidFill>
                     <a:srgbClr val="000000"/>
                   </a:solidFill>
@@ -3025,7 +3032,7 @@
             </a:ln>
             <a:extLst>
               <a:ext uri="{91240B29-F687-4f45-9708-019B960494DF}">
-                <a14:hiddenLine xmlns="" xmlns:a14="http://schemas.microsoft.com/office/drawing/2010/main" w="9525">
+                <a14:hiddenLine xmlns:a14="http://schemas.microsoft.com/office/drawing/2010/main" xmlns="" w="9525">
                   <a:solidFill>
                     <a:srgbClr val="000000"/>
                   </a:solidFill>
@@ -3087,7 +3094,7 @@
             </a:ln>
             <a:extLst>
               <a:ext uri="{91240B29-F687-4f45-9708-019B960494DF}">
-                <a14:hiddenLine xmlns="" xmlns:a14="http://schemas.microsoft.com/office/drawing/2010/main" w="9525">
+                <a14:hiddenLine xmlns:a14="http://schemas.microsoft.com/office/drawing/2010/main" xmlns="" w="9525">
                   <a:solidFill>
                     <a:srgbClr val="000000"/>
                   </a:solidFill>
@@ -3177,7 +3184,7 @@
             </a:ln>
             <a:extLst>
               <a:ext uri="{91240B29-F687-4f45-9708-019B960494DF}">
-                <a14:hiddenLine xmlns="" xmlns:a14="http://schemas.microsoft.com/office/drawing/2010/main" w="9525">
+                <a14:hiddenLine xmlns:a14="http://schemas.microsoft.com/office/drawing/2010/main" xmlns="" w="9525">
                   <a:solidFill>
                     <a:srgbClr val="000000"/>
                   </a:solidFill>
@@ -3211,7 +3218,7 @@
             </a:ln>
             <a:extLst>
               <a:ext uri="{91240B29-F687-4f45-9708-019B960494DF}">
-                <a14:hiddenLine xmlns="" xmlns:a14="http://schemas.microsoft.com/office/drawing/2010/main" w="9525">
+                <a14:hiddenLine xmlns:a14="http://schemas.microsoft.com/office/drawing/2010/main" xmlns="" w="9525">
                   <a:solidFill>
                     <a:srgbClr val="000000"/>
                   </a:solidFill>
@@ -3276,7 +3283,7 @@
             </a:ln>
             <a:extLst>
               <a:ext uri="{91240B29-F687-4f45-9708-019B960494DF}">
-                <a14:hiddenLine xmlns="" xmlns:a14="http://schemas.microsoft.com/office/drawing/2010/main" w="9525">
+                <a14:hiddenLine xmlns:a14="http://schemas.microsoft.com/office/drawing/2010/main" xmlns="" w="9525">
                   <a:solidFill>
                     <a:srgbClr val="000000"/>
                   </a:solidFill>
@@ -3366,7 +3373,7 @@
             </a:ln>
             <a:extLst>
               <a:ext uri="{91240B29-F687-4f45-9708-019B960494DF}">
-                <a14:hiddenLine xmlns="" xmlns:a14="http://schemas.microsoft.com/office/drawing/2010/main" w="9525">
+                <a14:hiddenLine xmlns:a14="http://schemas.microsoft.com/office/drawing/2010/main" xmlns="" w="9525">
                   <a:solidFill>
                     <a:srgbClr val="000000"/>
                   </a:solidFill>
@@ -3428,7 +3435,7 @@
             </a:ln>
             <a:extLst>
               <a:ext uri="{91240B29-F687-4f45-9708-019B960494DF}">
-                <a14:hiddenLine xmlns="" xmlns:a14="http://schemas.microsoft.com/office/drawing/2010/main" w="9525">
+                <a14:hiddenLine xmlns:a14="http://schemas.microsoft.com/office/drawing/2010/main" xmlns="" w="9525">
                   <a:solidFill>
                     <a:srgbClr val="000000"/>
                   </a:solidFill>
@@ -3518,7 +3525,7 @@
             </a:ln>
             <a:extLst>
               <a:ext uri="{91240B29-F687-4f45-9708-019B960494DF}">
-                <a14:hiddenLine xmlns="" xmlns:a14="http://schemas.microsoft.com/office/drawing/2010/main" w="9525">
+                <a14:hiddenLine xmlns:a14="http://schemas.microsoft.com/office/drawing/2010/main" xmlns="" w="9525">
                   <a:solidFill>
                     <a:srgbClr val="000000"/>
                   </a:solidFill>
@@ -3608,7 +3615,7 @@
             </a:ln>
             <a:extLst>
               <a:ext uri="{91240B29-F687-4f45-9708-019B960494DF}">
-                <a14:hiddenLine xmlns="" xmlns:a14="http://schemas.microsoft.com/office/drawing/2010/main" w="9525">
+                <a14:hiddenLine xmlns:a14="http://schemas.microsoft.com/office/drawing/2010/main" xmlns="" w="9525">
                   <a:solidFill>
                     <a:srgbClr val="000000"/>
                   </a:solidFill>
@@ -3673,7 +3680,7 @@
             </a:ln>
             <a:extLst>
               <a:ext uri="{91240B29-F687-4f45-9708-019B960494DF}">
-                <a14:hiddenLine xmlns="" xmlns:a14="http://schemas.microsoft.com/office/drawing/2010/main" w="9525">
+                <a14:hiddenLine xmlns:a14="http://schemas.microsoft.com/office/drawing/2010/main" xmlns="" w="9525">
                   <a:solidFill>
                     <a:srgbClr val="000000"/>
                   </a:solidFill>
@@ -3735,7 +3742,7 @@
             </a:ln>
             <a:extLst>
               <a:ext uri="{91240B29-F687-4f45-9708-019B960494DF}">
-                <a14:hiddenLine xmlns="" xmlns:a14="http://schemas.microsoft.com/office/drawing/2010/main" w="9525">
+                <a14:hiddenLine xmlns:a14="http://schemas.microsoft.com/office/drawing/2010/main" xmlns="" w="9525">
                   <a:solidFill>
                     <a:srgbClr val="000000"/>
                   </a:solidFill>
@@ -3825,7 +3832,7 @@
             </a:ln>
             <a:extLst>
               <a:ext uri="{91240B29-F687-4f45-9708-019B960494DF}">
-                <a14:hiddenLine xmlns="" xmlns:a14="http://schemas.microsoft.com/office/drawing/2010/main" w="9525">
+                <a14:hiddenLine xmlns:a14="http://schemas.microsoft.com/office/drawing/2010/main" xmlns="" w="9525">
                   <a:solidFill>
                     <a:srgbClr val="000000"/>
                   </a:solidFill>
@@ -3915,7 +3922,7 @@
             </a:ln>
             <a:extLst>
               <a:ext uri="{91240B29-F687-4f45-9708-019B960494DF}">
-                <a14:hiddenLine xmlns="" xmlns:a14="http://schemas.microsoft.com/office/drawing/2010/main" w="9525">
+                <a14:hiddenLine xmlns:a14="http://schemas.microsoft.com/office/drawing/2010/main" xmlns="" w="9525">
                   <a:solidFill>
                     <a:srgbClr val="000000"/>
                   </a:solidFill>
@@ -3977,7 +3984,7 @@
             </a:ln>
             <a:extLst>
               <a:ext uri="{91240B29-F687-4f45-9708-019B960494DF}">
-                <a14:hiddenLine xmlns="" xmlns:a14="http://schemas.microsoft.com/office/drawing/2010/main" w="9525">
+                <a14:hiddenLine xmlns:a14="http://schemas.microsoft.com/office/drawing/2010/main" xmlns="" w="9525">
                   <a:solidFill>
                     <a:srgbClr val="000000"/>
                   </a:solidFill>
@@ -4097,7 +4104,7 @@
             </a:ln>
             <a:extLst>
               <a:ext uri="{91240B29-F687-4f45-9708-019B960494DF}">
-                <a14:hiddenLine xmlns="" xmlns:a14="http://schemas.microsoft.com/office/drawing/2010/main" w="9525">
+                <a14:hiddenLine xmlns:a14="http://schemas.microsoft.com/office/drawing/2010/main" xmlns="" w="9525">
                   <a:solidFill>
                     <a:srgbClr val="000000"/>
                   </a:solidFill>
@@ -4165,7 +4172,7 @@
             </a:ln>
             <a:extLst>
               <a:ext uri="{91240B29-F687-4f45-9708-019B960494DF}">
-                <a14:hiddenLine xmlns="" xmlns:a14="http://schemas.microsoft.com/office/drawing/2010/main" w="9525">
+                <a14:hiddenLine xmlns:a14="http://schemas.microsoft.com/office/drawing/2010/main" xmlns="" w="9525">
                   <a:solidFill>
                     <a:srgbClr val="000000"/>
                   </a:solidFill>
@@ -4255,7 +4262,7 @@
             </a:ln>
             <a:extLst>
               <a:ext uri="{91240B29-F687-4f45-9708-019B960494DF}">
-                <a14:hiddenLine xmlns="" xmlns:a14="http://schemas.microsoft.com/office/drawing/2010/main" w="9525">
+                <a14:hiddenLine xmlns:a14="http://schemas.microsoft.com/office/drawing/2010/main" xmlns="" w="9525">
                   <a:solidFill>
                     <a:srgbClr val="000000"/>
                   </a:solidFill>
@@ -4395,7 +4402,7 @@
           <a:p>
             <a:fld id="{48A87A34-81AB-432B-8DAE-1953F412C126}" type="datetimeFigureOut">
               <a:rPr lang="en-US" dirty="0"/>
-              <a:t>2/25/2022</a:t>
+              <a:t>3/5/2022</a:t>
             </a:fld>
             <a:endParaRPr lang="en-US" dirty="0"/>
           </a:p>
@@ -4657,7 +4664,7 @@
           <a:p>
             <a:fld id="{48A87A34-81AB-432B-8DAE-1953F412C126}" type="datetimeFigureOut">
               <a:rPr lang="en-US" dirty="0"/>
-              <a:t>2/25/2022</a:t>
+              <a:t>3/5/2022</a:t>
             </a:fld>
             <a:endParaRPr lang="en-US" dirty="0"/>
           </a:p>
@@ -4848,7 +4855,7 @@
           <a:p>
             <a:fld id="{48A87A34-81AB-432B-8DAE-1953F412C126}" type="datetimeFigureOut">
               <a:rPr lang="en-US" dirty="0"/>
-              <a:t>2/25/2022</a:t>
+              <a:t>3/5/2022</a:t>
             </a:fld>
             <a:endParaRPr lang="en-US" dirty="0"/>
           </a:p>
@@ -5106,7 +5113,7 @@
           <a:p>
             <a:fld id="{48A87A34-81AB-432B-8DAE-1953F412C126}" type="datetimeFigureOut">
               <a:rPr lang="en-US" dirty="0"/>
-              <a:t>2/25/2022</a:t>
+              <a:t>3/5/2022</a:t>
             </a:fld>
             <a:endParaRPr lang="en-US" dirty="0"/>
           </a:p>
@@ -5535,7 +5542,7 @@
           <a:p>
             <a:fld id="{48A87A34-81AB-432B-8DAE-1953F412C126}" type="datetimeFigureOut">
               <a:rPr lang="en-US" dirty="0"/>
-              <a:t>2/25/2022</a:t>
+              <a:t>3/5/2022</a:t>
             </a:fld>
             <a:endParaRPr lang="en-US" dirty="0"/>
           </a:p>
@@ -6076,7 +6083,7 @@
           <a:p>
             <a:fld id="{48A87A34-81AB-432B-8DAE-1953F412C126}" type="datetimeFigureOut">
               <a:rPr lang="en-US" dirty="0"/>
-              <a:t>2/25/2022</a:t>
+              <a:t>3/5/2022</a:t>
             </a:fld>
             <a:endParaRPr lang="en-US" dirty="0"/>
           </a:p>
@@ -6791,7 +6798,7 @@
           <a:p>
             <a:fld id="{48A87A34-81AB-432B-8DAE-1953F412C126}" type="datetimeFigureOut">
               <a:rPr lang="en-US" dirty="0"/>
-              <a:t>2/25/2022</a:t>
+              <a:t>3/5/2022</a:t>
             </a:fld>
             <a:endParaRPr lang="en-US" dirty="0"/>
           </a:p>
@@ -6956,7 +6963,7 @@
           <a:p>
             <a:fld id="{48A87A34-81AB-432B-8DAE-1953F412C126}" type="datetimeFigureOut">
               <a:rPr lang="en-US" dirty="0"/>
-              <a:t>2/25/2022</a:t>
+              <a:t>3/5/2022</a:t>
             </a:fld>
             <a:endParaRPr lang="en-US" dirty="0"/>
           </a:p>
@@ -7131,7 +7138,7 @@
           <a:p>
             <a:fld id="{48A87A34-81AB-432B-8DAE-1953F412C126}" type="datetimeFigureOut">
               <a:rPr lang="en-US" dirty="0"/>
-              <a:t>2/25/2022</a:t>
+              <a:t>3/5/2022</a:t>
             </a:fld>
             <a:endParaRPr lang="en-US" dirty="0"/>
           </a:p>
@@ -7296,7 +7303,7 @@
           <a:p>
             <a:fld id="{48A87A34-81AB-432B-8DAE-1953F412C126}" type="datetimeFigureOut">
               <a:rPr lang="en-US" dirty="0"/>
-              <a:t>2/25/2022</a:t>
+              <a:t>3/5/2022</a:t>
             </a:fld>
             <a:endParaRPr lang="en-US" dirty="0"/>
           </a:p>
@@ -7541,7 +7548,7 @@
           <a:p>
             <a:fld id="{48A87A34-81AB-432B-8DAE-1953F412C126}" type="datetimeFigureOut">
               <a:rPr lang="en-US" dirty="0"/>
-              <a:t>2/25/2022</a:t>
+              <a:t>3/5/2022</a:t>
             </a:fld>
             <a:endParaRPr lang="en-US" dirty="0"/>
           </a:p>
@@ -7768,7 +7775,7 @@
           <a:p>
             <a:fld id="{48A87A34-81AB-432B-8DAE-1953F412C126}" type="datetimeFigureOut">
               <a:rPr lang="en-US" dirty="0"/>
-              <a:t>2/25/2022</a:t>
+              <a:t>3/5/2022</a:t>
             </a:fld>
             <a:endParaRPr lang="en-US" dirty="0"/>
           </a:p>
@@ -8144,7 +8151,7 @@
           <a:p>
             <a:fld id="{48A87A34-81AB-432B-8DAE-1953F412C126}" type="datetimeFigureOut">
               <a:rPr lang="en-US" dirty="0"/>
-              <a:t>2/25/2022</a:t>
+              <a:t>3/5/2022</a:t>
             </a:fld>
             <a:endParaRPr lang="en-US" dirty="0"/>
           </a:p>
@@ -8257,7 +8264,7 @@
           <a:p>
             <a:fld id="{48A87A34-81AB-432B-8DAE-1953F412C126}" type="datetimeFigureOut">
               <a:rPr lang="en-US" dirty="0"/>
-              <a:t>2/25/2022</a:t>
+              <a:t>3/5/2022</a:t>
             </a:fld>
             <a:endParaRPr lang="en-US" dirty="0"/>
           </a:p>
@@ -8347,7 +8354,7 @@
           <a:p>
             <a:fld id="{48A87A34-81AB-432B-8DAE-1953F412C126}" type="datetimeFigureOut">
               <a:rPr lang="en-US" dirty="0"/>
-              <a:t>2/25/2022</a:t>
+              <a:t>3/5/2022</a:t>
             </a:fld>
             <a:endParaRPr lang="en-US" dirty="0"/>
           </a:p>
@@ -8591,7 +8598,7 @@
           <a:p>
             <a:fld id="{48A87A34-81AB-432B-8DAE-1953F412C126}" type="datetimeFigureOut">
               <a:rPr lang="en-US" dirty="0"/>
-              <a:t>2/25/2022</a:t>
+              <a:t>3/5/2022</a:t>
             </a:fld>
             <a:endParaRPr lang="en-US" dirty="0"/>
           </a:p>
@@ -8866,7 +8873,7 @@
           <a:p>
             <a:fld id="{48A87A34-81AB-432B-8DAE-1953F412C126}" type="datetimeFigureOut">
               <a:rPr lang="en-US" dirty="0"/>
-              <a:t>2/25/2022</a:t>
+              <a:t>3/5/2022</a:t>
             </a:fld>
             <a:endParaRPr lang="en-US" dirty="0"/>
           </a:p>
@@ -8977,7 +8984,7 @@
           <a:noFill/>
           <a:extLst>
             <a:ext uri="{909E8E84-426E-40dd-AFC4-6F175D3DCCD1}">
-              <a14:hiddenFill xmlns="" xmlns:a14="http://schemas.microsoft.com/office/drawing/2010/main">
+              <a14:hiddenFill xmlns:a14="http://schemas.microsoft.com/office/drawing/2010/main" xmlns="">
                 <a:solidFill>
                   <a:srgbClr val="FFFFFF"/>
                 </a:solidFill>
@@ -9051,7 +9058,7 @@
               </a:ln>
               <a:extLst>
                 <a:ext uri="{91240B29-F687-4f45-9708-019B960494DF}">
-                  <a14:hiddenLine xmlns="" xmlns:a14="http://schemas.microsoft.com/office/drawing/2010/main" w="9525">
+                  <a14:hiddenLine xmlns:a14="http://schemas.microsoft.com/office/drawing/2010/main" xmlns="" w="9525">
                     <a:solidFill>
                       <a:srgbClr val="000000"/>
                     </a:solidFill>
@@ -9141,7 +9148,7 @@
               </a:ln>
               <a:extLst>
                 <a:ext uri="{91240B29-F687-4f45-9708-019B960494DF}">
-                  <a14:hiddenLine xmlns="" xmlns:a14="http://schemas.microsoft.com/office/drawing/2010/main" w="9525">
+                  <a14:hiddenLine xmlns:a14="http://schemas.microsoft.com/office/drawing/2010/main" xmlns="" w="9525">
                     <a:solidFill>
                       <a:srgbClr val="000000"/>
                     </a:solidFill>
@@ -9231,7 +9238,7 @@
               </a:ln>
               <a:extLst>
                 <a:ext uri="{91240B29-F687-4f45-9708-019B960494DF}">
-                  <a14:hiddenLine xmlns="" xmlns:a14="http://schemas.microsoft.com/office/drawing/2010/main" w="9525">
+                  <a14:hiddenLine xmlns:a14="http://schemas.microsoft.com/office/drawing/2010/main" xmlns="" w="9525">
                     <a:solidFill>
                       <a:srgbClr val="000000"/>
                     </a:solidFill>
@@ -9293,7 +9300,7 @@
               </a:ln>
               <a:extLst>
                 <a:ext uri="{91240B29-F687-4f45-9708-019B960494DF}">
-                  <a14:hiddenLine xmlns="" xmlns:a14="http://schemas.microsoft.com/office/drawing/2010/main" w="9525">
+                  <a14:hiddenLine xmlns:a14="http://schemas.microsoft.com/office/drawing/2010/main" xmlns="" w="9525">
                     <a:solidFill>
                       <a:srgbClr val="000000"/>
                     </a:solidFill>
@@ -9383,7 +9390,7 @@
               </a:ln>
               <a:extLst>
                 <a:ext uri="{91240B29-F687-4f45-9708-019B960494DF}">
-                  <a14:hiddenLine xmlns="" xmlns:a14="http://schemas.microsoft.com/office/drawing/2010/main" w="9525">
+                  <a14:hiddenLine xmlns:a14="http://schemas.microsoft.com/office/drawing/2010/main" xmlns="" w="9525">
                     <a:solidFill>
                       <a:srgbClr val="000000"/>
                     </a:solidFill>
@@ -9445,7 +9452,7 @@
               </a:ln>
               <a:extLst>
                 <a:ext uri="{91240B29-F687-4f45-9708-019B960494DF}">
-                  <a14:hiddenLine xmlns="" xmlns:a14="http://schemas.microsoft.com/office/drawing/2010/main" w="9525">
+                  <a14:hiddenLine xmlns:a14="http://schemas.microsoft.com/office/drawing/2010/main" xmlns="" w="9525">
                     <a:solidFill>
                       <a:srgbClr val="000000"/>
                     </a:solidFill>
@@ -9507,7 +9514,7 @@
               </a:ln>
               <a:extLst>
                 <a:ext uri="{91240B29-F687-4f45-9708-019B960494DF}">
-                  <a14:hiddenLine xmlns="" xmlns:a14="http://schemas.microsoft.com/office/drawing/2010/main" w="9525">
+                  <a14:hiddenLine xmlns:a14="http://schemas.microsoft.com/office/drawing/2010/main" xmlns="" w="9525">
                     <a:solidFill>
                       <a:srgbClr val="000000"/>
                     </a:solidFill>
@@ -9597,7 +9604,7 @@
               </a:ln>
               <a:extLst>
                 <a:ext uri="{91240B29-F687-4f45-9708-019B960494DF}">
-                  <a14:hiddenLine xmlns="" xmlns:a14="http://schemas.microsoft.com/office/drawing/2010/main" w="9525">
+                  <a14:hiddenLine xmlns:a14="http://schemas.microsoft.com/office/drawing/2010/main" xmlns="" w="9525">
                     <a:solidFill>
                       <a:srgbClr val="000000"/>
                     </a:solidFill>
@@ -9687,7 +9694,7 @@
               </a:ln>
               <a:extLst>
                 <a:ext uri="{91240B29-F687-4f45-9708-019B960494DF}">
-                  <a14:hiddenLine xmlns="" xmlns:a14="http://schemas.microsoft.com/office/drawing/2010/main" w="9525">
+                  <a14:hiddenLine xmlns:a14="http://schemas.microsoft.com/office/drawing/2010/main" xmlns="" w="9525">
                     <a:solidFill>
                       <a:srgbClr val="000000"/>
                     </a:solidFill>
@@ -9749,7 +9756,7 @@
               </a:ln>
               <a:extLst>
                 <a:ext uri="{91240B29-F687-4f45-9708-019B960494DF}">
-                  <a14:hiddenLine xmlns="" xmlns:a14="http://schemas.microsoft.com/office/drawing/2010/main" w="9525">
+                  <a14:hiddenLine xmlns:a14="http://schemas.microsoft.com/office/drawing/2010/main" xmlns="" w="9525">
                     <a:solidFill>
                       <a:srgbClr val="000000"/>
                     </a:solidFill>
@@ -9859,7 +9866,7 @@
               </a:ln>
               <a:extLst>
                 <a:ext uri="{91240B29-F687-4f45-9708-019B960494DF}">
-                  <a14:hiddenLine xmlns="" xmlns:a14="http://schemas.microsoft.com/office/drawing/2010/main" w="9525">
+                  <a14:hiddenLine xmlns:a14="http://schemas.microsoft.com/office/drawing/2010/main" xmlns="" w="9525">
                     <a:solidFill>
                       <a:srgbClr val="000000"/>
                     </a:solidFill>
@@ -9943,7 +9950,7 @@
               </a:ln>
               <a:extLst>
                 <a:ext uri="{91240B29-F687-4f45-9708-019B960494DF}">
-                  <a14:hiddenLine xmlns="" xmlns:a14="http://schemas.microsoft.com/office/drawing/2010/main" w="9525">
+                  <a14:hiddenLine xmlns:a14="http://schemas.microsoft.com/office/drawing/2010/main" xmlns="" w="9525">
                     <a:solidFill>
                       <a:srgbClr val="000000"/>
                     </a:solidFill>
@@ -10005,7 +10012,7 @@
               </a:ln>
               <a:extLst>
                 <a:ext uri="{91240B29-F687-4f45-9708-019B960494DF}">
-                  <a14:hiddenLine xmlns="" xmlns:a14="http://schemas.microsoft.com/office/drawing/2010/main" w="9525">
+                  <a14:hiddenLine xmlns:a14="http://schemas.microsoft.com/office/drawing/2010/main" xmlns="" w="9525">
                     <a:solidFill>
                       <a:srgbClr val="000000"/>
                     </a:solidFill>
@@ -10067,7 +10074,7 @@
               </a:ln>
               <a:extLst>
                 <a:ext uri="{91240B29-F687-4f45-9708-019B960494DF}">
-                  <a14:hiddenLine xmlns="" xmlns:a14="http://schemas.microsoft.com/office/drawing/2010/main" w="9525">
+                  <a14:hiddenLine xmlns:a14="http://schemas.microsoft.com/office/drawing/2010/main" xmlns="" w="9525">
                     <a:solidFill>
                       <a:srgbClr val="000000"/>
                     </a:solidFill>
@@ -10157,7 +10164,7 @@
               </a:ln>
               <a:extLst>
                 <a:ext uri="{91240B29-F687-4f45-9708-019B960494DF}">
-                  <a14:hiddenLine xmlns="" xmlns:a14="http://schemas.microsoft.com/office/drawing/2010/main" w="9525">
+                  <a14:hiddenLine xmlns:a14="http://schemas.microsoft.com/office/drawing/2010/main" xmlns="" w="9525">
                     <a:solidFill>
                       <a:srgbClr val="000000"/>
                     </a:solidFill>
@@ -10191,7 +10198,7 @@
               </a:ln>
               <a:extLst>
                 <a:ext uri="{91240B29-F687-4f45-9708-019B960494DF}">
-                  <a14:hiddenLine xmlns="" xmlns:a14="http://schemas.microsoft.com/office/drawing/2010/main" w="9525">
+                  <a14:hiddenLine xmlns:a14="http://schemas.microsoft.com/office/drawing/2010/main" xmlns="" w="9525">
                     <a:solidFill>
                       <a:srgbClr val="000000"/>
                     </a:solidFill>
@@ -10256,7 +10263,7 @@
               </a:ln>
               <a:extLst>
                 <a:ext uri="{91240B29-F687-4f45-9708-019B960494DF}">
-                  <a14:hiddenLine xmlns="" xmlns:a14="http://schemas.microsoft.com/office/drawing/2010/main" w="9525">
+                  <a14:hiddenLine xmlns:a14="http://schemas.microsoft.com/office/drawing/2010/main" xmlns="" w="9525">
                     <a:solidFill>
                       <a:srgbClr val="000000"/>
                     </a:solidFill>
@@ -10346,7 +10353,7 @@
               </a:ln>
               <a:extLst>
                 <a:ext uri="{91240B29-F687-4f45-9708-019B960494DF}">
-                  <a14:hiddenLine xmlns="" xmlns:a14="http://schemas.microsoft.com/office/drawing/2010/main" w="9525">
+                  <a14:hiddenLine xmlns:a14="http://schemas.microsoft.com/office/drawing/2010/main" xmlns="" w="9525">
                     <a:solidFill>
                       <a:srgbClr val="000000"/>
                     </a:solidFill>
@@ -10408,7 +10415,7 @@
               </a:ln>
               <a:extLst>
                 <a:ext uri="{91240B29-F687-4f45-9708-019B960494DF}">
-                  <a14:hiddenLine xmlns="" xmlns:a14="http://schemas.microsoft.com/office/drawing/2010/main" w="9525">
+                  <a14:hiddenLine xmlns:a14="http://schemas.microsoft.com/office/drawing/2010/main" xmlns="" w="9525">
                     <a:solidFill>
                       <a:srgbClr val="000000"/>
                     </a:solidFill>
@@ -10498,7 +10505,7 @@
               </a:ln>
               <a:extLst>
                 <a:ext uri="{91240B29-F687-4f45-9708-019B960494DF}">
-                  <a14:hiddenLine xmlns="" xmlns:a14="http://schemas.microsoft.com/office/drawing/2010/main" w="9525">
+                  <a14:hiddenLine xmlns:a14="http://schemas.microsoft.com/office/drawing/2010/main" xmlns="" w="9525">
                     <a:solidFill>
                       <a:srgbClr val="000000"/>
                     </a:solidFill>
@@ -10563,7 +10570,7 @@
               </a:ln>
               <a:extLst>
                 <a:ext uri="{91240B29-F687-4f45-9708-019B960494DF}">
-                  <a14:hiddenLine xmlns="" xmlns:a14="http://schemas.microsoft.com/office/drawing/2010/main" w="9525">
+                  <a14:hiddenLine xmlns:a14="http://schemas.microsoft.com/office/drawing/2010/main" xmlns="" w="9525">
                     <a:solidFill>
                       <a:srgbClr val="000000"/>
                     </a:solidFill>
@@ -10625,7 +10632,7 @@
               </a:ln>
               <a:extLst>
                 <a:ext uri="{91240B29-F687-4f45-9708-019B960494DF}">
-                  <a14:hiddenLine xmlns="" xmlns:a14="http://schemas.microsoft.com/office/drawing/2010/main" w="9525">
+                  <a14:hiddenLine xmlns:a14="http://schemas.microsoft.com/office/drawing/2010/main" xmlns="" w="9525">
                     <a:solidFill>
                       <a:srgbClr val="000000"/>
                     </a:solidFill>
@@ -10715,7 +10722,7 @@
               </a:ln>
               <a:extLst>
                 <a:ext uri="{91240B29-F687-4f45-9708-019B960494DF}">
-                  <a14:hiddenLine xmlns="" xmlns:a14="http://schemas.microsoft.com/office/drawing/2010/main" w="9525">
+                  <a14:hiddenLine xmlns:a14="http://schemas.microsoft.com/office/drawing/2010/main" xmlns="" w="9525">
                     <a:solidFill>
                       <a:srgbClr val="000000"/>
                     </a:solidFill>
@@ -10805,7 +10812,7 @@
               </a:ln>
               <a:extLst>
                 <a:ext uri="{91240B29-F687-4f45-9708-019B960494DF}">
-                  <a14:hiddenLine xmlns="" xmlns:a14="http://schemas.microsoft.com/office/drawing/2010/main" w="9525">
+                  <a14:hiddenLine xmlns:a14="http://schemas.microsoft.com/office/drawing/2010/main" xmlns="" w="9525">
                     <a:solidFill>
                       <a:srgbClr val="000000"/>
                     </a:solidFill>
@@ -10870,7 +10877,7 @@
               </a:ln>
               <a:extLst>
                 <a:ext uri="{91240B29-F687-4f45-9708-019B960494DF}">
-                  <a14:hiddenLine xmlns="" xmlns:a14="http://schemas.microsoft.com/office/drawing/2010/main" w="9525">
+                  <a14:hiddenLine xmlns:a14="http://schemas.microsoft.com/office/drawing/2010/main" xmlns="" w="9525">
                     <a:solidFill>
                       <a:srgbClr val="000000"/>
                     </a:solidFill>
@@ -10990,7 +10997,7 @@
               </a:ln>
               <a:extLst>
                 <a:ext uri="{91240B29-F687-4f45-9708-019B960494DF}">
-                  <a14:hiddenLine xmlns="" xmlns:a14="http://schemas.microsoft.com/office/drawing/2010/main" w="9525">
+                  <a14:hiddenLine xmlns:a14="http://schemas.microsoft.com/office/drawing/2010/main" xmlns="" w="9525">
                     <a:solidFill>
                       <a:srgbClr val="000000"/>
                     </a:solidFill>
@@ -11088,7 +11095,7 @@
               </a:ln>
               <a:extLst>
                 <a:ext uri="{91240B29-F687-4f45-9708-019B960494DF}">
-                  <a14:hiddenLine xmlns="" xmlns:a14="http://schemas.microsoft.com/office/drawing/2010/main" w="9525">
+                  <a14:hiddenLine xmlns:a14="http://schemas.microsoft.com/office/drawing/2010/main" xmlns="" w="9525">
                     <a:solidFill>
                       <a:srgbClr val="000000"/>
                     </a:solidFill>
@@ -11203,7 +11210,7 @@
               </a:ln>
               <a:extLst>
                 <a:ext uri="{91240B29-F687-4f45-9708-019B960494DF}">
-                  <a14:hiddenLine xmlns="" xmlns:a14="http://schemas.microsoft.com/office/drawing/2010/main" w="9525">
+                  <a14:hiddenLine xmlns:a14="http://schemas.microsoft.com/office/drawing/2010/main" xmlns="" w="9525">
                     <a:solidFill>
                       <a:srgbClr val="000000"/>
                     </a:solidFill>
@@ -11293,7 +11300,7 @@
               </a:ln>
               <a:extLst>
                 <a:ext uri="{91240B29-F687-4f45-9708-019B960494DF}">
-                  <a14:hiddenLine xmlns="" xmlns:a14="http://schemas.microsoft.com/office/drawing/2010/main" w="9525">
+                  <a14:hiddenLine xmlns:a14="http://schemas.microsoft.com/office/drawing/2010/main" xmlns="" w="9525">
                     <a:solidFill>
                       <a:srgbClr val="000000"/>
                     </a:solidFill>
@@ -11358,7 +11365,7 @@
               </a:ln>
               <a:extLst>
                 <a:ext uri="{91240B29-F687-4f45-9708-019B960494DF}">
-                  <a14:hiddenLine xmlns="" xmlns:a14="http://schemas.microsoft.com/office/drawing/2010/main" w="9525">
+                  <a14:hiddenLine xmlns:a14="http://schemas.microsoft.com/office/drawing/2010/main" xmlns="" w="9525">
                     <a:solidFill>
                       <a:srgbClr val="000000"/>
                     </a:solidFill>
@@ -11448,7 +11455,7 @@
               </a:ln>
               <a:extLst>
                 <a:ext uri="{91240B29-F687-4f45-9708-019B960494DF}">
-                  <a14:hiddenLine xmlns="" xmlns:a14="http://schemas.microsoft.com/office/drawing/2010/main" w="9525">
+                  <a14:hiddenLine xmlns:a14="http://schemas.microsoft.com/office/drawing/2010/main" xmlns="" w="9525">
                     <a:solidFill>
                       <a:srgbClr val="000000"/>
                     </a:solidFill>
@@ -11516,7 +11523,7 @@
               </a:ln>
               <a:extLst>
                 <a:ext uri="{91240B29-F687-4f45-9708-019B960494DF}">
-                  <a14:hiddenLine xmlns="" xmlns:a14="http://schemas.microsoft.com/office/drawing/2010/main" w="9525">
+                  <a14:hiddenLine xmlns:a14="http://schemas.microsoft.com/office/drawing/2010/main" xmlns="" w="9525">
                     <a:solidFill>
                       <a:srgbClr val="000000"/>
                     </a:solidFill>
@@ -11606,7 +11613,7 @@
               </a:ln>
               <a:extLst>
                 <a:ext uri="{91240B29-F687-4f45-9708-019B960494DF}">
-                  <a14:hiddenLine xmlns="" xmlns:a14="http://schemas.microsoft.com/office/drawing/2010/main" w="9525">
+                  <a14:hiddenLine xmlns:a14="http://schemas.microsoft.com/office/drawing/2010/main" xmlns="" w="9525">
                     <a:solidFill>
                       <a:srgbClr val="000000"/>
                     </a:solidFill>
@@ -11674,7 +11681,7 @@
               </a:ln>
               <a:extLst>
                 <a:ext uri="{91240B29-F687-4f45-9708-019B960494DF}">
-                  <a14:hiddenLine xmlns="" xmlns:a14="http://schemas.microsoft.com/office/drawing/2010/main" w="9525">
+                  <a14:hiddenLine xmlns:a14="http://schemas.microsoft.com/office/drawing/2010/main" xmlns="" w="9525">
                     <a:solidFill>
                       <a:srgbClr val="000000"/>
                     </a:solidFill>
@@ -11764,7 +11771,7 @@
               </a:ln>
               <a:extLst>
                 <a:ext uri="{91240B29-F687-4f45-9708-019B960494DF}">
-                  <a14:hiddenLine xmlns="" xmlns:a14="http://schemas.microsoft.com/office/drawing/2010/main" w="9525">
+                  <a14:hiddenLine xmlns:a14="http://schemas.microsoft.com/office/drawing/2010/main" xmlns="" w="9525">
                     <a:solidFill>
                       <a:srgbClr val="000000"/>
                     </a:solidFill>
@@ -11798,7 +11805,7 @@
               </a:ln>
               <a:extLst>
                 <a:ext uri="{91240B29-F687-4f45-9708-019B960494DF}">
-                  <a14:hiddenLine xmlns="" xmlns:a14="http://schemas.microsoft.com/office/drawing/2010/main" w="9525">
+                  <a14:hiddenLine xmlns:a14="http://schemas.microsoft.com/office/drawing/2010/main" xmlns="" w="9525">
                     <a:solidFill>
                       <a:srgbClr val="000000"/>
                     </a:solidFill>
@@ -11939,7 +11946,7 @@
             <a:fld id="{48A87A34-81AB-432B-8DAE-1953F412C126}" type="datetimeFigureOut">
               <a:rPr lang="en-US" dirty="0"/>
               <a:pPr/>
-              <a:t>2/25/2022</a:t>
+              <a:t>3/5/2022</a:t>
             </a:fld>
             <a:endParaRPr lang="en-US" dirty="0"/>
           </a:p>
@@ -12436,6 +12443,743 @@
 </p:sld>
 </file>
 
+<file path=ppt/slides/slide10.xml><?xml version="1.0" encoding="utf-8"?>
+<p:sld xmlns:a="http://schemas.openxmlformats.org/drawingml/2006/main" xmlns:r="http://schemas.openxmlformats.org/officeDocument/2006/relationships" xmlns:p="http://schemas.openxmlformats.org/presentationml/2006/main">
+  <p:cSld>
+    <p:spTree>
+      <p:nvGrpSpPr>
+        <p:cNvPr id="1" name=""/>
+        <p:cNvGrpSpPr/>
+        <p:nvPr/>
+      </p:nvGrpSpPr>
+      <p:grpSpPr>
+        <a:xfrm>
+          <a:off x="0" y="0"/>
+          <a:ext cx="0" cy="0"/>
+          <a:chOff x="0" y="0"/>
+          <a:chExt cx="0" cy="0"/>
+        </a:xfrm>
+      </p:grpSpPr>
+      <p:sp>
+        <p:nvSpPr>
+          <p:cNvPr id="2" name="Title 1"/>
+          <p:cNvSpPr>
+            <a:spLocks noGrp="1"/>
+          </p:cNvSpPr>
+          <p:nvPr>
+            <p:ph type="title"/>
+          </p:nvPr>
+        </p:nvSpPr>
+        <p:spPr>
+          <a:xfrm>
+            <a:off x="1141413" y="618518"/>
+            <a:ext cx="9449422" cy="805168"/>
+          </a:xfrm>
+        </p:spPr>
+        <p:txBody>
+          <a:bodyPr>
+            <a:normAutofit/>
+          </a:bodyPr>
+          <a:lstStyle/>
+          <a:p>
+            <a:r>
+              <a:rPr lang="en-US" dirty="0" smtClean="0"/>
+              <a:t>                    </a:t>
+            </a:r>
+            <a:r>
+              <a:rPr lang="en-US" dirty="0" err="1" smtClean="0"/>
+              <a:t>piezo</a:t>
+            </a:r>
+            <a:r>
+              <a:rPr lang="en-US" dirty="0" smtClean="0"/>
+              <a:t> electric </a:t>
+            </a:r>
+            <a:endParaRPr lang="en-US" dirty="0"/>
+          </a:p>
+        </p:txBody>
+      </p:sp>
+      <p:sp>
+        <p:nvSpPr>
+          <p:cNvPr id="3" name="Content Placeholder 2"/>
+          <p:cNvSpPr>
+            <a:spLocks noGrp="1"/>
+          </p:cNvSpPr>
+          <p:nvPr>
+            <p:ph idx="1"/>
+          </p:nvPr>
+        </p:nvSpPr>
+        <p:spPr>
+          <a:xfrm>
+            <a:off x="1141412" y="1319514"/>
+            <a:ext cx="9905999" cy="4471687"/>
+          </a:xfrm>
+        </p:spPr>
+        <p:txBody>
+          <a:bodyPr/>
+          <a:lstStyle/>
+          <a:p>
+            <a:pPr marL="0" indent="0">
+              <a:buNone/>
+            </a:pPr>
+            <a:endParaRPr lang="en-US" dirty="0"/>
+          </a:p>
+          <a:p>
+            <a:pPr marL="0" indent="0">
+              <a:buNone/>
+            </a:pPr>
+            <a:r>
+              <a:rPr lang="en-US" dirty="0" smtClean="0"/>
+              <a:t>The material that we have used as </a:t>
+            </a:r>
+            <a:r>
+              <a:rPr lang="en-US" dirty="0" err="1" smtClean="0"/>
+              <a:t>piezo</a:t>
+            </a:r>
+            <a:r>
+              <a:rPr lang="en-US" dirty="0" smtClean="0"/>
+              <a:t>-electric is quartz .</a:t>
+            </a:r>
+          </a:p>
+          <a:p>
+            <a:pPr marL="0" indent="0">
+              <a:buNone/>
+            </a:pPr>
+            <a:r>
+              <a:rPr lang="en-US" dirty="0" smtClean="0"/>
+              <a:t>Quartz crystals offer superior quality and stability</a:t>
+            </a:r>
+          </a:p>
+          <a:p>
+            <a:pPr marL="0" indent="0">
+              <a:buNone/>
+            </a:pPr>
+            <a:r>
+              <a:rPr lang="en-US" dirty="0" smtClean="0"/>
+              <a:t>These materials are not very expensive costing around Rs.60-70 for a single piece which makes the overall technology cost-effective.</a:t>
+            </a:r>
+            <a:endParaRPr lang="en-US" dirty="0"/>
+          </a:p>
+        </p:txBody>
+      </p:sp>
+    </p:spTree>
+    <p:extLst>
+      <p:ext uri="{BB962C8B-B14F-4D97-AF65-F5344CB8AC3E}">
+        <p14:creationId xmlns:p14="http://schemas.microsoft.com/office/powerpoint/2010/main" val="1616189418"/>
+      </p:ext>
+    </p:extLst>
+  </p:cSld>
+  <p:clrMapOvr>
+    <a:masterClrMapping/>
+  </p:clrMapOvr>
+</p:sld>
+</file>
+
+<file path=ppt/slides/slide11.xml><?xml version="1.0" encoding="utf-8"?>
+<p:sld xmlns:a="http://schemas.openxmlformats.org/drawingml/2006/main" xmlns:r="http://schemas.openxmlformats.org/officeDocument/2006/relationships" xmlns:p="http://schemas.openxmlformats.org/presentationml/2006/main">
+  <p:cSld>
+    <p:spTree>
+      <p:nvGrpSpPr>
+        <p:cNvPr id="1" name=""/>
+        <p:cNvGrpSpPr/>
+        <p:nvPr/>
+      </p:nvGrpSpPr>
+      <p:grpSpPr>
+        <a:xfrm>
+          <a:off x="0" y="0"/>
+          <a:ext cx="0" cy="0"/>
+          <a:chOff x="0" y="0"/>
+          <a:chExt cx="0" cy="0"/>
+        </a:xfrm>
+      </p:grpSpPr>
+      <p:sp>
+        <p:nvSpPr>
+          <p:cNvPr id="2" name="Title 1"/>
+          <p:cNvSpPr>
+            <a:spLocks noGrp="1"/>
+          </p:cNvSpPr>
+          <p:nvPr>
+            <p:ph type="title"/>
+          </p:nvPr>
+        </p:nvSpPr>
+        <p:spPr/>
+        <p:txBody>
+          <a:bodyPr/>
+          <a:lstStyle/>
+          <a:p>
+            <a:r>
+              <a:rPr lang="en-US" dirty="0"/>
+              <a:t> </a:t>
+            </a:r>
+            <a:r>
+              <a:rPr lang="en-US" dirty="0" smtClean="0"/>
+              <a:t>         Ac dynamo  and generation</a:t>
+            </a:r>
+            <a:endParaRPr lang="en-US" dirty="0"/>
+          </a:p>
+        </p:txBody>
+      </p:sp>
+      <p:sp>
+        <p:nvSpPr>
+          <p:cNvPr id="3" name="Content Placeholder 2"/>
+          <p:cNvSpPr>
+            <a:spLocks noGrp="1"/>
+          </p:cNvSpPr>
+          <p:nvPr>
+            <p:ph idx="1"/>
+          </p:nvPr>
+        </p:nvSpPr>
+        <p:spPr/>
+        <p:txBody>
+          <a:bodyPr/>
+          <a:lstStyle/>
+          <a:p>
+            <a:r>
+              <a:rPr lang="en-US" dirty="0" smtClean="0"/>
+              <a:t>The spindle from the spring rotates the shaft that powers the AC Dynamo  </a:t>
+            </a:r>
+          </a:p>
+          <a:p>
+            <a:pPr marL="0" indent="0">
+              <a:buNone/>
+            </a:pPr>
+            <a:r>
+              <a:rPr lang="en-US" dirty="0"/>
+              <a:t> </a:t>
+            </a:r>
+            <a:r>
+              <a:rPr lang="en-US" dirty="0" smtClean="0"/>
+              <a:t>which produces an AC current.</a:t>
+            </a:r>
+          </a:p>
+          <a:p>
+            <a:pPr marL="0" indent="0">
+              <a:buNone/>
+            </a:pPr>
+            <a:r>
+              <a:rPr lang="en-US" dirty="0" smtClean="0"/>
+              <a:t>The  ac current is converted to dc by the application of </a:t>
+            </a:r>
+            <a:r>
+              <a:rPr lang="en-US" dirty="0" err="1" smtClean="0"/>
+              <a:t>commutator</a:t>
+            </a:r>
+            <a:r>
+              <a:rPr lang="en-US" dirty="0" smtClean="0"/>
+              <a:t> that  is attached to the generator.</a:t>
+            </a:r>
+            <a:endParaRPr lang="en-US" dirty="0"/>
+          </a:p>
+        </p:txBody>
+      </p:sp>
+      <p:pic>
+        <p:nvPicPr>
+          <p:cNvPr id="4" name="Picture 3"/>
+          <p:cNvPicPr>
+            <a:picLocks noChangeAspect="1"/>
+          </p:cNvPicPr>
+          <p:nvPr/>
+        </p:nvPicPr>
+        <p:blipFill>
+          <a:blip r:embed="rId2"/>
+          <a:stretch>
+            <a:fillRect/>
+          </a:stretch>
+        </p:blipFill>
+        <p:spPr>
+          <a:xfrm>
+            <a:off x="3090923" y="4148860"/>
+            <a:ext cx="4343400" cy="2333625"/>
+          </a:xfrm>
+          <a:prstGeom prst="rect">
+            <a:avLst/>
+          </a:prstGeom>
+        </p:spPr>
+      </p:pic>
+    </p:spTree>
+    <p:extLst>
+      <p:ext uri="{BB962C8B-B14F-4D97-AF65-F5344CB8AC3E}">
+        <p14:creationId xmlns:p14="http://schemas.microsoft.com/office/powerpoint/2010/main" val="703326997"/>
+      </p:ext>
+    </p:extLst>
+  </p:cSld>
+  <p:clrMapOvr>
+    <a:masterClrMapping/>
+  </p:clrMapOvr>
+</p:sld>
+</file>
+
+<file path=ppt/slides/slide12.xml><?xml version="1.0" encoding="utf-8"?>
+<p:sld xmlns:a="http://schemas.openxmlformats.org/drawingml/2006/main" xmlns:r="http://schemas.openxmlformats.org/officeDocument/2006/relationships" xmlns:p="http://schemas.openxmlformats.org/presentationml/2006/main">
+  <p:cSld>
+    <p:spTree>
+      <p:nvGrpSpPr>
+        <p:cNvPr id="1" name=""/>
+        <p:cNvGrpSpPr/>
+        <p:nvPr/>
+      </p:nvGrpSpPr>
+      <p:grpSpPr>
+        <a:xfrm>
+          <a:off x="0" y="0"/>
+          <a:ext cx="0" cy="0"/>
+          <a:chOff x="0" y="0"/>
+          <a:chExt cx="0" cy="0"/>
+        </a:xfrm>
+      </p:grpSpPr>
+      <p:sp>
+        <p:nvSpPr>
+          <p:cNvPr id="2" name="Title 1"/>
+          <p:cNvSpPr>
+            <a:spLocks noGrp="1"/>
+          </p:cNvSpPr>
+          <p:nvPr>
+            <p:ph type="title"/>
+          </p:nvPr>
+        </p:nvSpPr>
+        <p:spPr/>
+        <p:txBody>
+          <a:bodyPr/>
+          <a:lstStyle/>
+          <a:p>
+            <a:r>
+              <a:rPr lang="en-US" dirty="0" smtClean="0"/>
+              <a:t>                 INVERTER AND LOAD </a:t>
+            </a:r>
+            <a:endParaRPr lang="en-US" dirty="0"/>
+          </a:p>
+        </p:txBody>
+      </p:sp>
+      <p:sp>
+        <p:nvSpPr>
+          <p:cNvPr id="3" name="Content Placeholder 2"/>
+          <p:cNvSpPr>
+            <a:spLocks noGrp="1"/>
+          </p:cNvSpPr>
+          <p:nvPr>
+            <p:ph idx="1"/>
+          </p:nvPr>
+        </p:nvSpPr>
+        <p:spPr/>
+        <p:txBody>
+          <a:bodyPr>
+            <a:normAutofit fontScale="77500" lnSpcReduction="20000"/>
+          </a:bodyPr>
+          <a:lstStyle/>
+          <a:p>
+            <a:pPr marL="285750" indent="-285750"/>
+            <a:r>
+              <a:rPr lang="en-US" dirty="0"/>
+              <a:t>Next the electrical energy is stored in a battery with an uninterrupted power supply using an inverter.</a:t>
+            </a:r>
+          </a:p>
+          <a:p>
+            <a:pPr marL="285750" indent="-285750"/>
+            <a:endParaRPr lang="en-US" dirty="0"/>
+          </a:p>
+          <a:p>
+            <a:pPr marL="285750" indent="-285750"/>
+            <a:r>
+              <a:rPr lang="en-US" dirty="0"/>
+              <a:t>The inverter is provided so that even though there is no mechanical work being done at night or anytime , the power supply is continuously made to the load.</a:t>
+            </a:r>
+          </a:p>
+          <a:p>
+            <a:pPr marL="285750" indent="-285750"/>
+            <a:endParaRPr lang="en-US" dirty="0"/>
+          </a:p>
+          <a:p>
+            <a:pPr marL="285750" indent="-285750"/>
+            <a:r>
+              <a:rPr lang="en-US" dirty="0"/>
+              <a:t>This generates energy upto 150-200V which is more than enough to light the street lights.</a:t>
+            </a:r>
+          </a:p>
+          <a:p>
+            <a:pPr marL="285750" indent="-285750"/>
+            <a:endParaRPr lang="en-US" dirty="0"/>
+          </a:p>
+          <a:p>
+            <a:pPr marL="285750" indent="-285750"/>
+            <a:r>
+              <a:rPr lang="en-US" u="sng" dirty="0"/>
+              <a:t>If we use LED’s to light the load this technology becomes even more efficient</a:t>
+            </a:r>
+            <a:r>
+              <a:rPr lang="en-US" dirty="0"/>
+              <a:t>.</a:t>
+            </a:r>
+          </a:p>
+          <a:p>
+            <a:endParaRPr lang="en-US" dirty="0"/>
+          </a:p>
+        </p:txBody>
+      </p:sp>
+    </p:spTree>
+    <p:extLst>
+      <p:ext uri="{BB962C8B-B14F-4D97-AF65-F5344CB8AC3E}">
+        <p14:creationId xmlns:p14="http://schemas.microsoft.com/office/powerpoint/2010/main" val="3077347729"/>
+      </p:ext>
+    </p:extLst>
+  </p:cSld>
+  <p:clrMapOvr>
+    <a:masterClrMapping/>
+  </p:clrMapOvr>
+</p:sld>
+</file>
+
+<file path=ppt/slides/slide13.xml><?xml version="1.0" encoding="utf-8"?>
+<p:sld xmlns:a="http://schemas.openxmlformats.org/drawingml/2006/main" xmlns:r="http://schemas.openxmlformats.org/officeDocument/2006/relationships" xmlns:p="http://schemas.openxmlformats.org/presentationml/2006/main">
+  <p:cSld>
+    <p:spTree>
+      <p:nvGrpSpPr>
+        <p:cNvPr id="1" name=""/>
+        <p:cNvGrpSpPr/>
+        <p:nvPr/>
+      </p:nvGrpSpPr>
+      <p:grpSpPr>
+        <a:xfrm>
+          <a:off x="0" y="0"/>
+          <a:ext cx="0" cy="0"/>
+          <a:chOff x="0" y="0"/>
+          <a:chExt cx="0" cy="0"/>
+        </a:xfrm>
+      </p:grpSpPr>
+      <p:sp>
+        <p:nvSpPr>
+          <p:cNvPr id="2" name="Title 1"/>
+          <p:cNvSpPr>
+            <a:spLocks noGrp="1"/>
+          </p:cNvSpPr>
+          <p:nvPr>
+            <p:ph type="title"/>
+          </p:nvPr>
+        </p:nvSpPr>
+        <p:spPr/>
+        <p:txBody>
+          <a:bodyPr/>
+          <a:lstStyle/>
+          <a:p>
+            <a:endParaRPr lang="en-US" dirty="0"/>
+          </a:p>
+        </p:txBody>
+      </p:sp>
+      <p:sp>
+        <p:nvSpPr>
+          <p:cNvPr id="3" name="Content Placeholder 2"/>
+          <p:cNvSpPr>
+            <a:spLocks noGrp="1"/>
+          </p:cNvSpPr>
+          <p:nvPr>
+            <p:ph idx="1"/>
+          </p:nvPr>
+        </p:nvSpPr>
+        <p:spPr/>
+        <p:txBody>
+          <a:bodyPr/>
+          <a:lstStyle/>
+          <a:p>
+            <a:endParaRPr lang="en-US"/>
+          </a:p>
+        </p:txBody>
+      </p:sp>
+    </p:spTree>
+    <p:extLst>
+      <p:ext uri="{BB962C8B-B14F-4D97-AF65-F5344CB8AC3E}">
+        <p14:creationId xmlns:p14="http://schemas.microsoft.com/office/powerpoint/2010/main" val="3931045672"/>
+      </p:ext>
+    </p:extLst>
+  </p:cSld>
+  <p:clrMapOvr>
+    <a:masterClrMapping/>
+  </p:clrMapOvr>
+</p:sld>
+</file>
+
+<file path=ppt/slides/slide14.xml><?xml version="1.0" encoding="utf-8"?>
+<p:sld xmlns:a="http://schemas.openxmlformats.org/drawingml/2006/main" xmlns:r="http://schemas.openxmlformats.org/officeDocument/2006/relationships" xmlns:p="http://schemas.openxmlformats.org/presentationml/2006/main">
+  <p:cSld>
+    <p:spTree>
+      <p:nvGrpSpPr>
+        <p:cNvPr id="1" name=""/>
+        <p:cNvGrpSpPr/>
+        <p:nvPr/>
+      </p:nvGrpSpPr>
+      <p:grpSpPr>
+        <a:xfrm>
+          <a:off x="0" y="0"/>
+          <a:ext cx="0" cy="0"/>
+          <a:chOff x="0" y="0"/>
+          <a:chExt cx="0" cy="0"/>
+        </a:xfrm>
+      </p:grpSpPr>
+      <p:sp>
+        <p:nvSpPr>
+          <p:cNvPr id="2" name="Title 1"/>
+          <p:cNvSpPr>
+            <a:spLocks noGrp="1"/>
+          </p:cNvSpPr>
+          <p:nvPr>
+            <p:ph type="title"/>
+          </p:nvPr>
+        </p:nvSpPr>
+        <p:spPr>
+          <a:xfrm>
+            <a:off x="1349757" y="76436"/>
+            <a:ext cx="9905998" cy="1478570"/>
+          </a:xfrm>
+        </p:spPr>
+        <p:txBody>
+          <a:bodyPr/>
+          <a:lstStyle/>
+          <a:p>
+            <a:r>
+              <a:rPr lang="en-US" dirty="0" smtClean="0"/>
+              <a:t>                          applications</a:t>
+            </a:r>
+            <a:endParaRPr lang="en-US" dirty="0"/>
+          </a:p>
+        </p:txBody>
+      </p:sp>
+      <p:sp>
+        <p:nvSpPr>
+          <p:cNvPr id="3" name="Content Placeholder 2"/>
+          <p:cNvSpPr>
+            <a:spLocks noGrp="1"/>
+          </p:cNvSpPr>
+          <p:nvPr>
+            <p:ph idx="1"/>
+          </p:nvPr>
+        </p:nvSpPr>
+        <p:spPr>
+          <a:xfrm>
+            <a:off x="933068" y="1555006"/>
+            <a:ext cx="9905999" cy="4452255"/>
+          </a:xfrm>
+        </p:spPr>
+        <p:txBody>
+          <a:bodyPr>
+            <a:normAutofit fontScale="85000" lnSpcReduction="20000"/>
+          </a:bodyPr>
+          <a:lstStyle/>
+          <a:p>
+            <a:r>
+              <a:rPr lang="en-US" dirty="0"/>
+              <a:t>Footstep power generation system have many applications, but some of them are given below</a:t>
+            </a:r>
+            <a:r>
+              <a:rPr lang="en-US" dirty="0" smtClean="0"/>
+              <a:t>:</a:t>
+            </a:r>
+          </a:p>
+          <a:p>
+            <a:pPr marL="0" indent="0">
+              <a:buNone/>
+            </a:pPr>
+            <a:r>
+              <a:rPr lang="en-US" dirty="0" smtClean="0"/>
+              <a:t>The Slab flooring can be done on flat floors, staircase etc.</a:t>
+            </a:r>
+          </a:p>
+          <a:p>
+            <a:r>
+              <a:rPr lang="en-US" dirty="0" smtClean="0"/>
+              <a:t>Mobile </a:t>
+            </a:r>
+            <a:r>
+              <a:rPr lang="en-US" dirty="0"/>
+              <a:t>Charging </a:t>
+            </a:r>
+            <a:endParaRPr lang="en-US" dirty="0" smtClean="0"/>
+          </a:p>
+          <a:p>
+            <a:r>
+              <a:rPr lang="en-US" dirty="0" smtClean="0"/>
+              <a:t> </a:t>
+            </a:r>
+            <a:r>
+              <a:rPr lang="en-US" dirty="0"/>
+              <a:t>Street </a:t>
+            </a:r>
+            <a:r>
+              <a:rPr lang="en-US" dirty="0" smtClean="0"/>
+              <a:t>Lighting</a:t>
+            </a:r>
+          </a:p>
+          <a:p>
+            <a:r>
+              <a:rPr lang="en-US" dirty="0" smtClean="0"/>
+              <a:t> Bus station lighting </a:t>
+            </a:r>
+          </a:p>
+          <a:p>
+            <a:r>
+              <a:rPr lang="en-US" dirty="0" smtClean="0"/>
+              <a:t> </a:t>
+            </a:r>
+            <a:r>
+              <a:rPr lang="en-US" dirty="0"/>
+              <a:t>Emergency power failure stations </a:t>
+            </a:r>
+            <a:endParaRPr lang="en-US" dirty="0" smtClean="0"/>
+          </a:p>
+          <a:p>
+            <a:r>
+              <a:rPr lang="en-US" dirty="0" smtClean="0"/>
+              <a:t> </a:t>
+            </a:r>
+            <a:r>
+              <a:rPr lang="en-US" dirty="0"/>
+              <a:t>Colleges. </a:t>
+            </a:r>
+            <a:endParaRPr lang="en-US" dirty="0" smtClean="0"/>
+          </a:p>
+          <a:p>
+            <a:r>
+              <a:rPr lang="en-US" dirty="0" smtClean="0"/>
+              <a:t> </a:t>
+            </a:r>
+            <a:r>
+              <a:rPr lang="en-US" dirty="0"/>
+              <a:t>Schools. </a:t>
+            </a:r>
+            <a:endParaRPr lang="en-US" dirty="0" smtClean="0"/>
+          </a:p>
+          <a:p>
+            <a:r>
+              <a:rPr lang="en-US" dirty="0" smtClean="0"/>
+              <a:t>Shopping </a:t>
+            </a:r>
+            <a:r>
+              <a:rPr lang="en-US" dirty="0"/>
+              <a:t>complex</a:t>
+            </a:r>
+          </a:p>
+        </p:txBody>
+      </p:sp>
+    </p:spTree>
+    <p:extLst>
+      <p:ext uri="{BB962C8B-B14F-4D97-AF65-F5344CB8AC3E}">
+        <p14:creationId xmlns:p14="http://schemas.microsoft.com/office/powerpoint/2010/main" val="3126923719"/>
+      </p:ext>
+    </p:extLst>
+  </p:cSld>
+  <p:clrMapOvr>
+    <a:masterClrMapping/>
+  </p:clrMapOvr>
+</p:sld>
+</file>
+
+<file path=ppt/slides/slide15.xml><?xml version="1.0" encoding="utf-8"?>
+<p:sld xmlns:a="http://schemas.openxmlformats.org/drawingml/2006/main" xmlns:r="http://schemas.openxmlformats.org/officeDocument/2006/relationships" xmlns:p="http://schemas.openxmlformats.org/presentationml/2006/main">
+  <p:cSld>
+    <p:spTree>
+      <p:nvGrpSpPr>
+        <p:cNvPr id="1" name=""/>
+        <p:cNvGrpSpPr/>
+        <p:nvPr/>
+      </p:nvGrpSpPr>
+      <p:grpSpPr>
+        <a:xfrm>
+          <a:off x="0" y="0"/>
+          <a:ext cx="0" cy="0"/>
+          <a:chOff x="0" y="0"/>
+          <a:chExt cx="0" cy="0"/>
+        </a:xfrm>
+      </p:grpSpPr>
+      <p:sp>
+        <p:nvSpPr>
+          <p:cNvPr id="2" name="Title 1"/>
+          <p:cNvSpPr>
+            <a:spLocks noGrp="1"/>
+          </p:cNvSpPr>
+          <p:nvPr>
+            <p:ph type="title"/>
+          </p:nvPr>
+        </p:nvSpPr>
+        <p:spPr/>
+        <p:txBody>
+          <a:bodyPr/>
+          <a:lstStyle/>
+          <a:p>
+            <a:r>
+              <a:rPr lang="en-US" dirty="0" smtClean="0"/>
+              <a:t>                           advantages</a:t>
+            </a:r>
+            <a:endParaRPr lang="en-US" dirty="0"/>
+          </a:p>
+        </p:txBody>
+      </p:sp>
+      <p:sp>
+        <p:nvSpPr>
+          <p:cNvPr id="3" name="Content Placeholder 2"/>
+          <p:cNvSpPr>
+            <a:spLocks noGrp="1"/>
+          </p:cNvSpPr>
+          <p:nvPr>
+            <p:ph idx="1"/>
+          </p:nvPr>
+        </p:nvSpPr>
+        <p:spPr/>
+        <p:txBody>
+          <a:bodyPr/>
+          <a:lstStyle/>
+          <a:p>
+            <a:r>
+              <a:rPr lang="en-US" b="1" dirty="0"/>
+              <a:t>Simply walking on the step </a:t>
+            </a:r>
+            <a:r>
+              <a:rPr lang="en-US" b="1" dirty="0" smtClean="0"/>
+              <a:t> </a:t>
+            </a:r>
+            <a:r>
+              <a:rPr lang="en-US" b="1" dirty="0"/>
+              <a:t>generates power.</a:t>
+            </a:r>
+            <a:r>
+              <a:rPr lang="en-US" dirty="0"/>
+              <a:t> </a:t>
+            </a:r>
+            <a:endParaRPr lang="en-US" dirty="0" smtClean="0"/>
+          </a:p>
+          <a:p>
+            <a:r>
+              <a:rPr lang="en-US" dirty="0"/>
+              <a:t> No need fuel input</a:t>
+            </a:r>
+            <a:r>
+              <a:rPr lang="en-US" dirty="0" smtClean="0"/>
+              <a:t>.</a:t>
+            </a:r>
+          </a:p>
+          <a:p>
+            <a:r>
+              <a:rPr lang="en-US" dirty="0"/>
+              <a:t>This is a Non-conventional system. </a:t>
+            </a:r>
+            <a:endParaRPr lang="en-US" dirty="0" smtClean="0"/>
+          </a:p>
+          <a:p>
+            <a:r>
+              <a:rPr lang="en-US" dirty="0" smtClean="0"/>
+              <a:t>Eco-friendly since there is no pollution</a:t>
+            </a:r>
+            <a:endParaRPr lang="en-US" dirty="0"/>
+          </a:p>
+        </p:txBody>
+      </p:sp>
+    </p:spTree>
+    <p:extLst>
+      <p:ext uri="{BB962C8B-B14F-4D97-AF65-F5344CB8AC3E}">
+        <p14:creationId xmlns:p14="http://schemas.microsoft.com/office/powerpoint/2010/main" val="2510216173"/>
+      </p:ext>
+    </p:extLst>
+  </p:cSld>
+  <p:clrMapOvr>
+    <a:masterClrMapping/>
+  </p:clrMapOvr>
+</p:sld>
+</file>
+
 <file path=ppt/slides/slide2.xml><?xml version="1.0" encoding="utf-8"?>
 <p:sld xmlns:a="http://schemas.openxmlformats.org/drawingml/2006/main" xmlns:r="http://schemas.openxmlformats.org/officeDocument/2006/relationships" xmlns:p="http://schemas.openxmlformats.org/presentationml/2006/main">
   <p:cSld>
@@ -12520,7 +13264,21 @@
           <a:p>
             <a:r>
               <a:rPr lang="en-US" sz="2600" dirty="0"/>
-              <a:t>Man has need and used energy at an increasing rate for his sustenance and well-being ever since he came on the earth a few million years ago. Due to this a lot of energy resources have been exhausted and wasted</a:t>
+              <a:t>Man has need and used energy at an increasing rate for his sustenance and well-being ever since he came on the earth a few million years ago</a:t>
+            </a:r>
+            <a:r>
+              <a:rPr lang="en-US" sz="2600" dirty="0" smtClean="0"/>
+              <a:t>.</a:t>
+            </a:r>
+          </a:p>
+          <a:p>
+            <a:r>
+              <a:rPr lang="en-US" sz="2600" dirty="0" smtClean="0"/>
+              <a:t> </a:t>
+            </a:r>
+            <a:r>
+              <a:rPr lang="en-US" sz="2600" dirty="0"/>
+              <a:t>Due to this a lot of energy resources have been exhausted and wasted</a:t>
             </a:r>
             <a:r>
               <a:rPr lang="en-US" sz="2600" dirty="0" smtClean="0"/>
@@ -12601,7 +13359,7 @@
         <p:spPr>
           <a:xfrm>
             <a:off x="1203767" y="497711"/>
-            <a:ext cx="9468091" cy="6617196"/>
+            <a:ext cx="9468091" cy="7540526"/>
           </a:xfrm>
           <a:prstGeom prst="rect">
             <a:avLst/>
@@ -12639,11 +13397,11 @@
             </a:r>
             <a:r>
               <a:rPr lang="en-US" sz="3000" dirty="0"/>
-              <a:t>human locomotion is very much relevant and important for highly populated countries like India and China where the roads, railway stations, bus stands, temples, etc. are all over crowded and millions of people move around the clock</a:t>
+              <a:t>human locomotion is very much </a:t>
             </a:r>
             <a:r>
               <a:rPr lang="en-US" sz="3000" dirty="0" smtClean="0"/>
-              <a:t>.</a:t>
+              <a:t>relevant. </a:t>
             </a:r>
           </a:p>
           <a:p>
@@ -12659,13 +13417,47 @@
               <a:buChar char="•"/>
             </a:pPr>
             <a:r>
+              <a:rPr lang="en-US" sz="3000" dirty="0" smtClean="0"/>
+              <a:t>It is important </a:t>
+            </a:r>
+            <a:r>
+              <a:rPr lang="en-US" sz="3000" dirty="0"/>
+              <a:t>for highly populated countries like India </a:t>
+            </a:r>
+            <a:r>
+              <a:rPr lang="en-US" sz="3000" dirty="0" smtClean="0"/>
+              <a:t>where </a:t>
+            </a:r>
+            <a:r>
+              <a:rPr lang="en-US" sz="3000" dirty="0"/>
+              <a:t>the roads, railway stations, bus stands, temples, etc. are all over crowded and millions of people move around the clock</a:t>
+            </a:r>
+            <a:r>
+              <a:rPr lang="en-US" sz="3000" dirty="0" smtClean="0"/>
+              <a:t>.</a:t>
+            </a:r>
+          </a:p>
+          <a:p>
+            <a:pPr marL="285750" indent="-285750">
+              <a:buFont typeface="Arial" panose="020B0604020202020204" pitchFamily="34" charset="0"/>
+              <a:buChar char="•"/>
+            </a:pPr>
+            <a:endParaRPr lang="en-US" sz="3000" dirty="0"/>
+          </a:p>
+          <a:p>
+            <a:pPr marL="285750" indent="-285750">
+              <a:buFont typeface="Arial" panose="020B0604020202020204" pitchFamily="34" charset="0"/>
+              <a:buChar char="•"/>
+            </a:pPr>
+            <a:r>
               <a:rPr lang="en-US" sz="3000" dirty="0"/>
               <a:t>This whole human/ bio-energy being wasted if it can be made possible for utilization it will be great invention and crowd energy farms will be very useful energy sources in crowded </a:t>
             </a:r>
             <a:r>
               <a:rPr lang="en-US" sz="3000" dirty="0" smtClean="0"/>
-              <a:t>countries</a:t>
-            </a:r>
+              <a:t>countries.</a:t>
+            </a:r>
+            <a:endParaRPr lang="en-US" sz="3000" dirty="0" smtClean="0"/>
           </a:p>
           <a:p>
             <a:pPr marL="285750" indent="-285750">
@@ -12789,32 +13581,36 @@
           <a:lstStyle/>
           <a:p>
             <a:r>
-              <a:rPr lang="en-US" sz="1800" dirty="0"/>
+              <a:rPr lang="en-US" dirty="0"/>
               <a:t>In this project we are generating electrical power as non-conventional method by simply walking or running</a:t>
+            </a:r>
+            <a:r>
+              <a:rPr lang="en-US" dirty="0" smtClean="0"/>
+              <a:t>.</a:t>
+            </a:r>
+          </a:p>
+          <a:p>
+            <a:r>
+              <a:rPr lang="en-US" dirty="0" smtClean="0"/>
+              <a:t>Converting </a:t>
+            </a:r>
+            <a:r>
+              <a:rPr lang="en-US" dirty="0"/>
+              <a:t>mechanical energy into the electrical energy</a:t>
+            </a:r>
+            <a:r>
+              <a:rPr lang="en-US" dirty="0" smtClean="0"/>
+              <a:t>.</a:t>
+            </a:r>
+          </a:p>
+          <a:p>
+            <a:r>
+              <a:rPr lang="en-US" dirty="0" smtClean="0"/>
+              <a:t>Here the mechanical energy is Stress or Pressure energy</a:t>
             </a:r>
             <a:r>
               <a:rPr lang="en-US" sz="1800" dirty="0" smtClean="0"/>
               <a:t>.</a:t>
-            </a:r>
-          </a:p>
-          <a:p>
-            <a:r>
-              <a:rPr lang="en-US" sz="1800" dirty="0" smtClean="0"/>
-              <a:t>Converting </a:t>
-            </a:r>
-            <a:r>
-              <a:rPr lang="en-US" sz="1800" dirty="0"/>
-              <a:t>mechanical energy into the electrical energy</a:t>
-            </a:r>
-            <a:r>
-              <a:rPr lang="en-US" sz="1800" dirty="0" smtClean="0"/>
-              <a:t>.</a:t>
-            </a:r>
-          </a:p>
-          <a:p>
-            <a:r>
-              <a:rPr lang="en-US" sz="1800" dirty="0" smtClean="0"/>
-              <a:t>Here the mechanical energy is Stress or Pressure energy.</a:t>
             </a:r>
           </a:p>
           <a:p>
@@ -12872,7 +13668,7 @@
       </p:sp>
       <p:pic>
         <p:nvPicPr>
-          <p:cNvPr id="5" name="Picture 4"/>
+          <p:cNvPr id="6" name="Picture 5"/>
           <p:cNvPicPr>
             <a:picLocks noChangeAspect="1"/>
           </p:cNvPicPr>
@@ -12886,32 +13682,8 @@
         </p:blipFill>
         <p:spPr>
           <a:xfrm>
-            <a:off x="7405686" y="4478887"/>
-            <a:ext cx="3138307" cy="2166058"/>
-          </a:xfrm>
-          <a:prstGeom prst="rect">
-            <a:avLst/>
-          </a:prstGeom>
-        </p:spPr>
-      </p:pic>
-      <p:pic>
-        <p:nvPicPr>
-          <p:cNvPr id="6" name="Picture 5"/>
-          <p:cNvPicPr>
-            <a:picLocks noChangeAspect="1"/>
-          </p:cNvPicPr>
-          <p:nvPr/>
-        </p:nvPicPr>
-        <p:blipFill>
-          <a:blip r:embed="rId3"/>
-          <a:stretch>
-            <a:fillRect/>
-          </a:stretch>
-        </p:blipFill>
-        <p:spPr>
-          <a:xfrm>
-            <a:off x="881324" y="3414532"/>
-            <a:ext cx="5213088" cy="3443468"/>
+            <a:off x="1575805" y="3877519"/>
+            <a:ext cx="5213088" cy="2853160"/>
           </a:xfrm>
           <a:prstGeom prst="rect">
             <a:avLst/>
@@ -12927,15 +13699,15 @@
           <p:nvPr/>
         </p:nvPicPr>
         <p:blipFill>
-          <a:blip r:embed="rId4"/>
+          <a:blip r:embed="rId3"/>
           <a:stretch>
             <a:fillRect/>
           </a:stretch>
         </p:blipFill>
         <p:spPr>
           <a:xfrm>
-            <a:off x="7405686" y="2406925"/>
-            <a:ext cx="2543175" cy="1762125"/>
+            <a:off x="7691720" y="3877519"/>
+            <a:ext cx="4160474" cy="2645161"/>
           </a:xfrm>
           <a:prstGeom prst="rect">
             <a:avLst/>
@@ -13077,7 +13849,11 @@
           <a:p>
             <a:r>
               <a:rPr lang="en-US" dirty="0" smtClean="0"/>
-              <a:t>                           working</a:t>
+              <a:t>                </a:t>
+            </a:r>
+            <a:r>
+              <a:rPr lang="en-US" dirty="0" smtClean="0"/>
+              <a:t>work FLOW DIAGRAM</a:t>
             </a:r>
             <a:endParaRPr lang="en-US" dirty="0"/>
           </a:p>
@@ -13085,7 +13861,7 @@
       </p:sp>
       <p:pic>
         <p:nvPicPr>
-          <p:cNvPr id="4" name="Content Placeholder 3"/>
+          <p:cNvPr id="7" name="Content Placeholder 6"/>
           <p:cNvPicPr>
             <a:picLocks noGrp="1" noChangeAspect="1"/>
           </p:cNvPicPr>
@@ -13107,14 +13883,14 @@
         </p:blipFill>
         <p:spPr>
           <a:xfrm>
-            <a:off x="666852" y="752355"/>
-            <a:ext cx="10236500" cy="5984112"/>
+            <a:off x="208344" y="752355"/>
+            <a:ext cx="11609408" cy="6105645"/>
           </a:xfrm>
         </p:spPr>
       </p:pic>
       <p:pic>
         <p:nvPicPr>
-          <p:cNvPr id="5" name="Picture 4"/>
+          <p:cNvPr id="8" name="Picture 7"/>
           <p:cNvPicPr>
             <a:picLocks noChangeAspect="1"/>
           </p:cNvPicPr>
@@ -13128,8 +13904,8 @@
         </p:blipFill>
         <p:spPr>
           <a:xfrm>
-            <a:off x="9783190" y="2837245"/>
-            <a:ext cx="1120162" cy="993976"/>
+            <a:off x="10593256" y="2811443"/>
+            <a:ext cx="1121761" cy="993734"/>
           </a:xfrm>
           <a:prstGeom prst="rect">
             <a:avLst/>
@@ -13176,19 +13952,14 @@
             <p:ph type="title"/>
           </p:nvPr>
         </p:nvSpPr>
-        <p:spPr>
-          <a:xfrm>
-            <a:off x="1349757" y="76436"/>
-            <a:ext cx="9905998" cy="1478570"/>
-          </a:xfrm>
-        </p:spPr>
+        <p:spPr/>
         <p:txBody>
           <a:bodyPr/>
           <a:lstStyle/>
           <a:p>
             <a:r>
               <a:rPr lang="en-US" dirty="0" smtClean="0"/>
-              <a:t>                          applications</a:t>
+              <a:t>               WORKING STEP BY STEP</a:t>
             </a:r>
             <a:endParaRPr lang="en-US" dirty="0"/>
           </a:p>
@@ -13204,117 +13975,60 @@
             <p:ph idx="1"/>
           </p:nvPr>
         </p:nvSpPr>
+        <p:spPr/>
+        <p:txBody>
+          <a:bodyPr/>
+          <a:lstStyle/>
+          <a:p>
+            <a:pPr marL="0" indent="0">
+              <a:buNone/>
+            </a:pPr>
+            <a:r>
+              <a:rPr lang="en-US" dirty="0" smtClean="0"/>
+              <a:t> </a:t>
+            </a:r>
+            <a:r>
+              <a:rPr lang="en-US" u="sng" dirty="0" smtClean="0"/>
+              <a:t>WALKING ON THE SLAB </a:t>
+            </a:r>
+          </a:p>
+          <a:p>
+            <a:r>
+              <a:rPr lang="en-US" dirty="0" smtClean="0"/>
+              <a:t>First of, walking or running on the slab creates stress energy on the slab which can be assumed as mechanical work.</a:t>
+            </a:r>
+            <a:endParaRPr lang="en-US" dirty="0"/>
+          </a:p>
+        </p:txBody>
+      </p:sp>
+      <p:pic>
+        <p:nvPicPr>
+          <p:cNvPr id="4" name="Picture 3"/>
+          <p:cNvPicPr>
+            <a:picLocks noChangeAspect="1"/>
+          </p:cNvPicPr>
+          <p:nvPr/>
+        </p:nvPicPr>
+        <p:blipFill>
+          <a:blip r:embed="rId2"/>
+          <a:stretch>
+            <a:fillRect/>
+          </a:stretch>
+        </p:blipFill>
         <p:spPr>
           <a:xfrm>
-            <a:off x="933068" y="1555006"/>
-            <a:ext cx="9905999" cy="4452255"/>
+            <a:off x="3944856" y="4020344"/>
+            <a:ext cx="3138307" cy="2166058"/>
           </a:xfrm>
+          <a:prstGeom prst="rect">
+            <a:avLst/>
+          </a:prstGeom>
         </p:spPr>
-        <p:txBody>
-          <a:bodyPr>
-            <a:normAutofit fontScale="85000" lnSpcReduction="20000"/>
-          </a:bodyPr>
-          <a:lstStyle/>
-          <a:p>
-            <a:r>
-              <a:rPr lang="en-US" dirty="0"/>
-              <a:t>Footstep power generation system have many applications, but some of them are given below</a:t>
-            </a:r>
-            <a:r>
-              <a:rPr lang="en-US" dirty="0" smtClean="0"/>
-              <a:t>:</a:t>
-            </a:r>
-          </a:p>
-          <a:p>
-            <a:pPr marL="0" indent="0">
-              <a:buNone/>
-            </a:pPr>
-            <a:r>
-              <a:rPr lang="en-US" dirty="0" smtClean="0"/>
-              <a:t>The Slab flooring can be done on flat floors, staircase etc.</a:t>
-            </a:r>
-            <a:endParaRPr lang="en-US" dirty="0" smtClean="0"/>
-          </a:p>
-          <a:p>
-            <a:r>
-              <a:rPr lang="en-US" dirty="0" smtClean="0"/>
-              <a:t>Mobile </a:t>
-            </a:r>
-            <a:r>
-              <a:rPr lang="en-US" dirty="0"/>
-              <a:t>Charging </a:t>
-            </a:r>
-            <a:endParaRPr lang="en-US" dirty="0" smtClean="0"/>
-          </a:p>
-          <a:p>
-            <a:r>
-              <a:rPr lang="en-US" dirty="0" smtClean="0"/>
-              <a:t> </a:t>
-            </a:r>
-            <a:r>
-              <a:rPr lang="en-US" dirty="0"/>
-              <a:t>Street </a:t>
-            </a:r>
-            <a:r>
-              <a:rPr lang="en-US" dirty="0" smtClean="0"/>
-              <a:t>Lighting</a:t>
-            </a:r>
-          </a:p>
-          <a:p>
-            <a:r>
-              <a:rPr lang="en-US" dirty="0" smtClean="0"/>
-              <a:t> Bus station lighting </a:t>
-            </a:r>
-          </a:p>
-          <a:p>
-            <a:r>
-              <a:rPr lang="en-US" dirty="0" smtClean="0"/>
-              <a:t> </a:t>
-            </a:r>
-            <a:r>
-              <a:rPr lang="en-US" dirty="0"/>
-              <a:t>Emergency power failure stations </a:t>
-            </a:r>
-            <a:endParaRPr lang="en-US" dirty="0" smtClean="0"/>
-          </a:p>
-          <a:p>
-            <a:r>
-              <a:rPr lang="en-US" dirty="0" smtClean="0"/>
-              <a:t> </a:t>
-            </a:r>
-            <a:r>
-              <a:rPr lang="en-US" dirty="0"/>
-              <a:t>Colleges. </a:t>
-            </a:r>
-            <a:endParaRPr lang="en-US" dirty="0" smtClean="0"/>
-          </a:p>
-          <a:p>
-            <a:r>
-              <a:rPr lang="en-US" dirty="0" smtClean="0"/>
-              <a:t> </a:t>
-            </a:r>
-            <a:r>
-              <a:rPr lang="en-US" dirty="0"/>
-              <a:t>Schools. </a:t>
-            </a:r>
-            <a:endParaRPr lang="en-US" dirty="0" smtClean="0"/>
-          </a:p>
-          <a:p>
-            <a:r>
-              <a:rPr lang="en-US" dirty="0" smtClean="0"/>
-              <a:t>Shopping </a:t>
-            </a:r>
-            <a:r>
-              <a:rPr lang="en-US" dirty="0"/>
-              <a:t>complex</a:t>
-            </a:r>
-          </a:p>
-        </p:txBody>
-      </p:sp>
+      </p:pic>
     </p:spTree>
     <p:extLst>
       <p:ext uri="{BB962C8B-B14F-4D97-AF65-F5344CB8AC3E}">
-        <p14:creationId xmlns:p14="http://schemas.microsoft.com/office/powerpoint/2010/main" val="3126923719"/>
+        <p14:creationId xmlns:p14="http://schemas.microsoft.com/office/powerpoint/2010/main" val="12810483"/>
       </p:ext>
     </p:extLst>
   </p:cSld>
@@ -13353,14 +14067,20 @@
         </p:nvSpPr>
         <p:spPr/>
         <p:txBody>
-          <a:bodyPr/>
+          <a:bodyPr>
+            <a:normAutofit/>
+          </a:bodyPr>
           <a:lstStyle/>
           <a:p>
             <a:r>
-              <a:rPr lang="en-US" dirty="0" smtClean="0"/>
-              <a:t>                           advantages</a:t>
-            </a:r>
-            <a:endParaRPr lang="en-US" dirty="0"/>
+              <a:rPr lang="en-US" sz="3200" dirty="0"/>
+              <a:t> </a:t>
+            </a:r>
+            <a:r>
+              <a:rPr lang="en-US" sz="3200" dirty="0" smtClean="0"/>
+              <a:t>                      SPRING AND SPINDLE  SYSTEM </a:t>
+            </a:r>
+            <a:endParaRPr lang="en-US" sz="3200" dirty="0"/>
           </a:p>
         </p:txBody>
       </p:sp>
@@ -13380,44 +14100,17 @@
           <a:lstStyle/>
           <a:p>
             <a:r>
-              <a:rPr lang="en-US" b="1" dirty="0"/>
-              <a:t>Simply walking on the step </a:t>
-            </a:r>
-            <a:r>
-              <a:rPr lang="en-US" b="1" dirty="0" smtClean="0"/>
+              <a:rPr lang="en-US" dirty="0" smtClean="0"/>
+              <a:t>Spring system in this project allows the slab to regain its original position so that the generation cycle can be repeated.</a:t>
+            </a:r>
+          </a:p>
+          <a:p>
+            <a:pPr marL="0" indent="0">
+              <a:buNone/>
+            </a:pPr>
+            <a:r>
+              <a:rPr lang="en-US" dirty="0" smtClean="0"/>
               <a:t> </a:t>
-            </a:r>
-            <a:r>
-              <a:rPr lang="en-US" b="1" dirty="0"/>
-              <a:t>generates power.</a:t>
-            </a:r>
-            <a:r>
-              <a:rPr lang="en-US" dirty="0"/>
-              <a:t> </a:t>
-            </a:r>
-            <a:endParaRPr lang="en-US" dirty="0" smtClean="0"/>
-          </a:p>
-          <a:p>
-            <a:r>
-              <a:rPr lang="en-US" dirty="0"/>
-              <a:t> No need fuel input</a:t>
-            </a:r>
-            <a:r>
-              <a:rPr lang="en-US" dirty="0" smtClean="0"/>
-              <a:t>.</a:t>
-            </a:r>
-          </a:p>
-          <a:p>
-            <a:r>
-              <a:rPr lang="en-US" dirty="0"/>
-              <a:t>This is a Non-conventional system. </a:t>
-            </a:r>
-            <a:endParaRPr lang="en-US" dirty="0" smtClean="0"/>
-          </a:p>
-          <a:p>
-            <a:r>
-              <a:rPr lang="en-US" dirty="0" smtClean="0"/>
-              <a:t>Eco-friendly since there is no pollution</a:t>
             </a:r>
             <a:endParaRPr lang="en-US" dirty="0"/>
           </a:p>
@@ -13426,7 +14119,151 @@
     </p:spTree>
     <p:extLst>
       <p:ext uri="{BB962C8B-B14F-4D97-AF65-F5344CB8AC3E}">
-        <p14:creationId xmlns:p14="http://schemas.microsoft.com/office/powerpoint/2010/main" val="2510216173"/>
+        <p14:creationId xmlns:p14="http://schemas.microsoft.com/office/powerpoint/2010/main" val="2208184983"/>
+      </p:ext>
+    </p:extLst>
+  </p:cSld>
+  <p:clrMapOvr>
+    <a:masterClrMapping/>
+  </p:clrMapOvr>
+</p:sld>
+</file>
+
+<file path=ppt/slides/slide9.xml><?xml version="1.0" encoding="utf-8"?>
+<p:sld xmlns:a="http://schemas.openxmlformats.org/drawingml/2006/main" xmlns:r="http://schemas.openxmlformats.org/officeDocument/2006/relationships" xmlns:p="http://schemas.openxmlformats.org/presentationml/2006/main">
+  <p:cSld>
+    <p:spTree>
+      <p:nvGrpSpPr>
+        <p:cNvPr id="1" name=""/>
+        <p:cNvGrpSpPr/>
+        <p:nvPr/>
+      </p:nvGrpSpPr>
+      <p:grpSpPr>
+        <a:xfrm>
+          <a:off x="0" y="0"/>
+          <a:ext cx="0" cy="0"/>
+          <a:chOff x="0" y="0"/>
+          <a:chExt cx="0" cy="0"/>
+        </a:xfrm>
+      </p:grpSpPr>
+      <p:sp>
+        <p:nvSpPr>
+          <p:cNvPr id="2" name="Title 1"/>
+          <p:cNvSpPr>
+            <a:spLocks noGrp="1"/>
+          </p:cNvSpPr>
+          <p:nvPr>
+            <p:ph type="title"/>
+          </p:nvPr>
+        </p:nvSpPr>
+        <p:spPr/>
+        <p:txBody>
+          <a:bodyPr/>
+          <a:lstStyle/>
+          <a:p>
+            <a:r>
+              <a:rPr lang="en-US" dirty="0" smtClean="0"/>
+              <a:t>              PIEZO – ELECTRIC TRANSDUCER</a:t>
+            </a:r>
+            <a:endParaRPr lang="en-US" dirty="0"/>
+          </a:p>
+        </p:txBody>
+      </p:sp>
+      <p:sp>
+        <p:nvSpPr>
+          <p:cNvPr id="3" name="Content Placeholder 2"/>
+          <p:cNvSpPr>
+            <a:spLocks noGrp="1"/>
+          </p:cNvSpPr>
+          <p:nvPr>
+            <p:ph idx="1"/>
+          </p:nvPr>
+        </p:nvSpPr>
+        <p:spPr/>
+        <p:txBody>
+          <a:bodyPr/>
+          <a:lstStyle/>
+          <a:p>
+            <a:r>
+              <a:rPr lang="en-US" dirty="0" smtClean="0"/>
+              <a:t>It is a material that senses the mechanical stress and also has the capability of converting that  energy into electrical energy (nearly of 20 watts)</a:t>
+            </a:r>
+          </a:p>
+          <a:p>
+            <a:r>
+              <a:rPr lang="en-US" dirty="0" smtClean="0"/>
+              <a:t>Here the </a:t>
+            </a:r>
+            <a:r>
+              <a:rPr lang="en-US" dirty="0" err="1" smtClean="0"/>
+              <a:t>piezo</a:t>
+            </a:r>
+            <a:r>
+              <a:rPr lang="en-US" dirty="0" smtClean="0"/>
+              <a:t> electric is used to </a:t>
+            </a:r>
+            <a:r>
+              <a:rPr lang="en-US" u="sng" dirty="0" smtClean="0"/>
+              <a:t>sense the force  </a:t>
+            </a:r>
+            <a:r>
+              <a:rPr lang="en-US" dirty="0" smtClean="0"/>
+              <a:t>and just add up some voltage to the main generation.</a:t>
+            </a:r>
+          </a:p>
+          <a:p>
+            <a:r>
+              <a:rPr lang="en-US" dirty="0" smtClean="0"/>
+              <a:t>For </a:t>
+            </a:r>
+            <a:r>
+              <a:rPr lang="en-US" u="sng" dirty="0" smtClean="0"/>
+              <a:t>small scale generation </a:t>
+            </a:r>
+            <a:r>
+              <a:rPr lang="en-US" dirty="0" smtClean="0"/>
+              <a:t>, using the </a:t>
+            </a:r>
+            <a:r>
+              <a:rPr lang="en-US" dirty="0" err="1" smtClean="0"/>
+              <a:t>piezo</a:t>
+            </a:r>
+            <a:r>
+              <a:rPr lang="en-US" dirty="0" smtClean="0"/>
+              <a:t>-electric material is just enough to charge anything nearly consuming 20-30 W.</a:t>
+            </a:r>
+            <a:endParaRPr lang="en-US" dirty="0"/>
+          </a:p>
+        </p:txBody>
+      </p:sp>
+      <p:pic>
+        <p:nvPicPr>
+          <p:cNvPr id="4" name="Picture 3"/>
+          <p:cNvPicPr>
+            <a:picLocks noChangeAspect="1"/>
+          </p:cNvPicPr>
+          <p:nvPr/>
+        </p:nvPicPr>
+        <p:blipFill>
+          <a:blip r:embed="rId2"/>
+          <a:stretch>
+            <a:fillRect/>
+          </a:stretch>
+        </p:blipFill>
+        <p:spPr>
+          <a:xfrm>
+            <a:off x="7640315" y="4714875"/>
+            <a:ext cx="2143125" cy="2143125"/>
+          </a:xfrm>
+          <a:prstGeom prst="rect">
+            <a:avLst/>
+          </a:prstGeom>
+        </p:spPr>
+      </p:pic>
+    </p:spTree>
+    <p:extLst>
+      <p:ext uri="{BB962C8B-B14F-4D97-AF65-F5344CB8AC3E}">
+        <p14:creationId xmlns:p14="http://schemas.microsoft.com/office/powerpoint/2010/main" val="1145664846"/>
       </p:ext>
     </p:extLst>
   </p:cSld>

--- a/mini project sem 1.pptx
+++ b/mini project sem 1.pptx
@@ -5,21 +5,26 @@
     <p:sldMasterId id="2147483648" r:id="rId1"/>
   </p:sldMasterIdLst>
   <p:sldIdLst>
-    <p:sldId id="256" r:id="rId2"/>
-    <p:sldId id="257" r:id="rId3"/>
-    <p:sldId id="258" r:id="rId4"/>
-    <p:sldId id="259" r:id="rId5"/>
-    <p:sldId id="260" r:id="rId6"/>
-    <p:sldId id="261" r:id="rId7"/>
-    <p:sldId id="266" r:id="rId8"/>
-    <p:sldId id="267" r:id="rId9"/>
-    <p:sldId id="268" r:id="rId10"/>
-    <p:sldId id="269" r:id="rId11"/>
-    <p:sldId id="270" r:id="rId12"/>
-    <p:sldId id="272" r:id="rId13"/>
-    <p:sldId id="273" r:id="rId14"/>
-    <p:sldId id="262" r:id="rId15"/>
-    <p:sldId id="263" r:id="rId16"/>
+    <p:sldId id="274" r:id="rId2"/>
+    <p:sldId id="276" r:id="rId3"/>
+    <p:sldId id="257" r:id="rId4"/>
+    <p:sldId id="258" r:id="rId5"/>
+    <p:sldId id="278" r:id="rId6"/>
+    <p:sldId id="259" r:id="rId7"/>
+    <p:sldId id="260" r:id="rId8"/>
+    <p:sldId id="261" r:id="rId9"/>
+    <p:sldId id="266" r:id="rId10"/>
+    <p:sldId id="267" r:id="rId11"/>
+    <p:sldId id="268" r:id="rId12"/>
+    <p:sldId id="269" r:id="rId13"/>
+    <p:sldId id="270" r:id="rId14"/>
+    <p:sldId id="272" r:id="rId15"/>
+    <p:sldId id="273" r:id="rId16"/>
+    <p:sldId id="262" r:id="rId17"/>
+    <p:sldId id="263" r:id="rId18"/>
+    <p:sldId id="279" r:id="rId19"/>
+    <p:sldId id="277" r:id="rId20"/>
+    <p:sldId id="275" r:id="rId21"/>
   </p:sldIdLst>
   <p:sldSz cx="12192000" cy="6858000"/>
   <p:notesSz cx="6858000" cy="9144000"/>
@@ -176,7 +181,7 @@
           <a:noFill/>
           <a:extLst>
             <a:ext uri="{909E8E84-426E-40dd-AFC4-6F175D3DCCD1}">
-              <a14:hiddenFill xmlns:a14="http://schemas.microsoft.com/office/drawing/2010/main" xmlns="">
+              <a14:hiddenFill xmlns="" xmlns:a14="http://schemas.microsoft.com/office/drawing/2010/main">
                 <a:solidFill>
                   <a:srgbClr val="FFFFFF"/>
                 </a:solidFill>
@@ -236,7 +241,7 @@
             </a:ln>
             <a:extLst>
               <a:ext uri="{91240B29-F687-4f45-9708-019B960494DF}">
-                <a14:hiddenLine xmlns:a14="http://schemas.microsoft.com/office/drawing/2010/main" xmlns="" w="9525">
+                <a14:hiddenLine xmlns="" xmlns:a14="http://schemas.microsoft.com/office/drawing/2010/main" w="9525">
                   <a:solidFill>
                     <a:srgbClr val="000000"/>
                   </a:solidFill>
@@ -326,7 +331,7 @@
             </a:ln>
             <a:extLst>
               <a:ext uri="{91240B29-F687-4f45-9708-019B960494DF}">
-                <a14:hiddenLine xmlns:a14="http://schemas.microsoft.com/office/drawing/2010/main" xmlns="" w="9525">
+                <a14:hiddenLine xmlns="" xmlns:a14="http://schemas.microsoft.com/office/drawing/2010/main" w="9525">
                   <a:solidFill>
                     <a:srgbClr val="000000"/>
                   </a:solidFill>
@@ -416,7 +421,7 @@
             </a:ln>
             <a:extLst>
               <a:ext uri="{91240B29-F687-4f45-9708-019B960494DF}">
-                <a14:hiddenLine xmlns:a14="http://schemas.microsoft.com/office/drawing/2010/main" xmlns="" w="9525">
+                <a14:hiddenLine xmlns="" xmlns:a14="http://schemas.microsoft.com/office/drawing/2010/main" w="9525">
                   <a:solidFill>
                     <a:srgbClr val="000000"/>
                   </a:solidFill>
@@ -450,7 +455,7 @@
             </a:ln>
             <a:extLst>
               <a:ext uri="{91240B29-F687-4f45-9708-019B960494DF}">
-                <a14:hiddenLine xmlns:a14="http://schemas.microsoft.com/office/drawing/2010/main" xmlns="" w="9525">
+                <a14:hiddenLine xmlns="" xmlns:a14="http://schemas.microsoft.com/office/drawing/2010/main" w="9525">
                   <a:solidFill>
                     <a:srgbClr val="000000"/>
                   </a:solidFill>
@@ -540,7 +545,7 @@
             </a:ln>
             <a:extLst>
               <a:ext uri="{91240B29-F687-4f45-9708-019B960494DF}">
-                <a14:hiddenLine xmlns:a14="http://schemas.microsoft.com/office/drawing/2010/main" xmlns="" w="9525">
+                <a14:hiddenLine xmlns="" xmlns:a14="http://schemas.microsoft.com/office/drawing/2010/main" w="9525">
                   <a:solidFill>
                     <a:srgbClr val="000000"/>
                   </a:solidFill>
@@ -602,7 +607,7 @@
             </a:ln>
             <a:extLst>
               <a:ext uri="{91240B29-F687-4f45-9708-019B960494DF}">
-                <a14:hiddenLine xmlns:a14="http://schemas.microsoft.com/office/drawing/2010/main" xmlns="" w="9525">
+                <a14:hiddenLine xmlns="" xmlns:a14="http://schemas.microsoft.com/office/drawing/2010/main" w="9525">
                   <a:solidFill>
                     <a:srgbClr val="000000"/>
                   </a:solidFill>
@@ -664,7 +669,7 @@
             </a:ln>
             <a:extLst>
               <a:ext uri="{91240B29-F687-4f45-9708-019B960494DF}">
-                <a14:hiddenLine xmlns:a14="http://schemas.microsoft.com/office/drawing/2010/main" xmlns="" w="9525">
+                <a14:hiddenLine xmlns="" xmlns:a14="http://schemas.microsoft.com/office/drawing/2010/main" w="9525">
                   <a:solidFill>
                     <a:srgbClr val="000000"/>
                   </a:solidFill>
@@ -754,7 +759,7 @@
             </a:ln>
             <a:extLst>
               <a:ext uri="{91240B29-F687-4f45-9708-019B960494DF}">
-                <a14:hiddenLine xmlns:a14="http://schemas.microsoft.com/office/drawing/2010/main" xmlns="" w="9525">
+                <a14:hiddenLine xmlns="" xmlns:a14="http://schemas.microsoft.com/office/drawing/2010/main" w="9525">
                   <a:solidFill>
                     <a:srgbClr val="000000"/>
                   </a:solidFill>
@@ -816,7 +821,7 @@
             </a:ln>
             <a:extLst>
               <a:ext uri="{91240B29-F687-4f45-9708-019B960494DF}">
-                <a14:hiddenLine xmlns:a14="http://schemas.microsoft.com/office/drawing/2010/main" xmlns="" w="9525">
+                <a14:hiddenLine xmlns="" xmlns:a14="http://schemas.microsoft.com/office/drawing/2010/main" w="9525">
                   <a:solidFill>
                     <a:srgbClr val="000000"/>
                   </a:solidFill>
@@ -878,7 +883,7 @@
             </a:ln>
             <a:extLst>
               <a:ext uri="{91240B29-F687-4f45-9708-019B960494DF}">
-                <a14:hiddenLine xmlns:a14="http://schemas.microsoft.com/office/drawing/2010/main" xmlns="" w="9525">
+                <a14:hiddenLine xmlns="" xmlns:a14="http://schemas.microsoft.com/office/drawing/2010/main" w="9525">
                   <a:solidFill>
                     <a:srgbClr val="000000"/>
                   </a:solidFill>
@@ -968,7 +973,7 @@
             </a:ln>
             <a:extLst>
               <a:ext uri="{91240B29-F687-4f45-9708-019B960494DF}">
-                <a14:hiddenLine xmlns:a14="http://schemas.microsoft.com/office/drawing/2010/main" xmlns="" w="9525">
+                <a14:hiddenLine xmlns="" xmlns:a14="http://schemas.microsoft.com/office/drawing/2010/main" w="9525">
                   <a:solidFill>
                     <a:srgbClr val="000000"/>
                   </a:solidFill>
@@ -1058,7 +1063,7 @@
             </a:ln>
             <a:extLst>
               <a:ext uri="{91240B29-F687-4f45-9708-019B960494DF}">
-                <a14:hiddenLine xmlns:a14="http://schemas.microsoft.com/office/drawing/2010/main" xmlns="" w="9525">
+                <a14:hiddenLine xmlns="" xmlns:a14="http://schemas.microsoft.com/office/drawing/2010/main" w="9525">
                   <a:solidFill>
                     <a:srgbClr val="000000"/>
                   </a:solidFill>
@@ -1120,7 +1125,7 @@
             </a:ln>
             <a:extLst>
               <a:ext uri="{91240B29-F687-4f45-9708-019B960494DF}">
-                <a14:hiddenLine xmlns:a14="http://schemas.microsoft.com/office/drawing/2010/main" xmlns="" w="9525">
+                <a14:hiddenLine xmlns="" xmlns:a14="http://schemas.microsoft.com/office/drawing/2010/main" w="9525">
                   <a:solidFill>
                     <a:srgbClr val="000000"/>
                   </a:solidFill>
@@ -1230,7 +1235,7 @@
             </a:ln>
             <a:extLst>
               <a:ext uri="{91240B29-F687-4f45-9708-019B960494DF}">
-                <a14:hiddenLine xmlns:a14="http://schemas.microsoft.com/office/drawing/2010/main" xmlns="" w="9525">
+                <a14:hiddenLine xmlns="" xmlns:a14="http://schemas.microsoft.com/office/drawing/2010/main" w="9525">
                   <a:solidFill>
                     <a:srgbClr val="000000"/>
                   </a:solidFill>
@@ -1292,7 +1297,7 @@
             </a:ln>
             <a:extLst>
               <a:ext uri="{91240B29-F687-4f45-9708-019B960494DF}">
-                <a14:hiddenLine xmlns:a14="http://schemas.microsoft.com/office/drawing/2010/main" xmlns="" w="9525">
+                <a14:hiddenLine xmlns="" xmlns:a14="http://schemas.microsoft.com/office/drawing/2010/main" w="9525">
                   <a:solidFill>
                     <a:srgbClr val="000000"/>
                   </a:solidFill>
@@ -1382,7 +1387,7 @@
             </a:ln>
             <a:extLst>
               <a:ext uri="{91240B29-F687-4f45-9708-019B960494DF}">
-                <a14:hiddenLine xmlns:a14="http://schemas.microsoft.com/office/drawing/2010/main" xmlns="" w="9525">
+                <a14:hiddenLine xmlns="" xmlns:a14="http://schemas.microsoft.com/office/drawing/2010/main" w="9525">
                   <a:solidFill>
                     <a:srgbClr val="000000"/>
                   </a:solidFill>
@@ -1472,7 +1477,7 @@
             </a:ln>
             <a:extLst>
               <a:ext uri="{91240B29-F687-4f45-9708-019B960494DF}">
-                <a14:hiddenLine xmlns:a14="http://schemas.microsoft.com/office/drawing/2010/main" xmlns="" w="9525">
+                <a14:hiddenLine xmlns="" xmlns:a14="http://schemas.microsoft.com/office/drawing/2010/main" w="9525">
                   <a:solidFill>
                     <a:srgbClr val="000000"/>
                   </a:solidFill>
@@ -1534,7 +1539,7 @@
             </a:ln>
             <a:extLst>
               <a:ext uri="{91240B29-F687-4f45-9708-019B960494DF}">
-                <a14:hiddenLine xmlns:a14="http://schemas.microsoft.com/office/drawing/2010/main" xmlns="" w="9525">
+                <a14:hiddenLine xmlns="" xmlns:a14="http://schemas.microsoft.com/office/drawing/2010/main" w="9525">
                   <a:solidFill>
                     <a:srgbClr val="000000"/>
                   </a:solidFill>
@@ -1624,7 +1629,7 @@
             </a:ln>
             <a:extLst>
               <a:ext uri="{91240B29-F687-4f45-9708-019B960494DF}">
-                <a14:hiddenLine xmlns:a14="http://schemas.microsoft.com/office/drawing/2010/main" xmlns="" w="9525">
+                <a14:hiddenLine xmlns="" xmlns:a14="http://schemas.microsoft.com/office/drawing/2010/main" w="9525">
                   <a:solidFill>
                     <a:srgbClr val="000000"/>
                   </a:solidFill>
@@ -1714,7 +1719,7 @@
             </a:ln>
             <a:extLst>
               <a:ext uri="{91240B29-F687-4f45-9708-019B960494DF}">
-                <a14:hiddenLine xmlns:a14="http://schemas.microsoft.com/office/drawing/2010/main" xmlns="" w="9525">
+                <a14:hiddenLine xmlns="" xmlns:a14="http://schemas.microsoft.com/office/drawing/2010/main" w="9525">
                   <a:solidFill>
                     <a:srgbClr val="000000"/>
                   </a:solidFill>
@@ -1770,7 +1775,7 @@
             </a:ln>
             <a:extLst>
               <a:ext uri="{91240B29-F687-4f45-9708-019B960494DF}">
-                <a14:hiddenLine xmlns:a14="http://schemas.microsoft.com/office/drawing/2010/main" xmlns="" w="9525">
+                <a14:hiddenLine xmlns="" xmlns:a14="http://schemas.microsoft.com/office/drawing/2010/main" w="9525">
                   <a:solidFill>
                     <a:srgbClr val="000000"/>
                   </a:solidFill>
@@ -1860,7 +1865,7 @@
             </a:ln>
             <a:extLst>
               <a:ext uri="{91240B29-F687-4f45-9708-019B960494DF}">
-                <a14:hiddenLine xmlns:a14="http://schemas.microsoft.com/office/drawing/2010/main" xmlns="" w="9525">
+                <a14:hiddenLine xmlns="" xmlns:a14="http://schemas.microsoft.com/office/drawing/2010/main" w="9525">
                   <a:solidFill>
                     <a:srgbClr val="000000"/>
                   </a:solidFill>
@@ -1916,7 +1921,7 @@
             </a:ln>
             <a:extLst>
               <a:ext uri="{91240B29-F687-4f45-9708-019B960494DF}">
-                <a14:hiddenLine xmlns:a14="http://schemas.microsoft.com/office/drawing/2010/main" xmlns="" w="9525">
+                <a14:hiddenLine xmlns="" xmlns:a14="http://schemas.microsoft.com/office/drawing/2010/main" w="9525">
                   <a:solidFill>
                     <a:srgbClr val="000000"/>
                   </a:solidFill>
@@ -2006,7 +2011,7 @@
             </a:ln>
             <a:extLst>
               <a:ext uri="{91240B29-F687-4f45-9708-019B960494DF}">
-                <a14:hiddenLine xmlns:a14="http://schemas.microsoft.com/office/drawing/2010/main" xmlns="" w="9525">
+                <a14:hiddenLine xmlns="" xmlns:a14="http://schemas.microsoft.com/office/drawing/2010/main" w="9525">
                   <a:solidFill>
                     <a:srgbClr val="000000"/>
                   </a:solidFill>
@@ -2074,7 +2079,7 @@
             </a:ln>
             <a:extLst>
               <a:ext uri="{91240B29-F687-4f45-9708-019B960494DF}">
-                <a14:hiddenLine xmlns:a14="http://schemas.microsoft.com/office/drawing/2010/main" xmlns="" w="9525">
+                <a14:hiddenLine xmlns="" xmlns:a14="http://schemas.microsoft.com/office/drawing/2010/main" w="9525">
                   <a:solidFill>
                     <a:srgbClr val="000000"/>
                   </a:solidFill>
@@ -2164,7 +2169,7 @@
             </a:ln>
             <a:extLst>
               <a:ext uri="{91240B29-F687-4f45-9708-019B960494DF}">
-                <a14:hiddenLine xmlns:a14="http://schemas.microsoft.com/office/drawing/2010/main" xmlns="" w="9525">
+                <a14:hiddenLine xmlns="" xmlns:a14="http://schemas.microsoft.com/office/drawing/2010/main" w="9525">
                   <a:solidFill>
                     <a:srgbClr val="000000"/>
                   </a:solidFill>
@@ -2232,7 +2237,7 @@
             </a:ln>
             <a:extLst>
               <a:ext uri="{91240B29-F687-4f45-9708-019B960494DF}">
-                <a14:hiddenLine xmlns:a14="http://schemas.microsoft.com/office/drawing/2010/main" xmlns="" w="9525">
+                <a14:hiddenLine xmlns="" xmlns:a14="http://schemas.microsoft.com/office/drawing/2010/main" w="9525">
                   <a:solidFill>
                     <a:srgbClr val="000000"/>
                   </a:solidFill>
@@ -2322,7 +2327,7 @@
             </a:ln>
             <a:extLst>
               <a:ext uri="{91240B29-F687-4f45-9708-019B960494DF}">
-                <a14:hiddenLine xmlns:a14="http://schemas.microsoft.com/office/drawing/2010/main" xmlns="" w="9525">
+                <a14:hiddenLine xmlns="" xmlns:a14="http://schemas.microsoft.com/office/drawing/2010/main" w="9525">
                   <a:solidFill>
                     <a:srgbClr val="000000"/>
                   </a:solidFill>
@@ -2356,7 +2361,7 @@
             </a:ln>
             <a:extLst>
               <a:ext uri="{91240B29-F687-4f45-9708-019B960494DF}">
-                <a14:hiddenLine xmlns:a14="http://schemas.microsoft.com/office/drawing/2010/main" xmlns="" w="9525">
+                <a14:hiddenLine xmlns="" xmlns:a14="http://schemas.microsoft.com/office/drawing/2010/main" w="9525">
                   <a:solidFill>
                     <a:srgbClr val="000000"/>
                   </a:solidFill>
@@ -2446,7 +2451,7 @@
             </a:ln>
             <a:extLst>
               <a:ext uri="{91240B29-F687-4f45-9708-019B960494DF}">
-                <a14:hiddenLine xmlns:a14="http://schemas.microsoft.com/office/drawing/2010/main" xmlns="" w="9525">
+                <a14:hiddenLine xmlns="" xmlns:a14="http://schemas.microsoft.com/office/drawing/2010/main" w="9525">
                   <a:solidFill>
                     <a:srgbClr val="000000"/>
                   </a:solidFill>
@@ -2508,7 +2513,7 @@
             </a:ln>
             <a:extLst>
               <a:ext uri="{91240B29-F687-4f45-9708-019B960494DF}">
-                <a14:hiddenLine xmlns:a14="http://schemas.microsoft.com/office/drawing/2010/main" xmlns="" w="9525">
+                <a14:hiddenLine xmlns="" xmlns:a14="http://schemas.microsoft.com/office/drawing/2010/main" w="9525">
                   <a:solidFill>
                     <a:srgbClr val="000000"/>
                   </a:solidFill>
@@ -2570,7 +2575,7 @@
             </a:ln>
             <a:extLst>
               <a:ext uri="{91240B29-F687-4f45-9708-019B960494DF}">
-                <a14:hiddenLine xmlns:a14="http://schemas.microsoft.com/office/drawing/2010/main" xmlns="" w="9525">
+                <a14:hiddenLine xmlns="" xmlns:a14="http://schemas.microsoft.com/office/drawing/2010/main" w="9525">
                   <a:solidFill>
                     <a:srgbClr val="000000"/>
                   </a:solidFill>
@@ -2660,7 +2665,7 @@
             </a:ln>
             <a:extLst>
               <a:ext uri="{91240B29-F687-4f45-9708-019B960494DF}">
-                <a14:hiddenLine xmlns:a14="http://schemas.microsoft.com/office/drawing/2010/main" xmlns="" w="9525">
+                <a14:hiddenLine xmlns="" xmlns:a14="http://schemas.microsoft.com/office/drawing/2010/main" w="9525">
                   <a:solidFill>
                     <a:srgbClr val="000000"/>
                   </a:solidFill>
@@ -2728,7 +2733,7 @@
             </a:ln>
             <a:extLst>
               <a:ext uri="{91240B29-F687-4f45-9708-019B960494DF}">
-                <a14:hiddenLine xmlns:a14="http://schemas.microsoft.com/office/drawing/2010/main" xmlns="" w="9525">
+                <a14:hiddenLine xmlns="" xmlns:a14="http://schemas.microsoft.com/office/drawing/2010/main" w="9525">
                   <a:solidFill>
                     <a:srgbClr val="000000"/>
                   </a:solidFill>
@@ -2790,7 +2795,7 @@
             </a:ln>
             <a:extLst>
               <a:ext uri="{91240B29-F687-4f45-9708-019B960494DF}">
-                <a14:hiddenLine xmlns:a14="http://schemas.microsoft.com/office/drawing/2010/main" xmlns="" w="9525">
+                <a14:hiddenLine xmlns="" xmlns:a14="http://schemas.microsoft.com/office/drawing/2010/main" w="9525">
                   <a:solidFill>
                     <a:srgbClr val="000000"/>
                   </a:solidFill>
@@ -2880,7 +2885,7 @@
             </a:ln>
             <a:extLst>
               <a:ext uri="{91240B29-F687-4f45-9708-019B960494DF}">
-                <a14:hiddenLine xmlns:a14="http://schemas.microsoft.com/office/drawing/2010/main" xmlns="" w="9525">
+                <a14:hiddenLine xmlns="" xmlns:a14="http://schemas.microsoft.com/office/drawing/2010/main" w="9525">
                   <a:solidFill>
                     <a:srgbClr val="000000"/>
                   </a:solidFill>
@@ -2942,7 +2947,7 @@
             </a:ln>
             <a:extLst>
               <a:ext uri="{91240B29-F687-4f45-9708-019B960494DF}">
-                <a14:hiddenLine xmlns:a14="http://schemas.microsoft.com/office/drawing/2010/main" xmlns="" w="9525">
+                <a14:hiddenLine xmlns="" xmlns:a14="http://schemas.microsoft.com/office/drawing/2010/main" w="9525">
                   <a:solidFill>
                     <a:srgbClr val="000000"/>
                   </a:solidFill>
@@ -3032,7 +3037,7 @@
             </a:ln>
             <a:extLst>
               <a:ext uri="{91240B29-F687-4f45-9708-019B960494DF}">
-                <a14:hiddenLine xmlns:a14="http://schemas.microsoft.com/office/drawing/2010/main" xmlns="" w="9525">
+                <a14:hiddenLine xmlns="" xmlns:a14="http://schemas.microsoft.com/office/drawing/2010/main" w="9525">
                   <a:solidFill>
                     <a:srgbClr val="000000"/>
                   </a:solidFill>
@@ -3094,7 +3099,7 @@
             </a:ln>
             <a:extLst>
               <a:ext uri="{91240B29-F687-4f45-9708-019B960494DF}">
-                <a14:hiddenLine xmlns:a14="http://schemas.microsoft.com/office/drawing/2010/main" xmlns="" w="9525">
+                <a14:hiddenLine xmlns="" xmlns:a14="http://schemas.microsoft.com/office/drawing/2010/main" w="9525">
                   <a:solidFill>
                     <a:srgbClr val="000000"/>
                   </a:solidFill>
@@ -3184,7 +3189,7 @@
             </a:ln>
             <a:extLst>
               <a:ext uri="{91240B29-F687-4f45-9708-019B960494DF}">
-                <a14:hiddenLine xmlns:a14="http://schemas.microsoft.com/office/drawing/2010/main" xmlns="" w="9525">
+                <a14:hiddenLine xmlns="" xmlns:a14="http://schemas.microsoft.com/office/drawing/2010/main" w="9525">
                   <a:solidFill>
                     <a:srgbClr val="000000"/>
                   </a:solidFill>
@@ -3218,7 +3223,7 @@
             </a:ln>
             <a:extLst>
               <a:ext uri="{91240B29-F687-4f45-9708-019B960494DF}">
-                <a14:hiddenLine xmlns:a14="http://schemas.microsoft.com/office/drawing/2010/main" xmlns="" w="9525">
+                <a14:hiddenLine xmlns="" xmlns:a14="http://schemas.microsoft.com/office/drawing/2010/main" w="9525">
                   <a:solidFill>
                     <a:srgbClr val="000000"/>
                   </a:solidFill>
@@ -3283,7 +3288,7 @@
             </a:ln>
             <a:extLst>
               <a:ext uri="{91240B29-F687-4f45-9708-019B960494DF}">
-                <a14:hiddenLine xmlns:a14="http://schemas.microsoft.com/office/drawing/2010/main" xmlns="" w="9525">
+                <a14:hiddenLine xmlns="" xmlns:a14="http://schemas.microsoft.com/office/drawing/2010/main" w="9525">
                   <a:solidFill>
                     <a:srgbClr val="000000"/>
                   </a:solidFill>
@@ -3373,7 +3378,7 @@
             </a:ln>
             <a:extLst>
               <a:ext uri="{91240B29-F687-4f45-9708-019B960494DF}">
-                <a14:hiddenLine xmlns:a14="http://schemas.microsoft.com/office/drawing/2010/main" xmlns="" w="9525">
+                <a14:hiddenLine xmlns="" xmlns:a14="http://schemas.microsoft.com/office/drawing/2010/main" w="9525">
                   <a:solidFill>
                     <a:srgbClr val="000000"/>
                   </a:solidFill>
@@ -3435,7 +3440,7 @@
             </a:ln>
             <a:extLst>
               <a:ext uri="{91240B29-F687-4f45-9708-019B960494DF}">
-                <a14:hiddenLine xmlns:a14="http://schemas.microsoft.com/office/drawing/2010/main" xmlns="" w="9525">
+                <a14:hiddenLine xmlns="" xmlns:a14="http://schemas.microsoft.com/office/drawing/2010/main" w="9525">
                   <a:solidFill>
                     <a:srgbClr val="000000"/>
                   </a:solidFill>
@@ -3525,7 +3530,7 @@
             </a:ln>
             <a:extLst>
               <a:ext uri="{91240B29-F687-4f45-9708-019B960494DF}">
-                <a14:hiddenLine xmlns:a14="http://schemas.microsoft.com/office/drawing/2010/main" xmlns="" w="9525">
+                <a14:hiddenLine xmlns="" xmlns:a14="http://schemas.microsoft.com/office/drawing/2010/main" w="9525">
                   <a:solidFill>
                     <a:srgbClr val="000000"/>
                   </a:solidFill>
@@ -3615,7 +3620,7 @@
             </a:ln>
             <a:extLst>
               <a:ext uri="{91240B29-F687-4f45-9708-019B960494DF}">
-                <a14:hiddenLine xmlns:a14="http://schemas.microsoft.com/office/drawing/2010/main" xmlns="" w="9525">
+                <a14:hiddenLine xmlns="" xmlns:a14="http://schemas.microsoft.com/office/drawing/2010/main" w="9525">
                   <a:solidFill>
                     <a:srgbClr val="000000"/>
                   </a:solidFill>
@@ -3680,7 +3685,7 @@
             </a:ln>
             <a:extLst>
               <a:ext uri="{91240B29-F687-4f45-9708-019B960494DF}">
-                <a14:hiddenLine xmlns:a14="http://schemas.microsoft.com/office/drawing/2010/main" xmlns="" w="9525">
+                <a14:hiddenLine xmlns="" xmlns:a14="http://schemas.microsoft.com/office/drawing/2010/main" w="9525">
                   <a:solidFill>
                     <a:srgbClr val="000000"/>
                   </a:solidFill>
@@ -3742,7 +3747,7 @@
             </a:ln>
             <a:extLst>
               <a:ext uri="{91240B29-F687-4f45-9708-019B960494DF}">
-                <a14:hiddenLine xmlns:a14="http://schemas.microsoft.com/office/drawing/2010/main" xmlns="" w="9525">
+                <a14:hiddenLine xmlns="" xmlns:a14="http://schemas.microsoft.com/office/drawing/2010/main" w="9525">
                   <a:solidFill>
                     <a:srgbClr val="000000"/>
                   </a:solidFill>
@@ -3832,7 +3837,7 @@
             </a:ln>
             <a:extLst>
               <a:ext uri="{91240B29-F687-4f45-9708-019B960494DF}">
-                <a14:hiddenLine xmlns:a14="http://schemas.microsoft.com/office/drawing/2010/main" xmlns="" w="9525">
+                <a14:hiddenLine xmlns="" xmlns:a14="http://schemas.microsoft.com/office/drawing/2010/main" w="9525">
                   <a:solidFill>
                     <a:srgbClr val="000000"/>
                   </a:solidFill>
@@ -3922,7 +3927,7 @@
             </a:ln>
             <a:extLst>
               <a:ext uri="{91240B29-F687-4f45-9708-019B960494DF}">
-                <a14:hiddenLine xmlns:a14="http://schemas.microsoft.com/office/drawing/2010/main" xmlns="" w="9525">
+                <a14:hiddenLine xmlns="" xmlns:a14="http://schemas.microsoft.com/office/drawing/2010/main" w="9525">
                   <a:solidFill>
                     <a:srgbClr val="000000"/>
                   </a:solidFill>
@@ -3984,7 +3989,7 @@
             </a:ln>
             <a:extLst>
               <a:ext uri="{91240B29-F687-4f45-9708-019B960494DF}">
-                <a14:hiddenLine xmlns:a14="http://schemas.microsoft.com/office/drawing/2010/main" xmlns="" w="9525">
+                <a14:hiddenLine xmlns="" xmlns:a14="http://schemas.microsoft.com/office/drawing/2010/main" w="9525">
                   <a:solidFill>
                     <a:srgbClr val="000000"/>
                   </a:solidFill>
@@ -4104,7 +4109,7 @@
             </a:ln>
             <a:extLst>
               <a:ext uri="{91240B29-F687-4f45-9708-019B960494DF}">
-                <a14:hiddenLine xmlns:a14="http://schemas.microsoft.com/office/drawing/2010/main" xmlns="" w="9525">
+                <a14:hiddenLine xmlns="" xmlns:a14="http://schemas.microsoft.com/office/drawing/2010/main" w="9525">
                   <a:solidFill>
                     <a:srgbClr val="000000"/>
                   </a:solidFill>
@@ -4172,7 +4177,7 @@
             </a:ln>
             <a:extLst>
               <a:ext uri="{91240B29-F687-4f45-9708-019B960494DF}">
-                <a14:hiddenLine xmlns:a14="http://schemas.microsoft.com/office/drawing/2010/main" xmlns="" w="9525">
+                <a14:hiddenLine xmlns="" xmlns:a14="http://schemas.microsoft.com/office/drawing/2010/main" w="9525">
                   <a:solidFill>
                     <a:srgbClr val="000000"/>
                   </a:solidFill>
@@ -4262,7 +4267,7 @@
             </a:ln>
             <a:extLst>
               <a:ext uri="{91240B29-F687-4f45-9708-019B960494DF}">
-                <a14:hiddenLine xmlns:a14="http://schemas.microsoft.com/office/drawing/2010/main" xmlns="" w="9525">
+                <a14:hiddenLine xmlns="" xmlns:a14="http://schemas.microsoft.com/office/drawing/2010/main" w="9525">
                   <a:solidFill>
                     <a:srgbClr val="000000"/>
                   </a:solidFill>
@@ -4402,7 +4407,7 @@
           <a:p>
             <a:fld id="{48A87A34-81AB-432B-8DAE-1953F412C126}" type="datetimeFigureOut">
               <a:rPr lang="en-US" dirty="0"/>
-              <a:t>3/5/2022</a:t>
+              <a:t>3/7/2022</a:t>
             </a:fld>
             <a:endParaRPr lang="en-US" dirty="0"/>
           </a:p>
@@ -4664,7 +4669,7 @@
           <a:p>
             <a:fld id="{48A87A34-81AB-432B-8DAE-1953F412C126}" type="datetimeFigureOut">
               <a:rPr lang="en-US" dirty="0"/>
-              <a:t>3/5/2022</a:t>
+              <a:t>3/7/2022</a:t>
             </a:fld>
             <a:endParaRPr lang="en-US" dirty="0"/>
           </a:p>
@@ -4855,7 +4860,7 @@
           <a:p>
             <a:fld id="{48A87A34-81AB-432B-8DAE-1953F412C126}" type="datetimeFigureOut">
               <a:rPr lang="en-US" dirty="0"/>
-              <a:t>3/5/2022</a:t>
+              <a:t>3/7/2022</a:t>
             </a:fld>
             <a:endParaRPr lang="en-US" dirty="0"/>
           </a:p>
@@ -5113,7 +5118,7 @@
           <a:p>
             <a:fld id="{48A87A34-81AB-432B-8DAE-1953F412C126}" type="datetimeFigureOut">
               <a:rPr lang="en-US" dirty="0"/>
-              <a:t>3/5/2022</a:t>
+              <a:t>3/7/2022</a:t>
             </a:fld>
             <a:endParaRPr lang="en-US" dirty="0"/>
           </a:p>
@@ -5542,7 +5547,7 @@
           <a:p>
             <a:fld id="{48A87A34-81AB-432B-8DAE-1953F412C126}" type="datetimeFigureOut">
               <a:rPr lang="en-US" dirty="0"/>
-              <a:t>3/5/2022</a:t>
+              <a:t>3/7/2022</a:t>
             </a:fld>
             <a:endParaRPr lang="en-US" dirty="0"/>
           </a:p>
@@ -6083,7 +6088,7 @@
           <a:p>
             <a:fld id="{48A87A34-81AB-432B-8DAE-1953F412C126}" type="datetimeFigureOut">
               <a:rPr lang="en-US" dirty="0"/>
-              <a:t>3/5/2022</a:t>
+              <a:t>3/7/2022</a:t>
             </a:fld>
             <a:endParaRPr lang="en-US" dirty="0"/>
           </a:p>
@@ -6798,7 +6803,7 @@
           <a:p>
             <a:fld id="{48A87A34-81AB-432B-8DAE-1953F412C126}" type="datetimeFigureOut">
               <a:rPr lang="en-US" dirty="0"/>
-              <a:t>3/5/2022</a:t>
+              <a:t>3/7/2022</a:t>
             </a:fld>
             <a:endParaRPr lang="en-US" dirty="0"/>
           </a:p>
@@ -6963,7 +6968,7 @@
           <a:p>
             <a:fld id="{48A87A34-81AB-432B-8DAE-1953F412C126}" type="datetimeFigureOut">
               <a:rPr lang="en-US" dirty="0"/>
-              <a:t>3/5/2022</a:t>
+              <a:t>3/7/2022</a:t>
             </a:fld>
             <a:endParaRPr lang="en-US" dirty="0"/>
           </a:p>
@@ -7138,7 +7143,7 @@
           <a:p>
             <a:fld id="{48A87A34-81AB-432B-8DAE-1953F412C126}" type="datetimeFigureOut">
               <a:rPr lang="en-US" dirty="0"/>
-              <a:t>3/5/2022</a:t>
+              <a:t>3/7/2022</a:t>
             </a:fld>
             <a:endParaRPr lang="en-US" dirty="0"/>
           </a:p>
@@ -7303,7 +7308,7 @@
           <a:p>
             <a:fld id="{48A87A34-81AB-432B-8DAE-1953F412C126}" type="datetimeFigureOut">
               <a:rPr lang="en-US" dirty="0"/>
-              <a:t>3/5/2022</a:t>
+              <a:t>3/7/2022</a:t>
             </a:fld>
             <a:endParaRPr lang="en-US" dirty="0"/>
           </a:p>
@@ -7548,7 +7553,7 @@
           <a:p>
             <a:fld id="{48A87A34-81AB-432B-8DAE-1953F412C126}" type="datetimeFigureOut">
               <a:rPr lang="en-US" dirty="0"/>
-              <a:t>3/5/2022</a:t>
+              <a:t>3/7/2022</a:t>
             </a:fld>
             <a:endParaRPr lang="en-US" dirty="0"/>
           </a:p>
@@ -7775,7 +7780,7 @@
           <a:p>
             <a:fld id="{48A87A34-81AB-432B-8DAE-1953F412C126}" type="datetimeFigureOut">
               <a:rPr lang="en-US" dirty="0"/>
-              <a:t>3/5/2022</a:t>
+              <a:t>3/7/2022</a:t>
             </a:fld>
             <a:endParaRPr lang="en-US" dirty="0"/>
           </a:p>
@@ -8151,7 +8156,7 @@
           <a:p>
             <a:fld id="{48A87A34-81AB-432B-8DAE-1953F412C126}" type="datetimeFigureOut">
               <a:rPr lang="en-US" dirty="0"/>
-              <a:t>3/5/2022</a:t>
+              <a:t>3/7/2022</a:t>
             </a:fld>
             <a:endParaRPr lang="en-US" dirty="0"/>
           </a:p>
@@ -8264,7 +8269,7 @@
           <a:p>
             <a:fld id="{48A87A34-81AB-432B-8DAE-1953F412C126}" type="datetimeFigureOut">
               <a:rPr lang="en-US" dirty="0"/>
-              <a:t>3/5/2022</a:t>
+              <a:t>3/7/2022</a:t>
             </a:fld>
             <a:endParaRPr lang="en-US" dirty="0"/>
           </a:p>
@@ -8354,7 +8359,7 @@
           <a:p>
             <a:fld id="{48A87A34-81AB-432B-8DAE-1953F412C126}" type="datetimeFigureOut">
               <a:rPr lang="en-US" dirty="0"/>
-              <a:t>3/5/2022</a:t>
+              <a:t>3/7/2022</a:t>
             </a:fld>
             <a:endParaRPr lang="en-US" dirty="0"/>
           </a:p>
@@ -8598,7 +8603,7 @@
           <a:p>
             <a:fld id="{48A87A34-81AB-432B-8DAE-1953F412C126}" type="datetimeFigureOut">
               <a:rPr lang="en-US" dirty="0"/>
-              <a:t>3/5/2022</a:t>
+              <a:t>3/7/2022</a:t>
             </a:fld>
             <a:endParaRPr lang="en-US" dirty="0"/>
           </a:p>
@@ -8873,7 +8878,7 @@
           <a:p>
             <a:fld id="{48A87A34-81AB-432B-8DAE-1953F412C126}" type="datetimeFigureOut">
               <a:rPr lang="en-US" dirty="0"/>
-              <a:t>3/5/2022</a:t>
+              <a:t>3/7/2022</a:t>
             </a:fld>
             <a:endParaRPr lang="en-US" dirty="0"/>
           </a:p>
@@ -8984,7 +8989,7 @@
           <a:noFill/>
           <a:extLst>
             <a:ext uri="{909E8E84-426E-40dd-AFC4-6F175D3DCCD1}">
-              <a14:hiddenFill xmlns:a14="http://schemas.microsoft.com/office/drawing/2010/main" xmlns="">
+              <a14:hiddenFill xmlns="" xmlns:a14="http://schemas.microsoft.com/office/drawing/2010/main">
                 <a:solidFill>
                   <a:srgbClr val="FFFFFF"/>
                 </a:solidFill>
@@ -9058,7 +9063,7 @@
               </a:ln>
               <a:extLst>
                 <a:ext uri="{91240B29-F687-4f45-9708-019B960494DF}">
-                  <a14:hiddenLine xmlns:a14="http://schemas.microsoft.com/office/drawing/2010/main" xmlns="" w="9525">
+                  <a14:hiddenLine xmlns="" xmlns:a14="http://schemas.microsoft.com/office/drawing/2010/main" w="9525">
                     <a:solidFill>
                       <a:srgbClr val="000000"/>
                     </a:solidFill>
@@ -9148,7 +9153,7 @@
               </a:ln>
               <a:extLst>
                 <a:ext uri="{91240B29-F687-4f45-9708-019B960494DF}">
-                  <a14:hiddenLine xmlns:a14="http://schemas.microsoft.com/office/drawing/2010/main" xmlns="" w="9525">
+                  <a14:hiddenLine xmlns="" xmlns:a14="http://schemas.microsoft.com/office/drawing/2010/main" w="9525">
                     <a:solidFill>
                       <a:srgbClr val="000000"/>
                     </a:solidFill>
@@ -9238,7 +9243,7 @@
               </a:ln>
               <a:extLst>
                 <a:ext uri="{91240B29-F687-4f45-9708-019B960494DF}">
-                  <a14:hiddenLine xmlns:a14="http://schemas.microsoft.com/office/drawing/2010/main" xmlns="" w="9525">
+                  <a14:hiddenLine xmlns="" xmlns:a14="http://schemas.microsoft.com/office/drawing/2010/main" w="9525">
                     <a:solidFill>
                       <a:srgbClr val="000000"/>
                     </a:solidFill>
@@ -9300,7 +9305,7 @@
               </a:ln>
               <a:extLst>
                 <a:ext uri="{91240B29-F687-4f45-9708-019B960494DF}">
-                  <a14:hiddenLine xmlns:a14="http://schemas.microsoft.com/office/drawing/2010/main" xmlns="" w="9525">
+                  <a14:hiddenLine xmlns="" xmlns:a14="http://schemas.microsoft.com/office/drawing/2010/main" w="9525">
                     <a:solidFill>
                       <a:srgbClr val="000000"/>
                     </a:solidFill>
@@ -9390,7 +9395,7 @@
               </a:ln>
               <a:extLst>
                 <a:ext uri="{91240B29-F687-4f45-9708-019B960494DF}">
-                  <a14:hiddenLine xmlns:a14="http://schemas.microsoft.com/office/drawing/2010/main" xmlns="" w="9525">
+                  <a14:hiddenLine xmlns="" xmlns:a14="http://schemas.microsoft.com/office/drawing/2010/main" w="9525">
                     <a:solidFill>
                       <a:srgbClr val="000000"/>
                     </a:solidFill>
@@ -9452,7 +9457,7 @@
               </a:ln>
               <a:extLst>
                 <a:ext uri="{91240B29-F687-4f45-9708-019B960494DF}">
-                  <a14:hiddenLine xmlns:a14="http://schemas.microsoft.com/office/drawing/2010/main" xmlns="" w="9525">
+                  <a14:hiddenLine xmlns="" xmlns:a14="http://schemas.microsoft.com/office/drawing/2010/main" w="9525">
                     <a:solidFill>
                       <a:srgbClr val="000000"/>
                     </a:solidFill>
@@ -9514,7 +9519,7 @@
               </a:ln>
               <a:extLst>
                 <a:ext uri="{91240B29-F687-4f45-9708-019B960494DF}">
-                  <a14:hiddenLine xmlns:a14="http://schemas.microsoft.com/office/drawing/2010/main" xmlns="" w="9525">
+                  <a14:hiddenLine xmlns="" xmlns:a14="http://schemas.microsoft.com/office/drawing/2010/main" w="9525">
                     <a:solidFill>
                       <a:srgbClr val="000000"/>
                     </a:solidFill>
@@ -9604,7 +9609,7 @@
               </a:ln>
               <a:extLst>
                 <a:ext uri="{91240B29-F687-4f45-9708-019B960494DF}">
-                  <a14:hiddenLine xmlns:a14="http://schemas.microsoft.com/office/drawing/2010/main" xmlns="" w="9525">
+                  <a14:hiddenLine xmlns="" xmlns:a14="http://schemas.microsoft.com/office/drawing/2010/main" w="9525">
                     <a:solidFill>
                       <a:srgbClr val="000000"/>
                     </a:solidFill>
@@ -9694,7 +9699,7 @@
               </a:ln>
               <a:extLst>
                 <a:ext uri="{91240B29-F687-4f45-9708-019B960494DF}">
-                  <a14:hiddenLine xmlns:a14="http://schemas.microsoft.com/office/drawing/2010/main" xmlns="" w="9525">
+                  <a14:hiddenLine xmlns="" xmlns:a14="http://schemas.microsoft.com/office/drawing/2010/main" w="9525">
                     <a:solidFill>
                       <a:srgbClr val="000000"/>
                     </a:solidFill>
@@ -9756,7 +9761,7 @@
               </a:ln>
               <a:extLst>
                 <a:ext uri="{91240B29-F687-4f45-9708-019B960494DF}">
-                  <a14:hiddenLine xmlns:a14="http://schemas.microsoft.com/office/drawing/2010/main" xmlns="" w="9525">
+                  <a14:hiddenLine xmlns="" xmlns:a14="http://schemas.microsoft.com/office/drawing/2010/main" w="9525">
                     <a:solidFill>
                       <a:srgbClr val="000000"/>
                     </a:solidFill>
@@ -9866,7 +9871,7 @@
               </a:ln>
               <a:extLst>
                 <a:ext uri="{91240B29-F687-4f45-9708-019B960494DF}">
-                  <a14:hiddenLine xmlns:a14="http://schemas.microsoft.com/office/drawing/2010/main" xmlns="" w="9525">
+                  <a14:hiddenLine xmlns="" xmlns:a14="http://schemas.microsoft.com/office/drawing/2010/main" w="9525">
                     <a:solidFill>
                       <a:srgbClr val="000000"/>
                     </a:solidFill>
@@ -9950,7 +9955,7 @@
               </a:ln>
               <a:extLst>
                 <a:ext uri="{91240B29-F687-4f45-9708-019B960494DF}">
-                  <a14:hiddenLine xmlns:a14="http://schemas.microsoft.com/office/drawing/2010/main" xmlns="" w="9525">
+                  <a14:hiddenLine xmlns="" xmlns:a14="http://schemas.microsoft.com/office/drawing/2010/main" w="9525">
                     <a:solidFill>
                       <a:srgbClr val="000000"/>
                     </a:solidFill>
@@ -10012,7 +10017,7 @@
               </a:ln>
               <a:extLst>
                 <a:ext uri="{91240B29-F687-4f45-9708-019B960494DF}">
-                  <a14:hiddenLine xmlns:a14="http://schemas.microsoft.com/office/drawing/2010/main" xmlns="" w="9525">
+                  <a14:hiddenLine xmlns="" xmlns:a14="http://schemas.microsoft.com/office/drawing/2010/main" w="9525">
                     <a:solidFill>
                       <a:srgbClr val="000000"/>
                     </a:solidFill>
@@ -10074,7 +10079,7 @@
               </a:ln>
               <a:extLst>
                 <a:ext uri="{91240B29-F687-4f45-9708-019B960494DF}">
-                  <a14:hiddenLine xmlns:a14="http://schemas.microsoft.com/office/drawing/2010/main" xmlns="" w="9525">
+                  <a14:hiddenLine xmlns="" xmlns:a14="http://schemas.microsoft.com/office/drawing/2010/main" w="9525">
                     <a:solidFill>
                       <a:srgbClr val="000000"/>
                     </a:solidFill>
@@ -10164,7 +10169,7 @@
               </a:ln>
               <a:extLst>
                 <a:ext uri="{91240B29-F687-4f45-9708-019B960494DF}">
-                  <a14:hiddenLine xmlns:a14="http://schemas.microsoft.com/office/drawing/2010/main" xmlns="" w="9525">
+                  <a14:hiddenLine xmlns="" xmlns:a14="http://schemas.microsoft.com/office/drawing/2010/main" w="9525">
                     <a:solidFill>
                       <a:srgbClr val="000000"/>
                     </a:solidFill>
@@ -10198,7 +10203,7 @@
               </a:ln>
               <a:extLst>
                 <a:ext uri="{91240B29-F687-4f45-9708-019B960494DF}">
-                  <a14:hiddenLine xmlns:a14="http://schemas.microsoft.com/office/drawing/2010/main" xmlns="" w="9525">
+                  <a14:hiddenLine xmlns="" xmlns:a14="http://schemas.microsoft.com/office/drawing/2010/main" w="9525">
                     <a:solidFill>
                       <a:srgbClr val="000000"/>
                     </a:solidFill>
@@ -10263,7 +10268,7 @@
               </a:ln>
               <a:extLst>
                 <a:ext uri="{91240B29-F687-4f45-9708-019B960494DF}">
-                  <a14:hiddenLine xmlns:a14="http://schemas.microsoft.com/office/drawing/2010/main" xmlns="" w="9525">
+                  <a14:hiddenLine xmlns="" xmlns:a14="http://schemas.microsoft.com/office/drawing/2010/main" w="9525">
                     <a:solidFill>
                       <a:srgbClr val="000000"/>
                     </a:solidFill>
@@ -10353,7 +10358,7 @@
               </a:ln>
               <a:extLst>
                 <a:ext uri="{91240B29-F687-4f45-9708-019B960494DF}">
-                  <a14:hiddenLine xmlns:a14="http://schemas.microsoft.com/office/drawing/2010/main" xmlns="" w="9525">
+                  <a14:hiddenLine xmlns="" xmlns:a14="http://schemas.microsoft.com/office/drawing/2010/main" w="9525">
                     <a:solidFill>
                       <a:srgbClr val="000000"/>
                     </a:solidFill>
@@ -10415,7 +10420,7 @@
               </a:ln>
               <a:extLst>
                 <a:ext uri="{91240B29-F687-4f45-9708-019B960494DF}">
-                  <a14:hiddenLine xmlns:a14="http://schemas.microsoft.com/office/drawing/2010/main" xmlns="" w="9525">
+                  <a14:hiddenLine xmlns="" xmlns:a14="http://schemas.microsoft.com/office/drawing/2010/main" w="9525">
                     <a:solidFill>
                       <a:srgbClr val="000000"/>
                     </a:solidFill>
@@ -10505,7 +10510,7 @@
               </a:ln>
               <a:extLst>
                 <a:ext uri="{91240B29-F687-4f45-9708-019B960494DF}">
-                  <a14:hiddenLine xmlns:a14="http://schemas.microsoft.com/office/drawing/2010/main" xmlns="" w="9525">
+                  <a14:hiddenLine xmlns="" xmlns:a14="http://schemas.microsoft.com/office/drawing/2010/main" w="9525">
                     <a:solidFill>
                       <a:srgbClr val="000000"/>
                     </a:solidFill>
@@ -10570,7 +10575,7 @@
               </a:ln>
               <a:extLst>
                 <a:ext uri="{91240B29-F687-4f45-9708-019B960494DF}">
-                  <a14:hiddenLine xmlns:a14="http://schemas.microsoft.com/office/drawing/2010/main" xmlns="" w="9525">
+                  <a14:hiddenLine xmlns="" xmlns:a14="http://schemas.microsoft.com/office/drawing/2010/main" w="9525">
                     <a:solidFill>
                       <a:srgbClr val="000000"/>
                     </a:solidFill>
@@ -10632,7 +10637,7 @@
               </a:ln>
               <a:extLst>
                 <a:ext uri="{91240B29-F687-4f45-9708-019B960494DF}">
-                  <a14:hiddenLine xmlns:a14="http://schemas.microsoft.com/office/drawing/2010/main" xmlns="" w="9525">
+                  <a14:hiddenLine xmlns="" xmlns:a14="http://schemas.microsoft.com/office/drawing/2010/main" w="9525">
                     <a:solidFill>
                       <a:srgbClr val="000000"/>
                     </a:solidFill>
@@ -10722,7 +10727,7 @@
               </a:ln>
               <a:extLst>
                 <a:ext uri="{91240B29-F687-4f45-9708-019B960494DF}">
-                  <a14:hiddenLine xmlns:a14="http://schemas.microsoft.com/office/drawing/2010/main" xmlns="" w="9525">
+                  <a14:hiddenLine xmlns="" xmlns:a14="http://schemas.microsoft.com/office/drawing/2010/main" w="9525">
                     <a:solidFill>
                       <a:srgbClr val="000000"/>
                     </a:solidFill>
@@ -10812,7 +10817,7 @@
               </a:ln>
               <a:extLst>
                 <a:ext uri="{91240B29-F687-4f45-9708-019B960494DF}">
-                  <a14:hiddenLine xmlns:a14="http://schemas.microsoft.com/office/drawing/2010/main" xmlns="" w="9525">
+                  <a14:hiddenLine xmlns="" xmlns:a14="http://schemas.microsoft.com/office/drawing/2010/main" w="9525">
                     <a:solidFill>
                       <a:srgbClr val="000000"/>
                     </a:solidFill>
@@ -10877,7 +10882,7 @@
               </a:ln>
               <a:extLst>
                 <a:ext uri="{91240B29-F687-4f45-9708-019B960494DF}">
-                  <a14:hiddenLine xmlns:a14="http://schemas.microsoft.com/office/drawing/2010/main" xmlns="" w="9525">
+                  <a14:hiddenLine xmlns="" xmlns:a14="http://schemas.microsoft.com/office/drawing/2010/main" w="9525">
                     <a:solidFill>
                       <a:srgbClr val="000000"/>
                     </a:solidFill>
@@ -10997,7 +11002,7 @@
               </a:ln>
               <a:extLst>
                 <a:ext uri="{91240B29-F687-4f45-9708-019B960494DF}">
-                  <a14:hiddenLine xmlns:a14="http://schemas.microsoft.com/office/drawing/2010/main" xmlns="" w="9525">
+                  <a14:hiddenLine xmlns="" xmlns:a14="http://schemas.microsoft.com/office/drawing/2010/main" w="9525">
                     <a:solidFill>
                       <a:srgbClr val="000000"/>
                     </a:solidFill>
@@ -11095,7 +11100,7 @@
               </a:ln>
               <a:extLst>
                 <a:ext uri="{91240B29-F687-4f45-9708-019B960494DF}">
-                  <a14:hiddenLine xmlns:a14="http://schemas.microsoft.com/office/drawing/2010/main" xmlns="" w="9525">
+                  <a14:hiddenLine xmlns="" xmlns:a14="http://schemas.microsoft.com/office/drawing/2010/main" w="9525">
                     <a:solidFill>
                       <a:srgbClr val="000000"/>
                     </a:solidFill>
@@ -11210,7 +11215,7 @@
               </a:ln>
               <a:extLst>
                 <a:ext uri="{91240B29-F687-4f45-9708-019B960494DF}">
-                  <a14:hiddenLine xmlns:a14="http://schemas.microsoft.com/office/drawing/2010/main" xmlns="" w="9525">
+                  <a14:hiddenLine xmlns="" xmlns:a14="http://schemas.microsoft.com/office/drawing/2010/main" w="9525">
                     <a:solidFill>
                       <a:srgbClr val="000000"/>
                     </a:solidFill>
@@ -11300,7 +11305,7 @@
               </a:ln>
               <a:extLst>
                 <a:ext uri="{91240B29-F687-4f45-9708-019B960494DF}">
-                  <a14:hiddenLine xmlns:a14="http://schemas.microsoft.com/office/drawing/2010/main" xmlns="" w="9525">
+                  <a14:hiddenLine xmlns="" xmlns:a14="http://schemas.microsoft.com/office/drawing/2010/main" w="9525">
                     <a:solidFill>
                       <a:srgbClr val="000000"/>
                     </a:solidFill>
@@ -11365,7 +11370,7 @@
               </a:ln>
               <a:extLst>
                 <a:ext uri="{91240B29-F687-4f45-9708-019B960494DF}">
-                  <a14:hiddenLine xmlns:a14="http://schemas.microsoft.com/office/drawing/2010/main" xmlns="" w="9525">
+                  <a14:hiddenLine xmlns="" xmlns:a14="http://schemas.microsoft.com/office/drawing/2010/main" w="9525">
                     <a:solidFill>
                       <a:srgbClr val="000000"/>
                     </a:solidFill>
@@ -11455,7 +11460,7 @@
               </a:ln>
               <a:extLst>
                 <a:ext uri="{91240B29-F687-4f45-9708-019B960494DF}">
-                  <a14:hiddenLine xmlns:a14="http://schemas.microsoft.com/office/drawing/2010/main" xmlns="" w="9525">
+                  <a14:hiddenLine xmlns="" xmlns:a14="http://schemas.microsoft.com/office/drawing/2010/main" w="9525">
                     <a:solidFill>
                       <a:srgbClr val="000000"/>
                     </a:solidFill>
@@ -11523,7 +11528,7 @@
               </a:ln>
               <a:extLst>
                 <a:ext uri="{91240B29-F687-4f45-9708-019B960494DF}">
-                  <a14:hiddenLine xmlns:a14="http://schemas.microsoft.com/office/drawing/2010/main" xmlns="" w="9525">
+                  <a14:hiddenLine xmlns="" xmlns:a14="http://schemas.microsoft.com/office/drawing/2010/main" w="9525">
                     <a:solidFill>
                       <a:srgbClr val="000000"/>
                     </a:solidFill>
@@ -11613,7 +11618,7 @@
               </a:ln>
               <a:extLst>
                 <a:ext uri="{91240B29-F687-4f45-9708-019B960494DF}">
-                  <a14:hiddenLine xmlns:a14="http://schemas.microsoft.com/office/drawing/2010/main" xmlns="" w="9525">
+                  <a14:hiddenLine xmlns="" xmlns:a14="http://schemas.microsoft.com/office/drawing/2010/main" w="9525">
                     <a:solidFill>
                       <a:srgbClr val="000000"/>
                     </a:solidFill>
@@ -11681,7 +11686,7 @@
               </a:ln>
               <a:extLst>
                 <a:ext uri="{91240B29-F687-4f45-9708-019B960494DF}">
-                  <a14:hiddenLine xmlns:a14="http://schemas.microsoft.com/office/drawing/2010/main" xmlns="" w="9525">
+                  <a14:hiddenLine xmlns="" xmlns:a14="http://schemas.microsoft.com/office/drawing/2010/main" w="9525">
                     <a:solidFill>
                       <a:srgbClr val="000000"/>
                     </a:solidFill>
@@ -11771,7 +11776,7 @@
               </a:ln>
               <a:extLst>
                 <a:ext uri="{91240B29-F687-4f45-9708-019B960494DF}">
-                  <a14:hiddenLine xmlns:a14="http://schemas.microsoft.com/office/drawing/2010/main" xmlns="" w="9525">
+                  <a14:hiddenLine xmlns="" xmlns:a14="http://schemas.microsoft.com/office/drawing/2010/main" w="9525">
                     <a:solidFill>
                       <a:srgbClr val="000000"/>
                     </a:solidFill>
@@ -11805,7 +11810,7 @@
               </a:ln>
               <a:extLst>
                 <a:ext uri="{91240B29-F687-4f45-9708-019B960494DF}">
-                  <a14:hiddenLine xmlns:a14="http://schemas.microsoft.com/office/drawing/2010/main" xmlns="" w="9525">
+                  <a14:hiddenLine xmlns="" xmlns:a14="http://schemas.microsoft.com/office/drawing/2010/main" w="9525">
                     <a:solidFill>
                       <a:srgbClr val="000000"/>
                     </a:solidFill>
@@ -11946,7 +11951,7 @@
             <a:fld id="{48A87A34-81AB-432B-8DAE-1953F412C126}" type="datetimeFigureOut">
               <a:rPr lang="en-US" dirty="0"/>
               <a:pPr/>
-              <a:t>3/5/2022</a:t>
+              <a:t>3/7/2022</a:t>
             </a:fld>
             <a:endParaRPr lang="en-US" dirty="0"/>
           </a:p>
@@ -12364,76 +12369,470 @@
       </p:grpSpPr>
       <p:sp>
         <p:nvSpPr>
-          <p:cNvPr id="2" name="Title 1"/>
-          <p:cNvSpPr>
-            <a:spLocks noGrp="1"/>
-          </p:cNvSpPr>
-          <p:nvPr>
-            <p:ph type="ctrTitle"/>
-          </p:nvPr>
+          <p:cNvPr id="2" name="TextBox 1"/>
+          <p:cNvSpPr txBox="1"/>
+          <p:nvPr/>
         </p:nvSpPr>
         <p:spPr>
           <a:xfrm>
-            <a:off x="2478589" y="1412295"/>
-            <a:ext cx="8791575" cy="2323364"/>
+            <a:off x="2801074" y="445625"/>
+            <a:ext cx="6620719" cy="1477328"/>
           </a:xfrm>
+          <a:prstGeom prst="rect">
+            <a:avLst/>
+          </a:prstGeom>
+          <a:noFill/>
         </p:spPr>
         <p:txBody>
-          <a:bodyPr>
-            <a:normAutofit/>
+          <a:bodyPr wrap="square" rtlCol="0">
+            <a:spAutoFit/>
           </a:bodyPr>
           <a:lstStyle/>
           <a:p>
-            <a:r>
-              <a:rPr lang="en-US" sz="5400" b="1" dirty="0" smtClean="0"/>
-              <a:t>HUMANOID MOVEMENT (Q.P.Q) ENERGY GENERATION</a:t>
-            </a:r>
-            <a:endParaRPr lang="en-US" sz="5400" b="1" dirty="0"/>
+            <a:pPr algn="ctr">
+              <a:defRPr/>
+            </a:pPr>
+            <a:r>
+              <a:rPr lang="en-IN" sz="2400" dirty="0"/>
+              <a:t>Computer Science and Engineering</a:t>
+            </a:r>
+          </a:p>
+          <a:p>
+            <a:pPr algn="ctr">
+              <a:defRPr/>
+            </a:pPr>
+            <a:r>
+              <a:rPr lang="en-IN" sz="2400" dirty="0"/>
+              <a:t> DAYANANDA SAGAR COLLEGE OF ENGINEERING (An Autonomous Institute affiliated to VTU)</a:t>
+            </a:r>
+            <a:endParaRPr lang="en-IN" sz="2400" b="1" dirty="0">
+              <a:effectLst>
+                <a:outerShdw blurRad="38100" dist="25400" dir="5400000" algn="tl" rotWithShape="0">
+                  <a:srgbClr val="000000">
+                    <a:alpha val="43000"/>
+                  </a:srgbClr>
+                </a:outerShdw>
+              </a:effectLst>
+              <a:latin typeface="Times New Roman" pitchFamily="18" charset="0"/>
+              <a:cs typeface="Times New Roman" pitchFamily="18" charset="0"/>
+            </a:endParaRPr>
+          </a:p>
+          <a:p>
+            <a:endParaRPr lang="en-US" dirty="0"/>
           </a:p>
         </p:txBody>
       </p:sp>
       <p:sp>
         <p:nvSpPr>
-          <p:cNvPr id="3" name="Subtitle 2"/>
-          <p:cNvSpPr>
-            <a:spLocks noGrp="1"/>
-          </p:cNvSpPr>
-          <p:nvPr>
-            <p:ph type="subTitle" idx="1"/>
-          </p:nvPr>
+          <p:cNvPr id="3" name="TextBox 2"/>
+          <p:cNvSpPr txBox="1"/>
+          <p:nvPr/>
         </p:nvSpPr>
         <p:spPr>
           <a:xfrm>
-            <a:off x="3192267" y="4148448"/>
-            <a:ext cx="8791575" cy="1655762"/>
+            <a:off x="3518703" y="2615878"/>
+            <a:ext cx="5671595" cy="1477328"/>
           </a:xfrm>
+          <a:prstGeom prst="rect">
+            <a:avLst/>
+          </a:prstGeom>
+          <a:noFill/>
         </p:spPr>
         <p:txBody>
-          <a:bodyPr/>
+          <a:bodyPr wrap="square" rtlCol="0">
+            <a:spAutoFit/>
+          </a:bodyPr>
           <a:lstStyle/>
           <a:p>
-            <a:r>
-              <a:rPr lang="en-US" dirty="0" smtClean="0"/>
-              <a:t>                                                     by siddhant , sanjal, amrutha and abbas         </a:t>
-            </a:r>
-          </a:p>
-          <a:p>
-            <a:r>
-              <a:rPr lang="en-US" dirty="0"/>
-              <a:t> </a:t>
-            </a:r>
-            <a:r>
-              <a:rPr lang="en-US" dirty="0" smtClean="0"/>
-              <a:t>                                                                                                                                                                              </a:t>
-            </a:r>
+            <a:pPr algn="ctr">
+              <a:defRPr/>
+            </a:pPr>
+            <a:r>
+              <a:rPr lang="en-US" sz="2400" b="1" dirty="0">
+                <a:solidFill>
+                  <a:schemeClr val="bg2">
+                    <a:lumMod val="75000"/>
+                  </a:schemeClr>
+                </a:solidFill>
+                <a:effectLst>
+                  <a:outerShdw blurRad="50800" dist="38100" algn="tr" rotWithShape="0">
+                    <a:prstClr val="black">
+                      <a:alpha val="40000"/>
+                    </a:prstClr>
+                  </a:outerShdw>
+                </a:effectLst>
+                <a:latin typeface="Times New Roman" panose="02020603050405020304" pitchFamily="18" charset="0"/>
+                <a:cs typeface="Times New Roman" panose="02020603050405020304" pitchFamily="18" charset="0"/>
+              </a:rPr>
+              <a:t>First Year  Mini  Project  Presentation on</a:t>
+            </a:r>
+          </a:p>
+          <a:p>
+            <a:pPr algn="ctr">
+              <a:defRPr/>
+            </a:pPr>
+            <a:r>
+              <a:rPr lang="en-US" sz="2400" b="1" u="sng" dirty="0" smtClean="0">
+                <a:solidFill>
+                  <a:schemeClr val="bg2">
+                    <a:lumMod val="75000"/>
+                  </a:schemeClr>
+                </a:solidFill>
+                <a:effectLst>
+                  <a:outerShdw blurRad="50800" dist="38100" algn="tr" rotWithShape="0">
+                    <a:prstClr val="black">
+                      <a:alpha val="40000"/>
+                    </a:prstClr>
+                  </a:outerShdw>
+                </a:effectLst>
+                <a:latin typeface="Times New Roman" panose="02020603050405020304" pitchFamily="18" charset="0"/>
+                <a:cs typeface="Times New Roman" panose="02020603050405020304" pitchFamily="18" charset="0"/>
+              </a:rPr>
+              <a:t>HUMANOID MOVEMENT Q.P.Q ENERGY GENERATION</a:t>
+            </a:r>
+            <a:endParaRPr lang="en-US" sz="2400" b="1" u="sng" dirty="0">
+              <a:solidFill>
+                <a:schemeClr val="bg2">
+                  <a:lumMod val="75000"/>
+                </a:schemeClr>
+              </a:solidFill>
+              <a:effectLst>
+                <a:outerShdw blurRad="50800" dist="38100" algn="tr" rotWithShape="0">
+                  <a:prstClr val="black">
+                    <a:alpha val="40000"/>
+                  </a:prstClr>
+                </a:outerShdw>
+              </a:effectLst>
+              <a:latin typeface="Times New Roman" panose="02020603050405020304" pitchFamily="18" charset="0"/>
+              <a:cs typeface="Times New Roman" panose="02020603050405020304" pitchFamily="18" charset="0"/>
+            </a:endParaRPr>
+          </a:p>
+          <a:p>
             <a:endParaRPr lang="en-US" dirty="0"/>
           </a:p>
         </p:txBody>
       </p:sp>
+      <p:sp>
+        <p:nvSpPr>
+          <p:cNvPr id="4" name="TextBox 3"/>
+          <p:cNvSpPr txBox="1"/>
+          <p:nvPr/>
+        </p:nvSpPr>
+        <p:spPr>
+          <a:xfrm>
+            <a:off x="879676" y="4745620"/>
+            <a:ext cx="4815068" cy="1785104"/>
+          </a:xfrm>
+          <a:prstGeom prst="rect">
+            <a:avLst/>
+          </a:prstGeom>
+          <a:noFill/>
+        </p:spPr>
+        <p:txBody>
+          <a:bodyPr wrap="square" rtlCol="0">
+            <a:spAutoFit/>
+          </a:bodyPr>
+          <a:lstStyle/>
+          <a:p>
+            <a:pPr algn="ctr">
+              <a:spcBef>
+                <a:spcPts val="435"/>
+              </a:spcBef>
+              <a:buClr>
+                <a:schemeClr val="accent1"/>
+              </a:buClr>
+              <a:buSzPct val="85000"/>
+              <a:defRPr/>
+            </a:pPr>
+            <a:r>
+              <a:rPr lang="en-US" sz="2000" b="1" dirty="0">
+                <a:solidFill>
+                  <a:schemeClr val="bg1">
+                    <a:lumMod val="95000"/>
+                    <a:lumOff val="5000"/>
+                  </a:schemeClr>
+                </a:solidFill>
+                <a:effectLst>
+                  <a:outerShdw blurRad="50800" dist="38100" algn="tr" rotWithShape="0">
+                    <a:prstClr val="black">
+                      <a:alpha val="40000"/>
+                    </a:prstClr>
+                  </a:outerShdw>
+                </a:effectLst>
+                <a:latin typeface="Times New Roman" panose="02020603050405020304" pitchFamily="18" charset="0"/>
+                <a:cs typeface="Times New Roman" panose="02020603050405020304" pitchFamily="18" charset="0"/>
+              </a:rPr>
+              <a:t>Under the  Guidance of :</a:t>
+            </a:r>
+          </a:p>
+          <a:p>
+            <a:pPr algn="ctr">
+              <a:spcBef>
+                <a:spcPts val="435"/>
+              </a:spcBef>
+              <a:buClr>
+                <a:schemeClr val="accent1"/>
+              </a:buClr>
+              <a:buSzPct val="85000"/>
+              <a:defRPr/>
+            </a:pPr>
+            <a:r>
+              <a:rPr lang="en-US" sz="2000" b="1" dirty="0">
+                <a:solidFill>
+                  <a:schemeClr val="bg1">
+                    <a:lumMod val="95000"/>
+                    <a:lumOff val="5000"/>
+                  </a:schemeClr>
+                </a:solidFill>
+                <a:effectLst>
+                  <a:outerShdw blurRad="50800" dist="38100" algn="tr" rotWithShape="0">
+                    <a:prstClr val="black">
+                      <a:alpha val="40000"/>
+                    </a:prstClr>
+                  </a:outerShdw>
+                </a:effectLst>
+                <a:latin typeface="Times New Roman" panose="02020603050405020304" pitchFamily="18" charset="0"/>
+                <a:cs typeface="Times New Roman" panose="02020603050405020304" pitchFamily="18" charset="0"/>
+              </a:rPr>
+              <a:t>Guide </a:t>
+            </a:r>
+            <a:r>
+              <a:rPr lang="en-US" sz="2000" b="1" dirty="0">
+                <a:solidFill>
+                  <a:schemeClr val="bg1">
+                    <a:lumMod val="95000"/>
+                    <a:lumOff val="5000"/>
+                  </a:schemeClr>
+                </a:solidFill>
+                <a:effectLst>
+                  <a:outerShdw blurRad="50800" dist="38100" algn="tr" rotWithShape="0">
+                    <a:prstClr val="black">
+                      <a:alpha val="40000"/>
+                    </a:prstClr>
+                  </a:outerShdw>
+                </a:effectLst>
+                <a:latin typeface="Times New Roman" panose="02020603050405020304" pitchFamily="18" charset="0"/>
+                <a:cs typeface="Times New Roman" panose="02020603050405020304" pitchFamily="18" charset="0"/>
+              </a:rPr>
+              <a:t>Name : Ms .Sarala</a:t>
+            </a:r>
+            <a:endParaRPr lang="en-US" sz="2000" b="1" dirty="0">
+              <a:solidFill>
+                <a:schemeClr val="bg1">
+                  <a:lumMod val="95000"/>
+                  <a:lumOff val="5000"/>
+                </a:schemeClr>
+              </a:solidFill>
+              <a:effectLst>
+                <a:outerShdw blurRad="50800" dist="38100" algn="tr" rotWithShape="0">
+                  <a:prstClr val="black">
+                    <a:alpha val="40000"/>
+                  </a:prstClr>
+                </a:outerShdw>
+              </a:effectLst>
+              <a:latin typeface="Times New Roman" panose="02020603050405020304" pitchFamily="18" charset="0"/>
+              <a:cs typeface="Times New Roman" panose="02020603050405020304" pitchFamily="18" charset="0"/>
+            </a:endParaRPr>
+          </a:p>
+          <a:p>
+            <a:pPr algn="ctr">
+              <a:spcBef>
+                <a:spcPts val="435"/>
+              </a:spcBef>
+              <a:buClr>
+                <a:schemeClr val="accent1"/>
+              </a:buClr>
+              <a:buSzPct val="85000"/>
+              <a:defRPr/>
+            </a:pPr>
+            <a:r>
+              <a:rPr lang="en-US" sz="2000" b="1" dirty="0">
+                <a:solidFill>
+                  <a:schemeClr val="bg1">
+                    <a:lumMod val="95000"/>
+                    <a:lumOff val="5000"/>
+                  </a:schemeClr>
+                </a:solidFill>
+                <a:effectLst>
+                  <a:outerShdw blurRad="50800" dist="38100" algn="tr" rotWithShape="0">
+                    <a:prstClr val="black">
+                      <a:alpha val="40000"/>
+                    </a:prstClr>
+                  </a:outerShdw>
+                </a:effectLst>
+                <a:latin typeface="Times New Roman" panose="02020603050405020304" pitchFamily="18" charset="0"/>
+                <a:cs typeface="Times New Roman" panose="02020603050405020304" pitchFamily="18" charset="0"/>
+              </a:rPr>
+              <a:t>Designation:Faculty of Computer science and engineering</a:t>
+            </a:r>
+            <a:endParaRPr lang="en-US" sz="2000" b="1" dirty="0">
+              <a:solidFill>
+                <a:schemeClr val="bg1">
+                  <a:lumMod val="95000"/>
+                  <a:lumOff val="5000"/>
+                </a:schemeClr>
+              </a:solidFill>
+              <a:effectLst>
+                <a:outerShdw blurRad="50800" dist="38100" algn="tr" rotWithShape="0">
+                  <a:prstClr val="black">
+                    <a:alpha val="40000"/>
+                  </a:prstClr>
+                </a:outerShdw>
+              </a:effectLst>
+              <a:latin typeface="Times New Roman" panose="02020603050405020304" pitchFamily="18" charset="0"/>
+              <a:cs typeface="Times New Roman" panose="02020603050405020304" pitchFamily="18" charset="0"/>
+            </a:endParaRPr>
+          </a:p>
+          <a:p>
+            <a:pPr algn="ctr">
+              <a:spcBef>
+                <a:spcPts val="435"/>
+              </a:spcBef>
+              <a:buClr>
+                <a:schemeClr val="accent1"/>
+              </a:buClr>
+              <a:buSzPct val="85000"/>
+              <a:defRPr/>
+            </a:pPr>
+            <a:endParaRPr lang="en-US" sz="2000" b="1" dirty="0">
+              <a:solidFill>
+                <a:schemeClr val="bg1">
+                  <a:lumMod val="85000"/>
+                  <a:lumOff val="15000"/>
+                </a:schemeClr>
+              </a:solidFill>
+              <a:effectLst>
+                <a:outerShdw blurRad="50800" dist="38100" algn="tr" rotWithShape="0">
+                  <a:prstClr val="black">
+                    <a:alpha val="40000"/>
+                  </a:prstClr>
+                </a:outerShdw>
+              </a:effectLst>
+              <a:latin typeface="Times New Roman" panose="02020603050405020304" pitchFamily="18" charset="0"/>
+              <a:cs typeface="Times New Roman" panose="02020603050405020304" pitchFamily="18" charset="0"/>
+            </a:endParaRPr>
+          </a:p>
+        </p:txBody>
+      </p:sp>
+      <p:sp>
+        <p:nvSpPr>
+          <p:cNvPr id="5" name="TextBox 4"/>
+          <p:cNvSpPr txBox="1"/>
+          <p:nvPr/>
+        </p:nvSpPr>
+        <p:spPr>
+          <a:xfrm>
+            <a:off x="6261904" y="4745620"/>
+            <a:ext cx="4896091" cy="1200329"/>
+          </a:xfrm>
+          <a:prstGeom prst="rect">
+            <a:avLst/>
+          </a:prstGeom>
+          <a:noFill/>
+        </p:spPr>
+        <p:txBody>
+          <a:bodyPr wrap="square" rtlCol="0">
+            <a:spAutoFit/>
+          </a:bodyPr>
+          <a:lstStyle/>
+          <a:p>
+            <a:pPr algn="ctr">
+              <a:defRPr/>
+            </a:pPr>
+            <a:r>
+              <a:rPr lang="en-US" b="1" dirty="0">
+                <a:solidFill>
+                  <a:schemeClr val="bg1">
+                    <a:lumMod val="95000"/>
+                    <a:lumOff val="5000"/>
+                  </a:schemeClr>
+                </a:solidFill>
+                <a:effectLst>
+                  <a:outerShdw blurRad="50800" dist="38100" algn="tr" rotWithShape="0">
+                    <a:prstClr val="black">
+                      <a:alpha val="40000"/>
+                    </a:prstClr>
+                  </a:outerShdw>
+                </a:effectLst>
+                <a:latin typeface="Times New Roman" panose="02020603050405020304" pitchFamily="18" charset="0"/>
+                <a:cs typeface="Times New Roman" panose="02020603050405020304" pitchFamily="18" charset="0"/>
+              </a:rPr>
+              <a:t>By:</a:t>
+            </a:r>
+          </a:p>
+          <a:p>
+            <a:pPr algn="ctr">
+              <a:defRPr/>
+            </a:pPr>
+            <a:r>
+              <a:rPr lang="en-US" b="1" dirty="0" smtClean="0">
+                <a:latin typeface="Times New Roman" panose="02020603050405020304" pitchFamily="18" charset="0"/>
+                <a:cs typeface="Times New Roman" panose="02020603050405020304" pitchFamily="18" charset="0"/>
+              </a:rPr>
+              <a:t>Amrutha(G-46) , Sanjal(G-45), Siddhant(G-45) and Abbas(G-48)</a:t>
+            </a:r>
+            <a:endParaRPr lang="en-US" b="1" cap="all" dirty="0">
+              <a:latin typeface="Times New Roman" panose="02020603050405020304" pitchFamily="18" charset="0"/>
+              <a:cs typeface="Times New Roman" panose="02020603050405020304" pitchFamily="18" charset="0"/>
+            </a:endParaRPr>
+          </a:p>
+          <a:p>
+            <a:endParaRPr lang="en-US" dirty="0"/>
+          </a:p>
+        </p:txBody>
+      </p:sp>
+      <p:pic>
+        <p:nvPicPr>
+          <p:cNvPr id="7" name="Picture 6"/>
+          <p:cNvPicPr>
+            <a:picLocks noChangeAspect="1"/>
+          </p:cNvPicPr>
+          <p:nvPr/>
+        </p:nvPicPr>
+        <p:blipFill>
+          <a:blip r:embed="rId2"/>
+          <a:stretch>
+            <a:fillRect/>
+          </a:stretch>
+        </p:blipFill>
+        <p:spPr>
+          <a:xfrm>
+            <a:off x="9479666" y="196770"/>
+            <a:ext cx="1828800" cy="1685672"/>
+          </a:xfrm>
+          <a:prstGeom prst="rect">
+            <a:avLst/>
+          </a:prstGeom>
+        </p:spPr>
+      </p:pic>
+      <p:pic>
+        <p:nvPicPr>
+          <p:cNvPr id="8" name="Picture 7"/>
+          <p:cNvPicPr>
+            <a:picLocks noChangeAspect="1"/>
+          </p:cNvPicPr>
+          <p:nvPr/>
+        </p:nvPicPr>
+        <p:blipFill>
+          <a:blip r:embed="rId3"/>
+          <a:stretch>
+            <a:fillRect/>
+          </a:stretch>
+        </p:blipFill>
+        <p:spPr>
+          <a:xfrm>
+            <a:off x="960698" y="405114"/>
+            <a:ext cx="1655181" cy="1477328"/>
+          </a:xfrm>
+          <a:prstGeom prst="rect">
+            <a:avLst/>
+          </a:prstGeom>
+        </p:spPr>
+      </p:pic>
     </p:spTree>
     <p:extLst>
       <p:ext uri="{BB962C8B-B14F-4D97-AF65-F5344CB8AC3E}">
-        <p14:creationId xmlns:p14="http://schemas.microsoft.com/office/powerpoint/2010/main" val="307263617"/>
+        <p14:creationId xmlns:p14="http://schemas.microsoft.com/office/powerpoint/2010/main" val="69792091"/>
       </p:ext>
     </p:extLst>
   </p:cSld>
@@ -12470,12 +12869,7 @@
             <p:ph type="title"/>
           </p:nvPr>
         </p:nvSpPr>
-        <p:spPr>
-          <a:xfrm>
-            <a:off x="1141413" y="618518"/>
-            <a:ext cx="9449422" cy="805168"/>
-          </a:xfrm>
-        </p:spPr>
+        <p:spPr/>
         <p:txBody>
           <a:bodyPr>
             <a:normAutofit/>
@@ -12483,18 +12877,30 @@
           <a:lstStyle/>
           <a:p>
             <a:r>
-              <a:rPr lang="en-US" dirty="0" smtClean="0"/>
-              <a:t>                    </a:t>
-            </a:r>
-            <a:r>
-              <a:rPr lang="en-US" dirty="0" err="1" smtClean="0"/>
-              <a:t>piezo</a:t>
-            </a:r>
-            <a:r>
-              <a:rPr lang="en-US" dirty="0" smtClean="0"/>
-              <a:t> electric </a:t>
-            </a:r>
-            <a:endParaRPr lang="en-US" dirty="0"/>
+              <a:rPr lang="en-US" sz="3200" dirty="0"/>
+              <a:t> </a:t>
+            </a:r>
+            <a:r>
+              <a:rPr lang="en-US" sz="3200" dirty="0" smtClean="0"/>
+              <a:t>                      </a:t>
+            </a:r>
+            <a:r>
+              <a:rPr lang="en-US" sz="3200" dirty="0" smtClean="0">
+                <a:solidFill>
+                  <a:schemeClr val="bg2">
+                    <a:lumMod val="75000"/>
+                  </a:schemeClr>
+                </a:solidFill>
+              </a:rPr>
+              <a:t>SPRING AND SPINDLE  SYSTEM </a:t>
+            </a:r>
+            <a:endParaRPr lang="en-US" sz="3200" dirty="0">
+              <a:solidFill>
+                <a:schemeClr val="bg2">
+                  <a:lumMod val="75000"/>
+                </a:schemeClr>
+              </a:solidFill>
+            </a:endParaRPr>
           </a:p>
         </p:txBody>
       </p:sp>
@@ -12508,63 +12914,56 @@
             <p:ph idx="1"/>
           </p:nvPr>
         </p:nvSpPr>
-        <p:spPr>
-          <a:xfrm>
-            <a:off x="1141412" y="1319514"/>
-            <a:ext cx="9905999" cy="4471687"/>
-          </a:xfrm>
-        </p:spPr>
+        <p:spPr/>
         <p:txBody>
           <a:bodyPr/>
           <a:lstStyle/>
           <a:p>
+            <a:r>
+              <a:rPr lang="en-US" dirty="0" smtClean="0"/>
+              <a:t>Spring system in this project allows the slab to regain its original position so that the generation cycle can be repeated.</a:t>
+            </a:r>
+          </a:p>
+          <a:p>
             <a:pPr marL="0" indent="0">
               <a:buNone/>
             </a:pPr>
-            <a:endParaRPr lang="en-US" dirty="0"/>
-          </a:p>
-          <a:p>
-            <a:pPr marL="0" indent="0">
-              <a:buNone/>
-            </a:pPr>
             <a:r>
               <a:rPr lang="en-US" dirty="0" smtClean="0"/>
-              <a:t>The material that we have used as </a:t>
-            </a:r>
-            <a:r>
-              <a:rPr lang="en-US" dirty="0" err="1" smtClean="0"/>
-              <a:t>piezo</a:t>
-            </a:r>
-            <a:r>
-              <a:rPr lang="en-US" dirty="0" smtClean="0"/>
-              <a:t>-electric is quartz .</a:t>
-            </a:r>
-          </a:p>
-          <a:p>
-            <a:pPr marL="0" indent="0">
-              <a:buNone/>
-            </a:pPr>
-            <a:r>
-              <a:rPr lang="en-US" dirty="0" smtClean="0"/>
-              <a:t>Quartz crystals offer superior quality and stability</a:t>
-            </a:r>
-          </a:p>
-          <a:p>
-            <a:pPr marL="0" indent="0">
-              <a:buNone/>
-            </a:pPr>
-            <a:r>
-              <a:rPr lang="en-US" dirty="0" smtClean="0"/>
-              <a:t>These materials are not very expensive costing around Rs.60-70 for a single piece which makes the overall technology cost-effective.</a:t>
+              <a:t> </a:t>
             </a:r>
             <a:endParaRPr lang="en-US" dirty="0"/>
           </a:p>
         </p:txBody>
       </p:sp>
+      <p:pic>
+        <p:nvPicPr>
+          <p:cNvPr id="4" name="Picture 3"/>
+          <p:cNvPicPr>
+            <a:picLocks noChangeAspect="1"/>
+          </p:cNvPicPr>
+          <p:nvPr/>
+        </p:nvPicPr>
+        <p:blipFill>
+          <a:blip r:embed="rId2"/>
+          <a:stretch>
+            <a:fillRect/>
+          </a:stretch>
+        </p:blipFill>
+        <p:spPr>
+          <a:xfrm>
+            <a:off x="3310361" y="3646026"/>
+            <a:ext cx="3912242" cy="2749469"/>
+          </a:xfrm>
+          <a:prstGeom prst="rect">
+            <a:avLst/>
+          </a:prstGeom>
+        </p:spPr>
+      </p:pic>
     </p:spTree>
     <p:extLst>
       <p:ext uri="{BB962C8B-B14F-4D97-AF65-F5344CB8AC3E}">
-        <p14:creationId xmlns:p14="http://schemas.microsoft.com/office/powerpoint/2010/main" val="1616189418"/>
+        <p14:creationId xmlns:p14="http://schemas.microsoft.com/office/powerpoint/2010/main" val="2208184983"/>
       </p:ext>
     </p:extLst>
   </p:cSld>
@@ -12607,14 +13006,26 @@
           <a:lstStyle/>
           <a:p>
             <a:r>
-              <a:rPr lang="en-US" dirty="0"/>
-              <a:t> </a:t>
-            </a:r>
-            <a:r>
               <a:rPr lang="en-US" dirty="0" smtClean="0"/>
-              <a:t>         Ac dynamo  and generation</a:t>
-            </a:r>
-            <a:endParaRPr lang="en-US" dirty="0"/>
+              <a:t>              </a:t>
+            </a:r>
+            <a:r>
+              <a:rPr lang="en-US" dirty="0" smtClean="0">
+                <a:solidFill>
+                  <a:schemeClr val="bg2">
+                    <a:lumMod val="75000"/>
+                  </a:schemeClr>
+                </a:solidFill>
+              </a:rPr>
+              <a:t>PIEZO – ELECTRIC TRANSDUCER</a:t>
+            </a:r>
+            <a:endParaRPr lang="en-US" dirty="0">
+              <a:solidFill>
+                <a:schemeClr val="bg2">
+                  <a:lumMod val="75000"/>
+                </a:schemeClr>
+              </a:solidFill>
+            </a:endParaRPr>
           </a:p>
         </p:txBody>
       </p:sp>
@@ -12635,37 +13046,35 @@
           <a:p>
             <a:r>
               <a:rPr lang="en-US" dirty="0" smtClean="0"/>
-              <a:t>The spindle from the spring rotates the shaft that powers the AC Dynamo  </a:t>
-            </a:r>
-          </a:p>
-          <a:p>
-            <a:pPr marL="0" indent="0">
-              <a:buNone/>
-            </a:pPr>
-            <a:r>
-              <a:rPr lang="en-US" dirty="0"/>
-              <a:t> </a:t>
-            </a:r>
+              <a:t>It is a material that senses the mechanical stress and also has the capability of converting that  energy into electrical energy (nearly of 20 watts)</a:t>
+            </a:r>
+          </a:p>
+          <a:p>
             <a:r>
               <a:rPr lang="en-US" dirty="0" smtClean="0"/>
-              <a:t>which produces an AC current.</a:t>
-            </a:r>
-          </a:p>
-          <a:p>
-            <a:pPr marL="0" indent="0">
-              <a:buNone/>
-            </a:pPr>
+              <a:t>Here the piezo electric is used to </a:t>
+            </a:r>
+            <a:r>
+              <a:rPr lang="en-US" u="sng" dirty="0" smtClean="0"/>
+              <a:t>sense the force  </a:t>
+            </a:r>
             <a:r>
               <a:rPr lang="en-US" dirty="0" smtClean="0"/>
-              <a:t>The  ac current is converted to dc by the application of </a:t>
-            </a:r>
-            <a:r>
-              <a:rPr lang="en-US" dirty="0" err="1" smtClean="0"/>
-              <a:t>commutator</a:t>
-            </a:r>
+              <a:t>and just add up some voltage to the main generation.</a:t>
+            </a:r>
+          </a:p>
+          <a:p>
             <a:r>
               <a:rPr lang="en-US" dirty="0" smtClean="0"/>
-              <a:t> that  is attached to the generator.</a:t>
+              <a:t>For </a:t>
+            </a:r>
+            <a:r>
+              <a:rPr lang="en-US" u="sng" dirty="0" smtClean="0"/>
+              <a:t>small scale generation </a:t>
+            </a:r>
+            <a:r>
+              <a:rPr lang="en-US" dirty="0" smtClean="0"/>
+              <a:t>, using the piezo-electric material is just enough to charge anything nearly consuming 20-30 W.</a:t>
             </a:r>
             <a:endParaRPr lang="en-US" dirty="0"/>
           </a:p>
@@ -12687,8 +13096,8 @@
         </p:blipFill>
         <p:spPr>
           <a:xfrm>
-            <a:off x="3090923" y="4148860"/>
-            <a:ext cx="4343400" cy="2333625"/>
+            <a:off x="7640315" y="4714875"/>
+            <a:ext cx="2143125" cy="2143125"/>
           </a:xfrm>
           <a:prstGeom prst="rect">
             <a:avLst/>
@@ -12698,7 +13107,7 @@
     </p:spTree>
     <p:extLst>
       <p:ext uri="{BB962C8B-B14F-4D97-AF65-F5344CB8AC3E}">
-        <p14:creationId xmlns:p14="http://schemas.microsoft.com/office/powerpoint/2010/main" val="703326997"/>
+        <p14:creationId xmlns:p14="http://schemas.microsoft.com/office/powerpoint/2010/main" val="1145664846"/>
       </p:ext>
     </p:extLst>
   </p:cSld>
@@ -12735,16 +13144,63 @@
             <p:ph type="title"/>
           </p:nvPr>
         </p:nvSpPr>
-        <p:spPr/>
+        <p:spPr>
+          <a:xfrm>
+            <a:off x="1141413" y="618518"/>
+            <a:ext cx="9449422" cy="805168"/>
+          </a:xfrm>
+        </p:spPr>
         <p:txBody>
-          <a:bodyPr/>
+          <a:bodyPr>
+            <a:normAutofit/>
+          </a:bodyPr>
           <a:lstStyle/>
           <a:p>
             <a:r>
               <a:rPr lang="en-US" dirty="0" smtClean="0"/>
-              <a:t>                 INVERTER AND LOAD </a:t>
-            </a:r>
-            <a:endParaRPr lang="en-US" dirty="0"/>
+              <a:t>           </a:t>
+            </a:r>
+            <a:r>
+              <a:rPr lang="en-US" dirty="0" smtClean="0"/>
+              <a:t>       </a:t>
+            </a:r>
+            <a:r>
+              <a:rPr lang="en-US" dirty="0" smtClean="0">
+                <a:solidFill>
+                  <a:schemeClr val="bg2">
+                    <a:lumMod val="75000"/>
+                  </a:schemeClr>
+                </a:solidFill>
+              </a:rPr>
+              <a:t>piezo</a:t>
+            </a:r>
+            <a:r>
+              <a:rPr lang="en-US" dirty="0">
+                <a:solidFill>
+                  <a:schemeClr val="bg2">
+                    <a:lumMod val="75000"/>
+                  </a:schemeClr>
+                </a:solidFill>
+              </a:rPr>
+              <a:t>-</a:t>
+            </a:r>
+            <a:r>
+              <a:rPr lang="en-US" dirty="0" smtClean="0">
+                <a:solidFill>
+                  <a:schemeClr val="bg2">
+                    <a:lumMod val="75000"/>
+                  </a:schemeClr>
+                </a:solidFill>
+              </a:rPr>
+              <a:t>electric material</a:t>
+            </a:r>
+            <a:endParaRPr lang="en-US" dirty="0">
+              <a:solidFill>
+                <a:schemeClr val="bg2">
+                  <a:lumMod val="75000"/>
+                </a:schemeClr>
+              </a:solidFill>
+            </a:endParaRPr>
           </a:p>
         </p:txBody>
       </p:sp>
@@ -12758,65 +13214,96 @@
             <p:ph idx="1"/>
           </p:nvPr>
         </p:nvSpPr>
-        <p:spPr/>
+        <p:spPr>
+          <a:xfrm>
+            <a:off x="1141412" y="1319514"/>
+            <a:ext cx="9905999" cy="4471687"/>
+          </a:xfrm>
+        </p:spPr>
         <p:txBody>
-          <a:bodyPr>
-            <a:normAutofit fontScale="77500" lnSpcReduction="20000"/>
-          </a:bodyPr>
+          <a:bodyPr/>
           <a:lstStyle/>
           <a:p>
-            <a:pPr marL="285750" indent="-285750"/>
-            <a:r>
-              <a:rPr lang="en-US" dirty="0"/>
-              <a:t>Next the electrical energy is stored in a battery with an uninterrupted power supply using an inverter.</a:t>
-            </a:r>
-          </a:p>
-          <a:p>
-            <a:pPr marL="285750" indent="-285750"/>
+            <a:pPr marL="0" indent="0">
+              <a:buNone/>
+            </a:pPr>
             <a:endParaRPr lang="en-US" dirty="0"/>
           </a:p>
           <a:p>
-            <a:pPr marL="285750" indent="-285750"/>
-            <a:r>
-              <a:rPr lang="en-US" dirty="0"/>
-              <a:t>The inverter is provided so that even though there is no mechanical work being done at night or anytime , the power supply is continuously made to the load.</a:t>
-            </a:r>
-          </a:p>
-          <a:p>
-            <a:pPr marL="285750" indent="-285750"/>
-            <a:endParaRPr lang="en-US" dirty="0"/>
-          </a:p>
-          <a:p>
-            <a:pPr marL="285750" indent="-285750"/>
-            <a:r>
-              <a:rPr lang="en-US" dirty="0"/>
-              <a:t>This generates energy upto 150-200V which is more than enough to light the street lights.</a:t>
-            </a:r>
-          </a:p>
-          <a:p>
-            <a:pPr marL="285750" indent="-285750"/>
-            <a:endParaRPr lang="en-US" dirty="0"/>
-          </a:p>
-          <a:p>
-            <a:pPr marL="285750" indent="-285750"/>
-            <a:r>
-              <a:rPr lang="en-US" u="sng" dirty="0"/>
-              <a:t>If we use LED’s to light the load this technology becomes even more efficient</a:t>
-            </a:r>
-            <a:r>
-              <a:rPr lang="en-US" dirty="0"/>
+            <a:pPr marL="0" indent="0">
+              <a:buNone/>
+            </a:pPr>
+            <a:r>
+              <a:rPr lang="en-US" dirty="0" smtClean="0"/>
+              <a:t>The material that we have used as piezo-electric is </a:t>
+            </a:r>
+            <a:r>
+              <a:rPr lang="en-US" u="sng" dirty="0" smtClean="0"/>
+              <a:t>Quartz</a:t>
+            </a:r>
+            <a:r>
+              <a:rPr lang="en-US" dirty="0" smtClean="0"/>
+              <a:t> </a:t>
+            </a:r>
+            <a:r>
+              <a:rPr lang="en-US" dirty="0" smtClean="0"/>
               <a:t>.</a:t>
             </a:r>
           </a:p>
           <a:p>
+            <a:pPr marL="0" indent="0">
+              <a:buNone/>
+            </a:pPr>
+            <a:r>
+              <a:rPr lang="en-US" dirty="0" smtClean="0"/>
+              <a:t>Quartz crystals offer superior quality and </a:t>
+            </a:r>
+            <a:r>
+              <a:rPr lang="en-US" dirty="0" smtClean="0"/>
+              <a:t>stability.</a:t>
+            </a:r>
+            <a:endParaRPr lang="en-US" dirty="0" smtClean="0"/>
+          </a:p>
+          <a:p>
+            <a:pPr marL="0" indent="0">
+              <a:buNone/>
+            </a:pPr>
+            <a:r>
+              <a:rPr lang="en-US" dirty="0" smtClean="0"/>
+              <a:t>These materials are not very expensive costing around Rs.60-70 for a single piece which makes the overall technology cost-effective.</a:t>
+            </a:r>
             <a:endParaRPr lang="en-US" dirty="0"/>
           </a:p>
         </p:txBody>
       </p:sp>
+      <p:pic>
+        <p:nvPicPr>
+          <p:cNvPr id="4" name="Picture 3"/>
+          <p:cNvPicPr>
+            <a:picLocks noChangeAspect="1"/>
+          </p:cNvPicPr>
+          <p:nvPr/>
+        </p:nvPicPr>
+        <p:blipFill>
+          <a:blip r:embed="rId2"/>
+          <a:stretch>
+            <a:fillRect/>
+          </a:stretch>
+        </p:blipFill>
+        <p:spPr>
+          <a:xfrm>
+            <a:off x="3839599" y="4524376"/>
+            <a:ext cx="3609975" cy="1266825"/>
+          </a:xfrm>
+          <a:prstGeom prst="rect">
+            <a:avLst/>
+          </a:prstGeom>
+        </p:spPr>
+      </p:pic>
     </p:spTree>
     <p:extLst>
       <p:ext uri="{BB962C8B-B14F-4D97-AF65-F5344CB8AC3E}">
-        <p14:creationId xmlns:p14="http://schemas.microsoft.com/office/powerpoint/2010/main" val="3077347729"/>
+        <p14:creationId xmlns:p14="http://schemas.microsoft.com/office/powerpoint/2010/main" val="1616189418"/>
       </p:ext>
     </p:extLst>
   </p:cSld>
@@ -12858,7 +13345,31 @@
           <a:bodyPr/>
           <a:lstStyle/>
           <a:p>
-            <a:endParaRPr lang="en-US" dirty="0"/>
+            <a:r>
+              <a:rPr lang="en-US" dirty="0"/>
+              <a:t> </a:t>
+            </a:r>
+            <a:r>
+              <a:rPr lang="en-US" dirty="0" smtClean="0"/>
+              <a:t>         </a:t>
+            </a:r>
+            <a:r>
+              <a:rPr lang="en-US" dirty="0" smtClean="0">
+                <a:solidFill>
+                  <a:schemeClr val="bg2">
+                    <a:lumMod val="75000"/>
+                  </a:schemeClr>
+                </a:solidFill>
+              </a:rPr>
+              <a:t>Ac dynamo  and generation</a:t>
+            </a:r>
+            <a:endParaRPr lang="en-US" dirty="0">
+              <a:solidFill>
+                <a:schemeClr val="bg2">
+                  <a:lumMod val="75000"/>
+                </a:schemeClr>
+              </a:solidFill>
+            </a:endParaRPr>
           </a:p>
         </p:txBody>
       </p:sp>
@@ -12877,14 +13388,72 @@
           <a:bodyPr/>
           <a:lstStyle/>
           <a:p>
-            <a:endParaRPr lang="en-US"/>
+            <a:r>
+              <a:rPr lang="en-US" dirty="0" smtClean="0"/>
+              <a:t>The spindle from the spring rotates the shaft that powers the AC Dynamo  </a:t>
+            </a:r>
+          </a:p>
+          <a:p>
+            <a:pPr marL="0" indent="0">
+              <a:buNone/>
+            </a:pPr>
+            <a:r>
+              <a:rPr lang="en-US" dirty="0"/>
+              <a:t> </a:t>
+            </a:r>
+            <a:r>
+              <a:rPr lang="en-US" dirty="0" smtClean="0"/>
+              <a:t>which produces an AC current.</a:t>
+            </a:r>
+          </a:p>
+          <a:p>
+            <a:pPr marL="0" indent="0">
+              <a:buNone/>
+            </a:pPr>
+            <a:r>
+              <a:rPr lang="en-US" dirty="0" smtClean="0"/>
+              <a:t>The  ac current is converted to dc by the application of </a:t>
+            </a:r>
+            <a:r>
+              <a:rPr lang="en-US" dirty="0" err="1" smtClean="0"/>
+              <a:t>commutator</a:t>
+            </a:r>
+            <a:r>
+              <a:rPr lang="en-US" dirty="0" smtClean="0"/>
+              <a:t> that  is attached to the generator.</a:t>
+            </a:r>
+            <a:endParaRPr lang="en-US" dirty="0"/>
           </a:p>
         </p:txBody>
       </p:sp>
+      <p:pic>
+        <p:nvPicPr>
+          <p:cNvPr id="4" name="Picture 3"/>
+          <p:cNvPicPr>
+            <a:picLocks noChangeAspect="1"/>
+          </p:cNvPicPr>
+          <p:nvPr/>
+        </p:nvPicPr>
+        <p:blipFill>
+          <a:blip r:embed="rId2"/>
+          <a:stretch>
+            <a:fillRect/>
+          </a:stretch>
+        </p:blipFill>
+        <p:spPr>
+          <a:xfrm>
+            <a:off x="3090923" y="4148860"/>
+            <a:ext cx="4343400" cy="2333625"/>
+          </a:xfrm>
+          <a:prstGeom prst="rect">
+            <a:avLst/>
+          </a:prstGeom>
+        </p:spPr>
+      </p:pic>
     </p:spTree>
     <p:extLst>
       <p:ext uri="{BB962C8B-B14F-4D97-AF65-F5344CB8AC3E}">
-        <p14:creationId xmlns:p14="http://schemas.microsoft.com/office/powerpoint/2010/main" val="3931045672"/>
+        <p14:creationId xmlns:p14="http://schemas.microsoft.com/office/powerpoint/2010/main" val="703326997"/>
       </p:ext>
     </p:extLst>
   </p:cSld>
@@ -12921,21 +13490,32 @@
             <p:ph type="title"/>
           </p:nvPr>
         </p:nvSpPr>
-        <p:spPr>
-          <a:xfrm>
-            <a:off x="1349757" y="76436"/>
-            <a:ext cx="9905998" cy="1478570"/>
-          </a:xfrm>
-        </p:spPr>
+        <p:spPr/>
         <p:txBody>
           <a:bodyPr/>
           <a:lstStyle/>
           <a:p>
             <a:r>
               <a:rPr lang="en-US" dirty="0" smtClean="0"/>
-              <a:t>                          applications</a:t>
-            </a:r>
-            <a:endParaRPr lang="en-US" dirty="0"/>
+              <a:t>                 </a:t>
+            </a:r>
+            <a:r>
+              <a:rPr lang="en-US" dirty="0" smtClean="0">
+                <a:solidFill>
+                  <a:schemeClr val="bg2">
+                    <a:lumMod val="75000"/>
+                  </a:schemeClr>
+                </a:solidFill>
+              </a:rPr>
+              <a:t>INVERTER AND LOAD </a:t>
+            </a:r>
+            <a:endParaRPr lang="en-US" dirty="0">
+              <a:solidFill>
+                <a:schemeClr val="bg2">
+                  <a:lumMod val="75000"/>
+                </a:schemeClr>
+              </a:solidFill>
+            </a:endParaRPr>
           </a:p>
         </p:txBody>
       </p:sp>
@@ -12949,116 +13529,65 @@
             <p:ph idx="1"/>
           </p:nvPr>
         </p:nvSpPr>
-        <p:spPr>
-          <a:xfrm>
-            <a:off x="933068" y="1555006"/>
-            <a:ext cx="9905999" cy="4452255"/>
-          </a:xfrm>
-        </p:spPr>
+        <p:spPr/>
         <p:txBody>
           <a:bodyPr>
-            <a:normAutofit fontScale="85000" lnSpcReduction="20000"/>
+            <a:normAutofit fontScale="77500" lnSpcReduction="20000"/>
           </a:bodyPr>
           <a:lstStyle/>
           <a:p>
+            <a:pPr marL="285750" indent="-285750"/>
             <a:r>
               <a:rPr lang="en-US" dirty="0"/>
-              <a:t>Footstep power generation system have many applications, but some of them are given below</a:t>
-            </a:r>
-            <a:r>
-              <a:rPr lang="en-US" dirty="0" smtClean="0"/>
-              <a:t>:</a:t>
-            </a:r>
-          </a:p>
-          <a:p>
-            <a:pPr marL="0" indent="0">
-              <a:buNone/>
-            </a:pPr>
-            <a:r>
-              <a:rPr lang="en-US" dirty="0" smtClean="0"/>
-              <a:t>The Slab flooring can be done on flat floors, staircase etc.</a:t>
-            </a:r>
-          </a:p>
-          <a:p>
-            <a:r>
-              <a:rPr lang="en-US" dirty="0" smtClean="0"/>
-              <a:t>Mobile </a:t>
-            </a:r>
+              <a:t>Next the electrical energy is stored in a battery with an uninterrupted power supply using an inverter.</a:t>
+            </a:r>
+          </a:p>
+          <a:p>
+            <a:pPr marL="285750" indent="-285750"/>
+            <a:endParaRPr lang="en-US" dirty="0"/>
+          </a:p>
+          <a:p>
+            <a:pPr marL="285750" indent="-285750"/>
             <a:r>
               <a:rPr lang="en-US" dirty="0"/>
-              <a:t>Charging </a:t>
-            </a:r>
-            <a:endParaRPr lang="en-US" dirty="0" smtClean="0"/>
-          </a:p>
-          <a:p>
-            <a:r>
-              <a:rPr lang="en-US" dirty="0" smtClean="0"/>
-              <a:t> </a:t>
-            </a:r>
+              <a:t>The inverter is provided so that even though there is no mechanical work being done at night or anytime , the power supply is continuously made to the load.</a:t>
+            </a:r>
+          </a:p>
+          <a:p>
+            <a:pPr marL="285750" indent="-285750"/>
+            <a:endParaRPr lang="en-US" dirty="0"/>
+          </a:p>
+          <a:p>
+            <a:pPr marL="285750" indent="-285750"/>
             <a:r>
               <a:rPr lang="en-US" dirty="0"/>
-              <a:t>Street </a:t>
-            </a:r>
-            <a:r>
-              <a:rPr lang="en-US" dirty="0" smtClean="0"/>
-              <a:t>Lighting</a:t>
-            </a:r>
-          </a:p>
-          <a:p>
-            <a:r>
-              <a:rPr lang="en-US" dirty="0" smtClean="0"/>
-              <a:t> Bus station lighting </a:t>
-            </a:r>
-          </a:p>
-          <a:p>
-            <a:r>
-              <a:rPr lang="en-US" dirty="0" smtClean="0"/>
-              <a:t> </a:t>
+              <a:t>This generates energy upto 150-200V which is more than enough to light the street lights.</a:t>
+            </a:r>
+          </a:p>
+          <a:p>
+            <a:pPr marL="285750" indent="-285750"/>
+            <a:endParaRPr lang="en-US" dirty="0"/>
+          </a:p>
+          <a:p>
+            <a:pPr marL="285750" indent="-285750"/>
+            <a:r>
+              <a:rPr lang="en-US" u="sng" dirty="0"/>
+              <a:t>If we use LED’s to light the load this technology becomes even more efficient</a:t>
             </a:r>
             <a:r>
               <a:rPr lang="en-US" dirty="0"/>
-              <a:t>Emergency power failure stations </a:t>
-            </a:r>
-            <a:endParaRPr lang="en-US" dirty="0" smtClean="0"/>
-          </a:p>
-          <a:p>
-            <a:r>
-              <a:rPr lang="en-US" dirty="0" smtClean="0"/>
-              <a:t> </a:t>
-            </a:r>
-            <a:r>
-              <a:rPr lang="en-US" dirty="0"/>
-              <a:t>Colleges. </a:t>
-            </a:r>
-            <a:endParaRPr lang="en-US" dirty="0" smtClean="0"/>
-          </a:p>
-          <a:p>
-            <a:r>
-              <a:rPr lang="en-US" dirty="0" smtClean="0"/>
-              <a:t> </a:t>
-            </a:r>
-            <a:r>
-              <a:rPr lang="en-US" dirty="0"/>
-              <a:t>Schools. </a:t>
-            </a:r>
-            <a:endParaRPr lang="en-US" dirty="0" smtClean="0"/>
-          </a:p>
-          <a:p>
-            <a:r>
-              <a:rPr lang="en-US" dirty="0" smtClean="0"/>
-              <a:t>Shopping </a:t>
-            </a:r>
-            <a:r>
-              <a:rPr lang="en-US" dirty="0"/>
-              <a:t>complex</a:t>
-            </a:r>
+              <a:t>.</a:t>
+            </a:r>
+          </a:p>
+          <a:p>
+            <a:endParaRPr lang="en-US" dirty="0"/>
           </a:p>
         </p:txBody>
       </p:sp>
     </p:spTree>
     <p:extLst>
       <p:ext uri="{BB962C8B-B14F-4D97-AF65-F5344CB8AC3E}">
-        <p14:creationId xmlns:p14="http://schemas.microsoft.com/office/powerpoint/2010/main" val="3126923719"/>
+        <p14:creationId xmlns:p14="http://schemas.microsoft.com/office/powerpoint/2010/main" val="3077347729"/>
       </p:ext>
     </p:extLst>
   </p:cSld>
@@ -13102,9 +13631,25 @@
           <a:p>
             <a:r>
               <a:rPr lang="en-US" dirty="0" smtClean="0"/>
-              <a:t>                           advantages</a:t>
-            </a:r>
-            <a:endParaRPr lang="en-US" dirty="0"/>
+              <a:t>      </a:t>
+            </a:r>
+            <a:r>
+              <a:rPr lang="en-US" dirty="0" smtClean="0">
+                <a:solidFill>
+                  <a:schemeClr val="bg2">
+                    <a:lumMod val="75000"/>
+                  </a:schemeClr>
+                </a:solidFill>
+              </a:rPr>
+              <a:t>Microcontroller and control system </a:t>
+            </a:r>
+            <a:endParaRPr lang="en-US" dirty="0">
+              <a:solidFill>
+                <a:schemeClr val="bg2">
+                  <a:lumMod val="75000"/>
+                </a:schemeClr>
+              </a:solidFill>
+            </a:endParaRPr>
           </a:p>
         </p:txBody>
       </p:sp>
@@ -13124,6 +13669,322 @@
           <a:lstStyle/>
           <a:p>
             <a:r>
+              <a:rPr lang="en-US" dirty="0" smtClean="0"/>
+              <a:t>A micro-controller is an integral part in any application device.</a:t>
+            </a:r>
+          </a:p>
+          <a:p>
+            <a:r>
+              <a:rPr lang="en-US" dirty="0" smtClean="0"/>
+              <a:t>Data like amount power consumption , networking of the </a:t>
+            </a:r>
+            <a:r>
+              <a:rPr lang="en-US" dirty="0" err="1" smtClean="0"/>
+              <a:t>the</a:t>
+            </a:r>
+            <a:r>
+              <a:rPr lang="en-US" dirty="0" smtClean="0"/>
+              <a:t> circuit etc. can be fed to the microcontroller which processes and makes the changes.</a:t>
+            </a:r>
+          </a:p>
+          <a:p>
+            <a:r>
+              <a:rPr lang="en-US" dirty="0" smtClean="0"/>
+              <a:t>This improves the regulation of this technology and keeps it up to date.</a:t>
+            </a:r>
+          </a:p>
+          <a:p>
+            <a:r>
+              <a:rPr lang="en-US" dirty="0" smtClean="0"/>
+              <a:t>Any changes to the bigger part of the system can be done in the control systems and hence this automates the technology and saves time and </a:t>
+            </a:r>
+            <a:r>
+              <a:rPr lang="en-US" dirty="0" err="1" smtClean="0"/>
+              <a:t>labour</a:t>
+            </a:r>
+            <a:r>
+              <a:rPr lang="en-US" dirty="0" smtClean="0"/>
+              <a:t>.</a:t>
+            </a:r>
+            <a:endParaRPr lang="en-US" dirty="0"/>
+          </a:p>
+        </p:txBody>
+      </p:sp>
+    </p:spTree>
+    <p:extLst>
+      <p:ext uri="{BB962C8B-B14F-4D97-AF65-F5344CB8AC3E}">
+        <p14:creationId xmlns:p14="http://schemas.microsoft.com/office/powerpoint/2010/main" val="3931045672"/>
+      </p:ext>
+    </p:extLst>
+  </p:cSld>
+  <p:clrMapOvr>
+    <a:masterClrMapping/>
+  </p:clrMapOvr>
+</p:sld>
+</file>
+
+<file path=ppt/slides/slide16.xml><?xml version="1.0" encoding="utf-8"?>
+<p:sld xmlns:a="http://schemas.openxmlformats.org/drawingml/2006/main" xmlns:r="http://schemas.openxmlformats.org/officeDocument/2006/relationships" xmlns:p="http://schemas.openxmlformats.org/presentationml/2006/main">
+  <p:cSld>
+    <p:spTree>
+      <p:nvGrpSpPr>
+        <p:cNvPr id="1" name=""/>
+        <p:cNvGrpSpPr/>
+        <p:nvPr/>
+      </p:nvGrpSpPr>
+      <p:grpSpPr>
+        <a:xfrm>
+          <a:off x="0" y="0"/>
+          <a:ext cx="0" cy="0"/>
+          <a:chOff x="0" y="0"/>
+          <a:chExt cx="0" cy="0"/>
+        </a:xfrm>
+      </p:grpSpPr>
+      <p:sp>
+        <p:nvSpPr>
+          <p:cNvPr id="2" name="Title 1"/>
+          <p:cNvSpPr>
+            <a:spLocks noGrp="1"/>
+          </p:cNvSpPr>
+          <p:nvPr>
+            <p:ph type="title"/>
+          </p:nvPr>
+        </p:nvSpPr>
+        <p:spPr>
+          <a:xfrm>
+            <a:off x="1349757" y="76436"/>
+            <a:ext cx="9905998" cy="1478570"/>
+          </a:xfrm>
+        </p:spPr>
+        <p:txBody>
+          <a:bodyPr/>
+          <a:lstStyle/>
+          <a:p>
+            <a:r>
+              <a:rPr lang="en-US" dirty="0" smtClean="0"/>
+              <a:t>                          </a:t>
+            </a:r>
+            <a:r>
+              <a:rPr lang="en-US" dirty="0" smtClean="0">
+                <a:solidFill>
+                  <a:schemeClr val="bg2">
+                    <a:lumMod val="75000"/>
+                  </a:schemeClr>
+                </a:solidFill>
+              </a:rPr>
+              <a:t>applications</a:t>
+            </a:r>
+            <a:endParaRPr lang="en-US" dirty="0">
+              <a:solidFill>
+                <a:schemeClr val="bg2">
+                  <a:lumMod val="75000"/>
+                </a:schemeClr>
+              </a:solidFill>
+            </a:endParaRPr>
+          </a:p>
+        </p:txBody>
+      </p:sp>
+      <p:sp>
+        <p:nvSpPr>
+          <p:cNvPr id="3" name="Content Placeholder 2"/>
+          <p:cNvSpPr>
+            <a:spLocks noGrp="1"/>
+          </p:cNvSpPr>
+          <p:nvPr>
+            <p:ph idx="1"/>
+          </p:nvPr>
+        </p:nvSpPr>
+        <p:spPr>
+          <a:xfrm>
+            <a:off x="933068" y="1555006"/>
+            <a:ext cx="9905999" cy="4452255"/>
+          </a:xfrm>
+        </p:spPr>
+        <p:txBody>
+          <a:bodyPr>
+            <a:normAutofit fontScale="85000" lnSpcReduction="20000"/>
+          </a:bodyPr>
+          <a:lstStyle/>
+          <a:p>
+            <a:r>
+              <a:rPr lang="en-US" dirty="0"/>
+              <a:t>Footstep power generation system have many applications, but some of them are given below</a:t>
+            </a:r>
+            <a:r>
+              <a:rPr lang="en-US" dirty="0" smtClean="0"/>
+              <a:t>:</a:t>
+            </a:r>
+          </a:p>
+          <a:p>
+            <a:pPr marL="0" indent="0">
+              <a:buNone/>
+            </a:pPr>
+            <a:r>
+              <a:rPr lang="en-US" dirty="0" smtClean="0"/>
+              <a:t>The Slab flooring can be done on flat floors, staircase etc.</a:t>
+            </a:r>
+          </a:p>
+          <a:p>
+            <a:r>
+              <a:rPr lang="en-US" dirty="0" smtClean="0"/>
+              <a:t>Mobile </a:t>
+            </a:r>
+            <a:r>
+              <a:rPr lang="en-US" dirty="0"/>
+              <a:t>Charging </a:t>
+            </a:r>
+            <a:endParaRPr lang="en-US" dirty="0" smtClean="0"/>
+          </a:p>
+          <a:p>
+            <a:r>
+              <a:rPr lang="en-US" dirty="0" smtClean="0"/>
+              <a:t> </a:t>
+            </a:r>
+            <a:r>
+              <a:rPr lang="en-US" dirty="0"/>
+              <a:t>Street </a:t>
+            </a:r>
+            <a:r>
+              <a:rPr lang="en-US" dirty="0" smtClean="0"/>
+              <a:t>Lighting</a:t>
+            </a:r>
+          </a:p>
+          <a:p>
+            <a:r>
+              <a:rPr lang="en-US" dirty="0" smtClean="0"/>
+              <a:t> Bus station lighting </a:t>
+            </a:r>
+          </a:p>
+          <a:p>
+            <a:r>
+              <a:rPr lang="en-US" dirty="0" smtClean="0"/>
+              <a:t> </a:t>
+            </a:r>
+            <a:r>
+              <a:rPr lang="en-US" dirty="0"/>
+              <a:t>Emergency power failure stations </a:t>
+            </a:r>
+            <a:endParaRPr lang="en-US" dirty="0" smtClean="0"/>
+          </a:p>
+          <a:p>
+            <a:r>
+              <a:rPr lang="en-US" dirty="0" smtClean="0"/>
+              <a:t> </a:t>
+            </a:r>
+            <a:r>
+              <a:rPr lang="en-US" dirty="0"/>
+              <a:t>Colleges. </a:t>
+            </a:r>
+            <a:endParaRPr lang="en-US" dirty="0" smtClean="0"/>
+          </a:p>
+          <a:p>
+            <a:r>
+              <a:rPr lang="en-US" dirty="0" smtClean="0"/>
+              <a:t> </a:t>
+            </a:r>
+            <a:r>
+              <a:rPr lang="en-US" dirty="0"/>
+              <a:t>Schools. </a:t>
+            </a:r>
+            <a:endParaRPr lang="en-US" dirty="0" smtClean="0"/>
+          </a:p>
+          <a:p>
+            <a:r>
+              <a:rPr lang="en-US" dirty="0" smtClean="0"/>
+              <a:t>Shopping </a:t>
+            </a:r>
+            <a:r>
+              <a:rPr lang="en-US" dirty="0"/>
+              <a:t>complex</a:t>
+            </a:r>
+          </a:p>
+        </p:txBody>
+      </p:sp>
+    </p:spTree>
+    <p:extLst>
+      <p:ext uri="{BB962C8B-B14F-4D97-AF65-F5344CB8AC3E}">
+        <p14:creationId xmlns:p14="http://schemas.microsoft.com/office/powerpoint/2010/main" val="3126923719"/>
+      </p:ext>
+    </p:extLst>
+  </p:cSld>
+  <p:clrMapOvr>
+    <a:masterClrMapping/>
+  </p:clrMapOvr>
+</p:sld>
+</file>
+
+<file path=ppt/slides/slide17.xml><?xml version="1.0" encoding="utf-8"?>
+<p:sld xmlns:a="http://schemas.openxmlformats.org/drawingml/2006/main" xmlns:r="http://schemas.openxmlformats.org/officeDocument/2006/relationships" xmlns:p="http://schemas.openxmlformats.org/presentationml/2006/main">
+  <p:cSld>
+    <p:spTree>
+      <p:nvGrpSpPr>
+        <p:cNvPr id="1" name=""/>
+        <p:cNvGrpSpPr/>
+        <p:nvPr/>
+      </p:nvGrpSpPr>
+      <p:grpSpPr>
+        <a:xfrm>
+          <a:off x="0" y="0"/>
+          <a:ext cx="0" cy="0"/>
+          <a:chOff x="0" y="0"/>
+          <a:chExt cx="0" cy="0"/>
+        </a:xfrm>
+      </p:grpSpPr>
+      <p:sp>
+        <p:nvSpPr>
+          <p:cNvPr id="2" name="Title 1"/>
+          <p:cNvSpPr>
+            <a:spLocks noGrp="1"/>
+          </p:cNvSpPr>
+          <p:nvPr>
+            <p:ph type="title"/>
+          </p:nvPr>
+        </p:nvSpPr>
+        <p:spPr/>
+        <p:txBody>
+          <a:bodyPr/>
+          <a:lstStyle/>
+          <a:p>
+            <a:r>
+              <a:rPr lang="en-US" dirty="0" smtClean="0"/>
+              <a:t>                           </a:t>
+            </a:r>
+            <a:r>
+              <a:rPr lang="en-US" dirty="0" smtClean="0">
+                <a:solidFill>
+                  <a:schemeClr val="bg2">
+                    <a:lumMod val="75000"/>
+                  </a:schemeClr>
+                </a:solidFill>
+              </a:rPr>
+              <a:t>advantages</a:t>
+            </a:r>
+            <a:endParaRPr lang="en-US" dirty="0">
+              <a:solidFill>
+                <a:schemeClr val="bg2">
+                  <a:lumMod val="75000"/>
+                </a:schemeClr>
+              </a:solidFill>
+            </a:endParaRPr>
+          </a:p>
+        </p:txBody>
+      </p:sp>
+      <p:sp>
+        <p:nvSpPr>
+          <p:cNvPr id="3" name="Content Placeholder 2"/>
+          <p:cNvSpPr>
+            <a:spLocks noGrp="1"/>
+          </p:cNvSpPr>
+          <p:nvPr>
+            <p:ph idx="1"/>
+          </p:nvPr>
+        </p:nvSpPr>
+        <p:spPr/>
+        <p:txBody>
+          <a:bodyPr/>
+          <a:lstStyle/>
+          <a:p>
+            <a:r>
               <a:rPr lang="en-US" b="1" dirty="0"/>
               <a:t>Simply walking on the step </a:t>
             </a:r>
@@ -13144,7 +14005,15 @@
           <a:p>
             <a:r>
               <a:rPr lang="en-US" dirty="0"/>
-              <a:t> No need fuel input</a:t>
+              <a:t> No need </a:t>
+            </a:r>
+            <a:r>
+              <a:rPr lang="en-US" dirty="0" smtClean="0"/>
+              <a:t>of fuel </a:t>
+            </a:r>
+            <a:r>
+              <a:rPr lang="en-US" dirty="0"/>
+              <a:t>input</a:t>
             </a:r>
             <a:r>
               <a:rPr lang="en-US" dirty="0" smtClean="0"/>
@@ -13161,7 +14030,17 @@
           <a:p>
             <a:r>
               <a:rPr lang="en-US" dirty="0" smtClean="0"/>
-              <a:t>Eco-friendly since there is no pollution</a:t>
+              <a:t>Eco-friendly since there is no </a:t>
+            </a:r>
+            <a:r>
+              <a:rPr lang="en-US" dirty="0" smtClean="0"/>
+              <a:t>pollution.</a:t>
+            </a:r>
+          </a:p>
+          <a:p>
+            <a:r>
+              <a:rPr lang="en-US" dirty="0" smtClean="0"/>
+              <a:t>Once installed can be used for long time without maintanence.</a:t>
             </a:r>
             <a:endParaRPr lang="en-US" dirty="0"/>
           </a:p>
@@ -13171,6 +14050,251 @@
     <p:extLst>
       <p:ext uri="{BB962C8B-B14F-4D97-AF65-F5344CB8AC3E}">
         <p14:creationId xmlns:p14="http://schemas.microsoft.com/office/powerpoint/2010/main" val="2510216173"/>
+      </p:ext>
+    </p:extLst>
+  </p:cSld>
+  <p:clrMapOvr>
+    <a:masterClrMapping/>
+  </p:clrMapOvr>
+</p:sld>
+</file>
+
+<file path=ppt/slides/slide18.xml><?xml version="1.0" encoding="utf-8"?>
+<p:sld xmlns:a="http://schemas.openxmlformats.org/drawingml/2006/main" xmlns:r="http://schemas.openxmlformats.org/officeDocument/2006/relationships" xmlns:p="http://schemas.openxmlformats.org/presentationml/2006/main">
+  <p:cSld>
+    <p:spTree>
+      <p:nvGrpSpPr>
+        <p:cNvPr id="1" name=""/>
+        <p:cNvGrpSpPr/>
+        <p:nvPr/>
+      </p:nvGrpSpPr>
+      <p:grpSpPr>
+        <a:xfrm>
+          <a:off x="0" y="0"/>
+          <a:ext cx="0" cy="0"/>
+          <a:chOff x="0" y="0"/>
+          <a:chExt cx="0" cy="0"/>
+        </a:xfrm>
+      </p:grpSpPr>
+      <p:sp>
+        <p:nvSpPr>
+          <p:cNvPr id="2" name="Title 1"/>
+          <p:cNvSpPr>
+            <a:spLocks noGrp="1"/>
+          </p:cNvSpPr>
+          <p:nvPr>
+            <p:ph type="title"/>
+          </p:nvPr>
+        </p:nvSpPr>
+        <p:spPr/>
+        <p:txBody>
+          <a:bodyPr/>
+          <a:lstStyle/>
+          <a:p>
+            <a:pPr algn="ctr"/>
+            <a:r>
+              <a:rPr lang="en-US" dirty="0" smtClean="0">
+                <a:solidFill>
+                  <a:schemeClr val="bg2">
+                    <a:lumMod val="50000"/>
+                  </a:schemeClr>
+                </a:solidFill>
+              </a:rPr>
+              <a:t>Conclusion </a:t>
+            </a:r>
+            <a:endParaRPr lang="en-US" dirty="0">
+              <a:solidFill>
+                <a:schemeClr val="bg2">
+                  <a:lumMod val="50000"/>
+                </a:schemeClr>
+              </a:solidFill>
+            </a:endParaRPr>
+          </a:p>
+        </p:txBody>
+      </p:sp>
+      <p:sp>
+        <p:nvSpPr>
+          <p:cNvPr id="3" name="Content Placeholder 2"/>
+          <p:cNvSpPr>
+            <a:spLocks noGrp="1"/>
+          </p:cNvSpPr>
+          <p:nvPr>
+            <p:ph idx="1"/>
+          </p:nvPr>
+        </p:nvSpPr>
+        <p:spPr/>
+        <p:txBody>
+          <a:bodyPr/>
+          <a:lstStyle/>
+          <a:p>
+            <a:r>
+              <a:rPr lang="en-US" dirty="0"/>
+              <a:t>Mechanical energy of the human population has potential to generate power and need to be explored</a:t>
+            </a:r>
+            <a:r>
+              <a:rPr lang="en-US" dirty="0" smtClean="0"/>
+              <a:t>.</a:t>
+            </a:r>
+          </a:p>
+          <a:p>
+            <a:r>
+              <a:rPr lang="en-US" dirty="0" smtClean="0"/>
+              <a:t> </a:t>
+            </a:r>
+            <a:r>
+              <a:rPr lang="en-US" dirty="0"/>
+              <a:t>Walking is one of the most basic inevitable function of life and generating the necessary mechanical energy needs no extra </a:t>
+            </a:r>
+            <a:r>
+              <a:rPr lang="en-US" dirty="0" smtClean="0"/>
+              <a:t>effort</a:t>
+            </a:r>
+          </a:p>
+          <a:p>
+            <a:r>
+              <a:rPr lang="en-US" dirty="0"/>
+              <a:t>From above conclusions it is clear that this idea is worth for investment and execution.</a:t>
+            </a:r>
+          </a:p>
+          <a:p>
+            <a:endParaRPr lang="en-US" dirty="0"/>
+          </a:p>
+        </p:txBody>
+      </p:sp>
+    </p:spTree>
+    <p:extLst>
+      <p:ext uri="{BB962C8B-B14F-4D97-AF65-F5344CB8AC3E}">
+        <p14:creationId xmlns:p14="http://schemas.microsoft.com/office/powerpoint/2010/main" val="2809016057"/>
+      </p:ext>
+    </p:extLst>
+  </p:cSld>
+  <p:clrMapOvr>
+    <a:masterClrMapping/>
+  </p:clrMapOvr>
+</p:sld>
+</file>
+
+<file path=ppt/slides/slide19.xml><?xml version="1.0" encoding="utf-8"?>
+<p:sld xmlns:a="http://schemas.openxmlformats.org/drawingml/2006/main" xmlns:r="http://schemas.openxmlformats.org/officeDocument/2006/relationships" xmlns:p="http://schemas.openxmlformats.org/presentationml/2006/main">
+  <p:cSld>
+    <p:spTree>
+      <p:nvGrpSpPr>
+        <p:cNvPr id="1" name=""/>
+        <p:cNvGrpSpPr/>
+        <p:nvPr/>
+      </p:nvGrpSpPr>
+      <p:grpSpPr>
+        <a:xfrm>
+          <a:off x="0" y="0"/>
+          <a:ext cx="0" cy="0"/>
+          <a:chOff x="0" y="0"/>
+          <a:chExt cx="0" cy="0"/>
+        </a:xfrm>
+      </p:grpSpPr>
+      <p:sp>
+        <p:nvSpPr>
+          <p:cNvPr id="2" name="Title 1"/>
+          <p:cNvSpPr>
+            <a:spLocks noGrp="1"/>
+          </p:cNvSpPr>
+          <p:nvPr>
+            <p:ph type="title"/>
+          </p:nvPr>
+        </p:nvSpPr>
+        <p:spPr/>
+        <p:txBody>
+          <a:bodyPr/>
+          <a:lstStyle/>
+          <a:p>
+            <a:r>
+              <a:rPr lang="en-US" dirty="0" smtClean="0">
+                <a:solidFill>
+                  <a:schemeClr val="bg2">
+                    <a:lumMod val="75000"/>
+                  </a:schemeClr>
+                </a:solidFill>
+              </a:rPr>
+              <a:t>references</a:t>
+            </a:r>
+            <a:endParaRPr lang="en-US" dirty="0">
+              <a:solidFill>
+                <a:schemeClr val="bg2">
+                  <a:lumMod val="75000"/>
+                </a:schemeClr>
+              </a:solidFill>
+            </a:endParaRPr>
+          </a:p>
+        </p:txBody>
+      </p:sp>
+      <p:sp>
+        <p:nvSpPr>
+          <p:cNvPr id="3" name="Content Placeholder 2"/>
+          <p:cNvSpPr>
+            <a:spLocks noGrp="1"/>
+          </p:cNvSpPr>
+          <p:nvPr>
+            <p:ph idx="1"/>
+          </p:nvPr>
+        </p:nvSpPr>
+        <p:spPr/>
+        <p:txBody>
+          <a:bodyPr>
+            <a:normAutofit/>
+          </a:bodyPr>
+          <a:lstStyle/>
+          <a:p>
+            <a:r>
+              <a:rPr lang="en-US" dirty="0"/>
+              <a:t>http://</a:t>
+            </a:r>
+            <a:r>
+              <a:rPr lang="en-US" dirty="0" smtClean="0"/>
+              <a:t>www.google.com</a:t>
+            </a:r>
+          </a:p>
+          <a:p>
+            <a:r>
+              <a:rPr lang="en-US" dirty="0" smtClean="0"/>
+              <a:t>http</a:t>
+            </a:r>
+            <a:r>
+              <a:rPr lang="en-US" dirty="0"/>
+              <a:t>://www.quora.com</a:t>
+            </a:r>
+          </a:p>
+          <a:p>
+            <a:r>
+              <a:rPr lang="en-US" dirty="0"/>
+              <a:t>http://www.jneuroengrehab.com</a:t>
+            </a:r>
+          </a:p>
+          <a:p>
+            <a:r>
+              <a:rPr lang="en-US" dirty="0"/>
+              <a:t>EUROPEAN SCIENTIFIC JOURNAL-2018 EDITON</a:t>
+            </a:r>
+          </a:p>
+          <a:p>
+            <a:r>
+              <a:rPr lang="en-US" dirty="0"/>
+              <a:t>http://www.worldscientific.com</a:t>
+            </a:r>
+          </a:p>
+          <a:p>
+            <a:r>
+              <a:rPr lang="en-US" dirty="0"/>
+              <a:t>http://www.researchget.net</a:t>
+            </a:r>
+          </a:p>
+          <a:p>
+            <a:endParaRPr lang="en-US" dirty="0"/>
+          </a:p>
+        </p:txBody>
+      </p:sp>
+    </p:spTree>
+    <p:extLst>
+      <p:ext uri="{BB962C8B-B14F-4D97-AF65-F5344CB8AC3E}">
+        <p14:creationId xmlns:p14="http://schemas.microsoft.com/office/powerpoint/2010/main" val="2564676750"/>
       </p:ext>
     </p:extLst>
   </p:cSld>
@@ -13213,13 +14337,229 @@
           <a:lstStyle/>
           <a:p>
             <a:r>
-              <a:rPr lang="en-US" dirty="0"/>
-              <a:t> </a:t>
-            </a:r>
-            <a:r>
-              <a:rPr lang="en-US" dirty="0" smtClean="0"/>
-              <a:t>                        </a:t>
-            </a:r>
+              <a:rPr lang="en-US" dirty="0" smtClean="0">
+                <a:solidFill>
+                  <a:schemeClr val="bg2">
+                    <a:lumMod val="75000"/>
+                  </a:schemeClr>
+                </a:solidFill>
+              </a:rPr>
+              <a:t>agenda</a:t>
+            </a:r>
+            <a:endParaRPr lang="en-US" dirty="0">
+              <a:solidFill>
+                <a:schemeClr val="bg2">
+                  <a:lumMod val="75000"/>
+                </a:schemeClr>
+              </a:solidFill>
+            </a:endParaRPr>
+          </a:p>
+        </p:txBody>
+      </p:sp>
+      <p:sp>
+        <p:nvSpPr>
+          <p:cNvPr id="3" name="Content Placeholder 2"/>
+          <p:cNvSpPr>
+            <a:spLocks noGrp="1"/>
+          </p:cNvSpPr>
+          <p:nvPr>
+            <p:ph idx="1"/>
+          </p:nvPr>
+        </p:nvSpPr>
+        <p:spPr/>
+        <p:txBody>
+          <a:bodyPr>
+            <a:normAutofit fontScale="85000" lnSpcReduction="20000"/>
+          </a:bodyPr>
+          <a:lstStyle/>
+          <a:p>
+            <a:r>
+              <a:rPr lang="en-US" sz="2000" dirty="0" smtClean="0"/>
+              <a:t>Introduction</a:t>
+            </a:r>
+          </a:p>
+          <a:p>
+            <a:r>
+              <a:rPr lang="en-US" sz="2000" dirty="0" smtClean="0"/>
+              <a:t>Literature survey</a:t>
+            </a:r>
+          </a:p>
+          <a:p>
+            <a:r>
+              <a:rPr lang="en-US" sz="2000" dirty="0" smtClean="0"/>
+              <a:t>Principle</a:t>
+            </a:r>
+          </a:p>
+          <a:p>
+            <a:r>
+              <a:rPr lang="en-US" sz="2000" dirty="0" smtClean="0"/>
+              <a:t>Construction</a:t>
+            </a:r>
+          </a:p>
+          <a:p>
+            <a:r>
+              <a:rPr lang="en-US" sz="2000" dirty="0" smtClean="0"/>
+              <a:t>Working</a:t>
+            </a:r>
+          </a:p>
+          <a:p>
+            <a:r>
+              <a:rPr lang="en-US" sz="2000" dirty="0" smtClean="0"/>
+              <a:t>Applications</a:t>
+            </a:r>
+          </a:p>
+          <a:p>
+            <a:r>
+              <a:rPr lang="en-US" sz="2000" dirty="0" smtClean="0"/>
+              <a:t>Advantages</a:t>
+            </a:r>
+          </a:p>
+          <a:p>
+            <a:r>
+              <a:rPr lang="en-US" sz="2000" dirty="0" smtClean="0"/>
+              <a:t>Conclusion </a:t>
+            </a:r>
+          </a:p>
+          <a:p>
+            <a:r>
+              <a:rPr lang="en-US" sz="2000" dirty="0" smtClean="0"/>
+              <a:t>References</a:t>
+            </a:r>
+          </a:p>
+          <a:p>
+            <a:endParaRPr lang="en-US" sz="2000" dirty="0" smtClean="0"/>
+          </a:p>
+          <a:p>
+            <a:endParaRPr lang="en-US" dirty="0" smtClean="0"/>
+          </a:p>
+          <a:p>
+            <a:endParaRPr lang="en-US" dirty="0" smtClean="0"/>
+          </a:p>
+          <a:p>
+            <a:endParaRPr lang="en-US" dirty="0"/>
+          </a:p>
+        </p:txBody>
+      </p:sp>
+    </p:spTree>
+    <p:extLst>
+      <p:ext uri="{BB962C8B-B14F-4D97-AF65-F5344CB8AC3E}">
+        <p14:creationId xmlns:p14="http://schemas.microsoft.com/office/powerpoint/2010/main" val="2166555055"/>
+      </p:ext>
+    </p:extLst>
+  </p:cSld>
+  <p:clrMapOvr>
+    <a:masterClrMapping/>
+  </p:clrMapOvr>
+</p:sld>
+</file>
+
+<file path=ppt/slides/slide20.xml><?xml version="1.0" encoding="utf-8"?>
+<p:sld xmlns:a="http://schemas.openxmlformats.org/drawingml/2006/main" xmlns:r="http://schemas.openxmlformats.org/officeDocument/2006/relationships" xmlns:p="http://schemas.openxmlformats.org/presentationml/2006/main">
+  <p:cSld>
+    <p:spTree>
+      <p:nvGrpSpPr>
+        <p:cNvPr id="1" name=""/>
+        <p:cNvGrpSpPr/>
+        <p:nvPr/>
+      </p:nvGrpSpPr>
+      <p:grpSpPr>
+        <a:xfrm>
+          <a:off x="0" y="0"/>
+          <a:ext cx="0" cy="0"/>
+          <a:chOff x="0" y="0"/>
+          <a:chExt cx="0" cy="0"/>
+        </a:xfrm>
+      </p:grpSpPr>
+      <p:sp>
+        <p:nvSpPr>
+          <p:cNvPr id="3" name="TextBox 2"/>
+          <p:cNvSpPr txBox="1"/>
+          <p:nvPr/>
+        </p:nvSpPr>
+        <p:spPr>
+          <a:xfrm>
+            <a:off x="3946966" y="2789498"/>
+            <a:ext cx="5081286" cy="1015663"/>
+          </a:xfrm>
+          <a:prstGeom prst="rect">
+            <a:avLst/>
+          </a:prstGeom>
+          <a:noFill/>
+        </p:spPr>
+        <p:txBody>
+          <a:bodyPr wrap="square" rtlCol="0">
+            <a:spAutoFit/>
+          </a:bodyPr>
+          <a:lstStyle/>
+          <a:p>
+            <a:r>
+              <a:rPr lang="en-US" sz="6000" dirty="0">
+                <a:solidFill>
+                  <a:schemeClr val="tx1">
+                    <a:lumMod val="95000"/>
+                  </a:schemeClr>
+                </a:solidFill>
+                <a:latin typeface="Times New Roman" pitchFamily="18" charset="0"/>
+                <a:cs typeface="Times New Roman" pitchFamily="18" charset="0"/>
+              </a:rPr>
+              <a:t>Thank You</a:t>
+            </a:r>
+            <a:endParaRPr lang="en-US" sz="6000" dirty="0">
+              <a:solidFill>
+                <a:schemeClr val="tx1">
+                  <a:lumMod val="95000"/>
+                </a:schemeClr>
+              </a:solidFill>
+            </a:endParaRPr>
+          </a:p>
+        </p:txBody>
+      </p:sp>
+    </p:spTree>
+    <p:extLst>
+      <p:ext uri="{BB962C8B-B14F-4D97-AF65-F5344CB8AC3E}">
+        <p14:creationId xmlns:p14="http://schemas.microsoft.com/office/powerpoint/2010/main" val="143685859"/>
+      </p:ext>
+    </p:extLst>
+  </p:cSld>
+  <p:clrMapOvr>
+    <a:masterClrMapping/>
+  </p:clrMapOvr>
+</p:sld>
+</file>
+
+<file path=ppt/slides/slide3.xml><?xml version="1.0" encoding="utf-8"?>
+<p:sld xmlns:a="http://schemas.openxmlformats.org/drawingml/2006/main" xmlns:r="http://schemas.openxmlformats.org/officeDocument/2006/relationships" xmlns:p="http://schemas.openxmlformats.org/presentationml/2006/main">
+  <p:cSld>
+    <p:spTree>
+      <p:nvGrpSpPr>
+        <p:cNvPr id="1" name=""/>
+        <p:cNvGrpSpPr/>
+        <p:nvPr/>
+      </p:nvGrpSpPr>
+      <p:grpSpPr>
+        <a:xfrm>
+          <a:off x="0" y="0"/>
+          <a:ext cx="0" cy="0"/>
+          <a:chOff x="0" y="0"/>
+          <a:chExt cx="0" cy="0"/>
+        </a:xfrm>
+      </p:grpSpPr>
+      <p:sp>
+        <p:nvSpPr>
+          <p:cNvPr id="2" name="Title 1"/>
+          <p:cNvSpPr>
+            <a:spLocks noGrp="1"/>
+          </p:cNvSpPr>
+          <p:nvPr>
+            <p:ph type="title"/>
+          </p:nvPr>
+        </p:nvSpPr>
+        <p:spPr/>
+        <p:txBody>
+          <a:bodyPr/>
+          <a:lstStyle/>
+          <a:p>
+            <a:pPr algn="ctr"/>
             <a:r>
               <a:rPr lang="en-US" sz="4000" dirty="0" smtClean="0">
                 <a:solidFill>
@@ -13333,7 +14673,7 @@
 </p:sld>
 </file>
 
-<file path=ppt/slides/slide3.xml><?xml version="1.0" encoding="utf-8"?>
+<file path=ppt/slides/slide4.xml><?xml version="1.0" encoding="utf-8"?>
 <p:sld xmlns:a="http://schemas.openxmlformats.org/drawingml/2006/main" xmlns:r="http://schemas.openxmlformats.org/officeDocument/2006/relationships" xmlns:p="http://schemas.openxmlformats.org/presentationml/2006/main">
   <p:cSld>
     <p:spTree>
@@ -13359,7 +14699,7 @@
         <p:spPr>
           <a:xfrm>
             <a:off x="1203767" y="497711"/>
-            <a:ext cx="9468091" cy="7540526"/>
+            <a:ext cx="9468091" cy="5016758"/>
           </a:xfrm>
           <a:prstGeom prst="rect">
             <a:avLst/>
@@ -13384,80 +14724,43 @@
               <a:buChar char="•"/>
             </a:pPr>
             <a:r>
-              <a:rPr lang="en-US" sz="3000" dirty="0" smtClean="0"/>
+              <a:rPr lang="en-US" sz="2800" dirty="0" smtClean="0"/>
               <a:t>Proposal </a:t>
             </a:r>
             <a:r>
-              <a:rPr lang="en-US" sz="3000" dirty="0"/>
+              <a:rPr lang="en-US" sz="2800" dirty="0"/>
               <a:t>for the utilization of waste energy </a:t>
             </a:r>
             <a:r>
-              <a:rPr lang="en-US" sz="3000" dirty="0" smtClean="0"/>
+              <a:rPr lang="en-US" sz="2800" dirty="0" smtClean="0"/>
               <a:t>from </a:t>
             </a:r>
             <a:r>
-              <a:rPr lang="en-US" sz="3000" dirty="0"/>
+              <a:rPr lang="en-US" sz="2800" dirty="0"/>
               <a:t>human locomotion is very much </a:t>
             </a:r>
             <a:r>
-              <a:rPr lang="en-US" sz="3000" dirty="0" smtClean="0"/>
+              <a:rPr lang="en-US" sz="2800" dirty="0" smtClean="0"/>
               <a:t>relevant. </a:t>
             </a:r>
+            <a:endParaRPr lang="en-US" sz="2800" dirty="0" smtClean="0"/>
+          </a:p>
+          <a:p>
+            <a:endParaRPr lang="en-US" sz="2800" dirty="0"/>
           </a:p>
           <a:p>
             <a:pPr marL="285750" indent="-285750">
               <a:buFont typeface="Arial" panose="020B0604020202020204" pitchFamily="34" charset="0"/>
               <a:buChar char="•"/>
             </a:pPr>
-            <a:endParaRPr lang="en-US" sz="3000" dirty="0"/>
-          </a:p>
-          <a:p>
-            <a:pPr marL="285750" indent="-285750">
-              <a:buFont typeface="Arial" panose="020B0604020202020204" pitchFamily="34" charset="0"/>
-              <a:buChar char="•"/>
-            </a:pPr>
-            <a:r>
-              <a:rPr lang="en-US" sz="3000" dirty="0" smtClean="0"/>
-              <a:t>It is important </a:t>
-            </a:r>
-            <a:r>
-              <a:rPr lang="en-US" sz="3000" dirty="0"/>
-              <a:t>for highly populated countries like India </a:t>
-            </a:r>
-            <a:r>
-              <a:rPr lang="en-US" sz="3000" dirty="0" smtClean="0"/>
-              <a:t>where </a:t>
-            </a:r>
-            <a:r>
-              <a:rPr lang="en-US" sz="3000" dirty="0"/>
-              <a:t>the roads, railway stations, bus stands, temples, etc. are all over crowded and millions of people move around the clock</a:t>
-            </a:r>
-            <a:r>
-              <a:rPr lang="en-US" sz="3000" dirty="0" smtClean="0"/>
-              <a:t>.</a:t>
-            </a:r>
-          </a:p>
-          <a:p>
-            <a:pPr marL="285750" indent="-285750">
-              <a:buFont typeface="Arial" panose="020B0604020202020204" pitchFamily="34" charset="0"/>
-              <a:buChar char="•"/>
-            </a:pPr>
-            <a:endParaRPr lang="en-US" sz="3000" dirty="0"/>
-          </a:p>
-          <a:p>
-            <a:pPr marL="285750" indent="-285750">
-              <a:buFont typeface="Arial" panose="020B0604020202020204" pitchFamily="34" charset="0"/>
-              <a:buChar char="•"/>
-            </a:pPr>
-            <a:r>
-              <a:rPr lang="en-US" sz="3000" dirty="0"/>
+            <a:r>
+              <a:rPr lang="en-US" sz="2800" dirty="0"/>
               <a:t>This whole human/ bio-energy being wasted if it can be made possible for utilization it will be great invention and crowd energy farms will be very useful energy sources in crowded </a:t>
             </a:r>
             <a:r>
-              <a:rPr lang="en-US" sz="3000" dirty="0" smtClean="0"/>
+              <a:rPr lang="en-US" sz="2800" dirty="0" smtClean="0"/>
               <a:t>countries.</a:t>
             </a:r>
-            <a:endParaRPr lang="en-US" sz="3000" dirty="0" smtClean="0"/>
           </a:p>
           <a:p>
             <a:pPr marL="285750" indent="-285750">
@@ -13474,21 +14777,41 @@
             <a:endParaRPr lang="en-US" sz="2400" dirty="0" smtClean="0"/>
           </a:p>
           <a:p>
+            <a:endParaRPr lang="en-US" sz="2400" dirty="0"/>
+          </a:p>
+          <a:p>
             <a:pPr marL="285750" indent="-285750">
               <a:buFont typeface="Arial" panose="020B0604020202020204" pitchFamily="34" charset="0"/>
               <a:buChar char="•"/>
             </a:pPr>
             <a:endParaRPr lang="en-US" sz="2400" dirty="0"/>
           </a:p>
-          <a:p>
-            <a:pPr marL="285750" indent="-285750">
-              <a:buFont typeface="Arial" panose="020B0604020202020204" pitchFamily="34" charset="0"/>
-              <a:buChar char="•"/>
-            </a:pPr>
-            <a:endParaRPr lang="en-US" sz="2400" dirty="0"/>
-          </a:p>
         </p:txBody>
       </p:sp>
+      <p:pic>
+        <p:nvPicPr>
+          <p:cNvPr id="4" name="Picture 3"/>
+          <p:cNvPicPr>
+            <a:picLocks noChangeAspect="1"/>
+          </p:cNvPicPr>
+          <p:nvPr/>
+        </p:nvPicPr>
+        <p:blipFill>
+          <a:blip r:embed="rId2"/>
+          <a:stretch>
+            <a:fillRect/>
+          </a:stretch>
+        </p:blipFill>
+        <p:spPr>
+          <a:xfrm>
+            <a:off x="2754775" y="4027991"/>
+            <a:ext cx="5544273" cy="2257062"/>
+          </a:xfrm>
+          <a:prstGeom prst="rect">
+            <a:avLst/>
+          </a:prstGeom>
+        </p:spPr>
+      </p:pic>
     </p:spTree>
     <p:extLst>
       <p:ext uri="{BB962C8B-B14F-4D97-AF65-F5344CB8AC3E}">
@@ -13502,7 +14825,7 @@
 </p:sld>
 </file>
 
-<file path=ppt/slides/slide4.xml><?xml version="1.0" encoding="utf-8"?>
+<file path=ppt/slides/slide5.xml><?xml version="1.0" encoding="utf-8"?>
 <p:sld xmlns:a="http://schemas.openxmlformats.org/drawingml/2006/main" xmlns:r="http://schemas.openxmlformats.org/officeDocument/2006/relationships" xmlns:p="http://schemas.openxmlformats.org/presentationml/2006/main">
   <p:cSld>
     <p:spTree>
@@ -13534,16 +14857,126 @@
           <a:bodyPr/>
           <a:lstStyle/>
           <a:p>
+            <a:pPr algn="ctr"/>
+            <a:r>
+              <a:rPr lang="en-US" dirty="0" smtClean="0">
+                <a:solidFill>
+                  <a:schemeClr val="bg2">
+                    <a:lumMod val="50000"/>
+                  </a:schemeClr>
+                </a:solidFill>
+              </a:rPr>
+              <a:t>Literature survey</a:t>
+            </a:r>
+            <a:endParaRPr lang="en-US" dirty="0">
+              <a:solidFill>
+                <a:schemeClr val="bg2">
+                  <a:lumMod val="50000"/>
+                </a:schemeClr>
+              </a:solidFill>
+            </a:endParaRPr>
+          </a:p>
+        </p:txBody>
+      </p:sp>
+      <p:sp>
+        <p:nvSpPr>
+          <p:cNvPr id="3" name="Content Placeholder 2"/>
+          <p:cNvSpPr>
+            <a:spLocks noGrp="1"/>
+          </p:cNvSpPr>
+          <p:nvPr>
+            <p:ph idx="1"/>
+          </p:nvPr>
+        </p:nvSpPr>
+        <p:spPr/>
+        <p:txBody>
+          <a:bodyPr/>
+          <a:lstStyle/>
+          <a:p>
+            <a:pPr marL="0" indent="0">
+              <a:buNone/>
+            </a:pPr>
+            <a:r>
+              <a:rPr lang="en-US" dirty="0"/>
+              <a:t>This idea has been put into practice on a small scale by a diligent engineer Mrunal Tulankar.The building engineer has developed a flooring system in which pressure exerted by a person walking on the floor helps generate electricity. </a:t>
+            </a:r>
+            <a:endParaRPr lang="en-US" dirty="0" smtClean="0"/>
+          </a:p>
+          <a:p>
+            <a:pPr marL="0" indent="0">
+              <a:buNone/>
+            </a:pPr>
+            <a:r>
+              <a:rPr lang="en-US" dirty="0"/>
+              <a:t>One sample of the energy floor was installed at Nagpur Railway </a:t>
+            </a:r>
+            <a:r>
+              <a:rPr lang="en-US" dirty="0" err="1" smtClean="0"/>
+              <a:t>Station.His</a:t>
+            </a:r>
             <a:r>
               <a:rPr lang="en-US" dirty="0" smtClean="0"/>
-              <a:t>                           </a:t>
-            </a:r>
+              <a:t> </a:t>
+            </a:r>
+            <a:r>
+              <a:rPr lang="en-US" dirty="0"/>
+              <a:t>experiment was to light up four 25W LED bulbs from 6pm to 6am</a:t>
+            </a:r>
+            <a:endParaRPr lang="en-US" dirty="0"/>
+          </a:p>
+        </p:txBody>
+      </p:sp>
+    </p:spTree>
+    <p:extLst>
+      <p:ext uri="{BB962C8B-B14F-4D97-AF65-F5344CB8AC3E}">
+        <p14:creationId xmlns:p14="http://schemas.microsoft.com/office/powerpoint/2010/main" val="3069132236"/>
+      </p:ext>
+    </p:extLst>
+  </p:cSld>
+  <p:clrMapOvr>
+    <a:masterClrMapping/>
+  </p:clrMapOvr>
+</p:sld>
+</file>
+
+<file path=ppt/slides/slide6.xml><?xml version="1.0" encoding="utf-8"?>
+<p:sld xmlns:a="http://schemas.openxmlformats.org/drawingml/2006/main" xmlns:r="http://schemas.openxmlformats.org/officeDocument/2006/relationships" xmlns:p="http://schemas.openxmlformats.org/presentationml/2006/main">
+  <p:cSld>
+    <p:spTree>
+      <p:nvGrpSpPr>
+        <p:cNvPr id="1" name=""/>
+        <p:cNvGrpSpPr/>
+        <p:nvPr/>
+      </p:nvGrpSpPr>
+      <p:grpSpPr>
+        <a:xfrm>
+          <a:off x="0" y="0"/>
+          <a:ext cx="0" cy="0"/>
+          <a:chOff x="0" y="0"/>
+          <a:chExt cx="0" cy="0"/>
+        </a:xfrm>
+      </p:grpSpPr>
+      <p:sp>
+        <p:nvSpPr>
+          <p:cNvPr id="2" name="Title 1"/>
+          <p:cNvSpPr>
+            <a:spLocks noGrp="1"/>
+          </p:cNvSpPr>
+          <p:nvPr>
+            <p:ph type="title"/>
+          </p:nvPr>
+        </p:nvSpPr>
+        <p:spPr/>
+        <p:txBody>
+          <a:bodyPr/>
+          <a:lstStyle/>
+          <a:p>
+            <a:pPr algn="ctr"/>
             <a:r>
               <a:rPr lang="en-US" sz="4400" dirty="0" smtClean="0">
                 <a:solidFill>
-                  <a:schemeClr val="bg1">
-                    <a:lumMod val="95000"/>
-                    <a:lumOff val="5000"/>
+                  <a:schemeClr val="bg2">
+                    <a:lumMod val="75000"/>
                   </a:schemeClr>
                 </a:solidFill>
               </a:rPr>
@@ -13551,9 +14984,8 @@
             </a:r>
             <a:endParaRPr lang="en-US" sz="4400" dirty="0">
               <a:solidFill>
-                <a:schemeClr val="bg1">
-                  <a:lumMod val="95000"/>
-                  <a:lumOff val="5000"/>
+                <a:schemeClr val="bg2">
+                  <a:lumMod val="75000"/>
                 </a:schemeClr>
               </a:solidFill>
             </a:endParaRPr>
@@ -13596,7 +15028,15 @@
             </a:r>
             <a:r>
               <a:rPr lang="en-US" dirty="0"/>
-              <a:t>mechanical energy into the electrical energy</a:t>
+              <a:t>mechanical energy into </a:t>
+            </a:r>
+            <a:r>
+              <a:rPr lang="en-US" dirty="0" smtClean="0"/>
+              <a:t> </a:t>
+            </a:r>
+            <a:r>
+              <a:rPr lang="en-US" dirty="0"/>
+              <a:t>electrical energy</a:t>
             </a:r>
             <a:r>
               <a:rPr lang="en-US" dirty="0" smtClean="0"/>
@@ -13727,7 +15167,7 @@
 </p:sld>
 </file>
 
-<file path=ppt/slides/slide5.xml><?xml version="1.0" encoding="utf-8"?>
+<file path=ppt/slides/slide7.xml><?xml version="1.0" encoding="utf-8"?>
 <p:sld xmlns:a="http://schemas.openxmlformats.org/drawingml/2006/main" xmlns:r="http://schemas.openxmlformats.org/officeDocument/2006/relationships" xmlns:p="http://schemas.openxmlformats.org/presentationml/2006/main">
   <p:cSld>
     <p:spTree>
@@ -13759,15 +15199,24 @@
           <a:bodyPr/>
           <a:lstStyle/>
           <a:p>
-            <a:r>
-              <a:rPr lang="en-US" dirty="0"/>
-              <a:t> </a:t>
-            </a:r>
-            <a:r>
-              <a:rPr lang="en-US" dirty="0" smtClean="0"/>
-              <a:t>                        construction</a:t>
-            </a:r>
-            <a:endParaRPr lang="en-US" dirty="0"/>
+            <a:pPr algn="ctr"/>
+            <a:r>
+              <a:rPr lang="en-US" dirty="0" smtClean="0">
+                <a:solidFill>
+                  <a:schemeClr val="bg2">
+                    <a:lumMod val="75000"/>
+                  </a:schemeClr>
+                </a:solidFill>
+              </a:rPr>
+              <a:t>construction</a:t>
+            </a:r>
+            <a:endParaRPr lang="en-US" dirty="0">
+              <a:solidFill>
+                <a:schemeClr val="bg2">
+                  <a:lumMod val="75000"/>
+                </a:schemeClr>
+              </a:solidFill>
+            </a:endParaRPr>
           </a:p>
         </p:txBody>
       </p:sp>
@@ -13810,7 +15259,7 @@
 </p:sld>
 </file>
 
-<file path=ppt/slides/slide6.xml><?xml version="1.0" encoding="utf-8"?>
+<file path=ppt/slides/slide8.xml><?xml version="1.0" encoding="utf-8"?>
 <p:sld xmlns:a="http://schemas.openxmlformats.org/drawingml/2006/main" xmlns:r="http://schemas.openxmlformats.org/officeDocument/2006/relationships" xmlns:p="http://schemas.openxmlformats.org/presentationml/2006/main">
   <p:cSld>
     <p:spTree>
@@ -13852,10 +15301,22 @@
               <a:t>                </a:t>
             </a:r>
             <a:r>
-              <a:rPr lang="en-US" dirty="0" smtClean="0"/>
+              <a:rPr lang="en-US" dirty="0" smtClean="0">
+                <a:solidFill>
+                  <a:schemeClr val="bg2">
+                    <a:lumMod val="75000"/>
+                  </a:schemeClr>
+                </a:solidFill>
+              </a:rPr>
               <a:t>work FLOW DIAGRAM</a:t>
             </a:r>
-            <a:endParaRPr lang="en-US" dirty="0"/>
+            <a:endParaRPr lang="en-US" dirty="0">
+              <a:solidFill>
+                <a:schemeClr val="bg2">
+                  <a:lumMod val="75000"/>
+                </a:schemeClr>
+              </a:solidFill>
+            </a:endParaRPr>
           </a:p>
         </p:txBody>
       </p:sp>
@@ -13925,210 +15386,6 @@
 </p:sld>
 </file>
 
-<file path=ppt/slides/slide7.xml><?xml version="1.0" encoding="utf-8"?>
-<p:sld xmlns:a="http://schemas.openxmlformats.org/drawingml/2006/main" xmlns:r="http://schemas.openxmlformats.org/officeDocument/2006/relationships" xmlns:p="http://schemas.openxmlformats.org/presentationml/2006/main">
-  <p:cSld>
-    <p:spTree>
-      <p:nvGrpSpPr>
-        <p:cNvPr id="1" name=""/>
-        <p:cNvGrpSpPr/>
-        <p:nvPr/>
-      </p:nvGrpSpPr>
-      <p:grpSpPr>
-        <a:xfrm>
-          <a:off x="0" y="0"/>
-          <a:ext cx="0" cy="0"/>
-          <a:chOff x="0" y="0"/>
-          <a:chExt cx="0" cy="0"/>
-        </a:xfrm>
-      </p:grpSpPr>
-      <p:sp>
-        <p:nvSpPr>
-          <p:cNvPr id="2" name="Title 1"/>
-          <p:cNvSpPr>
-            <a:spLocks noGrp="1"/>
-          </p:cNvSpPr>
-          <p:nvPr>
-            <p:ph type="title"/>
-          </p:nvPr>
-        </p:nvSpPr>
-        <p:spPr/>
-        <p:txBody>
-          <a:bodyPr/>
-          <a:lstStyle/>
-          <a:p>
-            <a:r>
-              <a:rPr lang="en-US" dirty="0" smtClean="0"/>
-              <a:t>               WORKING STEP BY STEP</a:t>
-            </a:r>
-            <a:endParaRPr lang="en-US" dirty="0"/>
-          </a:p>
-        </p:txBody>
-      </p:sp>
-      <p:sp>
-        <p:nvSpPr>
-          <p:cNvPr id="3" name="Content Placeholder 2"/>
-          <p:cNvSpPr>
-            <a:spLocks noGrp="1"/>
-          </p:cNvSpPr>
-          <p:nvPr>
-            <p:ph idx="1"/>
-          </p:nvPr>
-        </p:nvSpPr>
-        <p:spPr/>
-        <p:txBody>
-          <a:bodyPr/>
-          <a:lstStyle/>
-          <a:p>
-            <a:pPr marL="0" indent="0">
-              <a:buNone/>
-            </a:pPr>
-            <a:r>
-              <a:rPr lang="en-US" dirty="0" smtClean="0"/>
-              <a:t> </a:t>
-            </a:r>
-            <a:r>
-              <a:rPr lang="en-US" u="sng" dirty="0" smtClean="0"/>
-              <a:t>WALKING ON THE SLAB </a:t>
-            </a:r>
-          </a:p>
-          <a:p>
-            <a:r>
-              <a:rPr lang="en-US" dirty="0" smtClean="0"/>
-              <a:t>First of, walking or running on the slab creates stress energy on the slab which can be assumed as mechanical work.</a:t>
-            </a:r>
-            <a:endParaRPr lang="en-US" dirty="0"/>
-          </a:p>
-        </p:txBody>
-      </p:sp>
-      <p:pic>
-        <p:nvPicPr>
-          <p:cNvPr id="4" name="Picture 3"/>
-          <p:cNvPicPr>
-            <a:picLocks noChangeAspect="1"/>
-          </p:cNvPicPr>
-          <p:nvPr/>
-        </p:nvPicPr>
-        <p:blipFill>
-          <a:blip r:embed="rId2"/>
-          <a:stretch>
-            <a:fillRect/>
-          </a:stretch>
-        </p:blipFill>
-        <p:spPr>
-          <a:xfrm>
-            <a:off x="3944856" y="4020344"/>
-            <a:ext cx="3138307" cy="2166058"/>
-          </a:xfrm>
-          <a:prstGeom prst="rect">
-            <a:avLst/>
-          </a:prstGeom>
-        </p:spPr>
-      </p:pic>
-    </p:spTree>
-    <p:extLst>
-      <p:ext uri="{BB962C8B-B14F-4D97-AF65-F5344CB8AC3E}">
-        <p14:creationId xmlns:p14="http://schemas.microsoft.com/office/powerpoint/2010/main" val="12810483"/>
-      </p:ext>
-    </p:extLst>
-  </p:cSld>
-  <p:clrMapOvr>
-    <a:masterClrMapping/>
-  </p:clrMapOvr>
-</p:sld>
-</file>
-
-<file path=ppt/slides/slide8.xml><?xml version="1.0" encoding="utf-8"?>
-<p:sld xmlns:a="http://schemas.openxmlformats.org/drawingml/2006/main" xmlns:r="http://schemas.openxmlformats.org/officeDocument/2006/relationships" xmlns:p="http://schemas.openxmlformats.org/presentationml/2006/main">
-  <p:cSld>
-    <p:spTree>
-      <p:nvGrpSpPr>
-        <p:cNvPr id="1" name=""/>
-        <p:cNvGrpSpPr/>
-        <p:nvPr/>
-      </p:nvGrpSpPr>
-      <p:grpSpPr>
-        <a:xfrm>
-          <a:off x="0" y="0"/>
-          <a:ext cx="0" cy="0"/>
-          <a:chOff x="0" y="0"/>
-          <a:chExt cx="0" cy="0"/>
-        </a:xfrm>
-      </p:grpSpPr>
-      <p:sp>
-        <p:nvSpPr>
-          <p:cNvPr id="2" name="Title 1"/>
-          <p:cNvSpPr>
-            <a:spLocks noGrp="1"/>
-          </p:cNvSpPr>
-          <p:nvPr>
-            <p:ph type="title"/>
-          </p:nvPr>
-        </p:nvSpPr>
-        <p:spPr/>
-        <p:txBody>
-          <a:bodyPr>
-            <a:normAutofit/>
-          </a:bodyPr>
-          <a:lstStyle/>
-          <a:p>
-            <a:r>
-              <a:rPr lang="en-US" sz="3200" dirty="0"/>
-              <a:t> </a:t>
-            </a:r>
-            <a:r>
-              <a:rPr lang="en-US" sz="3200" dirty="0" smtClean="0"/>
-              <a:t>                      SPRING AND SPINDLE  SYSTEM </a:t>
-            </a:r>
-            <a:endParaRPr lang="en-US" sz="3200" dirty="0"/>
-          </a:p>
-        </p:txBody>
-      </p:sp>
-      <p:sp>
-        <p:nvSpPr>
-          <p:cNvPr id="3" name="Content Placeholder 2"/>
-          <p:cNvSpPr>
-            <a:spLocks noGrp="1"/>
-          </p:cNvSpPr>
-          <p:nvPr>
-            <p:ph idx="1"/>
-          </p:nvPr>
-        </p:nvSpPr>
-        <p:spPr/>
-        <p:txBody>
-          <a:bodyPr/>
-          <a:lstStyle/>
-          <a:p>
-            <a:r>
-              <a:rPr lang="en-US" dirty="0" smtClean="0"/>
-              <a:t>Spring system in this project allows the slab to regain its original position so that the generation cycle can be repeated.</a:t>
-            </a:r>
-          </a:p>
-          <a:p>
-            <a:pPr marL="0" indent="0">
-              <a:buNone/>
-            </a:pPr>
-            <a:r>
-              <a:rPr lang="en-US" dirty="0" smtClean="0"/>
-              <a:t> </a:t>
-            </a:r>
-            <a:endParaRPr lang="en-US" dirty="0"/>
-          </a:p>
-        </p:txBody>
-      </p:sp>
-    </p:spTree>
-    <p:extLst>
-      <p:ext uri="{BB962C8B-B14F-4D97-AF65-F5344CB8AC3E}">
-        <p14:creationId xmlns:p14="http://schemas.microsoft.com/office/powerpoint/2010/main" val="2208184983"/>
-      </p:ext>
-    </p:extLst>
-  </p:cSld>
-  <p:clrMapOvr>
-    <a:masterClrMapping/>
-  </p:clrMapOvr>
-</p:sld>
-</file>
-
 <file path=ppt/slides/slide9.xml><?xml version="1.0" encoding="utf-8"?>
 <p:sld xmlns:a="http://schemas.openxmlformats.org/drawingml/2006/main" xmlns:r="http://schemas.openxmlformats.org/officeDocument/2006/relationships" xmlns:p="http://schemas.openxmlformats.org/presentationml/2006/main">
   <p:cSld>
@@ -14163,9 +15420,39 @@
           <a:p>
             <a:r>
               <a:rPr lang="en-US" dirty="0" smtClean="0"/>
-              <a:t>              PIEZO – ELECTRIC TRANSDUCER</a:t>
-            </a:r>
-            <a:endParaRPr lang="en-US" dirty="0"/>
+              <a:t>               </a:t>
+            </a:r>
+            <a:r>
+              <a:rPr lang="en-US" dirty="0" smtClean="0"/>
+              <a:t>  </a:t>
+            </a:r>
+            <a:r>
+              <a:rPr lang="en-US" dirty="0" smtClean="0">
+                <a:solidFill>
+                  <a:schemeClr val="bg2">
+                    <a:lumMod val="75000"/>
+                  </a:schemeClr>
+                </a:solidFill>
+              </a:rPr>
+              <a:t>WORKING </a:t>
+            </a:r>
+            <a:r>
+              <a:rPr lang="en-US" dirty="0" smtClean="0">
+                <a:solidFill>
+                  <a:schemeClr val="bg2">
+                    <a:lumMod val="75000"/>
+                  </a:schemeClr>
+                </a:solidFill>
+              </a:rPr>
+              <a:t>STEP BY STEP</a:t>
+            </a:r>
+            <a:endParaRPr lang="en-US" dirty="0">
+              <a:solidFill>
+                <a:schemeClr val="bg2">
+                  <a:lumMod val="75000"/>
+                </a:schemeClr>
+              </a:solidFill>
+            </a:endParaRPr>
           </a:p>
         </p:txBody>
       </p:sp>
@@ -14184,53 +15471,22 @@
           <a:bodyPr/>
           <a:lstStyle/>
           <a:p>
+            <a:pPr marL="0" indent="0">
+              <a:buNone/>
+            </a:pPr>
             <a:r>
               <a:rPr lang="en-US" dirty="0" smtClean="0"/>
-              <a:t>It is a material that senses the mechanical stress and also has the capability of converting that  energy into electrical energy (nearly of 20 watts)</a:t>
+              <a:t> </a:t>
+            </a:r>
+            <a:r>
+              <a:rPr lang="en-US" u="sng" dirty="0" smtClean="0"/>
+              <a:t>WALKING ON THE SLAB </a:t>
             </a:r>
           </a:p>
           <a:p>
             <a:r>
               <a:rPr lang="en-US" dirty="0" smtClean="0"/>
-              <a:t>Here the </a:t>
-            </a:r>
-            <a:r>
-              <a:rPr lang="en-US" dirty="0" err="1" smtClean="0"/>
-              <a:t>piezo</a:t>
-            </a:r>
-            <a:r>
-              <a:rPr lang="en-US" dirty="0" smtClean="0"/>
-              <a:t> electric is used to </a:t>
-            </a:r>
-            <a:r>
-              <a:rPr lang="en-US" u="sng" dirty="0" smtClean="0"/>
-              <a:t>sense the force  </a:t>
-            </a:r>
-            <a:r>
-              <a:rPr lang="en-US" dirty="0" smtClean="0"/>
-              <a:t>and just add up some voltage to the main generation.</a:t>
-            </a:r>
-          </a:p>
-          <a:p>
-            <a:r>
-              <a:rPr lang="en-US" dirty="0" smtClean="0"/>
-              <a:t>For </a:t>
-            </a:r>
-            <a:r>
-              <a:rPr lang="en-US" u="sng" dirty="0" smtClean="0"/>
-              <a:t>small scale generation </a:t>
-            </a:r>
-            <a:r>
-              <a:rPr lang="en-US" dirty="0" smtClean="0"/>
-              <a:t>, using the </a:t>
-            </a:r>
-            <a:r>
-              <a:rPr lang="en-US" dirty="0" err="1" smtClean="0"/>
-              <a:t>piezo</a:t>
-            </a:r>
-            <a:r>
-              <a:rPr lang="en-US" dirty="0" smtClean="0"/>
-              <a:t>-electric material is just enough to charge anything nearly consuming 20-30 W.</a:t>
+              <a:t>First of, walking or running on the slab creates stress energy on the slab which can be assumed as mechanical work.</a:t>
             </a:r>
             <a:endParaRPr lang="en-US" dirty="0"/>
           </a:p>
@@ -14252,8 +15508,8 @@
         </p:blipFill>
         <p:spPr>
           <a:xfrm>
-            <a:off x="7640315" y="4714875"/>
-            <a:ext cx="2143125" cy="2143125"/>
+            <a:off x="3944856" y="4020344"/>
+            <a:ext cx="3138307" cy="2166058"/>
           </a:xfrm>
           <a:prstGeom prst="rect">
             <a:avLst/>
@@ -14263,7 +15519,7 @@
     </p:spTree>
     <p:extLst>
       <p:ext uri="{BB962C8B-B14F-4D97-AF65-F5344CB8AC3E}">
-        <p14:creationId xmlns:p14="http://schemas.microsoft.com/office/powerpoint/2010/main" val="1145664846"/>
+        <p14:creationId xmlns:p14="http://schemas.microsoft.com/office/powerpoint/2010/main" val="12810483"/>
       </p:ext>
     </p:extLst>
   </p:cSld>

--- a/mini project sem 1.pptx
+++ b/mini project sem 1.pptx
@@ -12430,7 +12430,7 @@
         </p:nvSpPr>
         <p:spPr>
           <a:xfrm>
-            <a:off x="3518703" y="2615878"/>
+            <a:off x="3275635" y="2708476"/>
             <a:ext cx="5671595" cy="1477328"/>
           </a:xfrm>
           <a:prstGeom prst="rect">
@@ -12520,7 +12520,7 @@
         </p:nvSpPr>
         <p:spPr>
           <a:xfrm>
-            <a:off x="879676" y="4745620"/>
+            <a:off x="868101" y="4745620"/>
             <a:ext cx="4815068" cy="1785104"/>
           </a:xfrm>
           <a:prstGeom prst="rect">
@@ -12614,7 +12614,27 @@
                 <a:latin typeface="Times New Roman" panose="02020603050405020304" pitchFamily="18" charset="0"/>
                 <a:cs typeface="Times New Roman" panose="02020603050405020304" pitchFamily="18" charset="0"/>
               </a:rPr>
-              <a:t>Name : Ms .Sarala</a:t>
+              <a:t>Name : </a:t>
+            </a:r>
+            <a:r>
+              <a:rPr lang="en-US" sz="2000" b="1" dirty="0" smtClean="0">
+                <a:solidFill>
+                  <a:schemeClr val="bg1">
+                    <a:lumMod val="95000"/>
+                    <a:lumOff val="5000"/>
+                  </a:schemeClr>
+                </a:solidFill>
+                <a:effectLst>
+                  <a:outerShdw blurRad="50800" dist="38100" algn="tr" rotWithShape="0">
+                    <a:prstClr val="black">
+                      <a:alpha val="40000"/>
+                    </a:prstClr>
+                  </a:outerShdw>
+                </a:effectLst>
+                <a:latin typeface="Times New Roman" panose="02020603050405020304" pitchFamily="18" charset="0"/>
+                <a:cs typeface="Times New Roman" panose="02020603050405020304" pitchFamily="18" charset="0"/>
+              </a:rPr>
+              <a:t>Prof. Sarala DV</a:t>
             </a:r>
             <a:endParaRPr lang="en-US" sz="2000" b="1" dirty="0">
               <a:solidFill>
@@ -12722,7 +12742,7 @@
         </p:nvSpPr>
         <p:spPr>
           <a:xfrm>
-            <a:off x="6261904" y="4745620"/>
+            <a:off x="6585995" y="4745620"/>
             <a:ext cx="4896091" cy="1200329"/>
           </a:xfrm>
           <a:prstGeom prst="rect">
@@ -13407,20 +13427,9 @@
             </a:r>
           </a:p>
           <a:p>
-            <a:pPr marL="0" indent="0">
-              <a:buNone/>
-            </a:pPr>
             <a:r>
               <a:rPr lang="en-US" dirty="0" smtClean="0"/>
-              <a:t>The  ac current is converted to dc by the application of </a:t>
-            </a:r>
-            <a:r>
-              <a:rPr lang="en-US" dirty="0" err="1" smtClean="0"/>
-              <a:t>commutator</a:t>
-            </a:r>
-            <a:r>
-              <a:rPr lang="en-US" dirty="0" smtClean="0"/>
-              <a:t> that  is attached to the generator.</a:t>
+              <a:t>The  ac current is converted to dc by the application of commutator that  is attached to the generator.</a:t>
             </a:r>
             <a:endParaRPr lang="en-US" dirty="0"/>
           </a:p>

--- a/mini project sem 1.pptx
+++ b/mini project sem 1.pptx
@@ -181,7 +181,7 @@
           <a:noFill/>
           <a:extLst>
             <a:ext uri="{909E8E84-426E-40dd-AFC4-6F175D3DCCD1}">
-              <a14:hiddenFill xmlns="" xmlns:a14="http://schemas.microsoft.com/office/drawing/2010/main">
+              <a14:hiddenFill xmlns:a14="http://schemas.microsoft.com/office/drawing/2010/main" xmlns="">
                 <a:solidFill>
                   <a:srgbClr val="FFFFFF"/>
                 </a:solidFill>
@@ -241,7 +241,7 @@
             </a:ln>
             <a:extLst>
               <a:ext uri="{91240B29-F687-4f45-9708-019B960494DF}">
-                <a14:hiddenLine xmlns="" xmlns:a14="http://schemas.microsoft.com/office/drawing/2010/main" w="9525">
+                <a14:hiddenLine xmlns:a14="http://schemas.microsoft.com/office/drawing/2010/main" xmlns="" w="9525">
                   <a:solidFill>
                     <a:srgbClr val="000000"/>
                   </a:solidFill>
@@ -331,7 +331,7 @@
             </a:ln>
             <a:extLst>
               <a:ext uri="{91240B29-F687-4f45-9708-019B960494DF}">
-                <a14:hiddenLine xmlns="" xmlns:a14="http://schemas.microsoft.com/office/drawing/2010/main" w="9525">
+                <a14:hiddenLine xmlns:a14="http://schemas.microsoft.com/office/drawing/2010/main" xmlns="" w="9525">
                   <a:solidFill>
                     <a:srgbClr val="000000"/>
                   </a:solidFill>
@@ -421,7 +421,7 @@
             </a:ln>
             <a:extLst>
               <a:ext uri="{91240B29-F687-4f45-9708-019B960494DF}">
-                <a14:hiddenLine xmlns="" xmlns:a14="http://schemas.microsoft.com/office/drawing/2010/main" w="9525">
+                <a14:hiddenLine xmlns:a14="http://schemas.microsoft.com/office/drawing/2010/main" xmlns="" w="9525">
                   <a:solidFill>
                     <a:srgbClr val="000000"/>
                   </a:solidFill>
@@ -455,7 +455,7 @@
             </a:ln>
             <a:extLst>
               <a:ext uri="{91240B29-F687-4f45-9708-019B960494DF}">
-                <a14:hiddenLine xmlns="" xmlns:a14="http://schemas.microsoft.com/office/drawing/2010/main" w="9525">
+                <a14:hiddenLine xmlns:a14="http://schemas.microsoft.com/office/drawing/2010/main" xmlns="" w="9525">
                   <a:solidFill>
                     <a:srgbClr val="000000"/>
                   </a:solidFill>
@@ -545,7 +545,7 @@
             </a:ln>
             <a:extLst>
               <a:ext uri="{91240B29-F687-4f45-9708-019B960494DF}">
-                <a14:hiddenLine xmlns="" xmlns:a14="http://schemas.microsoft.com/office/drawing/2010/main" w="9525">
+                <a14:hiddenLine xmlns:a14="http://schemas.microsoft.com/office/drawing/2010/main" xmlns="" w="9525">
                   <a:solidFill>
                     <a:srgbClr val="000000"/>
                   </a:solidFill>
@@ -607,7 +607,7 @@
             </a:ln>
             <a:extLst>
               <a:ext uri="{91240B29-F687-4f45-9708-019B960494DF}">
-                <a14:hiddenLine xmlns="" xmlns:a14="http://schemas.microsoft.com/office/drawing/2010/main" w="9525">
+                <a14:hiddenLine xmlns:a14="http://schemas.microsoft.com/office/drawing/2010/main" xmlns="" w="9525">
                   <a:solidFill>
                     <a:srgbClr val="000000"/>
                   </a:solidFill>
@@ -669,7 +669,7 @@
             </a:ln>
             <a:extLst>
               <a:ext uri="{91240B29-F687-4f45-9708-019B960494DF}">
-                <a14:hiddenLine xmlns="" xmlns:a14="http://schemas.microsoft.com/office/drawing/2010/main" w="9525">
+                <a14:hiddenLine xmlns:a14="http://schemas.microsoft.com/office/drawing/2010/main" xmlns="" w="9525">
                   <a:solidFill>
                     <a:srgbClr val="000000"/>
                   </a:solidFill>
@@ -759,7 +759,7 @@
             </a:ln>
             <a:extLst>
               <a:ext uri="{91240B29-F687-4f45-9708-019B960494DF}">
-                <a14:hiddenLine xmlns="" xmlns:a14="http://schemas.microsoft.com/office/drawing/2010/main" w="9525">
+                <a14:hiddenLine xmlns:a14="http://schemas.microsoft.com/office/drawing/2010/main" xmlns="" w="9525">
                   <a:solidFill>
                     <a:srgbClr val="000000"/>
                   </a:solidFill>
@@ -821,7 +821,7 @@
             </a:ln>
             <a:extLst>
               <a:ext uri="{91240B29-F687-4f45-9708-019B960494DF}">
-                <a14:hiddenLine xmlns="" xmlns:a14="http://schemas.microsoft.com/office/drawing/2010/main" w="9525">
+                <a14:hiddenLine xmlns:a14="http://schemas.microsoft.com/office/drawing/2010/main" xmlns="" w="9525">
                   <a:solidFill>
                     <a:srgbClr val="000000"/>
                   </a:solidFill>
@@ -883,7 +883,7 @@
             </a:ln>
             <a:extLst>
               <a:ext uri="{91240B29-F687-4f45-9708-019B960494DF}">
-                <a14:hiddenLine xmlns="" xmlns:a14="http://schemas.microsoft.com/office/drawing/2010/main" w="9525">
+                <a14:hiddenLine xmlns:a14="http://schemas.microsoft.com/office/drawing/2010/main" xmlns="" w="9525">
                   <a:solidFill>
                     <a:srgbClr val="000000"/>
                   </a:solidFill>
@@ -973,7 +973,7 @@
             </a:ln>
             <a:extLst>
               <a:ext uri="{91240B29-F687-4f45-9708-019B960494DF}">
-                <a14:hiddenLine xmlns="" xmlns:a14="http://schemas.microsoft.com/office/drawing/2010/main" w="9525">
+                <a14:hiddenLine xmlns:a14="http://schemas.microsoft.com/office/drawing/2010/main" xmlns="" w="9525">
                   <a:solidFill>
                     <a:srgbClr val="000000"/>
                   </a:solidFill>
@@ -1063,7 +1063,7 @@
             </a:ln>
             <a:extLst>
               <a:ext uri="{91240B29-F687-4f45-9708-019B960494DF}">
-                <a14:hiddenLine xmlns="" xmlns:a14="http://schemas.microsoft.com/office/drawing/2010/main" w="9525">
+                <a14:hiddenLine xmlns:a14="http://schemas.microsoft.com/office/drawing/2010/main" xmlns="" w="9525">
                   <a:solidFill>
                     <a:srgbClr val="000000"/>
                   </a:solidFill>
@@ -1125,7 +1125,7 @@
             </a:ln>
             <a:extLst>
               <a:ext uri="{91240B29-F687-4f45-9708-019B960494DF}">
-                <a14:hiddenLine xmlns="" xmlns:a14="http://schemas.microsoft.com/office/drawing/2010/main" w="9525">
+                <a14:hiddenLine xmlns:a14="http://schemas.microsoft.com/office/drawing/2010/main" xmlns="" w="9525">
                   <a:solidFill>
                     <a:srgbClr val="000000"/>
                   </a:solidFill>
@@ -1235,7 +1235,7 @@
             </a:ln>
             <a:extLst>
               <a:ext uri="{91240B29-F687-4f45-9708-019B960494DF}">
-                <a14:hiddenLine xmlns="" xmlns:a14="http://schemas.microsoft.com/office/drawing/2010/main" w="9525">
+                <a14:hiddenLine xmlns:a14="http://schemas.microsoft.com/office/drawing/2010/main" xmlns="" w="9525">
                   <a:solidFill>
                     <a:srgbClr val="000000"/>
                   </a:solidFill>
@@ -1297,7 +1297,7 @@
             </a:ln>
             <a:extLst>
               <a:ext uri="{91240B29-F687-4f45-9708-019B960494DF}">
-                <a14:hiddenLine xmlns="" xmlns:a14="http://schemas.microsoft.com/office/drawing/2010/main" w="9525">
+                <a14:hiddenLine xmlns:a14="http://schemas.microsoft.com/office/drawing/2010/main" xmlns="" w="9525">
                   <a:solidFill>
                     <a:srgbClr val="000000"/>
                   </a:solidFill>
@@ -1387,7 +1387,7 @@
             </a:ln>
             <a:extLst>
               <a:ext uri="{91240B29-F687-4f45-9708-019B960494DF}">
-                <a14:hiddenLine xmlns="" xmlns:a14="http://schemas.microsoft.com/office/drawing/2010/main" w="9525">
+                <a14:hiddenLine xmlns:a14="http://schemas.microsoft.com/office/drawing/2010/main" xmlns="" w="9525">
                   <a:solidFill>
                     <a:srgbClr val="000000"/>
                   </a:solidFill>
@@ -1477,7 +1477,7 @@
             </a:ln>
             <a:extLst>
               <a:ext uri="{91240B29-F687-4f45-9708-019B960494DF}">
-                <a14:hiddenLine xmlns="" xmlns:a14="http://schemas.microsoft.com/office/drawing/2010/main" w="9525">
+                <a14:hiddenLine xmlns:a14="http://schemas.microsoft.com/office/drawing/2010/main" xmlns="" w="9525">
                   <a:solidFill>
                     <a:srgbClr val="000000"/>
                   </a:solidFill>
@@ -1539,7 +1539,7 @@
             </a:ln>
             <a:extLst>
               <a:ext uri="{91240B29-F687-4f45-9708-019B960494DF}">
-                <a14:hiddenLine xmlns="" xmlns:a14="http://schemas.microsoft.com/office/drawing/2010/main" w="9525">
+                <a14:hiddenLine xmlns:a14="http://schemas.microsoft.com/office/drawing/2010/main" xmlns="" w="9525">
                   <a:solidFill>
                     <a:srgbClr val="000000"/>
                   </a:solidFill>
@@ -1629,7 +1629,7 @@
             </a:ln>
             <a:extLst>
               <a:ext uri="{91240B29-F687-4f45-9708-019B960494DF}">
-                <a14:hiddenLine xmlns="" xmlns:a14="http://schemas.microsoft.com/office/drawing/2010/main" w="9525">
+                <a14:hiddenLine xmlns:a14="http://schemas.microsoft.com/office/drawing/2010/main" xmlns="" w="9525">
                   <a:solidFill>
                     <a:srgbClr val="000000"/>
                   </a:solidFill>
@@ -1719,7 +1719,7 @@
             </a:ln>
             <a:extLst>
               <a:ext uri="{91240B29-F687-4f45-9708-019B960494DF}">
-                <a14:hiddenLine xmlns="" xmlns:a14="http://schemas.microsoft.com/office/drawing/2010/main" w="9525">
+                <a14:hiddenLine xmlns:a14="http://schemas.microsoft.com/office/drawing/2010/main" xmlns="" w="9525">
                   <a:solidFill>
                     <a:srgbClr val="000000"/>
                   </a:solidFill>
@@ -1775,7 +1775,7 @@
             </a:ln>
             <a:extLst>
               <a:ext uri="{91240B29-F687-4f45-9708-019B960494DF}">
-                <a14:hiddenLine xmlns="" xmlns:a14="http://schemas.microsoft.com/office/drawing/2010/main" w="9525">
+                <a14:hiddenLine xmlns:a14="http://schemas.microsoft.com/office/drawing/2010/main" xmlns="" w="9525">
                   <a:solidFill>
                     <a:srgbClr val="000000"/>
                   </a:solidFill>
@@ -1865,7 +1865,7 @@
             </a:ln>
             <a:extLst>
               <a:ext uri="{91240B29-F687-4f45-9708-019B960494DF}">
-                <a14:hiddenLine xmlns="" xmlns:a14="http://schemas.microsoft.com/office/drawing/2010/main" w="9525">
+                <a14:hiddenLine xmlns:a14="http://schemas.microsoft.com/office/drawing/2010/main" xmlns="" w="9525">
                   <a:solidFill>
                     <a:srgbClr val="000000"/>
                   </a:solidFill>
@@ -1921,7 +1921,7 @@
             </a:ln>
             <a:extLst>
               <a:ext uri="{91240B29-F687-4f45-9708-019B960494DF}">
-                <a14:hiddenLine xmlns="" xmlns:a14="http://schemas.microsoft.com/office/drawing/2010/main" w="9525">
+                <a14:hiddenLine xmlns:a14="http://schemas.microsoft.com/office/drawing/2010/main" xmlns="" w="9525">
                   <a:solidFill>
                     <a:srgbClr val="000000"/>
                   </a:solidFill>
@@ -2011,7 +2011,7 @@
             </a:ln>
             <a:extLst>
               <a:ext uri="{91240B29-F687-4f45-9708-019B960494DF}">
-                <a14:hiddenLine xmlns="" xmlns:a14="http://schemas.microsoft.com/office/drawing/2010/main" w="9525">
+                <a14:hiddenLine xmlns:a14="http://schemas.microsoft.com/office/drawing/2010/main" xmlns="" w="9525">
                   <a:solidFill>
                     <a:srgbClr val="000000"/>
                   </a:solidFill>
@@ -2079,7 +2079,7 @@
             </a:ln>
             <a:extLst>
               <a:ext uri="{91240B29-F687-4f45-9708-019B960494DF}">
-                <a14:hiddenLine xmlns="" xmlns:a14="http://schemas.microsoft.com/office/drawing/2010/main" w="9525">
+                <a14:hiddenLine xmlns:a14="http://schemas.microsoft.com/office/drawing/2010/main" xmlns="" w="9525">
                   <a:solidFill>
                     <a:srgbClr val="000000"/>
                   </a:solidFill>
@@ -2169,7 +2169,7 @@
             </a:ln>
             <a:extLst>
               <a:ext uri="{91240B29-F687-4f45-9708-019B960494DF}">
-                <a14:hiddenLine xmlns="" xmlns:a14="http://schemas.microsoft.com/office/drawing/2010/main" w="9525">
+                <a14:hiddenLine xmlns:a14="http://schemas.microsoft.com/office/drawing/2010/main" xmlns="" w="9525">
                   <a:solidFill>
                     <a:srgbClr val="000000"/>
                   </a:solidFill>
@@ -2237,7 +2237,7 @@
             </a:ln>
             <a:extLst>
               <a:ext uri="{91240B29-F687-4f45-9708-019B960494DF}">
-                <a14:hiddenLine xmlns="" xmlns:a14="http://schemas.microsoft.com/office/drawing/2010/main" w="9525">
+                <a14:hiddenLine xmlns:a14="http://schemas.microsoft.com/office/drawing/2010/main" xmlns="" w="9525">
                   <a:solidFill>
                     <a:srgbClr val="000000"/>
                   </a:solidFill>
@@ -2327,7 +2327,7 @@
             </a:ln>
             <a:extLst>
               <a:ext uri="{91240B29-F687-4f45-9708-019B960494DF}">
-                <a14:hiddenLine xmlns="" xmlns:a14="http://schemas.microsoft.com/office/drawing/2010/main" w="9525">
+                <a14:hiddenLine xmlns:a14="http://schemas.microsoft.com/office/drawing/2010/main" xmlns="" w="9525">
                   <a:solidFill>
                     <a:srgbClr val="000000"/>
                   </a:solidFill>
@@ -2361,7 +2361,7 @@
             </a:ln>
             <a:extLst>
               <a:ext uri="{91240B29-F687-4f45-9708-019B960494DF}">
-                <a14:hiddenLine xmlns="" xmlns:a14="http://schemas.microsoft.com/office/drawing/2010/main" w="9525">
+                <a14:hiddenLine xmlns:a14="http://schemas.microsoft.com/office/drawing/2010/main" xmlns="" w="9525">
                   <a:solidFill>
                     <a:srgbClr val="000000"/>
                   </a:solidFill>
@@ -2451,7 +2451,7 @@
             </a:ln>
             <a:extLst>
               <a:ext uri="{91240B29-F687-4f45-9708-019B960494DF}">
-                <a14:hiddenLine xmlns="" xmlns:a14="http://schemas.microsoft.com/office/drawing/2010/main" w="9525">
+                <a14:hiddenLine xmlns:a14="http://schemas.microsoft.com/office/drawing/2010/main" xmlns="" w="9525">
                   <a:solidFill>
                     <a:srgbClr val="000000"/>
                   </a:solidFill>
@@ -2513,7 +2513,7 @@
             </a:ln>
             <a:extLst>
               <a:ext uri="{91240B29-F687-4f45-9708-019B960494DF}">
-                <a14:hiddenLine xmlns="" xmlns:a14="http://schemas.microsoft.com/office/drawing/2010/main" w="9525">
+                <a14:hiddenLine xmlns:a14="http://schemas.microsoft.com/office/drawing/2010/main" xmlns="" w="9525">
                   <a:solidFill>
                     <a:srgbClr val="000000"/>
                   </a:solidFill>
@@ -2575,7 +2575,7 @@
             </a:ln>
             <a:extLst>
               <a:ext uri="{91240B29-F687-4f45-9708-019B960494DF}">
-                <a14:hiddenLine xmlns="" xmlns:a14="http://schemas.microsoft.com/office/drawing/2010/main" w="9525">
+                <a14:hiddenLine xmlns:a14="http://schemas.microsoft.com/office/drawing/2010/main" xmlns="" w="9525">
                   <a:solidFill>
                     <a:srgbClr val="000000"/>
                   </a:solidFill>
@@ -2665,7 +2665,7 @@
             </a:ln>
             <a:extLst>
               <a:ext uri="{91240B29-F687-4f45-9708-019B960494DF}">
-                <a14:hiddenLine xmlns="" xmlns:a14="http://schemas.microsoft.com/office/drawing/2010/main" w="9525">
+                <a14:hiddenLine xmlns:a14="http://schemas.microsoft.com/office/drawing/2010/main" xmlns="" w="9525">
                   <a:solidFill>
                     <a:srgbClr val="000000"/>
                   </a:solidFill>
@@ -2733,7 +2733,7 @@
             </a:ln>
             <a:extLst>
               <a:ext uri="{91240B29-F687-4f45-9708-019B960494DF}">
-                <a14:hiddenLine xmlns="" xmlns:a14="http://schemas.microsoft.com/office/drawing/2010/main" w="9525">
+                <a14:hiddenLine xmlns:a14="http://schemas.microsoft.com/office/drawing/2010/main" xmlns="" w="9525">
                   <a:solidFill>
                     <a:srgbClr val="000000"/>
                   </a:solidFill>
@@ -2795,7 +2795,7 @@
             </a:ln>
             <a:extLst>
               <a:ext uri="{91240B29-F687-4f45-9708-019B960494DF}">
-                <a14:hiddenLine xmlns="" xmlns:a14="http://schemas.microsoft.com/office/drawing/2010/main" w="9525">
+                <a14:hiddenLine xmlns:a14="http://schemas.microsoft.com/office/drawing/2010/main" xmlns="" w="9525">
                   <a:solidFill>
                     <a:srgbClr val="000000"/>
                   </a:solidFill>
@@ -2885,7 +2885,7 @@
             </a:ln>
             <a:extLst>
               <a:ext uri="{91240B29-F687-4f45-9708-019B960494DF}">
-                <a14:hiddenLine xmlns="" xmlns:a14="http://schemas.microsoft.com/office/drawing/2010/main" w="9525">
+                <a14:hiddenLine xmlns:a14="http://schemas.microsoft.com/office/drawing/2010/main" xmlns="" w="9525">
                   <a:solidFill>
                     <a:srgbClr val="000000"/>
                   </a:solidFill>
@@ -2947,7 +2947,7 @@
             </a:ln>
             <a:extLst>
               <a:ext uri="{91240B29-F687-4f45-9708-019B960494DF}">
-                <a14:hiddenLine xmlns="" xmlns:a14="http://schemas.microsoft.com/office/drawing/2010/main" w="9525">
+                <a14:hiddenLine xmlns:a14="http://schemas.microsoft.com/office/drawing/2010/main" xmlns="" w="9525">
                   <a:solidFill>
                     <a:srgbClr val="000000"/>
                   </a:solidFill>
@@ -3037,7 +3037,7 @@
             </a:ln>
             <a:extLst>
               <a:ext uri="{91240B29-F687-4f45-9708-019B960494DF}">
-                <a14:hiddenLine xmlns="" xmlns:a14="http://schemas.microsoft.com/office/drawing/2010/main" w="9525">
+                <a14:hiddenLine xmlns:a14="http://schemas.microsoft.com/office/drawing/2010/main" xmlns="" w="9525">
                   <a:solidFill>
                     <a:srgbClr val="000000"/>
                   </a:solidFill>
@@ -3099,7 +3099,7 @@
             </a:ln>
             <a:extLst>
               <a:ext uri="{91240B29-F687-4f45-9708-019B960494DF}">
-                <a14:hiddenLine xmlns="" xmlns:a14="http://schemas.microsoft.com/office/drawing/2010/main" w="9525">
+                <a14:hiddenLine xmlns:a14="http://schemas.microsoft.com/office/drawing/2010/main" xmlns="" w="9525">
                   <a:solidFill>
                     <a:srgbClr val="000000"/>
                   </a:solidFill>
@@ -3189,7 +3189,7 @@
             </a:ln>
             <a:extLst>
               <a:ext uri="{91240B29-F687-4f45-9708-019B960494DF}">
-                <a14:hiddenLine xmlns="" xmlns:a14="http://schemas.microsoft.com/office/drawing/2010/main" w="9525">
+                <a14:hiddenLine xmlns:a14="http://schemas.microsoft.com/office/drawing/2010/main" xmlns="" w="9525">
                   <a:solidFill>
                     <a:srgbClr val="000000"/>
                   </a:solidFill>
@@ -3223,7 +3223,7 @@
             </a:ln>
             <a:extLst>
               <a:ext uri="{91240B29-F687-4f45-9708-019B960494DF}">
-                <a14:hiddenLine xmlns="" xmlns:a14="http://schemas.microsoft.com/office/drawing/2010/main" w="9525">
+                <a14:hiddenLine xmlns:a14="http://schemas.microsoft.com/office/drawing/2010/main" xmlns="" w="9525">
                   <a:solidFill>
                     <a:srgbClr val="000000"/>
                   </a:solidFill>
@@ -3288,7 +3288,7 @@
             </a:ln>
             <a:extLst>
               <a:ext uri="{91240B29-F687-4f45-9708-019B960494DF}">
-                <a14:hiddenLine xmlns="" xmlns:a14="http://schemas.microsoft.com/office/drawing/2010/main" w="9525">
+                <a14:hiddenLine xmlns:a14="http://schemas.microsoft.com/office/drawing/2010/main" xmlns="" w="9525">
                   <a:solidFill>
                     <a:srgbClr val="000000"/>
                   </a:solidFill>
@@ -3378,7 +3378,7 @@
             </a:ln>
             <a:extLst>
               <a:ext uri="{91240B29-F687-4f45-9708-019B960494DF}">
-                <a14:hiddenLine xmlns="" xmlns:a14="http://schemas.microsoft.com/office/drawing/2010/main" w="9525">
+                <a14:hiddenLine xmlns:a14="http://schemas.microsoft.com/office/drawing/2010/main" xmlns="" w="9525">
                   <a:solidFill>
                     <a:srgbClr val="000000"/>
                   </a:solidFill>
@@ -3440,7 +3440,7 @@
             </a:ln>
             <a:extLst>
               <a:ext uri="{91240B29-F687-4f45-9708-019B960494DF}">
-                <a14:hiddenLine xmlns="" xmlns:a14="http://schemas.microsoft.com/office/drawing/2010/main" w="9525">
+                <a14:hiddenLine xmlns:a14="http://schemas.microsoft.com/office/drawing/2010/main" xmlns="" w="9525">
                   <a:solidFill>
                     <a:srgbClr val="000000"/>
                   </a:solidFill>
@@ -3530,7 +3530,7 @@
             </a:ln>
             <a:extLst>
               <a:ext uri="{91240B29-F687-4f45-9708-019B960494DF}">
-                <a14:hiddenLine xmlns="" xmlns:a14="http://schemas.microsoft.com/office/drawing/2010/main" w="9525">
+                <a14:hiddenLine xmlns:a14="http://schemas.microsoft.com/office/drawing/2010/main" xmlns="" w="9525">
                   <a:solidFill>
                     <a:srgbClr val="000000"/>
                   </a:solidFill>
@@ -3620,7 +3620,7 @@
             </a:ln>
             <a:extLst>
               <a:ext uri="{91240B29-F687-4f45-9708-019B960494DF}">
-                <a14:hiddenLine xmlns="" xmlns:a14="http://schemas.microsoft.com/office/drawing/2010/main" w="9525">
+                <a14:hiddenLine xmlns:a14="http://schemas.microsoft.com/office/drawing/2010/main" xmlns="" w="9525">
                   <a:solidFill>
                     <a:srgbClr val="000000"/>
                   </a:solidFill>
@@ -3685,7 +3685,7 @@
             </a:ln>
             <a:extLst>
               <a:ext uri="{91240B29-F687-4f45-9708-019B960494DF}">
-                <a14:hiddenLine xmlns="" xmlns:a14="http://schemas.microsoft.com/office/drawing/2010/main" w="9525">
+                <a14:hiddenLine xmlns:a14="http://schemas.microsoft.com/office/drawing/2010/main" xmlns="" w="9525">
                   <a:solidFill>
                     <a:srgbClr val="000000"/>
                   </a:solidFill>
@@ -3747,7 +3747,7 @@
             </a:ln>
             <a:extLst>
               <a:ext uri="{91240B29-F687-4f45-9708-019B960494DF}">
-                <a14:hiddenLine xmlns="" xmlns:a14="http://schemas.microsoft.com/office/drawing/2010/main" w="9525">
+                <a14:hiddenLine xmlns:a14="http://schemas.microsoft.com/office/drawing/2010/main" xmlns="" w="9525">
                   <a:solidFill>
                     <a:srgbClr val="000000"/>
                   </a:solidFill>
@@ -3837,7 +3837,7 @@
             </a:ln>
             <a:extLst>
               <a:ext uri="{91240B29-F687-4f45-9708-019B960494DF}">
-                <a14:hiddenLine xmlns="" xmlns:a14="http://schemas.microsoft.com/office/drawing/2010/main" w="9525">
+                <a14:hiddenLine xmlns:a14="http://schemas.microsoft.com/office/drawing/2010/main" xmlns="" w="9525">
                   <a:solidFill>
                     <a:srgbClr val="000000"/>
                   </a:solidFill>
@@ -3927,7 +3927,7 @@
             </a:ln>
             <a:extLst>
               <a:ext uri="{91240B29-F687-4f45-9708-019B960494DF}">
-                <a14:hiddenLine xmlns="" xmlns:a14="http://schemas.microsoft.com/office/drawing/2010/main" w="9525">
+                <a14:hiddenLine xmlns:a14="http://schemas.microsoft.com/office/drawing/2010/main" xmlns="" w="9525">
                   <a:solidFill>
                     <a:srgbClr val="000000"/>
                   </a:solidFill>
@@ -3989,7 +3989,7 @@
             </a:ln>
             <a:extLst>
               <a:ext uri="{91240B29-F687-4f45-9708-019B960494DF}">
-                <a14:hiddenLine xmlns="" xmlns:a14="http://schemas.microsoft.com/office/drawing/2010/main" w="9525">
+                <a14:hiddenLine xmlns:a14="http://schemas.microsoft.com/office/drawing/2010/main" xmlns="" w="9525">
                   <a:solidFill>
                     <a:srgbClr val="000000"/>
                   </a:solidFill>
@@ -4109,7 +4109,7 @@
             </a:ln>
             <a:extLst>
               <a:ext uri="{91240B29-F687-4f45-9708-019B960494DF}">
-                <a14:hiddenLine xmlns="" xmlns:a14="http://schemas.microsoft.com/office/drawing/2010/main" w="9525">
+                <a14:hiddenLine xmlns:a14="http://schemas.microsoft.com/office/drawing/2010/main" xmlns="" w="9525">
                   <a:solidFill>
                     <a:srgbClr val="000000"/>
                   </a:solidFill>
@@ -4177,7 +4177,7 @@
             </a:ln>
             <a:extLst>
               <a:ext uri="{91240B29-F687-4f45-9708-019B960494DF}">
-                <a14:hiddenLine xmlns="" xmlns:a14="http://schemas.microsoft.com/office/drawing/2010/main" w="9525">
+                <a14:hiddenLine xmlns:a14="http://schemas.microsoft.com/office/drawing/2010/main" xmlns="" w="9525">
                   <a:solidFill>
                     <a:srgbClr val="000000"/>
                   </a:solidFill>
@@ -4267,7 +4267,7 @@
             </a:ln>
             <a:extLst>
               <a:ext uri="{91240B29-F687-4f45-9708-019B960494DF}">
-                <a14:hiddenLine xmlns="" xmlns:a14="http://schemas.microsoft.com/office/drawing/2010/main" w="9525">
+                <a14:hiddenLine xmlns:a14="http://schemas.microsoft.com/office/drawing/2010/main" xmlns="" w="9525">
                   <a:solidFill>
                     <a:srgbClr val="000000"/>
                   </a:solidFill>
@@ -4407,7 +4407,7 @@
           <a:p>
             <a:fld id="{48A87A34-81AB-432B-8DAE-1953F412C126}" type="datetimeFigureOut">
               <a:rPr lang="en-US" dirty="0"/>
-              <a:t>3/7/2022</a:t>
+              <a:t>5/14/2022</a:t>
             </a:fld>
             <a:endParaRPr lang="en-US" dirty="0"/>
           </a:p>
@@ -4669,7 +4669,7 @@
           <a:p>
             <a:fld id="{48A87A34-81AB-432B-8DAE-1953F412C126}" type="datetimeFigureOut">
               <a:rPr lang="en-US" dirty="0"/>
-              <a:t>3/7/2022</a:t>
+              <a:t>5/14/2022</a:t>
             </a:fld>
             <a:endParaRPr lang="en-US" dirty="0"/>
           </a:p>
@@ -4860,7 +4860,7 @@
           <a:p>
             <a:fld id="{48A87A34-81AB-432B-8DAE-1953F412C126}" type="datetimeFigureOut">
               <a:rPr lang="en-US" dirty="0"/>
-              <a:t>3/7/2022</a:t>
+              <a:t>5/14/2022</a:t>
             </a:fld>
             <a:endParaRPr lang="en-US" dirty="0"/>
           </a:p>
@@ -5118,7 +5118,7 @@
           <a:p>
             <a:fld id="{48A87A34-81AB-432B-8DAE-1953F412C126}" type="datetimeFigureOut">
               <a:rPr lang="en-US" dirty="0"/>
-              <a:t>3/7/2022</a:t>
+              <a:t>5/14/2022</a:t>
             </a:fld>
             <a:endParaRPr lang="en-US" dirty="0"/>
           </a:p>
@@ -5547,7 +5547,7 @@
           <a:p>
             <a:fld id="{48A87A34-81AB-432B-8DAE-1953F412C126}" type="datetimeFigureOut">
               <a:rPr lang="en-US" dirty="0"/>
-              <a:t>3/7/2022</a:t>
+              <a:t>5/14/2022</a:t>
             </a:fld>
             <a:endParaRPr lang="en-US" dirty="0"/>
           </a:p>
@@ -6088,7 +6088,7 @@
           <a:p>
             <a:fld id="{48A87A34-81AB-432B-8DAE-1953F412C126}" type="datetimeFigureOut">
               <a:rPr lang="en-US" dirty="0"/>
-              <a:t>3/7/2022</a:t>
+              <a:t>5/14/2022</a:t>
             </a:fld>
             <a:endParaRPr lang="en-US" dirty="0"/>
           </a:p>
@@ -6803,7 +6803,7 @@
           <a:p>
             <a:fld id="{48A87A34-81AB-432B-8DAE-1953F412C126}" type="datetimeFigureOut">
               <a:rPr lang="en-US" dirty="0"/>
-              <a:t>3/7/2022</a:t>
+              <a:t>5/14/2022</a:t>
             </a:fld>
             <a:endParaRPr lang="en-US" dirty="0"/>
           </a:p>
@@ -6968,7 +6968,7 @@
           <a:p>
             <a:fld id="{48A87A34-81AB-432B-8DAE-1953F412C126}" type="datetimeFigureOut">
               <a:rPr lang="en-US" dirty="0"/>
-              <a:t>3/7/2022</a:t>
+              <a:t>5/14/2022</a:t>
             </a:fld>
             <a:endParaRPr lang="en-US" dirty="0"/>
           </a:p>
@@ -7143,7 +7143,7 @@
           <a:p>
             <a:fld id="{48A87A34-81AB-432B-8DAE-1953F412C126}" type="datetimeFigureOut">
               <a:rPr lang="en-US" dirty="0"/>
-              <a:t>3/7/2022</a:t>
+              <a:t>5/14/2022</a:t>
             </a:fld>
             <a:endParaRPr lang="en-US" dirty="0"/>
           </a:p>
@@ -7308,7 +7308,7 @@
           <a:p>
             <a:fld id="{48A87A34-81AB-432B-8DAE-1953F412C126}" type="datetimeFigureOut">
               <a:rPr lang="en-US" dirty="0"/>
-              <a:t>3/7/2022</a:t>
+              <a:t>5/14/2022</a:t>
             </a:fld>
             <a:endParaRPr lang="en-US" dirty="0"/>
           </a:p>
@@ -7553,7 +7553,7 @@
           <a:p>
             <a:fld id="{48A87A34-81AB-432B-8DAE-1953F412C126}" type="datetimeFigureOut">
               <a:rPr lang="en-US" dirty="0"/>
-              <a:t>3/7/2022</a:t>
+              <a:t>5/14/2022</a:t>
             </a:fld>
             <a:endParaRPr lang="en-US" dirty="0"/>
           </a:p>
@@ -7780,7 +7780,7 @@
           <a:p>
             <a:fld id="{48A87A34-81AB-432B-8DAE-1953F412C126}" type="datetimeFigureOut">
               <a:rPr lang="en-US" dirty="0"/>
-              <a:t>3/7/2022</a:t>
+              <a:t>5/14/2022</a:t>
             </a:fld>
             <a:endParaRPr lang="en-US" dirty="0"/>
           </a:p>
@@ -8156,7 +8156,7 @@
           <a:p>
             <a:fld id="{48A87A34-81AB-432B-8DAE-1953F412C126}" type="datetimeFigureOut">
               <a:rPr lang="en-US" dirty="0"/>
-              <a:t>3/7/2022</a:t>
+              <a:t>5/14/2022</a:t>
             </a:fld>
             <a:endParaRPr lang="en-US" dirty="0"/>
           </a:p>
@@ -8269,7 +8269,7 @@
           <a:p>
             <a:fld id="{48A87A34-81AB-432B-8DAE-1953F412C126}" type="datetimeFigureOut">
               <a:rPr lang="en-US" dirty="0"/>
-              <a:t>3/7/2022</a:t>
+              <a:t>5/14/2022</a:t>
             </a:fld>
             <a:endParaRPr lang="en-US" dirty="0"/>
           </a:p>
@@ -8359,7 +8359,7 @@
           <a:p>
             <a:fld id="{48A87A34-81AB-432B-8DAE-1953F412C126}" type="datetimeFigureOut">
               <a:rPr lang="en-US" dirty="0"/>
-              <a:t>3/7/2022</a:t>
+              <a:t>5/14/2022</a:t>
             </a:fld>
             <a:endParaRPr lang="en-US" dirty="0"/>
           </a:p>
@@ -8603,7 +8603,7 @@
           <a:p>
             <a:fld id="{48A87A34-81AB-432B-8DAE-1953F412C126}" type="datetimeFigureOut">
               <a:rPr lang="en-US" dirty="0"/>
-              <a:t>3/7/2022</a:t>
+              <a:t>5/14/2022</a:t>
             </a:fld>
             <a:endParaRPr lang="en-US" dirty="0"/>
           </a:p>
@@ -8878,7 +8878,7 @@
           <a:p>
             <a:fld id="{48A87A34-81AB-432B-8DAE-1953F412C126}" type="datetimeFigureOut">
               <a:rPr lang="en-US" dirty="0"/>
-              <a:t>3/7/2022</a:t>
+              <a:t>5/14/2022</a:t>
             </a:fld>
             <a:endParaRPr lang="en-US" dirty="0"/>
           </a:p>
@@ -8989,7 +8989,7 @@
           <a:noFill/>
           <a:extLst>
             <a:ext uri="{909E8E84-426E-40dd-AFC4-6F175D3DCCD1}">
-              <a14:hiddenFill xmlns="" xmlns:a14="http://schemas.microsoft.com/office/drawing/2010/main">
+              <a14:hiddenFill xmlns:a14="http://schemas.microsoft.com/office/drawing/2010/main" xmlns="">
                 <a:solidFill>
                   <a:srgbClr val="FFFFFF"/>
                 </a:solidFill>
@@ -9063,7 +9063,7 @@
               </a:ln>
               <a:extLst>
                 <a:ext uri="{91240B29-F687-4f45-9708-019B960494DF}">
-                  <a14:hiddenLine xmlns="" xmlns:a14="http://schemas.microsoft.com/office/drawing/2010/main" w="9525">
+                  <a14:hiddenLine xmlns:a14="http://schemas.microsoft.com/office/drawing/2010/main" xmlns="" w="9525">
                     <a:solidFill>
                       <a:srgbClr val="000000"/>
                     </a:solidFill>
@@ -9153,7 +9153,7 @@
               </a:ln>
               <a:extLst>
                 <a:ext uri="{91240B29-F687-4f45-9708-019B960494DF}">
-                  <a14:hiddenLine xmlns="" xmlns:a14="http://schemas.microsoft.com/office/drawing/2010/main" w="9525">
+                  <a14:hiddenLine xmlns:a14="http://schemas.microsoft.com/office/drawing/2010/main" xmlns="" w="9525">
                     <a:solidFill>
                       <a:srgbClr val="000000"/>
                     </a:solidFill>
@@ -9243,7 +9243,7 @@
               </a:ln>
               <a:extLst>
                 <a:ext uri="{91240B29-F687-4f45-9708-019B960494DF}">
-                  <a14:hiddenLine xmlns="" xmlns:a14="http://schemas.microsoft.com/office/drawing/2010/main" w="9525">
+                  <a14:hiddenLine xmlns:a14="http://schemas.microsoft.com/office/drawing/2010/main" xmlns="" w="9525">
                     <a:solidFill>
                       <a:srgbClr val="000000"/>
                     </a:solidFill>
@@ -9305,7 +9305,7 @@
               </a:ln>
               <a:extLst>
                 <a:ext uri="{91240B29-F687-4f45-9708-019B960494DF}">
-                  <a14:hiddenLine xmlns="" xmlns:a14="http://schemas.microsoft.com/office/drawing/2010/main" w="9525">
+                  <a14:hiddenLine xmlns:a14="http://schemas.microsoft.com/office/drawing/2010/main" xmlns="" w="9525">
                     <a:solidFill>
                       <a:srgbClr val="000000"/>
                     </a:solidFill>
@@ -9395,7 +9395,7 @@
               </a:ln>
               <a:extLst>
                 <a:ext uri="{91240B29-F687-4f45-9708-019B960494DF}">
-                  <a14:hiddenLine xmlns="" xmlns:a14="http://schemas.microsoft.com/office/drawing/2010/main" w="9525">
+                  <a14:hiddenLine xmlns:a14="http://schemas.microsoft.com/office/drawing/2010/main" xmlns="" w="9525">
                     <a:solidFill>
                       <a:srgbClr val="000000"/>
                     </a:solidFill>
@@ -9457,7 +9457,7 @@
               </a:ln>
               <a:extLst>
                 <a:ext uri="{91240B29-F687-4f45-9708-019B960494DF}">
-                  <a14:hiddenLine xmlns="" xmlns:a14="http://schemas.microsoft.com/office/drawing/2010/main" w="9525">
+                  <a14:hiddenLine xmlns:a14="http://schemas.microsoft.com/office/drawing/2010/main" xmlns="" w="9525">
                     <a:solidFill>
                       <a:srgbClr val="000000"/>
                     </a:solidFill>
@@ -9519,7 +9519,7 @@
               </a:ln>
               <a:extLst>
                 <a:ext uri="{91240B29-F687-4f45-9708-019B960494DF}">
-                  <a14:hiddenLine xmlns="" xmlns:a14="http://schemas.microsoft.com/office/drawing/2010/main" w="9525">
+                  <a14:hiddenLine xmlns:a14="http://schemas.microsoft.com/office/drawing/2010/main" xmlns="" w="9525">
                     <a:solidFill>
                       <a:srgbClr val="000000"/>
                     </a:solidFill>
@@ -9609,7 +9609,7 @@
               </a:ln>
               <a:extLst>
                 <a:ext uri="{91240B29-F687-4f45-9708-019B960494DF}">
-                  <a14:hiddenLine xmlns="" xmlns:a14="http://schemas.microsoft.com/office/drawing/2010/main" w="9525">
+                  <a14:hiddenLine xmlns:a14="http://schemas.microsoft.com/office/drawing/2010/main" xmlns="" w="9525">
                     <a:solidFill>
                       <a:srgbClr val="000000"/>
                     </a:solidFill>
@@ -9699,7 +9699,7 @@
               </a:ln>
               <a:extLst>
                 <a:ext uri="{91240B29-F687-4f45-9708-019B960494DF}">
-                  <a14:hiddenLine xmlns="" xmlns:a14="http://schemas.microsoft.com/office/drawing/2010/main" w="9525">
+                  <a14:hiddenLine xmlns:a14="http://schemas.microsoft.com/office/drawing/2010/main" xmlns="" w="9525">
                     <a:solidFill>
                       <a:srgbClr val="000000"/>
                     </a:solidFill>
@@ -9761,7 +9761,7 @@
               </a:ln>
               <a:extLst>
                 <a:ext uri="{91240B29-F687-4f45-9708-019B960494DF}">
-                  <a14:hiddenLine xmlns="" xmlns:a14="http://schemas.microsoft.com/office/drawing/2010/main" w="9525">
+                  <a14:hiddenLine xmlns:a14="http://schemas.microsoft.com/office/drawing/2010/main" xmlns="" w="9525">
                     <a:solidFill>
                       <a:srgbClr val="000000"/>
                     </a:solidFill>
@@ -9871,7 +9871,7 @@
               </a:ln>
               <a:extLst>
                 <a:ext uri="{91240B29-F687-4f45-9708-019B960494DF}">
-                  <a14:hiddenLine xmlns="" xmlns:a14="http://schemas.microsoft.com/office/drawing/2010/main" w="9525">
+                  <a14:hiddenLine xmlns:a14="http://schemas.microsoft.com/office/drawing/2010/main" xmlns="" w="9525">
                     <a:solidFill>
                       <a:srgbClr val="000000"/>
                     </a:solidFill>
@@ -9955,7 +9955,7 @@
               </a:ln>
               <a:extLst>
                 <a:ext uri="{91240B29-F687-4f45-9708-019B960494DF}">
-                  <a14:hiddenLine xmlns="" xmlns:a14="http://schemas.microsoft.com/office/drawing/2010/main" w="9525">
+                  <a14:hiddenLine xmlns:a14="http://schemas.microsoft.com/office/drawing/2010/main" xmlns="" w="9525">
                     <a:solidFill>
                       <a:srgbClr val="000000"/>
                     </a:solidFill>
@@ -10017,7 +10017,7 @@
               </a:ln>
               <a:extLst>
                 <a:ext uri="{91240B29-F687-4f45-9708-019B960494DF}">
-                  <a14:hiddenLine xmlns="" xmlns:a14="http://schemas.microsoft.com/office/drawing/2010/main" w="9525">
+                  <a14:hiddenLine xmlns:a14="http://schemas.microsoft.com/office/drawing/2010/main" xmlns="" w="9525">
                     <a:solidFill>
                       <a:srgbClr val="000000"/>
                     </a:solidFill>
@@ -10079,7 +10079,7 @@
               </a:ln>
               <a:extLst>
                 <a:ext uri="{91240B29-F687-4f45-9708-019B960494DF}">
-                  <a14:hiddenLine xmlns="" xmlns:a14="http://schemas.microsoft.com/office/drawing/2010/main" w="9525">
+                  <a14:hiddenLine xmlns:a14="http://schemas.microsoft.com/office/drawing/2010/main" xmlns="" w="9525">
                     <a:solidFill>
                       <a:srgbClr val="000000"/>
                     </a:solidFill>
@@ -10169,7 +10169,7 @@
               </a:ln>
               <a:extLst>
                 <a:ext uri="{91240B29-F687-4f45-9708-019B960494DF}">
-                  <a14:hiddenLine xmlns="" xmlns:a14="http://schemas.microsoft.com/office/drawing/2010/main" w="9525">
+                  <a14:hiddenLine xmlns:a14="http://schemas.microsoft.com/office/drawing/2010/main" xmlns="" w="9525">
                     <a:solidFill>
                       <a:srgbClr val="000000"/>
                     </a:solidFill>
@@ -10203,7 +10203,7 @@
               </a:ln>
               <a:extLst>
                 <a:ext uri="{91240B29-F687-4f45-9708-019B960494DF}">
-                  <a14:hiddenLine xmlns="" xmlns:a14="http://schemas.microsoft.com/office/drawing/2010/main" w="9525">
+                  <a14:hiddenLine xmlns:a14="http://schemas.microsoft.com/office/drawing/2010/main" xmlns="" w="9525">
                     <a:solidFill>
                       <a:srgbClr val="000000"/>
                     </a:solidFill>
@@ -10268,7 +10268,7 @@
               </a:ln>
               <a:extLst>
                 <a:ext uri="{91240B29-F687-4f45-9708-019B960494DF}">
-                  <a14:hiddenLine xmlns="" xmlns:a14="http://schemas.microsoft.com/office/drawing/2010/main" w="9525">
+                  <a14:hiddenLine xmlns:a14="http://schemas.microsoft.com/office/drawing/2010/main" xmlns="" w="9525">
                     <a:solidFill>
                       <a:srgbClr val="000000"/>
                     </a:solidFill>
@@ -10358,7 +10358,7 @@
               </a:ln>
               <a:extLst>
                 <a:ext uri="{91240B29-F687-4f45-9708-019B960494DF}">
-                  <a14:hiddenLine xmlns="" xmlns:a14="http://schemas.microsoft.com/office/drawing/2010/main" w="9525">
+                  <a14:hiddenLine xmlns:a14="http://schemas.microsoft.com/office/drawing/2010/main" xmlns="" w="9525">
                     <a:solidFill>
                       <a:srgbClr val="000000"/>
                     </a:solidFill>
@@ -10420,7 +10420,7 @@
               </a:ln>
               <a:extLst>
                 <a:ext uri="{91240B29-F687-4f45-9708-019B960494DF}">
-                  <a14:hiddenLine xmlns="" xmlns:a14="http://schemas.microsoft.com/office/drawing/2010/main" w="9525">
+                  <a14:hiddenLine xmlns:a14="http://schemas.microsoft.com/office/drawing/2010/main" xmlns="" w="9525">
                     <a:solidFill>
                       <a:srgbClr val="000000"/>
                     </a:solidFill>
@@ -10510,7 +10510,7 @@
               </a:ln>
               <a:extLst>
                 <a:ext uri="{91240B29-F687-4f45-9708-019B960494DF}">
-                  <a14:hiddenLine xmlns="" xmlns:a14="http://schemas.microsoft.com/office/drawing/2010/main" w="9525">
+                  <a14:hiddenLine xmlns:a14="http://schemas.microsoft.com/office/drawing/2010/main" xmlns="" w="9525">
                     <a:solidFill>
                       <a:srgbClr val="000000"/>
                     </a:solidFill>
@@ -10575,7 +10575,7 @@
               </a:ln>
               <a:extLst>
                 <a:ext uri="{91240B29-F687-4f45-9708-019B960494DF}">
-                  <a14:hiddenLine xmlns="" xmlns:a14="http://schemas.microsoft.com/office/drawing/2010/main" w="9525">
+                  <a14:hiddenLine xmlns:a14="http://schemas.microsoft.com/office/drawing/2010/main" xmlns="" w="9525">
                     <a:solidFill>
                       <a:srgbClr val="000000"/>
                     </a:solidFill>
@@ -10637,7 +10637,7 @@
               </a:ln>
               <a:extLst>
                 <a:ext uri="{91240B29-F687-4f45-9708-019B960494DF}">
-                  <a14:hiddenLine xmlns="" xmlns:a14="http://schemas.microsoft.com/office/drawing/2010/main" w="9525">
+                  <a14:hiddenLine xmlns:a14="http://schemas.microsoft.com/office/drawing/2010/main" xmlns="" w="9525">
                     <a:solidFill>
                       <a:srgbClr val="000000"/>
                     </a:solidFill>
@@ -10727,7 +10727,7 @@
               </a:ln>
               <a:extLst>
                 <a:ext uri="{91240B29-F687-4f45-9708-019B960494DF}">
-                  <a14:hiddenLine xmlns="" xmlns:a14="http://schemas.microsoft.com/office/drawing/2010/main" w="9525">
+                  <a14:hiddenLine xmlns:a14="http://schemas.microsoft.com/office/drawing/2010/main" xmlns="" w="9525">
                     <a:solidFill>
                       <a:srgbClr val="000000"/>
                     </a:solidFill>
@@ -10817,7 +10817,7 @@
               </a:ln>
               <a:extLst>
                 <a:ext uri="{91240B29-F687-4f45-9708-019B960494DF}">
-                  <a14:hiddenLine xmlns="" xmlns:a14="http://schemas.microsoft.com/office/drawing/2010/main" w="9525">
+                  <a14:hiddenLine xmlns:a14="http://schemas.microsoft.com/office/drawing/2010/main" xmlns="" w="9525">
                     <a:solidFill>
                       <a:srgbClr val="000000"/>
                     </a:solidFill>
@@ -10882,7 +10882,7 @@
               </a:ln>
               <a:extLst>
                 <a:ext uri="{91240B29-F687-4f45-9708-019B960494DF}">
-                  <a14:hiddenLine xmlns="" xmlns:a14="http://schemas.microsoft.com/office/drawing/2010/main" w="9525">
+                  <a14:hiddenLine xmlns:a14="http://schemas.microsoft.com/office/drawing/2010/main" xmlns="" w="9525">
                     <a:solidFill>
                       <a:srgbClr val="000000"/>
                     </a:solidFill>
@@ -11002,7 +11002,7 @@
               </a:ln>
               <a:extLst>
                 <a:ext uri="{91240B29-F687-4f45-9708-019B960494DF}">
-                  <a14:hiddenLine xmlns="" xmlns:a14="http://schemas.microsoft.com/office/drawing/2010/main" w="9525">
+                  <a14:hiddenLine xmlns:a14="http://schemas.microsoft.com/office/drawing/2010/main" xmlns="" w="9525">
                     <a:solidFill>
                       <a:srgbClr val="000000"/>
                     </a:solidFill>
@@ -11100,7 +11100,7 @@
               </a:ln>
               <a:extLst>
                 <a:ext uri="{91240B29-F687-4f45-9708-019B960494DF}">
-                  <a14:hiddenLine xmlns="" xmlns:a14="http://schemas.microsoft.com/office/drawing/2010/main" w="9525">
+                  <a14:hiddenLine xmlns:a14="http://schemas.microsoft.com/office/drawing/2010/main" xmlns="" w="9525">
                     <a:solidFill>
                       <a:srgbClr val="000000"/>
                     </a:solidFill>
@@ -11215,7 +11215,7 @@
               </a:ln>
               <a:extLst>
                 <a:ext uri="{91240B29-F687-4f45-9708-019B960494DF}">
-                  <a14:hiddenLine xmlns="" xmlns:a14="http://schemas.microsoft.com/office/drawing/2010/main" w="9525">
+                  <a14:hiddenLine xmlns:a14="http://schemas.microsoft.com/office/drawing/2010/main" xmlns="" w="9525">
                     <a:solidFill>
                       <a:srgbClr val="000000"/>
                     </a:solidFill>
@@ -11305,7 +11305,7 @@
               </a:ln>
               <a:extLst>
                 <a:ext uri="{91240B29-F687-4f45-9708-019B960494DF}">
-                  <a14:hiddenLine xmlns="" xmlns:a14="http://schemas.microsoft.com/office/drawing/2010/main" w="9525">
+                  <a14:hiddenLine xmlns:a14="http://schemas.microsoft.com/office/drawing/2010/main" xmlns="" w="9525">
                     <a:solidFill>
                       <a:srgbClr val="000000"/>
                     </a:solidFill>
@@ -11370,7 +11370,7 @@
               </a:ln>
               <a:extLst>
                 <a:ext uri="{91240B29-F687-4f45-9708-019B960494DF}">
-                  <a14:hiddenLine xmlns="" xmlns:a14="http://schemas.microsoft.com/office/drawing/2010/main" w="9525">
+                  <a14:hiddenLine xmlns:a14="http://schemas.microsoft.com/office/drawing/2010/main" xmlns="" w="9525">
                     <a:solidFill>
                       <a:srgbClr val="000000"/>
                     </a:solidFill>
@@ -11460,7 +11460,7 @@
               </a:ln>
               <a:extLst>
                 <a:ext uri="{91240B29-F687-4f45-9708-019B960494DF}">
-                  <a14:hiddenLine xmlns="" xmlns:a14="http://schemas.microsoft.com/office/drawing/2010/main" w="9525">
+                  <a14:hiddenLine xmlns:a14="http://schemas.microsoft.com/office/drawing/2010/main" xmlns="" w="9525">
                     <a:solidFill>
                       <a:srgbClr val="000000"/>
                     </a:solidFill>
@@ -11528,7 +11528,7 @@
               </a:ln>
               <a:extLst>
                 <a:ext uri="{91240B29-F687-4f45-9708-019B960494DF}">
-                  <a14:hiddenLine xmlns="" xmlns:a14="http://schemas.microsoft.com/office/drawing/2010/main" w="9525">
+                  <a14:hiddenLine xmlns:a14="http://schemas.microsoft.com/office/drawing/2010/main" xmlns="" w="9525">
                     <a:solidFill>
                       <a:srgbClr val="000000"/>
                     </a:solidFill>
@@ -11618,7 +11618,7 @@
               </a:ln>
               <a:extLst>
                 <a:ext uri="{91240B29-F687-4f45-9708-019B960494DF}">
-                  <a14:hiddenLine xmlns="" xmlns:a14="http://schemas.microsoft.com/office/drawing/2010/main" w="9525">
+                  <a14:hiddenLine xmlns:a14="http://schemas.microsoft.com/office/drawing/2010/main" xmlns="" w="9525">
                     <a:solidFill>
                       <a:srgbClr val="000000"/>
                     </a:solidFill>
@@ -11686,7 +11686,7 @@
               </a:ln>
               <a:extLst>
                 <a:ext uri="{91240B29-F687-4f45-9708-019B960494DF}">
-                  <a14:hiddenLine xmlns="" xmlns:a14="http://schemas.microsoft.com/office/drawing/2010/main" w="9525">
+                  <a14:hiddenLine xmlns:a14="http://schemas.microsoft.com/office/drawing/2010/main" xmlns="" w="9525">
                     <a:solidFill>
                       <a:srgbClr val="000000"/>
                     </a:solidFill>
@@ -11776,7 +11776,7 @@
               </a:ln>
               <a:extLst>
                 <a:ext uri="{91240B29-F687-4f45-9708-019B960494DF}">
-                  <a14:hiddenLine xmlns="" xmlns:a14="http://schemas.microsoft.com/office/drawing/2010/main" w="9525">
+                  <a14:hiddenLine xmlns:a14="http://schemas.microsoft.com/office/drawing/2010/main" xmlns="" w="9525">
                     <a:solidFill>
                       <a:srgbClr val="000000"/>
                     </a:solidFill>
@@ -11810,7 +11810,7 @@
               </a:ln>
               <a:extLst>
                 <a:ext uri="{91240B29-F687-4f45-9708-019B960494DF}">
-                  <a14:hiddenLine xmlns="" xmlns:a14="http://schemas.microsoft.com/office/drawing/2010/main" w="9525">
+                  <a14:hiddenLine xmlns:a14="http://schemas.microsoft.com/office/drawing/2010/main" xmlns="" w="9525">
                     <a:solidFill>
                       <a:srgbClr val="000000"/>
                     </a:solidFill>
@@ -11951,7 +11951,7 @@
             <a:fld id="{48A87A34-81AB-432B-8DAE-1953F412C126}" type="datetimeFigureOut">
               <a:rPr lang="en-US" dirty="0"/>
               <a:pPr/>
-              <a:t>3/7/2022</a:t>
+              <a:t>5/14/2022</a:t>
             </a:fld>
             <a:endParaRPr lang="en-US" dirty="0"/>
           </a:p>
@@ -12594,27 +12594,7 @@
                 <a:latin typeface="Times New Roman" panose="02020603050405020304" pitchFamily="18" charset="0"/>
                 <a:cs typeface="Times New Roman" panose="02020603050405020304" pitchFamily="18" charset="0"/>
               </a:rPr>
-              <a:t>Guide </a:t>
-            </a:r>
-            <a:r>
-              <a:rPr lang="en-US" sz="2000" b="1" dirty="0">
-                <a:solidFill>
-                  <a:schemeClr val="bg1">
-                    <a:lumMod val="95000"/>
-                    <a:lumOff val="5000"/>
-                  </a:schemeClr>
-                </a:solidFill>
-                <a:effectLst>
-                  <a:outerShdw blurRad="50800" dist="38100" algn="tr" rotWithShape="0">
-                    <a:prstClr val="black">
-                      <a:alpha val="40000"/>
-                    </a:prstClr>
-                  </a:outerShdw>
-                </a:effectLst>
-                <a:latin typeface="Times New Roman" panose="02020603050405020304" pitchFamily="18" charset="0"/>
-                <a:cs typeface="Times New Roman" panose="02020603050405020304" pitchFamily="18" charset="0"/>
-              </a:rPr>
-              <a:t>Name : </a:t>
+              <a:t>Guide Name : </a:t>
             </a:r>
             <a:r>
               <a:rPr lang="en-US" sz="2000" b="1" dirty="0" smtClean="0">
@@ -12685,23 +12665,6 @@
               </a:rPr>
               <a:t>Designation:Faculty of Computer science and engineering</a:t>
             </a:r>
-            <a:endParaRPr lang="en-US" sz="2000" b="1" dirty="0">
-              <a:solidFill>
-                <a:schemeClr val="bg1">
-                  <a:lumMod val="95000"/>
-                  <a:lumOff val="5000"/>
-                </a:schemeClr>
-              </a:solidFill>
-              <a:effectLst>
-                <a:outerShdw blurRad="50800" dist="38100" algn="tr" rotWithShape="0">
-                  <a:prstClr val="black">
-                    <a:alpha val="40000"/>
-                  </a:prstClr>
-                </a:outerShdw>
-              </a:effectLst>
-              <a:latin typeface="Times New Roman" panose="02020603050405020304" pitchFamily="18" charset="0"/>
-              <a:cs typeface="Times New Roman" panose="02020603050405020304" pitchFamily="18" charset="0"/>
-            </a:endParaRPr>
           </a:p>
           <a:p>
             <a:pPr algn="ctr">
@@ -13178,11 +13141,7 @@
           <a:p>
             <a:r>
               <a:rPr lang="en-US" dirty="0" smtClean="0"/>
-              <a:t>           </a:t>
-            </a:r>
-            <a:r>
-              <a:rPr lang="en-US" dirty="0" smtClean="0"/>
-              <a:t>       </a:t>
+              <a:t>                  </a:t>
             </a:r>
             <a:r>
               <a:rPr lang="en-US" dirty="0" smtClean="0">
@@ -13255,7 +13214,15 @@
             </a:pPr>
             <a:r>
               <a:rPr lang="en-US" dirty="0" smtClean="0"/>
-              <a:t>The material that we have used as piezo-electric is </a:t>
+              <a:t>The material that we </a:t>
+            </a:r>
+            <a:r>
+              <a:rPr lang="en-US" dirty="0" smtClean="0"/>
+              <a:t>can use as </a:t>
+            </a:r>
+            <a:r>
+              <a:rPr lang="en-US" dirty="0" smtClean="0"/>
+              <a:t>piezo-electric is </a:t>
             </a:r>
             <a:r>
               <a:rPr lang="en-US" u="sng" dirty="0" smtClean="0"/>
@@ -13263,26 +13230,17 @@
             </a:r>
             <a:r>
               <a:rPr lang="en-US" dirty="0" smtClean="0"/>
-              <a:t> </a:t>
-            </a:r>
+              <a:t> .</a:t>
+            </a:r>
+          </a:p>
+          <a:p>
+            <a:pPr marL="0" indent="0">
+              <a:buNone/>
+            </a:pPr>
             <a:r>
               <a:rPr lang="en-US" dirty="0" smtClean="0"/>
-              <a:t>.</a:t>
-            </a:r>
-          </a:p>
-          <a:p>
-            <a:pPr marL="0" indent="0">
-              <a:buNone/>
-            </a:pPr>
-            <a:r>
-              <a:rPr lang="en-US" dirty="0" smtClean="0"/>
-              <a:t>Quartz crystals offer superior quality and </a:t>
-            </a:r>
-            <a:r>
-              <a:rPr lang="en-US" dirty="0" smtClean="0"/>
-              <a:t>stability.</a:t>
-            </a:r>
-            <a:endParaRPr lang="en-US" dirty="0" smtClean="0"/>
+              <a:t>Quartz crystals offer superior quality and stability.</a:t>
+            </a:r>
           </a:p>
           <a:p>
             <a:pPr marL="0" indent="0">
@@ -13541,7 +13499,7 @@
         <p:spPr/>
         <p:txBody>
           <a:bodyPr>
-            <a:normAutofit fontScale="77500" lnSpcReduction="20000"/>
+            <a:normAutofit fontScale="92500" lnSpcReduction="20000"/>
           </a:bodyPr>
           <a:lstStyle/>
           <a:p>
@@ -13559,17 +13517,26 @@
             <a:pPr marL="285750" indent="-285750"/>
             <a:r>
               <a:rPr lang="en-US" dirty="0"/>
-              <a:t>The inverter is provided so that even though there is no mechanical work being done at night or anytime , the power supply is continuously made to the load.</a:t>
-            </a:r>
+              <a:t>The inverter </a:t>
+            </a:r>
+            <a:r>
+              <a:rPr lang="en-US" dirty="0" smtClean="0"/>
+              <a:t>converts the d.c from the from the battery to a.c</a:t>
+            </a:r>
+            <a:r>
+              <a:rPr lang="en-US" dirty="0"/>
+              <a:t> </a:t>
+            </a:r>
+            <a:r>
+              <a:rPr lang="en-US" dirty="0" smtClean="0"/>
+              <a:t>to supply to the load.</a:t>
+            </a:r>
+            <a:endParaRPr lang="en-US" dirty="0" smtClean="0"/>
           </a:p>
           <a:p>
             <a:pPr marL="285750" indent="-285750"/>
-            <a:endParaRPr lang="en-US" dirty="0"/>
-          </a:p>
-          <a:p>
-            <a:pPr marL="285750" indent="-285750"/>
-            <a:r>
-              <a:rPr lang="en-US" dirty="0"/>
+            <a:r>
+              <a:rPr lang="en-US" dirty="0" smtClean="0"/>
               <a:t>This generates energy upto 150-200V which is more than enough to light the street lights.</a:t>
             </a:r>
           </a:p>
@@ -13679,7 +13646,15 @@
           <a:p>
             <a:r>
               <a:rPr lang="en-US" dirty="0" smtClean="0"/>
-              <a:t>A micro-controller is an integral part in any application device.</a:t>
+              <a:t>A micro-controller is an integral part in any </a:t>
+            </a:r>
+            <a:r>
+              <a:rPr lang="en-US" dirty="0" smtClean="0"/>
+              <a:t>elctronic </a:t>
+            </a:r>
+            <a:r>
+              <a:rPr lang="en-US" dirty="0" smtClean="0"/>
+              <a:t>device.</a:t>
             </a:r>
           </a:p>
           <a:p>
@@ -13688,7 +13663,7 @@
               <a:t>Data like amount power consumption , networking of the </a:t>
             </a:r>
             <a:r>
-              <a:rPr lang="en-US" dirty="0" err="1" smtClean="0"/>
+              <a:rPr lang="en-US" dirty="0" smtClean="0"/>
               <a:t>the</a:t>
             </a:r>
             <a:r>
@@ -13705,15 +13680,7 @@
           <a:p>
             <a:r>
               <a:rPr lang="en-US" dirty="0" smtClean="0"/>
-              <a:t>Any changes to the bigger part of the system can be done in the control systems and hence this automates the technology and saves time and </a:t>
-            </a:r>
-            <a:r>
-              <a:rPr lang="en-US" dirty="0" err="1" smtClean="0"/>
-              <a:t>labour</a:t>
-            </a:r>
-            <a:r>
-              <a:rPr lang="en-US" dirty="0" smtClean="0"/>
-              <a:t>.</a:t>
+              <a:t>Any changes to the bigger part of the system can be done in the control systems and hence this automates the technology and saves time and labour.</a:t>
             </a:r>
             <a:endParaRPr lang="en-US" dirty="0"/>
           </a:p>
@@ -14039,11 +14006,7 @@
           <a:p>
             <a:r>
               <a:rPr lang="en-US" dirty="0" smtClean="0"/>
-              <a:t>Eco-friendly since there is no </a:t>
-            </a:r>
-            <a:r>
-              <a:rPr lang="en-US" dirty="0" smtClean="0"/>
-              <a:t>pollution.</a:t>
+              <a:t>Eco-friendly since there is no pollution.</a:t>
             </a:r>
           </a:p>
           <a:p>
@@ -14752,7 +14715,6 @@
               <a:rPr lang="en-US" sz="2800" dirty="0" smtClean="0"/>
               <a:t>relevant. </a:t>
             </a:r>
-            <a:endParaRPr lang="en-US" sz="2800" dirty="0" smtClean="0"/>
           </a:p>
           <a:p>
             <a:endParaRPr lang="en-US" sz="2800" dirty="0"/>
@@ -14931,7 +14893,6 @@
               <a:rPr lang="en-US" dirty="0"/>
               <a:t>experiment was to light up four 25W LED bulbs from 6pm to 6am</a:t>
             </a:r>
-            <a:endParaRPr lang="en-US" dirty="0"/>
           </a:p>
         </p:txBody>
       </p:sp>
@@ -15429,11 +15390,7 @@
           <a:p>
             <a:r>
               <a:rPr lang="en-US" dirty="0" smtClean="0"/>
-              <a:t>               </a:t>
-            </a:r>
-            <a:r>
-              <a:rPr lang="en-US" dirty="0" smtClean="0"/>
-              <a:t>  </a:t>
+              <a:t>                 </a:t>
             </a:r>
             <a:r>
               <a:rPr lang="en-US" dirty="0" smtClean="0">
@@ -15443,17 +15400,7 @@
                   </a:schemeClr>
                 </a:solidFill>
               </a:rPr>
-              <a:t>WORKING </a:t>
-            </a:r>
-            <a:r>
-              <a:rPr lang="en-US" dirty="0" smtClean="0">
-                <a:solidFill>
-                  <a:schemeClr val="bg2">
-                    <a:lumMod val="75000"/>
-                  </a:schemeClr>
-                </a:solidFill>
-              </a:rPr>
-              <a:t>STEP BY STEP</a:t>
+              <a:t>WORKING STEP BY STEP</a:t>
             </a:r>
             <a:endParaRPr lang="en-US" dirty="0">
               <a:solidFill>

--- a/mini project sem 1.pptx
+++ b/mini project sem 1.pptx
@@ -181,7 +181,7 @@
           <a:noFill/>
           <a:extLst>
             <a:ext uri="{909E8E84-426E-40dd-AFC4-6F175D3DCCD1}">
-              <a14:hiddenFill xmlns:a14="http://schemas.microsoft.com/office/drawing/2010/main" xmlns="">
+              <a14:hiddenFill xmlns="" xmlns:a14="http://schemas.microsoft.com/office/drawing/2010/main">
                 <a:solidFill>
                   <a:srgbClr val="FFFFFF"/>
                 </a:solidFill>
@@ -241,7 +241,7 @@
             </a:ln>
             <a:extLst>
               <a:ext uri="{91240B29-F687-4f45-9708-019B960494DF}">
-                <a14:hiddenLine xmlns:a14="http://schemas.microsoft.com/office/drawing/2010/main" xmlns="" w="9525">
+                <a14:hiddenLine xmlns="" xmlns:a14="http://schemas.microsoft.com/office/drawing/2010/main" w="9525">
                   <a:solidFill>
                     <a:srgbClr val="000000"/>
                   </a:solidFill>
@@ -331,7 +331,7 @@
             </a:ln>
             <a:extLst>
               <a:ext uri="{91240B29-F687-4f45-9708-019B960494DF}">
-                <a14:hiddenLine xmlns:a14="http://schemas.microsoft.com/office/drawing/2010/main" xmlns="" w="9525">
+                <a14:hiddenLine xmlns="" xmlns:a14="http://schemas.microsoft.com/office/drawing/2010/main" w="9525">
                   <a:solidFill>
                     <a:srgbClr val="000000"/>
                   </a:solidFill>
@@ -421,7 +421,7 @@
             </a:ln>
             <a:extLst>
               <a:ext uri="{91240B29-F687-4f45-9708-019B960494DF}">
-                <a14:hiddenLine xmlns:a14="http://schemas.microsoft.com/office/drawing/2010/main" xmlns="" w="9525">
+                <a14:hiddenLine xmlns="" xmlns:a14="http://schemas.microsoft.com/office/drawing/2010/main" w="9525">
                   <a:solidFill>
                     <a:srgbClr val="000000"/>
                   </a:solidFill>
@@ -455,7 +455,7 @@
             </a:ln>
             <a:extLst>
               <a:ext uri="{91240B29-F687-4f45-9708-019B960494DF}">
-                <a14:hiddenLine xmlns:a14="http://schemas.microsoft.com/office/drawing/2010/main" xmlns="" w="9525">
+                <a14:hiddenLine xmlns="" xmlns:a14="http://schemas.microsoft.com/office/drawing/2010/main" w="9525">
                   <a:solidFill>
                     <a:srgbClr val="000000"/>
                   </a:solidFill>
@@ -545,7 +545,7 @@
             </a:ln>
             <a:extLst>
               <a:ext uri="{91240B29-F687-4f45-9708-019B960494DF}">
-                <a14:hiddenLine xmlns:a14="http://schemas.microsoft.com/office/drawing/2010/main" xmlns="" w="9525">
+                <a14:hiddenLine xmlns="" xmlns:a14="http://schemas.microsoft.com/office/drawing/2010/main" w="9525">
                   <a:solidFill>
                     <a:srgbClr val="000000"/>
                   </a:solidFill>
@@ -607,7 +607,7 @@
             </a:ln>
             <a:extLst>
               <a:ext uri="{91240B29-F687-4f45-9708-019B960494DF}">
-                <a14:hiddenLine xmlns:a14="http://schemas.microsoft.com/office/drawing/2010/main" xmlns="" w="9525">
+                <a14:hiddenLine xmlns="" xmlns:a14="http://schemas.microsoft.com/office/drawing/2010/main" w="9525">
                   <a:solidFill>
                     <a:srgbClr val="000000"/>
                   </a:solidFill>
@@ -669,7 +669,7 @@
             </a:ln>
             <a:extLst>
               <a:ext uri="{91240B29-F687-4f45-9708-019B960494DF}">
-                <a14:hiddenLine xmlns:a14="http://schemas.microsoft.com/office/drawing/2010/main" xmlns="" w="9525">
+                <a14:hiddenLine xmlns="" xmlns:a14="http://schemas.microsoft.com/office/drawing/2010/main" w="9525">
                   <a:solidFill>
                     <a:srgbClr val="000000"/>
                   </a:solidFill>
@@ -759,7 +759,7 @@
             </a:ln>
             <a:extLst>
               <a:ext uri="{91240B29-F687-4f45-9708-019B960494DF}">
-                <a14:hiddenLine xmlns:a14="http://schemas.microsoft.com/office/drawing/2010/main" xmlns="" w="9525">
+                <a14:hiddenLine xmlns="" xmlns:a14="http://schemas.microsoft.com/office/drawing/2010/main" w="9525">
                   <a:solidFill>
                     <a:srgbClr val="000000"/>
                   </a:solidFill>
@@ -821,7 +821,7 @@
             </a:ln>
             <a:extLst>
               <a:ext uri="{91240B29-F687-4f45-9708-019B960494DF}">
-                <a14:hiddenLine xmlns:a14="http://schemas.microsoft.com/office/drawing/2010/main" xmlns="" w="9525">
+                <a14:hiddenLine xmlns="" xmlns:a14="http://schemas.microsoft.com/office/drawing/2010/main" w="9525">
                   <a:solidFill>
                     <a:srgbClr val="000000"/>
                   </a:solidFill>
@@ -883,7 +883,7 @@
             </a:ln>
             <a:extLst>
               <a:ext uri="{91240B29-F687-4f45-9708-019B960494DF}">
-                <a14:hiddenLine xmlns:a14="http://schemas.microsoft.com/office/drawing/2010/main" xmlns="" w="9525">
+                <a14:hiddenLine xmlns="" xmlns:a14="http://schemas.microsoft.com/office/drawing/2010/main" w="9525">
                   <a:solidFill>
                     <a:srgbClr val="000000"/>
                   </a:solidFill>
@@ -973,7 +973,7 @@
             </a:ln>
             <a:extLst>
               <a:ext uri="{91240B29-F687-4f45-9708-019B960494DF}">
-                <a14:hiddenLine xmlns:a14="http://schemas.microsoft.com/office/drawing/2010/main" xmlns="" w="9525">
+                <a14:hiddenLine xmlns="" xmlns:a14="http://schemas.microsoft.com/office/drawing/2010/main" w="9525">
                   <a:solidFill>
                     <a:srgbClr val="000000"/>
                   </a:solidFill>
@@ -1063,7 +1063,7 @@
             </a:ln>
             <a:extLst>
               <a:ext uri="{91240B29-F687-4f45-9708-019B960494DF}">
-                <a14:hiddenLine xmlns:a14="http://schemas.microsoft.com/office/drawing/2010/main" xmlns="" w="9525">
+                <a14:hiddenLine xmlns="" xmlns:a14="http://schemas.microsoft.com/office/drawing/2010/main" w="9525">
                   <a:solidFill>
                     <a:srgbClr val="000000"/>
                   </a:solidFill>
@@ -1125,7 +1125,7 @@
             </a:ln>
             <a:extLst>
               <a:ext uri="{91240B29-F687-4f45-9708-019B960494DF}">
-                <a14:hiddenLine xmlns:a14="http://schemas.microsoft.com/office/drawing/2010/main" xmlns="" w="9525">
+                <a14:hiddenLine xmlns="" xmlns:a14="http://schemas.microsoft.com/office/drawing/2010/main" w="9525">
                   <a:solidFill>
                     <a:srgbClr val="000000"/>
                   </a:solidFill>
@@ -1235,7 +1235,7 @@
             </a:ln>
             <a:extLst>
               <a:ext uri="{91240B29-F687-4f45-9708-019B960494DF}">
-                <a14:hiddenLine xmlns:a14="http://schemas.microsoft.com/office/drawing/2010/main" xmlns="" w="9525">
+                <a14:hiddenLine xmlns="" xmlns:a14="http://schemas.microsoft.com/office/drawing/2010/main" w="9525">
                   <a:solidFill>
                     <a:srgbClr val="000000"/>
                   </a:solidFill>
@@ -1297,7 +1297,7 @@
             </a:ln>
             <a:extLst>
               <a:ext uri="{91240B29-F687-4f45-9708-019B960494DF}">
-                <a14:hiddenLine xmlns:a14="http://schemas.microsoft.com/office/drawing/2010/main" xmlns="" w="9525">
+                <a14:hiddenLine xmlns="" xmlns:a14="http://schemas.microsoft.com/office/drawing/2010/main" w="9525">
                   <a:solidFill>
                     <a:srgbClr val="000000"/>
                   </a:solidFill>
@@ -1387,7 +1387,7 @@
             </a:ln>
             <a:extLst>
               <a:ext uri="{91240B29-F687-4f45-9708-019B960494DF}">
-                <a14:hiddenLine xmlns:a14="http://schemas.microsoft.com/office/drawing/2010/main" xmlns="" w="9525">
+                <a14:hiddenLine xmlns="" xmlns:a14="http://schemas.microsoft.com/office/drawing/2010/main" w="9525">
                   <a:solidFill>
                     <a:srgbClr val="000000"/>
                   </a:solidFill>
@@ -1477,7 +1477,7 @@
             </a:ln>
             <a:extLst>
               <a:ext uri="{91240B29-F687-4f45-9708-019B960494DF}">
-                <a14:hiddenLine xmlns:a14="http://schemas.microsoft.com/office/drawing/2010/main" xmlns="" w="9525">
+                <a14:hiddenLine xmlns="" xmlns:a14="http://schemas.microsoft.com/office/drawing/2010/main" w="9525">
                   <a:solidFill>
                     <a:srgbClr val="000000"/>
                   </a:solidFill>
@@ -1539,7 +1539,7 @@
             </a:ln>
             <a:extLst>
               <a:ext uri="{91240B29-F687-4f45-9708-019B960494DF}">
-                <a14:hiddenLine xmlns:a14="http://schemas.microsoft.com/office/drawing/2010/main" xmlns="" w="9525">
+                <a14:hiddenLine xmlns="" xmlns:a14="http://schemas.microsoft.com/office/drawing/2010/main" w="9525">
                   <a:solidFill>
                     <a:srgbClr val="000000"/>
                   </a:solidFill>
@@ -1629,7 +1629,7 @@
             </a:ln>
             <a:extLst>
               <a:ext uri="{91240B29-F687-4f45-9708-019B960494DF}">
-                <a14:hiddenLine xmlns:a14="http://schemas.microsoft.com/office/drawing/2010/main" xmlns="" w="9525">
+                <a14:hiddenLine xmlns="" xmlns:a14="http://schemas.microsoft.com/office/drawing/2010/main" w="9525">
                   <a:solidFill>
                     <a:srgbClr val="000000"/>
                   </a:solidFill>
@@ -1719,7 +1719,7 @@
             </a:ln>
             <a:extLst>
               <a:ext uri="{91240B29-F687-4f45-9708-019B960494DF}">
-                <a14:hiddenLine xmlns:a14="http://schemas.microsoft.com/office/drawing/2010/main" xmlns="" w="9525">
+                <a14:hiddenLine xmlns="" xmlns:a14="http://schemas.microsoft.com/office/drawing/2010/main" w="9525">
                   <a:solidFill>
                     <a:srgbClr val="000000"/>
                   </a:solidFill>
@@ -1775,7 +1775,7 @@
             </a:ln>
             <a:extLst>
               <a:ext uri="{91240B29-F687-4f45-9708-019B960494DF}">
-                <a14:hiddenLine xmlns:a14="http://schemas.microsoft.com/office/drawing/2010/main" xmlns="" w="9525">
+                <a14:hiddenLine xmlns="" xmlns:a14="http://schemas.microsoft.com/office/drawing/2010/main" w="9525">
                   <a:solidFill>
                     <a:srgbClr val="000000"/>
                   </a:solidFill>
@@ -1865,7 +1865,7 @@
             </a:ln>
             <a:extLst>
               <a:ext uri="{91240B29-F687-4f45-9708-019B960494DF}">
-                <a14:hiddenLine xmlns:a14="http://schemas.microsoft.com/office/drawing/2010/main" xmlns="" w="9525">
+                <a14:hiddenLine xmlns="" xmlns:a14="http://schemas.microsoft.com/office/drawing/2010/main" w="9525">
                   <a:solidFill>
                     <a:srgbClr val="000000"/>
                   </a:solidFill>
@@ -1921,7 +1921,7 @@
             </a:ln>
             <a:extLst>
               <a:ext uri="{91240B29-F687-4f45-9708-019B960494DF}">
-                <a14:hiddenLine xmlns:a14="http://schemas.microsoft.com/office/drawing/2010/main" xmlns="" w="9525">
+                <a14:hiddenLine xmlns="" xmlns:a14="http://schemas.microsoft.com/office/drawing/2010/main" w="9525">
                   <a:solidFill>
                     <a:srgbClr val="000000"/>
                   </a:solidFill>
@@ -2011,7 +2011,7 @@
             </a:ln>
             <a:extLst>
               <a:ext uri="{91240B29-F687-4f45-9708-019B960494DF}">
-                <a14:hiddenLine xmlns:a14="http://schemas.microsoft.com/office/drawing/2010/main" xmlns="" w="9525">
+                <a14:hiddenLine xmlns="" xmlns:a14="http://schemas.microsoft.com/office/drawing/2010/main" w="9525">
                   <a:solidFill>
                     <a:srgbClr val="000000"/>
                   </a:solidFill>
@@ -2079,7 +2079,7 @@
             </a:ln>
             <a:extLst>
               <a:ext uri="{91240B29-F687-4f45-9708-019B960494DF}">
-                <a14:hiddenLine xmlns:a14="http://schemas.microsoft.com/office/drawing/2010/main" xmlns="" w="9525">
+                <a14:hiddenLine xmlns="" xmlns:a14="http://schemas.microsoft.com/office/drawing/2010/main" w="9525">
                   <a:solidFill>
                     <a:srgbClr val="000000"/>
                   </a:solidFill>
@@ -2169,7 +2169,7 @@
             </a:ln>
             <a:extLst>
               <a:ext uri="{91240B29-F687-4f45-9708-019B960494DF}">
-                <a14:hiddenLine xmlns:a14="http://schemas.microsoft.com/office/drawing/2010/main" xmlns="" w="9525">
+                <a14:hiddenLine xmlns="" xmlns:a14="http://schemas.microsoft.com/office/drawing/2010/main" w="9525">
                   <a:solidFill>
                     <a:srgbClr val="000000"/>
                   </a:solidFill>
@@ -2237,7 +2237,7 @@
             </a:ln>
             <a:extLst>
               <a:ext uri="{91240B29-F687-4f45-9708-019B960494DF}">
-                <a14:hiddenLine xmlns:a14="http://schemas.microsoft.com/office/drawing/2010/main" xmlns="" w="9525">
+                <a14:hiddenLine xmlns="" xmlns:a14="http://schemas.microsoft.com/office/drawing/2010/main" w="9525">
                   <a:solidFill>
                     <a:srgbClr val="000000"/>
                   </a:solidFill>
@@ -2327,7 +2327,7 @@
             </a:ln>
             <a:extLst>
               <a:ext uri="{91240B29-F687-4f45-9708-019B960494DF}">
-                <a14:hiddenLine xmlns:a14="http://schemas.microsoft.com/office/drawing/2010/main" xmlns="" w="9525">
+                <a14:hiddenLine xmlns="" xmlns:a14="http://schemas.microsoft.com/office/drawing/2010/main" w="9525">
                   <a:solidFill>
                     <a:srgbClr val="000000"/>
                   </a:solidFill>
@@ -2361,7 +2361,7 @@
             </a:ln>
             <a:extLst>
               <a:ext uri="{91240B29-F687-4f45-9708-019B960494DF}">
-                <a14:hiddenLine xmlns:a14="http://schemas.microsoft.com/office/drawing/2010/main" xmlns="" w="9525">
+                <a14:hiddenLine xmlns="" xmlns:a14="http://schemas.microsoft.com/office/drawing/2010/main" w="9525">
                   <a:solidFill>
                     <a:srgbClr val="000000"/>
                   </a:solidFill>
@@ -2451,7 +2451,7 @@
             </a:ln>
             <a:extLst>
               <a:ext uri="{91240B29-F687-4f45-9708-019B960494DF}">
-                <a14:hiddenLine xmlns:a14="http://schemas.microsoft.com/office/drawing/2010/main" xmlns="" w="9525">
+                <a14:hiddenLine xmlns="" xmlns:a14="http://schemas.microsoft.com/office/drawing/2010/main" w="9525">
                   <a:solidFill>
                     <a:srgbClr val="000000"/>
                   </a:solidFill>
@@ -2513,7 +2513,7 @@
             </a:ln>
             <a:extLst>
               <a:ext uri="{91240B29-F687-4f45-9708-019B960494DF}">
-                <a14:hiddenLine xmlns:a14="http://schemas.microsoft.com/office/drawing/2010/main" xmlns="" w="9525">
+                <a14:hiddenLine xmlns="" xmlns:a14="http://schemas.microsoft.com/office/drawing/2010/main" w="9525">
                   <a:solidFill>
                     <a:srgbClr val="000000"/>
                   </a:solidFill>
@@ -2575,7 +2575,7 @@
             </a:ln>
             <a:extLst>
               <a:ext uri="{91240B29-F687-4f45-9708-019B960494DF}">
-                <a14:hiddenLine xmlns:a14="http://schemas.microsoft.com/office/drawing/2010/main" xmlns="" w="9525">
+                <a14:hiddenLine xmlns="" xmlns:a14="http://schemas.microsoft.com/office/drawing/2010/main" w="9525">
                   <a:solidFill>
                     <a:srgbClr val="000000"/>
                   </a:solidFill>
@@ -2665,7 +2665,7 @@
             </a:ln>
             <a:extLst>
               <a:ext uri="{91240B29-F687-4f45-9708-019B960494DF}">
-                <a14:hiddenLine xmlns:a14="http://schemas.microsoft.com/office/drawing/2010/main" xmlns="" w="9525">
+                <a14:hiddenLine xmlns="" xmlns:a14="http://schemas.microsoft.com/office/drawing/2010/main" w="9525">
                   <a:solidFill>
                     <a:srgbClr val="000000"/>
                   </a:solidFill>
@@ -2733,7 +2733,7 @@
             </a:ln>
             <a:extLst>
               <a:ext uri="{91240B29-F687-4f45-9708-019B960494DF}">
-                <a14:hiddenLine xmlns:a14="http://schemas.microsoft.com/office/drawing/2010/main" xmlns="" w="9525">
+                <a14:hiddenLine xmlns="" xmlns:a14="http://schemas.microsoft.com/office/drawing/2010/main" w="9525">
                   <a:solidFill>
                     <a:srgbClr val="000000"/>
                   </a:solidFill>
@@ -2795,7 +2795,7 @@
             </a:ln>
             <a:extLst>
               <a:ext uri="{91240B29-F687-4f45-9708-019B960494DF}">
-                <a14:hiddenLine xmlns:a14="http://schemas.microsoft.com/office/drawing/2010/main" xmlns="" w="9525">
+                <a14:hiddenLine xmlns="" xmlns:a14="http://schemas.microsoft.com/office/drawing/2010/main" w="9525">
                   <a:solidFill>
                     <a:srgbClr val="000000"/>
                   </a:solidFill>
@@ -2885,7 +2885,7 @@
             </a:ln>
             <a:extLst>
               <a:ext uri="{91240B29-F687-4f45-9708-019B960494DF}">
-                <a14:hiddenLine xmlns:a14="http://schemas.microsoft.com/office/drawing/2010/main" xmlns="" w="9525">
+                <a14:hiddenLine xmlns="" xmlns:a14="http://schemas.microsoft.com/office/drawing/2010/main" w="9525">
                   <a:solidFill>
                     <a:srgbClr val="000000"/>
                   </a:solidFill>
@@ -2947,7 +2947,7 @@
             </a:ln>
             <a:extLst>
               <a:ext uri="{91240B29-F687-4f45-9708-019B960494DF}">
-                <a14:hiddenLine xmlns:a14="http://schemas.microsoft.com/office/drawing/2010/main" xmlns="" w="9525">
+                <a14:hiddenLine xmlns="" xmlns:a14="http://schemas.microsoft.com/office/drawing/2010/main" w="9525">
                   <a:solidFill>
                     <a:srgbClr val="000000"/>
                   </a:solidFill>
@@ -3037,7 +3037,7 @@
             </a:ln>
             <a:extLst>
               <a:ext uri="{91240B29-F687-4f45-9708-019B960494DF}">
-                <a14:hiddenLine xmlns:a14="http://schemas.microsoft.com/office/drawing/2010/main" xmlns="" w="9525">
+                <a14:hiddenLine xmlns="" xmlns:a14="http://schemas.microsoft.com/office/drawing/2010/main" w="9525">
                   <a:solidFill>
                     <a:srgbClr val="000000"/>
                   </a:solidFill>
@@ -3099,7 +3099,7 @@
             </a:ln>
             <a:extLst>
               <a:ext uri="{91240B29-F687-4f45-9708-019B960494DF}">
-                <a14:hiddenLine xmlns:a14="http://schemas.microsoft.com/office/drawing/2010/main" xmlns="" w="9525">
+                <a14:hiddenLine xmlns="" xmlns:a14="http://schemas.microsoft.com/office/drawing/2010/main" w="9525">
                   <a:solidFill>
                     <a:srgbClr val="000000"/>
                   </a:solidFill>
@@ -3189,7 +3189,7 @@
             </a:ln>
             <a:extLst>
               <a:ext uri="{91240B29-F687-4f45-9708-019B960494DF}">
-                <a14:hiddenLine xmlns:a14="http://schemas.microsoft.com/office/drawing/2010/main" xmlns="" w="9525">
+                <a14:hiddenLine xmlns="" xmlns:a14="http://schemas.microsoft.com/office/drawing/2010/main" w="9525">
                   <a:solidFill>
                     <a:srgbClr val="000000"/>
                   </a:solidFill>
@@ -3223,7 +3223,7 @@
             </a:ln>
             <a:extLst>
               <a:ext uri="{91240B29-F687-4f45-9708-019B960494DF}">
-                <a14:hiddenLine xmlns:a14="http://schemas.microsoft.com/office/drawing/2010/main" xmlns="" w="9525">
+                <a14:hiddenLine xmlns="" xmlns:a14="http://schemas.microsoft.com/office/drawing/2010/main" w="9525">
                   <a:solidFill>
                     <a:srgbClr val="000000"/>
                   </a:solidFill>
@@ -3288,7 +3288,7 @@
             </a:ln>
             <a:extLst>
               <a:ext uri="{91240B29-F687-4f45-9708-019B960494DF}">
-                <a14:hiddenLine xmlns:a14="http://schemas.microsoft.com/office/drawing/2010/main" xmlns="" w="9525">
+                <a14:hiddenLine xmlns="" xmlns:a14="http://schemas.microsoft.com/office/drawing/2010/main" w="9525">
                   <a:solidFill>
                     <a:srgbClr val="000000"/>
                   </a:solidFill>
@@ -3378,7 +3378,7 @@
             </a:ln>
             <a:extLst>
               <a:ext uri="{91240B29-F687-4f45-9708-019B960494DF}">
-                <a14:hiddenLine xmlns:a14="http://schemas.microsoft.com/office/drawing/2010/main" xmlns="" w="9525">
+                <a14:hiddenLine xmlns="" xmlns:a14="http://schemas.microsoft.com/office/drawing/2010/main" w="9525">
                   <a:solidFill>
                     <a:srgbClr val="000000"/>
                   </a:solidFill>
@@ -3440,7 +3440,7 @@
             </a:ln>
             <a:extLst>
               <a:ext uri="{91240B29-F687-4f45-9708-019B960494DF}">
-                <a14:hiddenLine xmlns:a14="http://schemas.microsoft.com/office/drawing/2010/main" xmlns="" w="9525">
+                <a14:hiddenLine xmlns="" xmlns:a14="http://schemas.microsoft.com/office/drawing/2010/main" w="9525">
                   <a:solidFill>
                     <a:srgbClr val="000000"/>
                   </a:solidFill>
@@ -3530,7 +3530,7 @@
             </a:ln>
             <a:extLst>
               <a:ext uri="{91240B29-F687-4f45-9708-019B960494DF}">
-                <a14:hiddenLine xmlns:a14="http://schemas.microsoft.com/office/drawing/2010/main" xmlns="" w="9525">
+                <a14:hiddenLine xmlns="" xmlns:a14="http://schemas.microsoft.com/office/drawing/2010/main" w="9525">
                   <a:solidFill>
                     <a:srgbClr val="000000"/>
                   </a:solidFill>
@@ -3620,7 +3620,7 @@
             </a:ln>
             <a:extLst>
               <a:ext uri="{91240B29-F687-4f45-9708-019B960494DF}">
-                <a14:hiddenLine xmlns:a14="http://schemas.microsoft.com/office/drawing/2010/main" xmlns="" w="9525">
+                <a14:hiddenLine xmlns="" xmlns:a14="http://schemas.microsoft.com/office/drawing/2010/main" w="9525">
                   <a:solidFill>
                     <a:srgbClr val="000000"/>
                   </a:solidFill>
@@ -3685,7 +3685,7 @@
             </a:ln>
             <a:extLst>
               <a:ext uri="{91240B29-F687-4f45-9708-019B960494DF}">
-                <a14:hiddenLine xmlns:a14="http://schemas.microsoft.com/office/drawing/2010/main" xmlns="" w="9525">
+                <a14:hiddenLine xmlns="" xmlns:a14="http://schemas.microsoft.com/office/drawing/2010/main" w="9525">
                   <a:solidFill>
                     <a:srgbClr val="000000"/>
                   </a:solidFill>
@@ -3747,7 +3747,7 @@
             </a:ln>
             <a:extLst>
               <a:ext uri="{91240B29-F687-4f45-9708-019B960494DF}">
-                <a14:hiddenLine xmlns:a14="http://schemas.microsoft.com/office/drawing/2010/main" xmlns="" w="9525">
+                <a14:hiddenLine xmlns="" xmlns:a14="http://schemas.microsoft.com/office/drawing/2010/main" w="9525">
                   <a:solidFill>
                     <a:srgbClr val="000000"/>
                   </a:solidFill>
@@ -3837,7 +3837,7 @@
             </a:ln>
             <a:extLst>
               <a:ext uri="{91240B29-F687-4f45-9708-019B960494DF}">
-                <a14:hiddenLine xmlns:a14="http://schemas.microsoft.com/office/drawing/2010/main" xmlns="" w="9525">
+                <a14:hiddenLine xmlns="" xmlns:a14="http://schemas.microsoft.com/office/drawing/2010/main" w="9525">
                   <a:solidFill>
                     <a:srgbClr val="000000"/>
                   </a:solidFill>
@@ -3927,7 +3927,7 @@
             </a:ln>
             <a:extLst>
               <a:ext uri="{91240B29-F687-4f45-9708-019B960494DF}">
-                <a14:hiddenLine xmlns:a14="http://schemas.microsoft.com/office/drawing/2010/main" xmlns="" w="9525">
+                <a14:hiddenLine xmlns="" xmlns:a14="http://schemas.microsoft.com/office/drawing/2010/main" w="9525">
                   <a:solidFill>
                     <a:srgbClr val="000000"/>
                   </a:solidFill>
@@ -3989,7 +3989,7 @@
             </a:ln>
             <a:extLst>
               <a:ext uri="{91240B29-F687-4f45-9708-019B960494DF}">
-                <a14:hiddenLine xmlns:a14="http://schemas.microsoft.com/office/drawing/2010/main" xmlns="" w="9525">
+                <a14:hiddenLine xmlns="" xmlns:a14="http://schemas.microsoft.com/office/drawing/2010/main" w="9525">
                   <a:solidFill>
                     <a:srgbClr val="000000"/>
                   </a:solidFill>
@@ -4109,7 +4109,7 @@
             </a:ln>
             <a:extLst>
               <a:ext uri="{91240B29-F687-4f45-9708-019B960494DF}">
-                <a14:hiddenLine xmlns:a14="http://schemas.microsoft.com/office/drawing/2010/main" xmlns="" w="9525">
+                <a14:hiddenLine xmlns="" xmlns:a14="http://schemas.microsoft.com/office/drawing/2010/main" w="9525">
                   <a:solidFill>
                     <a:srgbClr val="000000"/>
                   </a:solidFill>
@@ -4177,7 +4177,7 @@
             </a:ln>
             <a:extLst>
               <a:ext uri="{91240B29-F687-4f45-9708-019B960494DF}">
-                <a14:hiddenLine xmlns:a14="http://schemas.microsoft.com/office/drawing/2010/main" xmlns="" w="9525">
+                <a14:hiddenLine xmlns="" xmlns:a14="http://schemas.microsoft.com/office/drawing/2010/main" w="9525">
                   <a:solidFill>
                     <a:srgbClr val="000000"/>
                   </a:solidFill>
@@ -4267,7 +4267,7 @@
             </a:ln>
             <a:extLst>
               <a:ext uri="{91240B29-F687-4f45-9708-019B960494DF}">
-                <a14:hiddenLine xmlns:a14="http://schemas.microsoft.com/office/drawing/2010/main" xmlns="" w="9525">
+                <a14:hiddenLine xmlns="" xmlns:a14="http://schemas.microsoft.com/office/drawing/2010/main" w="9525">
                   <a:solidFill>
                     <a:srgbClr val="000000"/>
                   </a:solidFill>
@@ -4407,7 +4407,7 @@
           <a:p>
             <a:fld id="{48A87A34-81AB-432B-8DAE-1953F412C126}" type="datetimeFigureOut">
               <a:rPr lang="en-US" dirty="0"/>
-              <a:t>5/14/2022</a:t>
+              <a:t>7/7/2022</a:t>
             </a:fld>
             <a:endParaRPr lang="en-US" dirty="0"/>
           </a:p>
@@ -4669,7 +4669,7 @@
           <a:p>
             <a:fld id="{48A87A34-81AB-432B-8DAE-1953F412C126}" type="datetimeFigureOut">
               <a:rPr lang="en-US" dirty="0"/>
-              <a:t>5/14/2022</a:t>
+              <a:t>7/7/2022</a:t>
             </a:fld>
             <a:endParaRPr lang="en-US" dirty="0"/>
           </a:p>
@@ -4860,7 +4860,7 @@
           <a:p>
             <a:fld id="{48A87A34-81AB-432B-8DAE-1953F412C126}" type="datetimeFigureOut">
               <a:rPr lang="en-US" dirty="0"/>
-              <a:t>5/14/2022</a:t>
+              <a:t>7/7/2022</a:t>
             </a:fld>
             <a:endParaRPr lang="en-US" dirty="0"/>
           </a:p>
@@ -5118,7 +5118,7 @@
           <a:p>
             <a:fld id="{48A87A34-81AB-432B-8DAE-1953F412C126}" type="datetimeFigureOut">
               <a:rPr lang="en-US" dirty="0"/>
-              <a:t>5/14/2022</a:t>
+              <a:t>7/7/2022</a:t>
             </a:fld>
             <a:endParaRPr lang="en-US" dirty="0"/>
           </a:p>
@@ -5547,7 +5547,7 @@
           <a:p>
             <a:fld id="{48A87A34-81AB-432B-8DAE-1953F412C126}" type="datetimeFigureOut">
               <a:rPr lang="en-US" dirty="0"/>
-              <a:t>5/14/2022</a:t>
+              <a:t>7/7/2022</a:t>
             </a:fld>
             <a:endParaRPr lang="en-US" dirty="0"/>
           </a:p>
@@ -6088,7 +6088,7 @@
           <a:p>
             <a:fld id="{48A87A34-81AB-432B-8DAE-1953F412C126}" type="datetimeFigureOut">
               <a:rPr lang="en-US" dirty="0"/>
-              <a:t>5/14/2022</a:t>
+              <a:t>7/7/2022</a:t>
             </a:fld>
             <a:endParaRPr lang="en-US" dirty="0"/>
           </a:p>
@@ -6803,7 +6803,7 @@
           <a:p>
             <a:fld id="{48A87A34-81AB-432B-8DAE-1953F412C126}" type="datetimeFigureOut">
               <a:rPr lang="en-US" dirty="0"/>
-              <a:t>5/14/2022</a:t>
+              <a:t>7/7/2022</a:t>
             </a:fld>
             <a:endParaRPr lang="en-US" dirty="0"/>
           </a:p>
@@ -6968,7 +6968,7 @@
           <a:p>
             <a:fld id="{48A87A34-81AB-432B-8DAE-1953F412C126}" type="datetimeFigureOut">
               <a:rPr lang="en-US" dirty="0"/>
-              <a:t>5/14/2022</a:t>
+              <a:t>7/7/2022</a:t>
             </a:fld>
             <a:endParaRPr lang="en-US" dirty="0"/>
           </a:p>
@@ -7143,7 +7143,7 @@
           <a:p>
             <a:fld id="{48A87A34-81AB-432B-8DAE-1953F412C126}" type="datetimeFigureOut">
               <a:rPr lang="en-US" dirty="0"/>
-              <a:t>5/14/2022</a:t>
+              <a:t>7/7/2022</a:t>
             </a:fld>
             <a:endParaRPr lang="en-US" dirty="0"/>
           </a:p>
@@ -7308,7 +7308,7 @@
           <a:p>
             <a:fld id="{48A87A34-81AB-432B-8DAE-1953F412C126}" type="datetimeFigureOut">
               <a:rPr lang="en-US" dirty="0"/>
-              <a:t>5/14/2022</a:t>
+              <a:t>7/7/2022</a:t>
             </a:fld>
             <a:endParaRPr lang="en-US" dirty="0"/>
           </a:p>
@@ -7553,7 +7553,7 @@
           <a:p>
             <a:fld id="{48A87A34-81AB-432B-8DAE-1953F412C126}" type="datetimeFigureOut">
               <a:rPr lang="en-US" dirty="0"/>
-              <a:t>5/14/2022</a:t>
+              <a:t>7/7/2022</a:t>
             </a:fld>
             <a:endParaRPr lang="en-US" dirty="0"/>
           </a:p>
@@ -7780,7 +7780,7 @@
           <a:p>
             <a:fld id="{48A87A34-81AB-432B-8DAE-1953F412C126}" type="datetimeFigureOut">
               <a:rPr lang="en-US" dirty="0"/>
-              <a:t>5/14/2022</a:t>
+              <a:t>7/7/2022</a:t>
             </a:fld>
             <a:endParaRPr lang="en-US" dirty="0"/>
           </a:p>
@@ -8156,7 +8156,7 @@
           <a:p>
             <a:fld id="{48A87A34-81AB-432B-8DAE-1953F412C126}" type="datetimeFigureOut">
               <a:rPr lang="en-US" dirty="0"/>
-              <a:t>5/14/2022</a:t>
+              <a:t>7/7/2022</a:t>
             </a:fld>
             <a:endParaRPr lang="en-US" dirty="0"/>
           </a:p>
@@ -8269,7 +8269,7 @@
           <a:p>
             <a:fld id="{48A87A34-81AB-432B-8DAE-1953F412C126}" type="datetimeFigureOut">
               <a:rPr lang="en-US" dirty="0"/>
-              <a:t>5/14/2022</a:t>
+              <a:t>7/7/2022</a:t>
             </a:fld>
             <a:endParaRPr lang="en-US" dirty="0"/>
           </a:p>
@@ -8359,7 +8359,7 @@
           <a:p>
             <a:fld id="{48A87A34-81AB-432B-8DAE-1953F412C126}" type="datetimeFigureOut">
               <a:rPr lang="en-US" dirty="0"/>
-              <a:t>5/14/2022</a:t>
+              <a:t>7/7/2022</a:t>
             </a:fld>
             <a:endParaRPr lang="en-US" dirty="0"/>
           </a:p>
@@ -8603,7 +8603,7 @@
           <a:p>
             <a:fld id="{48A87A34-81AB-432B-8DAE-1953F412C126}" type="datetimeFigureOut">
               <a:rPr lang="en-US" dirty="0"/>
-              <a:t>5/14/2022</a:t>
+              <a:t>7/7/2022</a:t>
             </a:fld>
             <a:endParaRPr lang="en-US" dirty="0"/>
           </a:p>
@@ -8878,7 +8878,7 @@
           <a:p>
             <a:fld id="{48A87A34-81AB-432B-8DAE-1953F412C126}" type="datetimeFigureOut">
               <a:rPr lang="en-US" dirty="0"/>
-              <a:t>5/14/2022</a:t>
+              <a:t>7/7/2022</a:t>
             </a:fld>
             <a:endParaRPr lang="en-US" dirty="0"/>
           </a:p>
@@ -8989,7 +8989,7 @@
           <a:noFill/>
           <a:extLst>
             <a:ext uri="{909E8E84-426E-40dd-AFC4-6F175D3DCCD1}">
-              <a14:hiddenFill xmlns:a14="http://schemas.microsoft.com/office/drawing/2010/main" xmlns="">
+              <a14:hiddenFill xmlns="" xmlns:a14="http://schemas.microsoft.com/office/drawing/2010/main">
                 <a:solidFill>
                   <a:srgbClr val="FFFFFF"/>
                 </a:solidFill>
@@ -9063,7 +9063,7 @@
               </a:ln>
               <a:extLst>
                 <a:ext uri="{91240B29-F687-4f45-9708-019B960494DF}">
-                  <a14:hiddenLine xmlns:a14="http://schemas.microsoft.com/office/drawing/2010/main" xmlns="" w="9525">
+                  <a14:hiddenLine xmlns="" xmlns:a14="http://schemas.microsoft.com/office/drawing/2010/main" w="9525">
                     <a:solidFill>
                       <a:srgbClr val="000000"/>
                     </a:solidFill>
@@ -9153,7 +9153,7 @@
               </a:ln>
               <a:extLst>
                 <a:ext uri="{91240B29-F687-4f45-9708-019B960494DF}">
-                  <a14:hiddenLine xmlns:a14="http://schemas.microsoft.com/office/drawing/2010/main" xmlns="" w="9525">
+                  <a14:hiddenLine xmlns="" xmlns:a14="http://schemas.microsoft.com/office/drawing/2010/main" w="9525">
                     <a:solidFill>
                       <a:srgbClr val="000000"/>
                     </a:solidFill>
@@ -9243,7 +9243,7 @@
               </a:ln>
               <a:extLst>
                 <a:ext uri="{91240B29-F687-4f45-9708-019B960494DF}">
-                  <a14:hiddenLine xmlns:a14="http://schemas.microsoft.com/office/drawing/2010/main" xmlns="" w="9525">
+                  <a14:hiddenLine xmlns="" xmlns:a14="http://schemas.microsoft.com/office/drawing/2010/main" w="9525">
                     <a:solidFill>
                       <a:srgbClr val="000000"/>
                     </a:solidFill>
@@ -9305,7 +9305,7 @@
               </a:ln>
               <a:extLst>
                 <a:ext uri="{91240B29-F687-4f45-9708-019B960494DF}">
-                  <a14:hiddenLine xmlns:a14="http://schemas.microsoft.com/office/drawing/2010/main" xmlns="" w="9525">
+                  <a14:hiddenLine xmlns="" xmlns:a14="http://schemas.microsoft.com/office/drawing/2010/main" w="9525">
                     <a:solidFill>
                       <a:srgbClr val="000000"/>
                     </a:solidFill>
@@ -9395,7 +9395,7 @@
               </a:ln>
               <a:extLst>
                 <a:ext uri="{91240B29-F687-4f45-9708-019B960494DF}">
-                  <a14:hiddenLine xmlns:a14="http://schemas.microsoft.com/office/drawing/2010/main" xmlns="" w="9525">
+                  <a14:hiddenLine xmlns="" xmlns:a14="http://schemas.microsoft.com/office/drawing/2010/main" w="9525">
                     <a:solidFill>
                       <a:srgbClr val="000000"/>
                     </a:solidFill>
@@ -9457,7 +9457,7 @@
               </a:ln>
               <a:extLst>
                 <a:ext uri="{91240B29-F687-4f45-9708-019B960494DF}">
-                  <a14:hiddenLine xmlns:a14="http://schemas.microsoft.com/office/drawing/2010/main" xmlns="" w="9525">
+                  <a14:hiddenLine xmlns="" xmlns:a14="http://schemas.microsoft.com/office/drawing/2010/main" w="9525">
                     <a:solidFill>
                       <a:srgbClr val="000000"/>
                     </a:solidFill>
@@ -9519,7 +9519,7 @@
               </a:ln>
               <a:extLst>
                 <a:ext uri="{91240B29-F687-4f45-9708-019B960494DF}">
-                  <a14:hiddenLine xmlns:a14="http://schemas.microsoft.com/office/drawing/2010/main" xmlns="" w="9525">
+                  <a14:hiddenLine xmlns="" xmlns:a14="http://schemas.microsoft.com/office/drawing/2010/main" w="9525">
                     <a:solidFill>
                       <a:srgbClr val="000000"/>
                     </a:solidFill>
@@ -9609,7 +9609,7 @@
               </a:ln>
               <a:extLst>
                 <a:ext uri="{91240B29-F687-4f45-9708-019B960494DF}">
-                  <a14:hiddenLine xmlns:a14="http://schemas.microsoft.com/office/drawing/2010/main" xmlns="" w="9525">
+                  <a14:hiddenLine xmlns="" xmlns:a14="http://schemas.microsoft.com/office/drawing/2010/main" w="9525">
                     <a:solidFill>
                       <a:srgbClr val="000000"/>
                     </a:solidFill>
@@ -9699,7 +9699,7 @@
               </a:ln>
               <a:extLst>
                 <a:ext uri="{91240B29-F687-4f45-9708-019B960494DF}">
-                  <a14:hiddenLine xmlns:a14="http://schemas.microsoft.com/office/drawing/2010/main" xmlns="" w="9525">
+                  <a14:hiddenLine xmlns="" xmlns:a14="http://schemas.microsoft.com/office/drawing/2010/main" w="9525">
                     <a:solidFill>
                       <a:srgbClr val="000000"/>
                     </a:solidFill>
@@ -9761,7 +9761,7 @@
               </a:ln>
               <a:extLst>
                 <a:ext uri="{91240B29-F687-4f45-9708-019B960494DF}">
-                  <a14:hiddenLine xmlns:a14="http://schemas.microsoft.com/office/drawing/2010/main" xmlns="" w="9525">
+                  <a14:hiddenLine xmlns="" xmlns:a14="http://schemas.microsoft.com/office/drawing/2010/main" w="9525">
                     <a:solidFill>
                       <a:srgbClr val="000000"/>
                     </a:solidFill>
@@ -9871,7 +9871,7 @@
               </a:ln>
               <a:extLst>
                 <a:ext uri="{91240B29-F687-4f45-9708-019B960494DF}">
-                  <a14:hiddenLine xmlns:a14="http://schemas.microsoft.com/office/drawing/2010/main" xmlns="" w="9525">
+                  <a14:hiddenLine xmlns="" xmlns:a14="http://schemas.microsoft.com/office/drawing/2010/main" w="9525">
                     <a:solidFill>
                       <a:srgbClr val="000000"/>
                     </a:solidFill>
@@ -9955,7 +9955,7 @@
               </a:ln>
               <a:extLst>
                 <a:ext uri="{91240B29-F687-4f45-9708-019B960494DF}">
-                  <a14:hiddenLine xmlns:a14="http://schemas.microsoft.com/office/drawing/2010/main" xmlns="" w="9525">
+                  <a14:hiddenLine xmlns="" xmlns:a14="http://schemas.microsoft.com/office/drawing/2010/main" w="9525">
                     <a:solidFill>
                       <a:srgbClr val="000000"/>
                     </a:solidFill>
@@ -10017,7 +10017,7 @@
               </a:ln>
               <a:extLst>
                 <a:ext uri="{91240B29-F687-4f45-9708-019B960494DF}">
-                  <a14:hiddenLine xmlns:a14="http://schemas.microsoft.com/office/drawing/2010/main" xmlns="" w="9525">
+                  <a14:hiddenLine xmlns="" xmlns:a14="http://schemas.microsoft.com/office/drawing/2010/main" w="9525">
                     <a:solidFill>
                       <a:srgbClr val="000000"/>
                     </a:solidFill>
@@ -10079,7 +10079,7 @@
               </a:ln>
               <a:extLst>
                 <a:ext uri="{91240B29-F687-4f45-9708-019B960494DF}">
-                  <a14:hiddenLine xmlns:a14="http://schemas.microsoft.com/office/drawing/2010/main" xmlns="" w="9525">
+                  <a14:hiddenLine xmlns="" xmlns:a14="http://schemas.microsoft.com/office/drawing/2010/main" w="9525">
                     <a:solidFill>
                       <a:srgbClr val="000000"/>
                     </a:solidFill>
@@ -10169,7 +10169,7 @@
               </a:ln>
               <a:extLst>
                 <a:ext uri="{91240B29-F687-4f45-9708-019B960494DF}">
-                  <a14:hiddenLine xmlns:a14="http://schemas.microsoft.com/office/drawing/2010/main" xmlns="" w="9525">
+                  <a14:hiddenLine xmlns="" xmlns:a14="http://schemas.microsoft.com/office/drawing/2010/main" w="9525">
                     <a:solidFill>
                       <a:srgbClr val="000000"/>
                     </a:solidFill>
@@ -10203,7 +10203,7 @@
               </a:ln>
               <a:extLst>
                 <a:ext uri="{91240B29-F687-4f45-9708-019B960494DF}">
-                  <a14:hiddenLine xmlns:a14="http://schemas.microsoft.com/office/drawing/2010/main" xmlns="" w="9525">
+                  <a14:hiddenLine xmlns="" xmlns:a14="http://schemas.microsoft.com/office/drawing/2010/main" w="9525">
                     <a:solidFill>
                       <a:srgbClr val="000000"/>
                     </a:solidFill>
@@ -10268,7 +10268,7 @@
               </a:ln>
               <a:extLst>
                 <a:ext uri="{91240B29-F687-4f45-9708-019B960494DF}">
-                  <a14:hiddenLine xmlns:a14="http://schemas.microsoft.com/office/drawing/2010/main" xmlns="" w="9525">
+                  <a14:hiddenLine xmlns="" xmlns:a14="http://schemas.microsoft.com/office/drawing/2010/main" w="9525">
                     <a:solidFill>
                       <a:srgbClr val="000000"/>
                     </a:solidFill>
@@ -10358,7 +10358,7 @@
               </a:ln>
               <a:extLst>
                 <a:ext uri="{91240B29-F687-4f45-9708-019B960494DF}">
-                  <a14:hiddenLine xmlns:a14="http://schemas.microsoft.com/office/drawing/2010/main" xmlns="" w="9525">
+                  <a14:hiddenLine xmlns="" xmlns:a14="http://schemas.microsoft.com/office/drawing/2010/main" w="9525">
                     <a:solidFill>
                       <a:srgbClr val="000000"/>
                     </a:solidFill>
@@ -10420,7 +10420,7 @@
               </a:ln>
               <a:extLst>
                 <a:ext uri="{91240B29-F687-4f45-9708-019B960494DF}">
-                  <a14:hiddenLine xmlns:a14="http://schemas.microsoft.com/office/drawing/2010/main" xmlns="" w="9525">
+                  <a14:hiddenLine xmlns="" xmlns:a14="http://schemas.microsoft.com/office/drawing/2010/main" w="9525">
                     <a:solidFill>
                       <a:srgbClr val="000000"/>
                     </a:solidFill>
@@ -10510,7 +10510,7 @@
               </a:ln>
               <a:extLst>
                 <a:ext uri="{91240B29-F687-4f45-9708-019B960494DF}">
-                  <a14:hiddenLine xmlns:a14="http://schemas.microsoft.com/office/drawing/2010/main" xmlns="" w="9525">
+                  <a14:hiddenLine xmlns="" xmlns:a14="http://schemas.microsoft.com/office/drawing/2010/main" w="9525">
                     <a:solidFill>
                       <a:srgbClr val="000000"/>
                     </a:solidFill>
@@ -10575,7 +10575,7 @@
               </a:ln>
               <a:extLst>
                 <a:ext uri="{91240B29-F687-4f45-9708-019B960494DF}">
-                  <a14:hiddenLine xmlns:a14="http://schemas.microsoft.com/office/drawing/2010/main" xmlns="" w="9525">
+                  <a14:hiddenLine xmlns="" xmlns:a14="http://schemas.microsoft.com/office/drawing/2010/main" w="9525">
                     <a:solidFill>
                       <a:srgbClr val="000000"/>
                     </a:solidFill>
@@ -10637,7 +10637,7 @@
               </a:ln>
               <a:extLst>
                 <a:ext uri="{91240B29-F687-4f45-9708-019B960494DF}">
-                  <a14:hiddenLine xmlns:a14="http://schemas.microsoft.com/office/drawing/2010/main" xmlns="" w="9525">
+                  <a14:hiddenLine xmlns="" xmlns:a14="http://schemas.microsoft.com/office/drawing/2010/main" w="9525">
                     <a:solidFill>
                       <a:srgbClr val="000000"/>
                     </a:solidFill>
@@ -10727,7 +10727,7 @@
               </a:ln>
               <a:extLst>
                 <a:ext uri="{91240B29-F687-4f45-9708-019B960494DF}">
-                  <a14:hiddenLine xmlns:a14="http://schemas.microsoft.com/office/drawing/2010/main" xmlns="" w="9525">
+                  <a14:hiddenLine xmlns="" xmlns:a14="http://schemas.microsoft.com/office/drawing/2010/main" w="9525">
                     <a:solidFill>
                       <a:srgbClr val="000000"/>
                     </a:solidFill>
@@ -10817,7 +10817,7 @@
               </a:ln>
               <a:extLst>
                 <a:ext uri="{91240B29-F687-4f45-9708-019B960494DF}">
-                  <a14:hiddenLine xmlns:a14="http://schemas.microsoft.com/office/drawing/2010/main" xmlns="" w="9525">
+                  <a14:hiddenLine xmlns="" xmlns:a14="http://schemas.microsoft.com/office/drawing/2010/main" w="9525">
                     <a:solidFill>
                       <a:srgbClr val="000000"/>
                     </a:solidFill>
@@ -10882,7 +10882,7 @@
               </a:ln>
               <a:extLst>
                 <a:ext uri="{91240B29-F687-4f45-9708-019B960494DF}">
-                  <a14:hiddenLine xmlns:a14="http://schemas.microsoft.com/office/drawing/2010/main" xmlns="" w="9525">
+                  <a14:hiddenLine xmlns="" xmlns:a14="http://schemas.microsoft.com/office/drawing/2010/main" w="9525">
                     <a:solidFill>
                       <a:srgbClr val="000000"/>
                     </a:solidFill>
@@ -11002,7 +11002,7 @@
               </a:ln>
               <a:extLst>
                 <a:ext uri="{91240B29-F687-4f45-9708-019B960494DF}">
-                  <a14:hiddenLine xmlns:a14="http://schemas.microsoft.com/office/drawing/2010/main" xmlns="" w="9525">
+                  <a14:hiddenLine xmlns="" xmlns:a14="http://schemas.microsoft.com/office/drawing/2010/main" w="9525">
                     <a:solidFill>
                       <a:srgbClr val="000000"/>
                     </a:solidFill>
@@ -11100,7 +11100,7 @@
               </a:ln>
               <a:extLst>
                 <a:ext uri="{91240B29-F687-4f45-9708-019B960494DF}">
-                  <a14:hiddenLine xmlns:a14="http://schemas.microsoft.com/office/drawing/2010/main" xmlns="" w="9525">
+                  <a14:hiddenLine xmlns="" xmlns:a14="http://schemas.microsoft.com/office/drawing/2010/main" w="9525">
                     <a:solidFill>
                       <a:srgbClr val="000000"/>
                     </a:solidFill>
@@ -11215,7 +11215,7 @@
               </a:ln>
               <a:extLst>
                 <a:ext uri="{91240B29-F687-4f45-9708-019B960494DF}">
-                  <a14:hiddenLine xmlns:a14="http://schemas.microsoft.com/office/drawing/2010/main" xmlns="" w="9525">
+                  <a14:hiddenLine xmlns="" xmlns:a14="http://schemas.microsoft.com/office/drawing/2010/main" w="9525">
                     <a:solidFill>
                       <a:srgbClr val="000000"/>
                     </a:solidFill>
@@ -11305,7 +11305,7 @@
               </a:ln>
               <a:extLst>
                 <a:ext uri="{91240B29-F687-4f45-9708-019B960494DF}">
-                  <a14:hiddenLine xmlns:a14="http://schemas.microsoft.com/office/drawing/2010/main" xmlns="" w="9525">
+                  <a14:hiddenLine xmlns="" xmlns:a14="http://schemas.microsoft.com/office/drawing/2010/main" w="9525">
                     <a:solidFill>
                       <a:srgbClr val="000000"/>
                     </a:solidFill>
@@ -11370,7 +11370,7 @@
               </a:ln>
               <a:extLst>
                 <a:ext uri="{91240B29-F687-4f45-9708-019B960494DF}">
-                  <a14:hiddenLine xmlns:a14="http://schemas.microsoft.com/office/drawing/2010/main" xmlns="" w="9525">
+                  <a14:hiddenLine xmlns="" xmlns:a14="http://schemas.microsoft.com/office/drawing/2010/main" w="9525">
                     <a:solidFill>
                       <a:srgbClr val="000000"/>
                     </a:solidFill>
@@ -11460,7 +11460,7 @@
               </a:ln>
               <a:extLst>
                 <a:ext uri="{91240B29-F687-4f45-9708-019B960494DF}">
-                  <a14:hiddenLine xmlns:a14="http://schemas.microsoft.com/office/drawing/2010/main" xmlns="" w="9525">
+                  <a14:hiddenLine xmlns="" xmlns:a14="http://schemas.microsoft.com/office/drawing/2010/main" w="9525">
                     <a:solidFill>
                       <a:srgbClr val="000000"/>
                     </a:solidFill>
@@ -11528,7 +11528,7 @@
               </a:ln>
               <a:extLst>
                 <a:ext uri="{91240B29-F687-4f45-9708-019B960494DF}">
-                  <a14:hiddenLine xmlns:a14="http://schemas.microsoft.com/office/drawing/2010/main" xmlns="" w="9525">
+                  <a14:hiddenLine xmlns="" xmlns:a14="http://schemas.microsoft.com/office/drawing/2010/main" w="9525">
                     <a:solidFill>
                       <a:srgbClr val="000000"/>
                     </a:solidFill>
@@ -11618,7 +11618,7 @@
               </a:ln>
               <a:extLst>
                 <a:ext uri="{91240B29-F687-4f45-9708-019B960494DF}">
-                  <a14:hiddenLine xmlns:a14="http://schemas.microsoft.com/office/drawing/2010/main" xmlns="" w="9525">
+                  <a14:hiddenLine xmlns="" xmlns:a14="http://schemas.microsoft.com/office/drawing/2010/main" w="9525">
                     <a:solidFill>
                       <a:srgbClr val="000000"/>
                     </a:solidFill>
@@ -11686,7 +11686,7 @@
               </a:ln>
               <a:extLst>
                 <a:ext uri="{91240B29-F687-4f45-9708-019B960494DF}">
-                  <a14:hiddenLine xmlns:a14="http://schemas.microsoft.com/office/drawing/2010/main" xmlns="" w="9525">
+                  <a14:hiddenLine xmlns="" xmlns:a14="http://schemas.microsoft.com/office/drawing/2010/main" w="9525">
                     <a:solidFill>
                       <a:srgbClr val="000000"/>
                     </a:solidFill>
@@ -11776,7 +11776,7 @@
               </a:ln>
               <a:extLst>
                 <a:ext uri="{91240B29-F687-4f45-9708-019B960494DF}">
-                  <a14:hiddenLine xmlns:a14="http://schemas.microsoft.com/office/drawing/2010/main" xmlns="" w="9525">
+                  <a14:hiddenLine xmlns="" xmlns:a14="http://schemas.microsoft.com/office/drawing/2010/main" w="9525">
                     <a:solidFill>
                       <a:srgbClr val="000000"/>
                     </a:solidFill>
@@ -11810,7 +11810,7 @@
               </a:ln>
               <a:extLst>
                 <a:ext uri="{91240B29-F687-4f45-9708-019B960494DF}">
-                  <a14:hiddenLine xmlns:a14="http://schemas.microsoft.com/office/drawing/2010/main" xmlns="" w="9525">
+                  <a14:hiddenLine xmlns="" xmlns:a14="http://schemas.microsoft.com/office/drawing/2010/main" w="9525">
                     <a:solidFill>
                       <a:srgbClr val="000000"/>
                     </a:solidFill>
@@ -11951,7 +11951,7 @@
             <a:fld id="{48A87A34-81AB-432B-8DAE-1953F412C126}" type="datetimeFigureOut">
               <a:rPr lang="en-US" dirty="0"/>
               <a:pPr/>
-              <a:t>5/14/2022</a:t>
+              <a:t>7/7/2022</a:t>
             </a:fld>
             <a:endParaRPr lang="en-US" dirty="0"/>
           </a:p>
@@ -12752,7 +12752,21 @@
                 <a:latin typeface="Times New Roman" panose="02020603050405020304" pitchFamily="18" charset="0"/>
                 <a:cs typeface="Times New Roman" panose="02020603050405020304" pitchFamily="18" charset="0"/>
               </a:rPr>
-              <a:t>Amrutha(G-46) , Sanjal(G-45), Siddhant(G-45) and Abbas(G-48)</a:t>
+              <a:t>Amrutha(G-46) , </a:t>
+            </a:r>
+            <a:r>
+              <a:rPr lang="en-US" b="1" dirty="0" smtClean="0">
+                <a:latin typeface="Times New Roman" panose="02020603050405020304" pitchFamily="18" charset="0"/>
+                <a:cs typeface="Times New Roman" panose="02020603050405020304" pitchFamily="18" charset="0"/>
+              </a:rPr>
+              <a:t>Sanjal(G-42), </a:t>
+            </a:r>
+            <a:r>
+              <a:rPr lang="en-US" b="1" dirty="0" smtClean="0">
+                <a:latin typeface="Times New Roman" panose="02020603050405020304" pitchFamily="18" charset="0"/>
+                <a:cs typeface="Times New Roman" panose="02020603050405020304" pitchFamily="18" charset="0"/>
+              </a:rPr>
+              <a:t>Siddhant(G-45) and Abbas(G-48)</a:t>
             </a:r>
             <a:endParaRPr lang="en-US" b="1" cap="all" dirty="0">
               <a:latin typeface="Times New Roman" panose="02020603050405020304" pitchFamily="18" charset="0"/>
@@ -12822,6 +12836,13 @@
   <p:clrMapOvr>
     <a:masterClrMapping/>
   </p:clrMapOvr>
+  <p:timing>
+    <p:tnLst>
+      <p:par>
+        <p:cTn id="1" dur="indefinite" restart="never" nodeType="tmRoot"/>
+      </p:par>
+    </p:tnLst>
+  </p:timing>
 </p:sld>
 </file>
 
@@ -12953,6 +12974,13 @@
   <p:clrMapOvr>
     <a:masterClrMapping/>
   </p:clrMapOvr>
+  <p:timing>
+    <p:tnLst>
+      <p:par>
+        <p:cTn id="1" dur="indefinite" restart="never" nodeType="tmRoot"/>
+      </p:par>
+    </p:tnLst>
+  </p:timing>
 </p:sld>
 </file>
 
@@ -13039,12 +13067,13 @@
             </a:r>
             <a:r>
               <a:rPr lang="en-US" u="sng" dirty="0" smtClean="0"/>
-              <a:t>sense the force  </a:t>
-            </a:r>
-            <a:r>
-              <a:rPr lang="en-US" dirty="0" smtClean="0"/>
-              <a:t>and just add up some voltage to the main generation.</a:t>
-            </a:r>
+              <a:t>sense the </a:t>
+            </a:r>
+            <a:r>
+              <a:rPr lang="en-US" u="sng" dirty="0" smtClean="0"/>
+              <a:t>force.</a:t>
+            </a:r>
+            <a:endParaRPr lang="en-US" dirty="0" smtClean="0"/>
           </a:p>
           <a:p>
             <a:r>
@@ -13097,6 +13126,13 @@
   <p:clrMapOvr>
     <a:masterClrMapping/>
   </p:clrMapOvr>
+  <p:timing>
+    <p:tnLst>
+      <p:par>
+        <p:cTn id="1" dur="indefinite" restart="never" nodeType="tmRoot"/>
+      </p:par>
+    </p:tnLst>
+  </p:timing>
 </p:sld>
 </file>
 
@@ -13214,15 +13250,7 @@
             </a:pPr>
             <a:r>
               <a:rPr lang="en-US" dirty="0" smtClean="0"/>
-              <a:t>The material that we </a:t>
-            </a:r>
-            <a:r>
-              <a:rPr lang="en-US" dirty="0" smtClean="0"/>
-              <a:t>can use as </a:t>
-            </a:r>
-            <a:r>
-              <a:rPr lang="en-US" dirty="0" smtClean="0"/>
-              <a:t>piezo-electric is </a:t>
+              <a:t>The material that we can use as piezo-electric is </a:t>
             </a:r>
             <a:r>
               <a:rPr lang="en-US" u="sng" dirty="0" smtClean="0"/>
@@ -13288,6 +13316,13 @@
   <p:clrMapOvr>
     <a:masterClrMapping/>
   </p:clrMapOvr>
+  <p:timing>
+    <p:tnLst>
+      <p:par>
+        <p:cTn id="1" dur="indefinite" restart="never" nodeType="tmRoot"/>
+      </p:par>
+    </p:tnLst>
+  </p:timing>
 </p:sld>
 </file>
 
@@ -13427,6 +13462,13 @@
   <p:clrMapOvr>
     <a:masterClrMapping/>
   </p:clrMapOvr>
+  <p:timing>
+    <p:tnLst>
+      <p:par>
+        <p:cTn id="1" dur="indefinite" restart="never" nodeType="tmRoot"/>
+      </p:par>
+    </p:tnLst>
+  </p:timing>
 </p:sld>
 </file>
 
@@ -13531,7 +13573,6 @@
               <a:rPr lang="en-US" dirty="0" smtClean="0"/>
               <a:t>to supply to the load.</a:t>
             </a:r>
-            <a:endParaRPr lang="en-US" dirty="0" smtClean="0"/>
           </a:p>
           <a:p>
             <a:pPr marL="285750" indent="-285750"/>
@@ -13570,6 +13611,13 @@
   <p:clrMapOvr>
     <a:masterClrMapping/>
   </p:clrMapOvr>
+  <p:timing>
+    <p:tnLst>
+      <p:par>
+        <p:cTn id="1" dur="indefinite" restart="never" nodeType="tmRoot"/>
+      </p:par>
+    </p:tnLst>
+  </p:timing>
 </p:sld>
 </file>
 
@@ -13641,34 +13689,26 @@
         </p:nvSpPr>
         <p:spPr/>
         <p:txBody>
-          <a:bodyPr/>
+          <a:bodyPr>
+            <a:normAutofit fontScale="92500" lnSpcReduction="20000"/>
+          </a:bodyPr>
           <a:lstStyle/>
           <a:p>
             <a:r>
               <a:rPr lang="en-US" dirty="0" smtClean="0"/>
-              <a:t>A micro-controller is an integral part in any </a:t>
-            </a:r>
+              <a:t>A micro-controller is an integral part in any elctronic device.</a:t>
+            </a:r>
+          </a:p>
+          <a:p>
             <a:r>
               <a:rPr lang="en-US" dirty="0" smtClean="0"/>
-              <a:t>elctronic </a:t>
-            </a:r>
+              <a:t>We can use ARDUINO boards for this purpose.</a:t>
+            </a:r>
+          </a:p>
+          <a:p>
             <a:r>
               <a:rPr lang="en-US" dirty="0" smtClean="0"/>
-              <a:t>device.</a:t>
-            </a:r>
-          </a:p>
-          <a:p>
-            <a:r>
-              <a:rPr lang="en-US" dirty="0" smtClean="0"/>
-              <a:t>Data like amount power consumption , networking of the </a:t>
-            </a:r>
-            <a:r>
-              <a:rPr lang="en-US" dirty="0" smtClean="0"/>
-              <a:t>the</a:t>
-            </a:r>
-            <a:r>
-              <a:rPr lang="en-US" dirty="0" smtClean="0"/>
-              <a:t> circuit etc. can be fed to the microcontroller which processes and makes the changes.</a:t>
+              <a:t>Data like amount power consumption , networking of the the circuit, no. of appliances to be powered etc. can be fed to the microcontroller which processes and makes the changes.</a:t>
             </a:r>
           </a:p>
           <a:p>
@@ -13696,6 +13736,13 @@
   <p:clrMapOvr>
     <a:masterClrMapping/>
   </p:clrMapOvr>
+  <p:timing>
+    <p:tnLst>
+      <p:par>
+        <p:cTn id="1" dur="indefinite" restart="never" nodeType="tmRoot"/>
+      </p:par>
+    </p:tnLst>
+  </p:timing>
 </p:sld>
 </file>
 
@@ -13886,6 +13933,13 @@
   <p:clrMapOvr>
     <a:masterClrMapping/>
   </p:clrMapOvr>
+  <p:timing>
+    <p:tnLst>
+      <p:par>
+        <p:cTn id="1" dur="indefinite" restart="never" nodeType="tmRoot"/>
+      </p:par>
+    </p:tnLst>
+  </p:timing>
 </p:sld>
 </file>
 
@@ -14028,6 +14082,13 @@
   <p:clrMapOvr>
     <a:masterClrMapping/>
   </p:clrMapOvr>
+  <p:timing>
+    <p:tnLst>
+      <p:par>
+        <p:cTn id="1" dur="indefinite" restart="never" nodeType="tmRoot"/>
+      </p:par>
+    </p:tnLst>
+  </p:timing>
 </p:sld>
 </file>
 
@@ -14143,6 +14204,13 @@
   <p:clrMapOvr>
     <a:masterClrMapping/>
   </p:clrMapOvr>
+  <p:timing>
+    <p:tnLst>
+      <p:par>
+        <p:cTn id="1" dur="indefinite" restart="never" nodeType="tmRoot"/>
+      </p:par>
+    </p:tnLst>
+  </p:timing>
 </p:sld>
 </file>
 
@@ -14273,6 +14341,13 @@
   <p:clrMapOvr>
     <a:masterClrMapping/>
   </p:clrMapOvr>
+  <p:timing>
+    <p:tnLst>
+      <p:par>
+        <p:cTn id="1" dur="indefinite" restart="never" nodeType="tmRoot"/>
+      </p:par>
+    </p:tnLst>
+  </p:timing>
 </p:sld>
 </file>
 
@@ -14422,6 +14497,13 @@
   <p:clrMapOvr>
     <a:masterClrMapping/>
   </p:clrMapOvr>
+  <p:timing>
+    <p:tnLst>
+      <p:par>
+        <p:cTn id="1" dur="indefinite" restart="never" nodeType="tmRoot"/>
+      </p:par>
+    </p:tnLst>
+  </p:timing>
 </p:sld>
 </file>
 
@@ -14496,6 +14578,13 @@
   <p:clrMapOvr>
     <a:masterClrMapping/>
   </p:clrMapOvr>
+  <p:timing>
+    <p:tnLst>
+      <p:par>
+        <p:cTn id="1" dur="indefinite" restart="never" nodeType="tmRoot"/>
+      </p:par>
+    </p:tnLst>
+  </p:timing>
 </p:sld>
 </file>
 
@@ -14642,6 +14731,13 @@
   <p:clrMapOvr>
     <a:masterClrMapping/>
   </p:clrMapOvr>
+  <p:timing>
+    <p:tnLst>
+      <p:par>
+        <p:cTn id="1" dur="indefinite" restart="never" nodeType="tmRoot"/>
+      </p:par>
+    </p:tnLst>
+  </p:timing>
 </p:sld>
 </file>
 
@@ -14793,6 +14889,13 @@
   <p:clrMapOvr>
     <a:masterClrMapping/>
   </p:clrMapOvr>
+  <p:timing>
+    <p:tnLst>
+      <p:par>
+        <p:cTn id="1" dur="indefinite" restart="never" nodeType="tmRoot"/>
+      </p:par>
+    </p:tnLst>
+  </p:timing>
 </p:sld>
 </file>
 
@@ -14882,12 +14985,8 @@
               <a:t>One sample of the energy floor was installed at Nagpur Railway </a:t>
             </a:r>
             <a:r>
-              <a:rPr lang="en-US" dirty="0" err="1" smtClean="0"/>
-              <a:t>Station.His</a:t>
-            </a:r>
-            <a:r>
               <a:rPr lang="en-US" dirty="0" smtClean="0"/>
-              <a:t> </a:t>
+              <a:t>Station.His </a:t>
             </a:r>
             <a:r>
               <a:rPr lang="en-US" dirty="0"/>
@@ -14906,6 +15005,13 @@
   <p:clrMapOvr>
     <a:masterClrMapping/>
   </p:clrMapOvr>
+  <p:timing>
+    <p:tnLst>
+      <p:par>
+        <p:cTn id="1" dur="indefinite" restart="never" nodeType="tmRoot"/>
+      </p:par>
+    </p:tnLst>
+  </p:timing>
 </p:sld>
 </file>
 
@@ -15134,6 +15240,13 @@
   <p:clrMapOvr>
     <a:masterClrMapping/>
   </p:clrMapOvr>
+  <p:timing>
+    <p:tnLst>
+      <p:par>
+        <p:cTn id="1" dur="indefinite" restart="never" nodeType="tmRoot"/>
+      </p:par>
+    </p:tnLst>
+  </p:timing>
 </p:sld>
 </file>
 
@@ -15226,6 +15339,13 @@
   <p:clrMapOvr>
     <a:masterClrMapping/>
   </p:clrMapOvr>
+  <p:timing>
+    <p:tnLst>
+      <p:par>
+        <p:cTn id="1" dur="indefinite" restart="never" nodeType="tmRoot"/>
+      </p:par>
+    </p:tnLst>
+  </p:timing>
 </p:sld>
 </file>
 
@@ -15353,6 +15473,13 @@
   <p:clrMapOvr>
     <a:masterClrMapping/>
   </p:clrMapOvr>
+  <p:timing>
+    <p:tnLst>
+      <p:par>
+        <p:cTn id="1" dur="indefinite" restart="never" nodeType="tmRoot"/>
+      </p:par>
+    </p:tnLst>
+  </p:timing>
 </p:sld>
 </file>
 
@@ -15482,6 +15609,13 @@
   <p:clrMapOvr>
     <a:masterClrMapping/>
   </p:clrMapOvr>
+  <p:timing>
+    <p:tnLst>
+      <p:par>
+        <p:cTn id="1" dur="indefinite" restart="never" nodeType="tmRoot"/>
+      </p:par>
+    </p:tnLst>
+  </p:timing>
 </p:sld>
 </file>
 
